--- a/presentazione.pptx
+++ b/presentazione.pptx
@@ -27362,9 +27362,6 @@
                     <p:cTn id="3" fill="hold">
                       <p:stCondLst>
                         <p:cond delay="indefinite"/>
-                        <p:cond evt="onBegin" delay="0">
-                          <p:tn val="2"/>
-                        </p:cond>
                       </p:stCondLst>
                       <p:childTnLst>
                         <p:par>
@@ -27374,7 +27371,7 @@
                             </p:stCondLst>
                             <p:childTnLst>
                               <p:par>
-                                <p:cTn id="5" presetID="10" presetClass="entr" presetSubtype="0" fill="hold" grpId="0" nodeType="withEffect">
+                                <p:cTn id="5" presetID="10" presetClass="entr" presetSubtype="0" fill="hold" grpId="0" nodeType="clickEffect">
                                   <p:stCondLst>
                                     <p:cond delay="0"/>
                                   </p:stCondLst>

--- a/presentazione.pptx
+++ b/presentazione.pptx
@@ -8178,13 +8178,13 @@
   <p:clrMapOvr>
     <a:masterClrMapping/>
   </p:clrMapOvr>
-  <mc:AlternateContent xmlns:mc="http://schemas.openxmlformats.org/markup-compatibility/2006">
-    <mc:Choice xmlns:p159="http://schemas.microsoft.com/office/powerpoint/2015/09/main" Requires="p159">
+  <mc:AlternateContent xmlns:mc="http://schemas.openxmlformats.org/markup-compatibility/2006" xmlns:p159="http://schemas.microsoft.com/office/powerpoint/2015/09/main">
+    <mc:Choice Requires="p159">
       <p:transition xmlns:p14="http://schemas.microsoft.com/office/powerpoint/2010/main" spd="slow" p14:dur="2000">
         <p159:morph option="byObject"/>
       </p:transition>
     </mc:Choice>
-    <mc:Fallback>
+    <mc:Fallback xmlns="">
       <p:transition spd="slow">
         <p:fade/>
       </p:transition>
@@ -9311,13 +9311,13 @@
   <p:clrMapOvr>
     <a:masterClrMapping/>
   </p:clrMapOvr>
-  <mc:AlternateContent xmlns:mc="http://schemas.openxmlformats.org/markup-compatibility/2006">
-    <mc:Choice xmlns:p159="http://schemas.microsoft.com/office/powerpoint/2015/09/main" Requires="p159">
+  <mc:AlternateContent xmlns:mc="http://schemas.openxmlformats.org/markup-compatibility/2006" xmlns:p159="http://schemas.microsoft.com/office/powerpoint/2015/09/main">
+    <mc:Choice Requires="p159">
       <p:transition xmlns:p14="http://schemas.microsoft.com/office/powerpoint/2010/main" spd="slow" p14:dur="1750">
         <p159:morph option="byObject"/>
       </p:transition>
     </mc:Choice>
-    <mc:Fallback>
+    <mc:Fallback xmlns="">
       <p:transition spd="slow">
         <p:fade/>
       </p:transition>
@@ -12252,13 +12252,13 @@
   <p:clrMapOvr>
     <a:masterClrMapping/>
   </p:clrMapOvr>
-  <mc:AlternateContent xmlns:mc="http://schemas.openxmlformats.org/markup-compatibility/2006">
-    <mc:Choice xmlns:p159="http://schemas.microsoft.com/office/powerpoint/2015/09/main" Requires="p159">
+  <mc:AlternateContent xmlns:mc="http://schemas.openxmlformats.org/markup-compatibility/2006" xmlns:p159="http://schemas.microsoft.com/office/powerpoint/2015/09/main">
+    <mc:Choice Requires="p159">
       <p:transition xmlns:p14="http://schemas.microsoft.com/office/powerpoint/2010/main" spd="slow" p14:dur="2000">
         <p159:morph option="byObject"/>
       </p:transition>
     </mc:Choice>
-    <mc:Fallback>
+    <mc:Fallback xmlns="">
       <p:transition spd="slow">
         <p:fade/>
       </p:transition>
@@ -13385,13 +13385,13 @@
   <p:clrMapOvr>
     <a:masterClrMapping/>
   </p:clrMapOvr>
-  <mc:AlternateContent xmlns:mc="http://schemas.openxmlformats.org/markup-compatibility/2006">
-    <mc:Choice xmlns:p159="http://schemas.microsoft.com/office/powerpoint/2015/09/main" Requires="p159">
+  <mc:AlternateContent xmlns:mc="http://schemas.openxmlformats.org/markup-compatibility/2006" xmlns:p159="http://schemas.microsoft.com/office/powerpoint/2015/09/main">
+    <mc:Choice Requires="p159">
       <p:transition xmlns:p14="http://schemas.microsoft.com/office/powerpoint/2010/main" spd="slow" p14:dur="1750">
         <p159:morph option="byObject"/>
       </p:transition>
     </mc:Choice>
-    <mc:Fallback>
+    <mc:Fallback xmlns="">
       <p:transition spd="slow">
         <p:fade/>
       </p:transition>
@@ -27362,6 +27362,9 @@
                     <p:cTn id="3" fill="hold">
                       <p:stCondLst>
                         <p:cond delay="indefinite"/>
+                        <p:cond evt="onBegin" delay="0">
+                          <p:tn val="2"/>
+                        </p:cond>
                       </p:stCondLst>
                       <p:childTnLst>
                         <p:par>
@@ -27371,7 +27374,7 @@
                             </p:stCondLst>
                             <p:childTnLst>
                               <p:par>
-                                <p:cTn id="5" presetID="10" presetClass="entr" presetSubtype="0" fill="hold" grpId="0" nodeType="clickEffect">
+                                <p:cTn id="5" presetID="10" presetClass="entr" presetSubtype="0" fill="hold" grpId="0" nodeType="withEffect">
                                   <p:stCondLst>
                                     <p:cond delay="0"/>
                                   </p:stCondLst>
@@ -30276,13 +30279,13 @@
   <p:clrMapOvr>
     <a:masterClrMapping/>
   </p:clrMapOvr>
-  <mc:AlternateContent xmlns:mc="http://schemas.openxmlformats.org/markup-compatibility/2006">
-    <mc:Choice xmlns:p159="http://schemas.microsoft.com/office/powerpoint/2015/09/main" Requires="p159">
+  <mc:AlternateContent xmlns:mc="http://schemas.openxmlformats.org/markup-compatibility/2006" xmlns:p159="http://schemas.microsoft.com/office/powerpoint/2015/09/main">
+    <mc:Choice Requires="p159">
       <p:transition xmlns:p14="http://schemas.microsoft.com/office/powerpoint/2010/main" spd="slow" p14:dur="2000">
         <p159:morph option="byObject"/>
       </p:transition>
     </mc:Choice>
-    <mc:Fallback>
+    <mc:Fallback xmlns="">
       <p:transition spd="slow">
         <p:fade/>
       </p:transition>
@@ -31409,13 +31412,13 @@
   <p:clrMapOvr>
     <a:masterClrMapping/>
   </p:clrMapOvr>
-  <mc:AlternateContent xmlns:mc="http://schemas.openxmlformats.org/markup-compatibility/2006">
-    <mc:Choice xmlns:p159="http://schemas.microsoft.com/office/powerpoint/2015/09/main" Requires="p159">
+  <mc:AlternateContent xmlns:mc="http://schemas.openxmlformats.org/markup-compatibility/2006" xmlns:p159="http://schemas.microsoft.com/office/powerpoint/2015/09/main">
+    <mc:Choice Requires="p159">
       <p:transition xmlns:p14="http://schemas.microsoft.com/office/powerpoint/2010/main" spd="slow" p14:dur="1750">
         <p159:morph option="byObject"/>
       </p:transition>
     </mc:Choice>
-    <mc:Fallback>
+    <mc:Fallback xmlns="">
       <p:transition spd="slow">
         <p:fade/>
       </p:transition>

--- a/presentazione.pptx
+++ b/presentazione.pptx
@@ -11,52 +11,53 @@
     <p:sldId id="259" r:id="rId5"/>
     <p:sldId id="260" r:id="rId6"/>
     <p:sldId id="270" r:id="rId7"/>
-    <p:sldId id="272" r:id="rId8"/>
-    <p:sldId id="276" r:id="rId9"/>
-    <p:sldId id="273" r:id="rId10"/>
-    <p:sldId id="277" r:id="rId11"/>
-    <p:sldId id="274" r:id="rId12"/>
-    <p:sldId id="278" r:id="rId13"/>
-    <p:sldId id="275" r:id="rId14"/>
-    <p:sldId id="261" r:id="rId15"/>
+    <p:sldId id="279" r:id="rId8"/>
+    <p:sldId id="280" r:id="rId9"/>
+    <p:sldId id="281" r:id="rId10"/>
+    <p:sldId id="282" r:id="rId11"/>
+    <p:sldId id="283" r:id="rId12"/>
+    <p:sldId id="284" r:id="rId13"/>
+    <p:sldId id="285" r:id="rId14"/>
+    <p:sldId id="286" r:id="rId15"/>
+    <p:sldId id="261" r:id="rId16"/>
   </p:sldIdLst>
   <p:sldSz cx="12192000" cy="6858000"/>
   <p:notesSz cx="6858000" cy="9144000"/>
   <p:embeddedFontLst>
     <p:embeddedFont>
       <p:font typeface="Calibri" panose="020F0502020204030204" pitchFamily="34" charset="0"/>
-      <p:regular r:id="rId16"/>
-      <p:bold r:id="rId17"/>
-      <p:italic r:id="rId18"/>
-      <p:boldItalic r:id="rId19"/>
+      <p:regular r:id="rId17"/>
+      <p:bold r:id="rId18"/>
+      <p:italic r:id="rId19"/>
+      <p:boldItalic r:id="rId20"/>
     </p:embeddedFont>
     <p:embeddedFont>
       <p:font typeface="Calibri Light" panose="020F0302020204030204" pitchFamily="34" charset="0"/>
-      <p:regular r:id="rId20"/>
-      <p:italic r:id="rId21"/>
+      <p:regular r:id="rId21"/>
+      <p:italic r:id="rId22"/>
     </p:embeddedFont>
     <p:embeddedFont>
       <p:font typeface="Helvetica" panose="020B0604020202020204" pitchFamily="34" charset="0"/>
-      <p:regular r:id="rId22"/>
-      <p:bold r:id="rId23"/>
-      <p:italic r:id="rId24"/>
-      <p:boldItalic r:id="rId25"/>
+      <p:regular r:id="rId23"/>
+      <p:bold r:id="rId24"/>
+      <p:italic r:id="rId25"/>
+      <p:boldItalic r:id="rId26"/>
     </p:embeddedFont>
     <p:embeddedFont>
       <p:font typeface="Poppins Light" panose="00000400000000000000" pitchFamily="2" charset="0"/>
-      <p:regular r:id="rId26"/>
-      <p:italic r:id="rId27"/>
+      <p:regular r:id="rId27"/>
+      <p:italic r:id="rId28"/>
     </p:embeddedFont>
     <p:embeddedFont>
       <p:font typeface="Termina Light" panose="00000400000000000000" charset="0"/>
-      <p:regular r:id="rId28"/>
+      <p:regular r:id="rId29"/>
     </p:embeddedFont>
     <p:embeddedFont>
       <p:font typeface="The Sans Light-" panose="020B0604020202020204" charset="0"/>
-      <p:regular r:id="rId29"/>
-      <p:bold r:id="rId30"/>
-      <p:italic r:id="rId31"/>
-      <p:boldItalic r:id="rId32"/>
+      <p:regular r:id="rId30"/>
+      <p:bold r:id="rId31"/>
+      <p:italic r:id="rId32"/>
+      <p:boldItalic r:id="rId33"/>
     </p:embeddedFont>
   </p:embeddedFontLst>
   <p:defaultTextStyle>
@@ -363,7 +364,7 @@
           <a:p>
             <a:fld id="{D28215B0-70A9-403B-AFE3-EF59342E39CC}" type="slidenum">
               <a:rPr lang="en-US" smtClean="0"/>
-              <a:t>‹#›</a:t>
+              <a:t>‹N›</a:t>
             </a:fld>
             <a:endParaRPr lang="en-US"/>
           </a:p>
@@ -561,7 +562,7 @@
           <a:p>
             <a:fld id="{D28215B0-70A9-403B-AFE3-EF59342E39CC}" type="slidenum">
               <a:rPr lang="en-US" smtClean="0"/>
-              <a:t>‹#›</a:t>
+              <a:t>‹N›</a:t>
             </a:fld>
             <a:endParaRPr lang="en-US"/>
           </a:p>
@@ -769,7 +770,7 @@
           <a:p>
             <a:fld id="{D28215B0-70A9-403B-AFE3-EF59342E39CC}" type="slidenum">
               <a:rPr lang="en-US" smtClean="0"/>
-              <a:t>‹#›</a:t>
+              <a:t>‹N›</a:t>
             </a:fld>
             <a:endParaRPr lang="en-US"/>
           </a:p>
@@ -967,7 +968,7 @@
           <a:p>
             <a:fld id="{D28215B0-70A9-403B-AFE3-EF59342E39CC}" type="slidenum">
               <a:rPr lang="en-US" smtClean="0"/>
-              <a:t>‹#›</a:t>
+              <a:t>‹N›</a:t>
             </a:fld>
             <a:endParaRPr lang="en-US"/>
           </a:p>
@@ -1242,7 +1243,7 @@
           <a:p>
             <a:fld id="{D28215B0-70A9-403B-AFE3-EF59342E39CC}" type="slidenum">
               <a:rPr lang="en-US" smtClean="0"/>
-              <a:t>‹#›</a:t>
+              <a:t>‹N›</a:t>
             </a:fld>
             <a:endParaRPr lang="en-US"/>
           </a:p>
@@ -1507,7 +1508,7 @@
           <a:p>
             <a:fld id="{D28215B0-70A9-403B-AFE3-EF59342E39CC}" type="slidenum">
               <a:rPr lang="en-US" smtClean="0"/>
-              <a:t>‹#›</a:t>
+              <a:t>‹N›</a:t>
             </a:fld>
             <a:endParaRPr lang="en-US"/>
           </a:p>
@@ -1919,7 +1920,7 @@
           <a:p>
             <a:fld id="{D28215B0-70A9-403B-AFE3-EF59342E39CC}" type="slidenum">
               <a:rPr lang="en-US" smtClean="0"/>
-              <a:t>‹#›</a:t>
+              <a:t>‹N›</a:t>
             </a:fld>
             <a:endParaRPr lang="en-US"/>
           </a:p>
@@ -2060,7 +2061,7 @@
           <a:p>
             <a:fld id="{D28215B0-70A9-403B-AFE3-EF59342E39CC}" type="slidenum">
               <a:rPr lang="en-US" smtClean="0"/>
-              <a:t>‹#›</a:t>
+              <a:t>‹N›</a:t>
             </a:fld>
             <a:endParaRPr lang="en-US"/>
           </a:p>
@@ -2173,7 +2174,7 @@
           <a:p>
             <a:fld id="{D28215B0-70A9-403B-AFE3-EF59342E39CC}" type="slidenum">
               <a:rPr lang="en-US" smtClean="0"/>
-              <a:t>‹#›</a:t>
+              <a:t>‹N›</a:t>
             </a:fld>
             <a:endParaRPr lang="en-US"/>
           </a:p>
@@ -2484,7 +2485,7 @@
           <a:p>
             <a:fld id="{D28215B0-70A9-403B-AFE3-EF59342E39CC}" type="slidenum">
               <a:rPr lang="en-US" smtClean="0"/>
-              <a:t>‹#›</a:t>
+              <a:t>‹N›</a:t>
             </a:fld>
             <a:endParaRPr lang="en-US"/>
           </a:p>
@@ -2772,7 +2773,7 @@
           <a:p>
             <a:fld id="{D28215B0-70A9-403B-AFE3-EF59342E39CC}" type="slidenum">
               <a:rPr lang="en-US" smtClean="0"/>
-              <a:t>‹#›</a:t>
+              <a:t>‹N›</a:t>
             </a:fld>
             <a:endParaRPr lang="en-US"/>
           </a:p>
@@ -3049,7 +3050,7 @@
           <a:p>
             <a:fld id="{D28215B0-70A9-403B-AFE3-EF59342E39CC}" type="slidenum">
               <a:rPr lang="en-US" smtClean="0"/>
-              <a:t>‹#›</a:t>
+              <a:t>‹N›</a:t>
             </a:fld>
             <a:endParaRPr lang="en-US"/>
           </a:p>
@@ -8171,846 +8172,25 @@
     </p:spTree>
     <p:extLst>
       <p:ext uri="{BB962C8B-B14F-4D97-AF65-F5344CB8AC3E}">
-        <p14:creationId xmlns:p14="http://schemas.microsoft.com/office/powerpoint/2010/main" val="3998668533"/>
+        <p14:creationId xmlns:p14="http://schemas.microsoft.com/office/powerpoint/2010/main" val="452199104"/>
       </p:ext>
     </p:extLst>
   </p:cSld>
   <p:clrMapOvr>
     <a:masterClrMapping/>
   </p:clrMapOvr>
-  <mc:AlternateContent xmlns:mc="http://schemas.openxmlformats.org/markup-compatibility/2006" xmlns:p159="http://schemas.microsoft.com/office/powerpoint/2015/09/main">
-    <mc:Choice Requires="p159">
+  <mc:AlternateContent xmlns:mc="http://schemas.openxmlformats.org/markup-compatibility/2006">
+    <mc:Choice xmlns:p159="http://schemas.microsoft.com/office/powerpoint/2015/09/main" Requires="p159">
       <p:transition xmlns:p14="http://schemas.microsoft.com/office/powerpoint/2010/main" spd="slow" p14:dur="2000">
         <p159:morph option="byObject"/>
       </p:transition>
     </mc:Choice>
-    <mc:Fallback xmlns="">
+    <mc:Fallback>
       <p:transition spd="slow">
         <p:fade/>
       </p:transition>
     </mc:Fallback>
   </mc:AlternateContent>
-  <p:timing>
-    <p:tnLst>
-      <p:par>
-        <p:cTn id="1" dur="indefinite" restart="never" nodeType="tmRoot">
-          <p:childTnLst>
-            <p:seq concurrent="1" nextAc="seek">
-              <p:cTn id="2" dur="indefinite" nodeType="mainSeq">
-                <p:childTnLst>
-                  <p:par>
-                    <p:cTn id="3" fill="hold">
-                      <p:stCondLst>
-                        <p:cond delay="indefinite"/>
-                        <p:cond evt="onBegin" delay="0">
-                          <p:tn val="2"/>
-                        </p:cond>
-                      </p:stCondLst>
-                      <p:childTnLst>
-                        <p:par>
-                          <p:cTn id="4" fill="hold">
-                            <p:stCondLst>
-                              <p:cond delay="0"/>
-                            </p:stCondLst>
-                            <p:childTnLst>
-                              <p:par>
-                                <p:cTn id="5" presetID="2" presetClass="entr" presetSubtype="4" decel="100000" fill="hold" grpId="0" nodeType="withEffect">
-                                  <p:stCondLst>
-                                    <p:cond delay="0"/>
-                                  </p:stCondLst>
-                                  <p:childTnLst>
-                                    <p:set>
-                                      <p:cBhvr>
-                                        <p:cTn id="6" dur="1" fill="hold">
-                                          <p:stCondLst>
-                                            <p:cond delay="0"/>
-                                          </p:stCondLst>
-                                        </p:cTn>
-                                        <p:tgtEl>
-                                          <p:spTgt spid="6"/>
-                                        </p:tgtEl>
-                                        <p:attrNameLst>
-                                          <p:attrName>style.visibility</p:attrName>
-                                        </p:attrNameLst>
-                                      </p:cBhvr>
-                                      <p:to>
-                                        <p:strVal val="visible"/>
-                                      </p:to>
-                                    </p:set>
-                                    <p:anim calcmode="lin" valueType="num">
-                                      <p:cBhvr additive="base">
-                                        <p:cTn id="7" dur="1000" fill="hold"/>
-                                        <p:tgtEl>
-                                          <p:spTgt spid="6"/>
-                                        </p:tgtEl>
-                                        <p:attrNameLst>
-                                          <p:attrName>ppt_x</p:attrName>
-                                        </p:attrNameLst>
-                                      </p:cBhvr>
-                                      <p:tavLst>
-                                        <p:tav tm="0">
-                                          <p:val>
-                                            <p:strVal val="#ppt_x"/>
-                                          </p:val>
-                                        </p:tav>
-                                        <p:tav tm="100000">
-                                          <p:val>
-                                            <p:strVal val="#ppt_x"/>
-                                          </p:val>
-                                        </p:tav>
-                                      </p:tavLst>
-                                    </p:anim>
-                                    <p:anim calcmode="lin" valueType="num">
-                                      <p:cBhvr additive="base">
-                                        <p:cTn id="8" dur="1000" fill="hold"/>
-                                        <p:tgtEl>
-                                          <p:spTgt spid="6"/>
-                                        </p:tgtEl>
-                                        <p:attrNameLst>
-                                          <p:attrName>ppt_y</p:attrName>
-                                        </p:attrNameLst>
-                                      </p:cBhvr>
-                                      <p:tavLst>
-                                        <p:tav tm="0">
-                                          <p:val>
-                                            <p:strVal val="1+#ppt_h/2"/>
-                                          </p:val>
-                                        </p:tav>
-                                        <p:tav tm="100000">
-                                          <p:val>
-                                            <p:strVal val="#ppt_y"/>
-                                          </p:val>
-                                        </p:tav>
-                                      </p:tavLst>
-                                    </p:anim>
-                                  </p:childTnLst>
-                                </p:cTn>
-                              </p:par>
-                              <p:par>
-                                <p:cTn id="9" presetID="10" presetClass="entr" presetSubtype="0" fill="hold" grpId="0" nodeType="withEffect">
-                                  <p:stCondLst>
-                                    <p:cond delay="300"/>
-                                  </p:stCondLst>
-                                  <p:childTnLst>
-                                    <p:set>
-                                      <p:cBhvr>
-                                        <p:cTn id="10" dur="1" fill="hold">
-                                          <p:stCondLst>
-                                            <p:cond delay="0"/>
-                                          </p:stCondLst>
-                                        </p:cTn>
-                                        <p:tgtEl>
-                                          <p:spTgt spid="20"/>
-                                        </p:tgtEl>
-                                        <p:attrNameLst>
-                                          <p:attrName>style.visibility</p:attrName>
-                                        </p:attrNameLst>
-                                      </p:cBhvr>
-                                      <p:to>
-                                        <p:strVal val="visible"/>
-                                      </p:to>
-                                    </p:set>
-                                    <p:animEffect transition="in" filter="fade">
-                                      <p:cBhvr>
-                                        <p:cTn id="11" dur="500"/>
-                                        <p:tgtEl>
-                                          <p:spTgt spid="20"/>
-                                        </p:tgtEl>
-                                      </p:cBhvr>
-                                    </p:animEffect>
-                                  </p:childTnLst>
-                                </p:cTn>
-                              </p:par>
-                              <p:par>
-                                <p:cTn id="12" presetID="42" presetClass="path" presetSubtype="0" decel="100000" fill="hold" grpId="1" nodeType="withEffect">
-                                  <p:stCondLst>
-                                    <p:cond delay="300"/>
-                                  </p:stCondLst>
-                                  <p:childTnLst>
-                                    <p:animMotion origin="layout" path="M -2.08333E-6 -2.59259E-6 L -2.08333E-6 0.03797 " pathEditMode="relative" rAng="0" ptsTypes="AA">
-                                      <p:cBhvr>
-                                        <p:cTn id="13" dur="750" spd="-100000" fill="hold"/>
-                                        <p:tgtEl>
-                                          <p:spTgt spid="20"/>
-                                        </p:tgtEl>
-                                        <p:attrNameLst>
-                                          <p:attrName>ppt_x</p:attrName>
-                                          <p:attrName>ppt_y</p:attrName>
-                                        </p:attrNameLst>
-                                      </p:cBhvr>
-                                      <p:rCtr x="0" y="1898"/>
-                                    </p:animMotion>
-                                  </p:childTnLst>
-                                </p:cTn>
-                              </p:par>
-                              <p:par>
-                                <p:cTn id="14" presetID="10" presetClass="entr" presetSubtype="0" fill="hold" grpId="0" nodeType="withEffect">
-                                  <p:stCondLst>
-                                    <p:cond delay="500"/>
-                                  </p:stCondLst>
-                                  <p:childTnLst>
-                                    <p:set>
-                                      <p:cBhvr>
-                                        <p:cTn id="15" dur="1" fill="hold">
-                                          <p:stCondLst>
-                                            <p:cond delay="0"/>
-                                          </p:stCondLst>
-                                        </p:cTn>
-                                        <p:tgtEl>
-                                          <p:spTgt spid="25"/>
-                                        </p:tgtEl>
-                                        <p:attrNameLst>
-                                          <p:attrName>style.visibility</p:attrName>
-                                        </p:attrNameLst>
-                                      </p:cBhvr>
-                                      <p:to>
-                                        <p:strVal val="visible"/>
-                                      </p:to>
-                                    </p:set>
-                                    <p:animEffect transition="in" filter="fade">
-                                      <p:cBhvr>
-                                        <p:cTn id="16" dur="500"/>
-                                        <p:tgtEl>
-                                          <p:spTgt spid="25"/>
-                                        </p:tgtEl>
-                                      </p:cBhvr>
-                                    </p:animEffect>
-                                  </p:childTnLst>
-                                </p:cTn>
-                              </p:par>
-                              <p:par>
-                                <p:cTn id="17" presetID="42" presetClass="path" presetSubtype="0" decel="100000" fill="hold" grpId="1" nodeType="withEffect">
-                                  <p:stCondLst>
-                                    <p:cond delay="500"/>
-                                  </p:stCondLst>
-                                  <p:childTnLst>
-                                    <p:animMotion origin="layout" path="M -2.08333E-6 1.48148E-6 L -2.08333E-6 0.03796 " pathEditMode="relative" rAng="0" ptsTypes="AA">
-                                      <p:cBhvr>
-                                        <p:cTn id="18" dur="750" spd="-100000" fill="hold"/>
-                                        <p:tgtEl>
-                                          <p:spTgt spid="25"/>
-                                        </p:tgtEl>
-                                        <p:attrNameLst>
-                                          <p:attrName>ppt_x</p:attrName>
-                                          <p:attrName>ppt_y</p:attrName>
-                                        </p:attrNameLst>
-                                      </p:cBhvr>
-                                      <p:rCtr x="0" y="1898"/>
-                                    </p:animMotion>
-                                  </p:childTnLst>
-                                </p:cTn>
-                              </p:par>
-                              <p:par>
-                                <p:cTn id="19" presetID="2" presetClass="entr" presetSubtype="4" decel="100000" fill="hold" grpId="0" nodeType="withEffect">
-                                  <p:stCondLst>
-                                    <p:cond delay="200"/>
-                                  </p:stCondLst>
-                                  <p:childTnLst>
-                                    <p:set>
-                                      <p:cBhvr>
-                                        <p:cTn id="20" dur="1" fill="hold">
-                                          <p:stCondLst>
-                                            <p:cond delay="0"/>
-                                          </p:stCondLst>
-                                        </p:cTn>
-                                        <p:tgtEl>
-                                          <p:spTgt spid="16"/>
-                                        </p:tgtEl>
-                                        <p:attrNameLst>
-                                          <p:attrName>style.visibility</p:attrName>
-                                        </p:attrNameLst>
-                                      </p:cBhvr>
-                                      <p:to>
-                                        <p:strVal val="visible"/>
-                                      </p:to>
-                                    </p:set>
-                                    <p:anim calcmode="lin" valueType="num">
-                                      <p:cBhvr additive="base">
-                                        <p:cTn id="21" dur="1000" fill="hold"/>
-                                        <p:tgtEl>
-                                          <p:spTgt spid="16"/>
-                                        </p:tgtEl>
-                                        <p:attrNameLst>
-                                          <p:attrName>ppt_x</p:attrName>
-                                        </p:attrNameLst>
-                                      </p:cBhvr>
-                                      <p:tavLst>
-                                        <p:tav tm="0">
-                                          <p:val>
-                                            <p:strVal val="#ppt_x"/>
-                                          </p:val>
-                                        </p:tav>
-                                        <p:tav tm="100000">
-                                          <p:val>
-                                            <p:strVal val="#ppt_x"/>
-                                          </p:val>
-                                        </p:tav>
-                                      </p:tavLst>
-                                    </p:anim>
-                                    <p:anim calcmode="lin" valueType="num">
-                                      <p:cBhvr additive="base">
-                                        <p:cTn id="22" dur="1000" fill="hold"/>
-                                        <p:tgtEl>
-                                          <p:spTgt spid="16"/>
-                                        </p:tgtEl>
-                                        <p:attrNameLst>
-                                          <p:attrName>ppt_y</p:attrName>
-                                        </p:attrNameLst>
-                                      </p:cBhvr>
-                                      <p:tavLst>
-                                        <p:tav tm="0">
-                                          <p:val>
-                                            <p:strVal val="1+#ppt_h/2"/>
-                                          </p:val>
-                                        </p:tav>
-                                        <p:tav tm="100000">
-                                          <p:val>
-                                            <p:strVal val="#ppt_y"/>
-                                          </p:val>
-                                        </p:tav>
-                                      </p:tavLst>
-                                    </p:anim>
-                                  </p:childTnLst>
-                                </p:cTn>
-                              </p:par>
-                              <p:par>
-                                <p:cTn id="23" presetID="10" presetClass="entr" presetSubtype="0" fill="hold" grpId="0" nodeType="withEffect">
-                                  <p:stCondLst>
-                                    <p:cond delay="700"/>
-                                  </p:stCondLst>
-                                  <p:childTnLst>
-                                    <p:set>
-                                      <p:cBhvr>
-                                        <p:cTn id="24" dur="1" fill="hold">
-                                          <p:stCondLst>
-                                            <p:cond delay="0"/>
-                                          </p:stCondLst>
-                                        </p:cTn>
-                                        <p:tgtEl>
-                                          <p:spTgt spid="22"/>
-                                        </p:tgtEl>
-                                        <p:attrNameLst>
-                                          <p:attrName>style.visibility</p:attrName>
-                                        </p:attrNameLst>
-                                      </p:cBhvr>
-                                      <p:to>
-                                        <p:strVal val="visible"/>
-                                      </p:to>
-                                    </p:set>
-                                    <p:animEffect transition="in" filter="fade">
-                                      <p:cBhvr>
-                                        <p:cTn id="25" dur="500"/>
-                                        <p:tgtEl>
-                                          <p:spTgt spid="22"/>
-                                        </p:tgtEl>
-                                      </p:cBhvr>
-                                    </p:animEffect>
-                                  </p:childTnLst>
-                                </p:cTn>
-                              </p:par>
-                              <p:par>
-                                <p:cTn id="26" presetID="42" presetClass="path" presetSubtype="0" decel="100000" fill="hold" grpId="1" nodeType="withEffect">
-                                  <p:stCondLst>
-                                    <p:cond delay="700"/>
-                                  </p:stCondLst>
-                                  <p:childTnLst>
-                                    <p:animMotion origin="layout" path="M 2.70833E-6 -2.59259E-6 L 2.70833E-6 0.03797 " pathEditMode="relative" rAng="0" ptsTypes="AA">
-                                      <p:cBhvr>
-                                        <p:cTn id="27" dur="750" spd="-100000" fill="hold"/>
-                                        <p:tgtEl>
-                                          <p:spTgt spid="22"/>
-                                        </p:tgtEl>
-                                        <p:attrNameLst>
-                                          <p:attrName>ppt_x</p:attrName>
-                                          <p:attrName>ppt_y</p:attrName>
-                                        </p:attrNameLst>
-                                      </p:cBhvr>
-                                      <p:rCtr x="0" y="1898"/>
-                                    </p:animMotion>
-                                  </p:childTnLst>
-                                </p:cTn>
-                              </p:par>
-                              <p:par>
-                                <p:cTn id="28" presetID="10" presetClass="entr" presetSubtype="0" fill="hold" grpId="0" nodeType="withEffect">
-                                  <p:stCondLst>
-                                    <p:cond delay="900"/>
-                                  </p:stCondLst>
-                                  <p:childTnLst>
-                                    <p:set>
-                                      <p:cBhvr>
-                                        <p:cTn id="29" dur="1" fill="hold">
-                                          <p:stCondLst>
-                                            <p:cond delay="0"/>
-                                          </p:stCondLst>
-                                        </p:cTn>
-                                        <p:tgtEl>
-                                          <p:spTgt spid="29"/>
-                                        </p:tgtEl>
-                                        <p:attrNameLst>
-                                          <p:attrName>style.visibility</p:attrName>
-                                        </p:attrNameLst>
-                                      </p:cBhvr>
-                                      <p:to>
-                                        <p:strVal val="visible"/>
-                                      </p:to>
-                                    </p:set>
-                                    <p:animEffect transition="in" filter="fade">
-                                      <p:cBhvr>
-                                        <p:cTn id="30" dur="500"/>
-                                        <p:tgtEl>
-                                          <p:spTgt spid="29"/>
-                                        </p:tgtEl>
-                                      </p:cBhvr>
-                                    </p:animEffect>
-                                  </p:childTnLst>
-                                </p:cTn>
-                              </p:par>
-                              <p:par>
-                                <p:cTn id="31" presetID="42" presetClass="path" presetSubtype="0" decel="100000" fill="hold" grpId="1" nodeType="withEffect">
-                                  <p:stCondLst>
-                                    <p:cond delay="900"/>
-                                  </p:stCondLst>
-                                  <p:childTnLst>
-                                    <p:animMotion origin="layout" path="M 2.70833E-6 -3.33333E-6 L 2.70833E-6 0.03797 " pathEditMode="relative" rAng="0" ptsTypes="AA">
-                                      <p:cBhvr>
-                                        <p:cTn id="32" dur="750" spd="-100000" fill="hold"/>
-                                        <p:tgtEl>
-                                          <p:spTgt spid="29"/>
-                                        </p:tgtEl>
-                                        <p:attrNameLst>
-                                          <p:attrName>ppt_x</p:attrName>
-                                          <p:attrName>ppt_y</p:attrName>
-                                        </p:attrNameLst>
-                                      </p:cBhvr>
-                                      <p:rCtr x="0" y="1898"/>
-                                    </p:animMotion>
-                                  </p:childTnLst>
-                                </p:cTn>
-                              </p:par>
-                              <p:par>
-                                <p:cTn id="33" presetID="2" presetClass="entr" presetSubtype="4" decel="100000" fill="hold" grpId="0" nodeType="withEffect">
-                                  <p:stCondLst>
-                                    <p:cond delay="400"/>
-                                  </p:stCondLst>
-                                  <p:childTnLst>
-                                    <p:set>
-                                      <p:cBhvr>
-                                        <p:cTn id="34" dur="1" fill="hold">
-                                          <p:stCondLst>
-                                            <p:cond delay="0"/>
-                                          </p:stCondLst>
-                                        </p:cTn>
-                                        <p:tgtEl>
-                                          <p:spTgt spid="17"/>
-                                        </p:tgtEl>
-                                        <p:attrNameLst>
-                                          <p:attrName>style.visibility</p:attrName>
-                                        </p:attrNameLst>
-                                      </p:cBhvr>
-                                      <p:to>
-                                        <p:strVal val="visible"/>
-                                      </p:to>
-                                    </p:set>
-                                    <p:anim calcmode="lin" valueType="num">
-                                      <p:cBhvr additive="base">
-                                        <p:cTn id="35" dur="1000" fill="hold"/>
-                                        <p:tgtEl>
-                                          <p:spTgt spid="17"/>
-                                        </p:tgtEl>
-                                        <p:attrNameLst>
-                                          <p:attrName>ppt_x</p:attrName>
-                                        </p:attrNameLst>
-                                      </p:cBhvr>
-                                      <p:tavLst>
-                                        <p:tav tm="0">
-                                          <p:val>
-                                            <p:strVal val="#ppt_x"/>
-                                          </p:val>
-                                        </p:tav>
-                                        <p:tav tm="100000">
-                                          <p:val>
-                                            <p:strVal val="#ppt_x"/>
-                                          </p:val>
-                                        </p:tav>
-                                      </p:tavLst>
-                                    </p:anim>
-                                    <p:anim calcmode="lin" valueType="num">
-                                      <p:cBhvr additive="base">
-                                        <p:cTn id="36" dur="1000" fill="hold"/>
-                                        <p:tgtEl>
-                                          <p:spTgt spid="17"/>
-                                        </p:tgtEl>
-                                        <p:attrNameLst>
-                                          <p:attrName>ppt_y</p:attrName>
-                                        </p:attrNameLst>
-                                      </p:cBhvr>
-                                      <p:tavLst>
-                                        <p:tav tm="0">
-                                          <p:val>
-                                            <p:strVal val="1+#ppt_h/2"/>
-                                          </p:val>
-                                        </p:tav>
-                                        <p:tav tm="100000">
-                                          <p:val>
-                                            <p:strVal val="#ppt_y"/>
-                                          </p:val>
-                                        </p:tav>
-                                      </p:tavLst>
-                                    </p:anim>
-                                  </p:childTnLst>
-                                </p:cTn>
-                              </p:par>
-                              <p:par>
-                                <p:cTn id="37" presetID="10" presetClass="entr" presetSubtype="0" fill="hold" grpId="0" nodeType="withEffect">
-                                  <p:stCondLst>
-                                    <p:cond delay="1100"/>
-                                  </p:stCondLst>
-                                  <p:childTnLst>
-                                    <p:set>
-                                      <p:cBhvr>
-                                        <p:cTn id="38" dur="1" fill="hold">
-                                          <p:stCondLst>
-                                            <p:cond delay="0"/>
-                                          </p:stCondLst>
-                                        </p:cTn>
-                                        <p:tgtEl>
-                                          <p:spTgt spid="23"/>
-                                        </p:tgtEl>
-                                        <p:attrNameLst>
-                                          <p:attrName>style.visibility</p:attrName>
-                                        </p:attrNameLst>
-                                      </p:cBhvr>
-                                      <p:to>
-                                        <p:strVal val="visible"/>
-                                      </p:to>
-                                    </p:set>
-                                    <p:animEffect transition="in" filter="fade">
-                                      <p:cBhvr>
-                                        <p:cTn id="39" dur="500"/>
-                                        <p:tgtEl>
-                                          <p:spTgt spid="23"/>
-                                        </p:tgtEl>
-                                      </p:cBhvr>
-                                    </p:animEffect>
-                                  </p:childTnLst>
-                                </p:cTn>
-                              </p:par>
-                              <p:par>
-                                <p:cTn id="40" presetID="42" presetClass="path" presetSubtype="0" decel="100000" fill="hold" grpId="1" nodeType="withEffect">
-                                  <p:stCondLst>
-                                    <p:cond delay="1100"/>
-                                  </p:stCondLst>
-                                  <p:childTnLst>
-                                    <p:animMotion origin="layout" path="M -2.70833E-6 -2.59259E-6 L -2.70833E-6 0.03797 " pathEditMode="relative" rAng="0" ptsTypes="AA">
-                                      <p:cBhvr>
-                                        <p:cTn id="41" dur="750" spd="-100000" fill="hold"/>
-                                        <p:tgtEl>
-                                          <p:spTgt spid="23"/>
-                                        </p:tgtEl>
-                                        <p:attrNameLst>
-                                          <p:attrName>ppt_x</p:attrName>
-                                          <p:attrName>ppt_y</p:attrName>
-                                        </p:attrNameLst>
-                                      </p:cBhvr>
-                                      <p:rCtr x="0" y="1898"/>
-                                    </p:animMotion>
-                                  </p:childTnLst>
-                                </p:cTn>
-                              </p:par>
-                              <p:par>
-                                <p:cTn id="42" presetID="10" presetClass="entr" presetSubtype="0" fill="hold" grpId="0" nodeType="withEffect">
-                                  <p:stCondLst>
-                                    <p:cond delay="1300"/>
-                                  </p:stCondLst>
-                                  <p:childTnLst>
-                                    <p:set>
-                                      <p:cBhvr>
-                                        <p:cTn id="43" dur="1" fill="hold">
-                                          <p:stCondLst>
-                                            <p:cond delay="0"/>
-                                          </p:stCondLst>
-                                        </p:cTn>
-                                        <p:tgtEl>
-                                          <p:spTgt spid="30"/>
-                                        </p:tgtEl>
-                                        <p:attrNameLst>
-                                          <p:attrName>style.visibility</p:attrName>
-                                        </p:attrNameLst>
-                                      </p:cBhvr>
-                                      <p:to>
-                                        <p:strVal val="visible"/>
-                                      </p:to>
-                                    </p:set>
-                                    <p:animEffect transition="in" filter="fade">
-                                      <p:cBhvr>
-                                        <p:cTn id="44" dur="500"/>
-                                        <p:tgtEl>
-                                          <p:spTgt spid="30"/>
-                                        </p:tgtEl>
-                                      </p:cBhvr>
-                                    </p:animEffect>
-                                  </p:childTnLst>
-                                </p:cTn>
-                              </p:par>
-                              <p:par>
-                                <p:cTn id="45" presetID="42" presetClass="path" presetSubtype="0" decel="100000" fill="hold" grpId="1" nodeType="withEffect">
-                                  <p:stCondLst>
-                                    <p:cond delay="1300"/>
-                                  </p:stCondLst>
-                                  <p:childTnLst>
-                                    <p:animMotion origin="layout" path="M -2.5E-6 1.48148E-6 L -2.5E-6 0.03796 " pathEditMode="relative" rAng="0" ptsTypes="AA">
-                                      <p:cBhvr>
-                                        <p:cTn id="46" dur="750" spd="-100000" fill="hold"/>
-                                        <p:tgtEl>
-                                          <p:spTgt spid="30"/>
-                                        </p:tgtEl>
-                                        <p:attrNameLst>
-                                          <p:attrName>ppt_x</p:attrName>
-                                          <p:attrName>ppt_y</p:attrName>
-                                        </p:attrNameLst>
-                                      </p:cBhvr>
-                                      <p:rCtr x="0" y="1898"/>
-                                    </p:animMotion>
-                                  </p:childTnLst>
-                                </p:cTn>
-                              </p:par>
-                              <p:par>
-                                <p:cTn id="47" presetID="2" presetClass="entr" presetSubtype="4" decel="100000" fill="hold" grpId="0" nodeType="withEffect">
-                                  <p:stCondLst>
-                                    <p:cond delay="600"/>
-                                  </p:stCondLst>
-                                  <p:childTnLst>
-                                    <p:set>
-                                      <p:cBhvr>
-                                        <p:cTn id="48" dur="1" fill="hold">
-                                          <p:stCondLst>
-                                            <p:cond delay="0"/>
-                                          </p:stCondLst>
-                                        </p:cTn>
-                                        <p:tgtEl>
-                                          <p:spTgt spid="18"/>
-                                        </p:tgtEl>
-                                        <p:attrNameLst>
-                                          <p:attrName>style.visibility</p:attrName>
-                                        </p:attrNameLst>
-                                      </p:cBhvr>
-                                      <p:to>
-                                        <p:strVal val="visible"/>
-                                      </p:to>
-                                    </p:set>
-                                    <p:anim calcmode="lin" valueType="num">
-                                      <p:cBhvr additive="base">
-                                        <p:cTn id="49" dur="1000" fill="hold"/>
-                                        <p:tgtEl>
-                                          <p:spTgt spid="18"/>
-                                        </p:tgtEl>
-                                        <p:attrNameLst>
-                                          <p:attrName>ppt_x</p:attrName>
-                                        </p:attrNameLst>
-                                      </p:cBhvr>
-                                      <p:tavLst>
-                                        <p:tav tm="0">
-                                          <p:val>
-                                            <p:strVal val="#ppt_x"/>
-                                          </p:val>
-                                        </p:tav>
-                                        <p:tav tm="100000">
-                                          <p:val>
-                                            <p:strVal val="#ppt_x"/>
-                                          </p:val>
-                                        </p:tav>
-                                      </p:tavLst>
-                                    </p:anim>
-                                    <p:anim calcmode="lin" valueType="num">
-                                      <p:cBhvr additive="base">
-                                        <p:cTn id="50" dur="1000" fill="hold"/>
-                                        <p:tgtEl>
-                                          <p:spTgt spid="18"/>
-                                        </p:tgtEl>
-                                        <p:attrNameLst>
-                                          <p:attrName>ppt_y</p:attrName>
-                                        </p:attrNameLst>
-                                      </p:cBhvr>
-                                      <p:tavLst>
-                                        <p:tav tm="0">
-                                          <p:val>
-                                            <p:strVal val="1+#ppt_h/2"/>
-                                          </p:val>
-                                        </p:tav>
-                                        <p:tav tm="100000">
-                                          <p:val>
-                                            <p:strVal val="#ppt_y"/>
-                                          </p:val>
-                                        </p:tav>
-                                      </p:tavLst>
-                                    </p:anim>
-                                  </p:childTnLst>
-                                </p:cTn>
-                              </p:par>
-                              <p:par>
-                                <p:cTn id="51" presetID="10" presetClass="entr" presetSubtype="0" fill="hold" grpId="0" nodeType="withEffect">
-                                  <p:stCondLst>
-                                    <p:cond delay="1500"/>
-                                  </p:stCondLst>
-                                  <p:childTnLst>
-                                    <p:set>
-                                      <p:cBhvr>
-                                        <p:cTn id="52" dur="1" fill="hold">
-                                          <p:stCondLst>
-                                            <p:cond delay="0"/>
-                                          </p:stCondLst>
-                                        </p:cTn>
-                                        <p:tgtEl>
-                                          <p:spTgt spid="24"/>
-                                        </p:tgtEl>
-                                        <p:attrNameLst>
-                                          <p:attrName>style.visibility</p:attrName>
-                                        </p:attrNameLst>
-                                      </p:cBhvr>
-                                      <p:to>
-                                        <p:strVal val="visible"/>
-                                      </p:to>
-                                    </p:set>
-                                    <p:animEffect transition="in" filter="fade">
-                                      <p:cBhvr>
-                                        <p:cTn id="53" dur="500"/>
-                                        <p:tgtEl>
-                                          <p:spTgt spid="24"/>
-                                        </p:tgtEl>
-                                      </p:cBhvr>
-                                    </p:animEffect>
-                                  </p:childTnLst>
-                                </p:cTn>
-                              </p:par>
-                              <p:par>
-                                <p:cTn id="54" presetID="42" presetClass="path" presetSubtype="0" decel="100000" fill="hold" grpId="1" nodeType="withEffect">
-                                  <p:stCondLst>
-                                    <p:cond delay="1500"/>
-                                  </p:stCondLst>
-                                  <p:childTnLst>
-                                    <p:animMotion origin="layout" path="M 2.08333E-6 -2.59259E-6 L 2.08333E-6 0.03797 " pathEditMode="relative" rAng="0" ptsTypes="AA">
-                                      <p:cBhvr>
-                                        <p:cTn id="55" dur="750" spd="-100000" fill="hold"/>
-                                        <p:tgtEl>
-                                          <p:spTgt spid="24"/>
-                                        </p:tgtEl>
-                                        <p:attrNameLst>
-                                          <p:attrName>ppt_x</p:attrName>
-                                          <p:attrName>ppt_y</p:attrName>
-                                        </p:attrNameLst>
-                                      </p:cBhvr>
-                                      <p:rCtr x="0" y="1898"/>
-                                    </p:animMotion>
-                                  </p:childTnLst>
-                                </p:cTn>
-                              </p:par>
-                              <p:par>
-                                <p:cTn id="56" presetID="10" presetClass="entr" presetSubtype="0" fill="hold" grpId="0" nodeType="withEffect">
-                                  <p:stCondLst>
-                                    <p:cond delay="1700"/>
-                                  </p:stCondLst>
-                                  <p:childTnLst>
-                                    <p:set>
-                                      <p:cBhvr>
-                                        <p:cTn id="57" dur="1" fill="hold">
-                                          <p:stCondLst>
-                                            <p:cond delay="0"/>
-                                          </p:stCondLst>
-                                        </p:cTn>
-                                        <p:tgtEl>
-                                          <p:spTgt spid="31"/>
-                                        </p:tgtEl>
-                                        <p:attrNameLst>
-                                          <p:attrName>style.visibility</p:attrName>
-                                        </p:attrNameLst>
-                                      </p:cBhvr>
-                                      <p:to>
-                                        <p:strVal val="visible"/>
-                                      </p:to>
-                                    </p:set>
-                                    <p:animEffect transition="in" filter="fade">
-                                      <p:cBhvr>
-                                        <p:cTn id="58" dur="500"/>
-                                        <p:tgtEl>
-                                          <p:spTgt spid="31"/>
-                                        </p:tgtEl>
-                                      </p:cBhvr>
-                                    </p:animEffect>
-                                  </p:childTnLst>
-                                </p:cTn>
-                              </p:par>
-                              <p:par>
-                                <p:cTn id="59" presetID="42" presetClass="path" presetSubtype="0" decel="100000" fill="hold" grpId="1" nodeType="withEffect">
-                                  <p:stCondLst>
-                                    <p:cond delay="1700"/>
-                                  </p:stCondLst>
-                                  <p:childTnLst>
-                                    <p:animMotion origin="layout" path="M 2.08333E-6 1.48148E-6 L 2.08333E-6 0.03796 " pathEditMode="relative" rAng="0" ptsTypes="AA">
-                                      <p:cBhvr>
-                                        <p:cTn id="60" dur="750" spd="-100000" fill="hold"/>
-                                        <p:tgtEl>
-                                          <p:spTgt spid="31"/>
-                                        </p:tgtEl>
-                                        <p:attrNameLst>
-                                          <p:attrName>ppt_x</p:attrName>
-                                          <p:attrName>ppt_y</p:attrName>
-                                        </p:attrNameLst>
-                                      </p:cBhvr>
-                                      <p:rCtr x="0" y="1898"/>
-                                    </p:animMotion>
-                                  </p:childTnLst>
-                                </p:cTn>
-                              </p:par>
-                            </p:childTnLst>
-                          </p:cTn>
-                        </p:par>
-                      </p:childTnLst>
-                    </p:cTn>
-                  </p:par>
-                </p:childTnLst>
-              </p:cTn>
-              <p:prevCondLst>
-                <p:cond evt="onPrev" delay="0">
-                  <p:tgtEl>
-                    <p:sldTgt/>
-                  </p:tgtEl>
-                </p:cond>
-              </p:prevCondLst>
-              <p:nextCondLst>
-                <p:cond evt="onNext" delay="0">
-                  <p:tgtEl>
-                    <p:sldTgt/>
-                  </p:tgtEl>
-                </p:cond>
-              </p:nextCondLst>
-            </p:seq>
-          </p:childTnLst>
-        </p:cTn>
-      </p:par>
-    </p:tnLst>
-    <p:bldLst>
-      <p:bldP spid="6" grpId="0" animBg="1"/>
-      <p:bldP spid="16" grpId="0" animBg="1"/>
-      <p:bldP spid="17" grpId="0" animBg="1"/>
-      <p:bldP spid="18" grpId="0" animBg="1"/>
-      <p:bldP spid="20" grpId="0"/>
-      <p:bldP spid="20" grpId="1"/>
-      <p:bldP spid="22" grpId="0"/>
-      <p:bldP spid="22" grpId="1"/>
-      <p:bldP spid="23" grpId="0"/>
-      <p:bldP spid="23" grpId="1"/>
-      <p:bldP spid="24" grpId="0"/>
-      <p:bldP spid="24" grpId="1"/>
-      <p:bldP spid="25" grpId="0"/>
-      <p:bldP spid="25" grpId="1"/>
-      <p:bldP spid="29" grpId="0"/>
-      <p:bldP spid="29" grpId="1"/>
-      <p:bldP spid="30" grpId="0"/>
-      <p:bldP spid="30" grpId="1"/>
-      <p:bldP spid="31" grpId="0"/>
-      <p:bldP spid="31" grpId="1"/>
-    </p:bldLst>
-  </p:timing>
 </p:sld>
 </file>
 
@@ -9039,6 +8219,77 @@
           <a:chExt cx="0" cy="0"/>
         </a:xfrm>
       </p:grpSpPr>
+      <p:sp>
+        <p:nvSpPr>
+          <p:cNvPr id="23" name="TextBox 22">
+            <a:extLst>
+              <a:ext uri="{FF2B5EF4-FFF2-40B4-BE49-F238E27FC236}">
+                <a16:creationId xmlns:a16="http://schemas.microsoft.com/office/drawing/2014/main" id="{B1C9BD03-F120-3640-7C6B-D63730BD1468}"/>
+              </a:ext>
+            </a:extLst>
+          </p:cNvPr>
+          <p:cNvSpPr txBox="1"/>
+          <p:nvPr/>
+        </p:nvSpPr>
+        <p:spPr>
+          <a:xfrm>
+            <a:off x="5118810" y="686281"/>
+            <a:ext cx="1954381" cy="707886"/>
+          </a:xfrm>
+          <a:prstGeom prst="rect">
+            <a:avLst/>
+          </a:prstGeom>
+          <a:noFill/>
+        </p:spPr>
+        <p:txBody>
+          <a:bodyPr wrap="none" rtlCol="0">
+            <a:spAutoFit/>
+          </a:bodyPr>
+          <a:lstStyle/>
+          <a:p>
+            <a:pPr marL="0" marR="0" lvl="0" indent="0" algn="ctr" defTabSz="914400" rtl="0" eaLnBrk="1" fontAlgn="auto" latinLnBrk="0" hangingPunct="1">
+              <a:lnSpc>
+                <a:spcPct val="100000"/>
+              </a:lnSpc>
+              <a:spcBef>
+                <a:spcPts val="0"/>
+              </a:spcBef>
+              <a:spcAft>
+                <a:spcPts val="0"/>
+              </a:spcAft>
+              <a:buClrTx/>
+              <a:buSzTx/>
+              <a:buFontTx/>
+              <a:buNone/>
+              <a:tabLst/>
+              <a:defRPr/>
+            </a:pPr>
+            <a:r>
+              <a:rPr lang="en-US" sz="4000" noProof="0" dirty="0">
+                <a:solidFill>
+                  <a:prstClr val="white"/>
+                </a:solidFill>
+                <a:latin typeface="Poppins Light" panose="02000000000000000000" pitchFamily="2" charset="0"/>
+                <a:cs typeface="Poppins Light" panose="02000000000000000000" pitchFamily="2" charset="0"/>
+              </a:rPr>
+              <a:t>Alarms</a:t>
+            </a:r>
+            <a:endParaRPr kumimoji="0" lang="en-US" sz="4000" b="0" i="0" u="none" strike="noStrike" kern="1200" cap="none" spc="0" normalizeH="0" baseline="0" noProof="0" dirty="0">
+              <a:ln>
+                <a:noFill/>
+              </a:ln>
+              <a:solidFill>
+                <a:prstClr val="white"/>
+              </a:solidFill>
+              <a:effectLst/>
+              <a:uLnTx/>
+              <a:uFillTx/>
+              <a:latin typeface="Poppins Light" panose="02000000000000000000" pitchFamily="2" charset="0"/>
+              <a:cs typeface="Poppins Light" panose="02000000000000000000" pitchFamily="2" charset="0"/>
+            </a:endParaRPr>
+          </a:p>
+        </p:txBody>
+      </p:sp>
       <p:pic>
         <p:nvPicPr>
           <p:cNvPr id="21" name="Picture 20">
@@ -9145,46 +8396,6 @@
               <a:ea typeface="+mn-ea"/>
               <a:cs typeface="+mn-cs"/>
             </a:endParaRPr>
-          </a:p>
-        </p:txBody>
-      </p:sp>
-      <p:sp>
-        <p:nvSpPr>
-          <p:cNvPr id="5" name="TextBox 2">
-            <a:extLst>
-              <a:ext uri="{FF2B5EF4-FFF2-40B4-BE49-F238E27FC236}">
-                <a16:creationId xmlns:a16="http://schemas.microsoft.com/office/drawing/2014/main" id="{A6042310-5B75-97E7-147F-66589CEC9C2A}"/>
-              </a:ext>
-            </a:extLst>
-          </p:cNvPr>
-          <p:cNvSpPr txBox="1"/>
-          <p:nvPr/>
-        </p:nvSpPr>
-        <p:spPr>
-          <a:xfrm>
-            <a:off x="4925647" y="563988"/>
-            <a:ext cx="2340705" cy="569387"/>
-          </a:xfrm>
-          <a:prstGeom prst="rect">
-            <a:avLst/>
-          </a:prstGeom>
-          <a:noFill/>
-        </p:spPr>
-        <p:txBody>
-          <a:bodyPr wrap="none" rtlCol="0">
-            <a:spAutoFit/>
-          </a:bodyPr>
-          <a:lstStyle/>
-          <a:p>
-            <a:r>
-              <a:rPr lang="en-US" sz="3100" dirty="0">
-                <a:solidFill>
-                  <a:schemeClr val="bg1"/>
-                </a:solidFill>
-                <a:latin typeface="Termina Light" panose="00000400000000000000" pitchFamily="50" charset="0"/>
-              </a:rPr>
-              <a:t>ALARMS</a:t>
-            </a:r>
           </a:p>
         </p:txBody>
       </p:sp>
@@ -9304,114 +8515,25 @@
     </p:spTree>
     <p:extLst>
       <p:ext uri="{BB962C8B-B14F-4D97-AF65-F5344CB8AC3E}">
-        <p14:creationId xmlns:p14="http://schemas.microsoft.com/office/powerpoint/2010/main" val="2766691649"/>
+        <p14:creationId xmlns:p14="http://schemas.microsoft.com/office/powerpoint/2010/main" val="1571086388"/>
       </p:ext>
     </p:extLst>
   </p:cSld>
   <p:clrMapOvr>
     <a:masterClrMapping/>
   </p:clrMapOvr>
-  <mc:AlternateContent xmlns:mc="http://schemas.openxmlformats.org/markup-compatibility/2006" xmlns:p159="http://schemas.microsoft.com/office/powerpoint/2015/09/main">
-    <mc:Choice Requires="p159">
-      <p:transition xmlns:p14="http://schemas.microsoft.com/office/powerpoint/2010/main" spd="slow" p14:dur="1750">
+  <mc:AlternateContent xmlns:mc="http://schemas.openxmlformats.org/markup-compatibility/2006">
+    <mc:Choice xmlns:p159="http://schemas.microsoft.com/office/powerpoint/2015/09/main" Requires="p159">
+      <p:transition xmlns:p14="http://schemas.microsoft.com/office/powerpoint/2010/main" spd="slow" p14:dur="2000">
         <p159:morph option="byObject"/>
       </p:transition>
     </mc:Choice>
-    <mc:Fallback xmlns="">
+    <mc:Fallback>
       <p:transition spd="slow">
         <p:fade/>
       </p:transition>
     </mc:Fallback>
   </mc:AlternateContent>
-  <p:timing>
-    <p:tnLst>
-      <p:par>
-        <p:cTn id="1" dur="indefinite" restart="never" nodeType="tmRoot">
-          <p:childTnLst>
-            <p:seq concurrent="1" nextAc="seek">
-              <p:cTn id="2" dur="indefinite" nodeType="mainSeq">
-                <p:childTnLst>
-                  <p:par>
-                    <p:cTn id="3" fill="hold">
-                      <p:stCondLst>
-                        <p:cond delay="indefinite"/>
-                        <p:cond evt="onBegin" delay="0">
-                          <p:tn val="2"/>
-                        </p:cond>
-                      </p:stCondLst>
-                      <p:childTnLst>
-                        <p:par>
-                          <p:cTn id="4" fill="hold">
-                            <p:stCondLst>
-                              <p:cond delay="0"/>
-                            </p:stCondLst>
-                            <p:childTnLst>
-                              <p:par>
-                                <p:cTn id="5" presetID="10" presetClass="entr" presetSubtype="0" fill="hold" grpId="0" nodeType="withEffect">
-                                  <p:stCondLst>
-                                    <p:cond delay="0"/>
-                                  </p:stCondLst>
-                                  <p:childTnLst>
-                                    <p:set>
-                                      <p:cBhvr>
-                                        <p:cTn id="6" dur="1" fill="hold">
-                                          <p:stCondLst>
-                                            <p:cond delay="0"/>
-                                          </p:stCondLst>
-                                        </p:cTn>
-                                        <p:tgtEl>
-                                          <p:spTgt spid="5"/>
-                                        </p:tgtEl>
-                                        <p:attrNameLst>
-                                          <p:attrName>style.visibility</p:attrName>
-                                        </p:attrNameLst>
-                                      </p:cBhvr>
-                                      <p:to>
-                                        <p:strVal val="visible"/>
-                                      </p:to>
-                                    </p:set>
-                                    <p:animEffect transition="in" filter="fade">
-                                      <p:cBhvr>
-                                        <p:cTn id="7" dur="500"/>
-                                        <p:tgtEl>
-                                          <p:spTgt spid="5"/>
-                                        </p:tgtEl>
-                                      </p:cBhvr>
-                                    </p:animEffect>
-                                  </p:childTnLst>
-                                </p:cTn>
-                              </p:par>
-                            </p:childTnLst>
-                          </p:cTn>
-                        </p:par>
-                      </p:childTnLst>
-                    </p:cTn>
-                  </p:par>
-                </p:childTnLst>
-              </p:cTn>
-              <p:prevCondLst>
-                <p:cond evt="onPrev" delay="0">
-                  <p:tgtEl>
-                    <p:sldTgt/>
-                  </p:tgtEl>
-                </p:cond>
-              </p:prevCondLst>
-              <p:nextCondLst>
-                <p:cond evt="onNext" delay="0">
-                  <p:tgtEl>
-                    <p:sldTgt/>
-                  </p:tgtEl>
-                </p:cond>
-              </p:nextCondLst>
-            </p:seq>
-          </p:childTnLst>
-        </p:cTn>
-      </p:par>
-    </p:tnLst>
-    <p:bldLst>
-      <p:bldP spid="5" grpId="0"/>
-    </p:bldLst>
-  </p:timing>
 </p:sld>
 </file>
 
@@ -12245,846 +11367,25 @@
     </p:spTree>
     <p:extLst>
       <p:ext uri="{BB962C8B-B14F-4D97-AF65-F5344CB8AC3E}">
-        <p14:creationId xmlns:p14="http://schemas.microsoft.com/office/powerpoint/2010/main" val="264641943"/>
+        <p14:creationId xmlns:p14="http://schemas.microsoft.com/office/powerpoint/2010/main" val="1836899705"/>
       </p:ext>
     </p:extLst>
   </p:cSld>
   <p:clrMapOvr>
     <a:masterClrMapping/>
   </p:clrMapOvr>
-  <mc:AlternateContent xmlns:mc="http://schemas.openxmlformats.org/markup-compatibility/2006" xmlns:p159="http://schemas.microsoft.com/office/powerpoint/2015/09/main">
-    <mc:Choice Requires="p159">
+  <mc:AlternateContent xmlns:mc="http://schemas.openxmlformats.org/markup-compatibility/2006">
+    <mc:Choice xmlns:p159="http://schemas.microsoft.com/office/powerpoint/2015/09/main" Requires="p159">
       <p:transition xmlns:p14="http://schemas.microsoft.com/office/powerpoint/2010/main" spd="slow" p14:dur="2000">
         <p159:morph option="byObject"/>
       </p:transition>
     </mc:Choice>
-    <mc:Fallback xmlns="">
+    <mc:Fallback>
       <p:transition spd="slow">
         <p:fade/>
       </p:transition>
     </mc:Fallback>
   </mc:AlternateContent>
-  <p:timing>
-    <p:tnLst>
-      <p:par>
-        <p:cTn id="1" dur="indefinite" restart="never" nodeType="tmRoot">
-          <p:childTnLst>
-            <p:seq concurrent="1" nextAc="seek">
-              <p:cTn id="2" dur="indefinite" nodeType="mainSeq">
-                <p:childTnLst>
-                  <p:par>
-                    <p:cTn id="3" fill="hold">
-                      <p:stCondLst>
-                        <p:cond delay="indefinite"/>
-                        <p:cond evt="onBegin" delay="0">
-                          <p:tn val="2"/>
-                        </p:cond>
-                      </p:stCondLst>
-                      <p:childTnLst>
-                        <p:par>
-                          <p:cTn id="4" fill="hold">
-                            <p:stCondLst>
-                              <p:cond delay="0"/>
-                            </p:stCondLst>
-                            <p:childTnLst>
-                              <p:par>
-                                <p:cTn id="5" presetID="2" presetClass="entr" presetSubtype="4" decel="100000" fill="hold" grpId="0" nodeType="withEffect">
-                                  <p:stCondLst>
-                                    <p:cond delay="0"/>
-                                  </p:stCondLst>
-                                  <p:childTnLst>
-                                    <p:set>
-                                      <p:cBhvr>
-                                        <p:cTn id="6" dur="1" fill="hold">
-                                          <p:stCondLst>
-                                            <p:cond delay="0"/>
-                                          </p:stCondLst>
-                                        </p:cTn>
-                                        <p:tgtEl>
-                                          <p:spTgt spid="6"/>
-                                        </p:tgtEl>
-                                        <p:attrNameLst>
-                                          <p:attrName>style.visibility</p:attrName>
-                                        </p:attrNameLst>
-                                      </p:cBhvr>
-                                      <p:to>
-                                        <p:strVal val="visible"/>
-                                      </p:to>
-                                    </p:set>
-                                    <p:anim calcmode="lin" valueType="num">
-                                      <p:cBhvr additive="base">
-                                        <p:cTn id="7" dur="1000" fill="hold"/>
-                                        <p:tgtEl>
-                                          <p:spTgt spid="6"/>
-                                        </p:tgtEl>
-                                        <p:attrNameLst>
-                                          <p:attrName>ppt_x</p:attrName>
-                                        </p:attrNameLst>
-                                      </p:cBhvr>
-                                      <p:tavLst>
-                                        <p:tav tm="0">
-                                          <p:val>
-                                            <p:strVal val="#ppt_x"/>
-                                          </p:val>
-                                        </p:tav>
-                                        <p:tav tm="100000">
-                                          <p:val>
-                                            <p:strVal val="#ppt_x"/>
-                                          </p:val>
-                                        </p:tav>
-                                      </p:tavLst>
-                                    </p:anim>
-                                    <p:anim calcmode="lin" valueType="num">
-                                      <p:cBhvr additive="base">
-                                        <p:cTn id="8" dur="1000" fill="hold"/>
-                                        <p:tgtEl>
-                                          <p:spTgt spid="6"/>
-                                        </p:tgtEl>
-                                        <p:attrNameLst>
-                                          <p:attrName>ppt_y</p:attrName>
-                                        </p:attrNameLst>
-                                      </p:cBhvr>
-                                      <p:tavLst>
-                                        <p:tav tm="0">
-                                          <p:val>
-                                            <p:strVal val="1+#ppt_h/2"/>
-                                          </p:val>
-                                        </p:tav>
-                                        <p:tav tm="100000">
-                                          <p:val>
-                                            <p:strVal val="#ppt_y"/>
-                                          </p:val>
-                                        </p:tav>
-                                      </p:tavLst>
-                                    </p:anim>
-                                  </p:childTnLst>
-                                </p:cTn>
-                              </p:par>
-                              <p:par>
-                                <p:cTn id="9" presetID="10" presetClass="entr" presetSubtype="0" fill="hold" grpId="0" nodeType="withEffect">
-                                  <p:stCondLst>
-                                    <p:cond delay="300"/>
-                                  </p:stCondLst>
-                                  <p:childTnLst>
-                                    <p:set>
-                                      <p:cBhvr>
-                                        <p:cTn id="10" dur="1" fill="hold">
-                                          <p:stCondLst>
-                                            <p:cond delay="0"/>
-                                          </p:stCondLst>
-                                        </p:cTn>
-                                        <p:tgtEl>
-                                          <p:spTgt spid="20"/>
-                                        </p:tgtEl>
-                                        <p:attrNameLst>
-                                          <p:attrName>style.visibility</p:attrName>
-                                        </p:attrNameLst>
-                                      </p:cBhvr>
-                                      <p:to>
-                                        <p:strVal val="visible"/>
-                                      </p:to>
-                                    </p:set>
-                                    <p:animEffect transition="in" filter="fade">
-                                      <p:cBhvr>
-                                        <p:cTn id="11" dur="500"/>
-                                        <p:tgtEl>
-                                          <p:spTgt spid="20"/>
-                                        </p:tgtEl>
-                                      </p:cBhvr>
-                                    </p:animEffect>
-                                  </p:childTnLst>
-                                </p:cTn>
-                              </p:par>
-                              <p:par>
-                                <p:cTn id="12" presetID="42" presetClass="path" presetSubtype="0" decel="100000" fill="hold" grpId="1" nodeType="withEffect">
-                                  <p:stCondLst>
-                                    <p:cond delay="300"/>
-                                  </p:stCondLst>
-                                  <p:childTnLst>
-                                    <p:animMotion origin="layout" path="M -2.08333E-6 -2.59259E-6 L -2.08333E-6 0.03797 " pathEditMode="relative" rAng="0" ptsTypes="AA">
-                                      <p:cBhvr>
-                                        <p:cTn id="13" dur="750" spd="-100000" fill="hold"/>
-                                        <p:tgtEl>
-                                          <p:spTgt spid="20"/>
-                                        </p:tgtEl>
-                                        <p:attrNameLst>
-                                          <p:attrName>ppt_x</p:attrName>
-                                          <p:attrName>ppt_y</p:attrName>
-                                        </p:attrNameLst>
-                                      </p:cBhvr>
-                                      <p:rCtr x="0" y="1898"/>
-                                    </p:animMotion>
-                                  </p:childTnLst>
-                                </p:cTn>
-                              </p:par>
-                              <p:par>
-                                <p:cTn id="14" presetID="10" presetClass="entr" presetSubtype="0" fill="hold" grpId="0" nodeType="withEffect">
-                                  <p:stCondLst>
-                                    <p:cond delay="500"/>
-                                  </p:stCondLst>
-                                  <p:childTnLst>
-                                    <p:set>
-                                      <p:cBhvr>
-                                        <p:cTn id="15" dur="1" fill="hold">
-                                          <p:stCondLst>
-                                            <p:cond delay="0"/>
-                                          </p:stCondLst>
-                                        </p:cTn>
-                                        <p:tgtEl>
-                                          <p:spTgt spid="25"/>
-                                        </p:tgtEl>
-                                        <p:attrNameLst>
-                                          <p:attrName>style.visibility</p:attrName>
-                                        </p:attrNameLst>
-                                      </p:cBhvr>
-                                      <p:to>
-                                        <p:strVal val="visible"/>
-                                      </p:to>
-                                    </p:set>
-                                    <p:animEffect transition="in" filter="fade">
-                                      <p:cBhvr>
-                                        <p:cTn id="16" dur="500"/>
-                                        <p:tgtEl>
-                                          <p:spTgt spid="25"/>
-                                        </p:tgtEl>
-                                      </p:cBhvr>
-                                    </p:animEffect>
-                                  </p:childTnLst>
-                                </p:cTn>
-                              </p:par>
-                              <p:par>
-                                <p:cTn id="17" presetID="42" presetClass="path" presetSubtype="0" decel="100000" fill="hold" grpId="1" nodeType="withEffect">
-                                  <p:stCondLst>
-                                    <p:cond delay="500"/>
-                                  </p:stCondLst>
-                                  <p:childTnLst>
-                                    <p:animMotion origin="layout" path="M -2.08333E-6 1.48148E-6 L -2.08333E-6 0.03796 " pathEditMode="relative" rAng="0" ptsTypes="AA">
-                                      <p:cBhvr>
-                                        <p:cTn id="18" dur="750" spd="-100000" fill="hold"/>
-                                        <p:tgtEl>
-                                          <p:spTgt spid="25"/>
-                                        </p:tgtEl>
-                                        <p:attrNameLst>
-                                          <p:attrName>ppt_x</p:attrName>
-                                          <p:attrName>ppt_y</p:attrName>
-                                        </p:attrNameLst>
-                                      </p:cBhvr>
-                                      <p:rCtr x="0" y="1898"/>
-                                    </p:animMotion>
-                                  </p:childTnLst>
-                                </p:cTn>
-                              </p:par>
-                              <p:par>
-                                <p:cTn id="19" presetID="2" presetClass="entr" presetSubtype="4" decel="100000" fill="hold" grpId="0" nodeType="withEffect">
-                                  <p:stCondLst>
-                                    <p:cond delay="200"/>
-                                  </p:stCondLst>
-                                  <p:childTnLst>
-                                    <p:set>
-                                      <p:cBhvr>
-                                        <p:cTn id="20" dur="1" fill="hold">
-                                          <p:stCondLst>
-                                            <p:cond delay="0"/>
-                                          </p:stCondLst>
-                                        </p:cTn>
-                                        <p:tgtEl>
-                                          <p:spTgt spid="16"/>
-                                        </p:tgtEl>
-                                        <p:attrNameLst>
-                                          <p:attrName>style.visibility</p:attrName>
-                                        </p:attrNameLst>
-                                      </p:cBhvr>
-                                      <p:to>
-                                        <p:strVal val="visible"/>
-                                      </p:to>
-                                    </p:set>
-                                    <p:anim calcmode="lin" valueType="num">
-                                      <p:cBhvr additive="base">
-                                        <p:cTn id="21" dur="1000" fill="hold"/>
-                                        <p:tgtEl>
-                                          <p:spTgt spid="16"/>
-                                        </p:tgtEl>
-                                        <p:attrNameLst>
-                                          <p:attrName>ppt_x</p:attrName>
-                                        </p:attrNameLst>
-                                      </p:cBhvr>
-                                      <p:tavLst>
-                                        <p:tav tm="0">
-                                          <p:val>
-                                            <p:strVal val="#ppt_x"/>
-                                          </p:val>
-                                        </p:tav>
-                                        <p:tav tm="100000">
-                                          <p:val>
-                                            <p:strVal val="#ppt_x"/>
-                                          </p:val>
-                                        </p:tav>
-                                      </p:tavLst>
-                                    </p:anim>
-                                    <p:anim calcmode="lin" valueType="num">
-                                      <p:cBhvr additive="base">
-                                        <p:cTn id="22" dur="1000" fill="hold"/>
-                                        <p:tgtEl>
-                                          <p:spTgt spid="16"/>
-                                        </p:tgtEl>
-                                        <p:attrNameLst>
-                                          <p:attrName>ppt_y</p:attrName>
-                                        </p:attrNameLst>
-                                      </p:cBhvr>
-                                      <p:tavLst>
-                                        <p:tav tm="0">
-                                          <p:val>
-                                            <p:strVal val="1+#ppt_h/2"/>
-                                          </p:val>
-                                        </p:tav>
-                                        <p:tav tm="100000">
-                                          <p:val>
-                                            <p:strVal val="#ppt_y"/>
-                                          </p:val>
-                                        </p:tav>
-                                      </p:tavLst>
-                                    </p:anim>
-                                  </p:childTnLst>
-                                </p:cTn>
-                              </p:par>
-                              <p:par>
-                                <p:cTn id="23" presetID="10" presetClass="entr" presetSubtype="0" fill="hold" grpId="0" nodeType="withEffect">
-                                  <p:stCondLst>
-                                    <p:cond delay="700"/>
-                                  </p:stCondLst>
-                                  <p:childTnLst>
-                                    <p:set>
-                                      <p:cBhvr>
-                                        <p:cTn id="24" dur="1" fill="hold">
-                                          <p:stCondLst>
-                                            <p:cond delay="0"/>
-                                          </p:stCondLst>
-                                        </p:cTn>
-                                        <p:tgtEl>
-                                          <p:spTgt spid="22"/>
-                                        </p:tgtEl>
-                                        <p:attrNameLst>
-                                          <p:attrName>style.visibility</p:attrName>
-                                        </p:attrNameLst>
-                                      </p:cBhvr>
-                                      <p:to>
-                                        <p:strVal val="visible"/>
-                                      </p:to>
-                                    </p:set>
-                                    <p:animEffect transition="in" filter="fade">
-                                      <p:cBhvr>
-                                        <p:cTn id="25" dur="500"/>
-                                        <p:tgtEl>
-                                          <p:spTgt spid="22"/>
-                                        </p:tgtEl>
-                                      </p:cBhvr>
-                                    </p:animEffect>
-                                  </p:childTnLst>
-                                </p:cTn>
-                              </p:par>
-                              <p:par>
-                                <p:cTn id="26" presetID="42" presetClass="path" presetSubtype="0" decel="100000" fill="hold" grpId="1" nodeType="withEffect">
-                                  <p:stCondLst>
-                                    <p:cond delay="700"/>
-                                  </p:stCondLst>
-                                  <p:childTnLst>
-                                    <p:animMotion origin="layout" path="M 2.70833E-6 -2.59259E-6 L 2.70833E-6 0.03797 " pathEditMode="relative" rAng="0" ptsTypes="AA">
-                                      <p:cBhvr>
-                                        <p:cTn id="27" dur="750" spd="-100000" fill="hold"/>
-                                        <p:tgtEl>
-                                          <p:spTgt spid="22"/>
-                                        </p:tgtEl>
-                                        <p:attrNameLst>
-                                          <p:attrName>ppt_x</p:attrName>
-                                          <p:attrName>ppt_y</p:attrName>
-                                        </p:attrNameLst>
-                                      </p:cBhvr>
-                                      <p:rCtr x="0" y="1898"/>
-                                    </p:animMotion>
-                                  </p:childTnLst>
-                                </p:cTn>
-                              </p:par>
-                              <p:par>
-                                <p:cTn id="28" presetID="10" presetClass="entr" presetSubtype="0" fill="hold" grpId="0" nodeType="withEffect">
-                                  <p:stCondLst>
-                                    <p:cond delay="900"/>
-                                  </p:stCondLst>
-                                  <p:childTnLst>
-                                    <p:set>
-                                      <p:cBhvr>
-                                        <p:cTn id="29" dur="1" fill="hold">
-                                          <p:stCondLst>
-                                            <p:cond delay="0"/>
-                                          </p:stCondLst>
-                                        </p:cTn>
-                                        <p:tgtEl>
-                                          <p:spTgt spid="29"/>
-                                        </p:tgtEl>
-                                        <p:attrNameLst>
-                                          <p:attrName>style.visibility</p:attrName>
-                                        </p:attrNameLst>
-                                      </p:cBhvr>
-                                      <p:to>
-                                        <p:strVal val="visible"/>
-                                      </p:to>
-                                    </p:set>
-                                    <p:animEffect transition="in" filter="fade">
-                                      <p:cBhvr>
-                                        <p:cTn id="30" dur="500"/>
-                                        <p:tgtEl>
-                                          <p:spTgt spid="29"/>
-                                        </p:tgtEl>
-                                      </p:cBhvr>
-                                    </p:animEffect>
-                                  </p:childTnLst>
-                                </p:cTn>
-                              </p:par>
-                              <p:par>
-                                <p:cTn id="31" presetID="42" presetClass="path" presetSubtype="0" decel="100000" fill="hold" grpId="1" nodeType="withEffect">
-                                  <p:stCondLst>
-                                    <p:cond delay="900"/>
-                                  </p:stCondLst>
-                                  <p:childTnLst>
-                                    <p:animMotion origin="layout" path="M 2.70833E-6 -3.33333E-6 L 2.70833E-6 0.03797 " pathEditMode="relative" rAng="0" ptsTypes="AA">
-                                      <p:cBhvr>
-                                        <p:cTn id="32" dur="750" spd="-100000" fill="hold"/>
-                                        <p:tgtEl>
-                                          <p:spTgt spid="29"/>
-                                        </p:tgtEl>
-                                        <p:attrNameLst>
-                                          <p:attrName>ppt_x</p:attrName>
-                                          <p:attrName>ppt_y</p:attrName>
-                                        </p:attrNameLst>
-                                      </p:cBhvr>
-                                      <p:rCtr x="0" y="1898"/>
-                                    </p:animMotion>
-                                  </p:childTnLst>
-                                </p:cTn>
-                              </p:par>
-                              <p:par>
-                                <p:cTn id="33" presetID="2" presetClass="entr" presetSubtype="4" decel="100000" fill="hold" grpId="0" nodeType="withEffect">
-                                  <p:stCondLst>
-                                    <p:cond delay="400"/>
-                                  </p:stCondLst>
-                                  <p:childTnLst>
-                                    <p:set>
-                                      <p:cBhvr>
-                                        <p:cTn id="34" dur="1" fill="hold">
-                                          <p:stCondLst>
-                                            <p:cond delay="0"/>
-                                          </p:stCondLst>
-                                        </p:cTn>
-                                        <p:tgtEl>
-                                          <p:spTgt spid="17"/>
-                                        </p:tgtEl>
-                                        <p:attrNameLst>
-                                          <p:attrName>style.visibility</p:attrName>
-                                        </p:attrNameLst>
-                                      </p:cBhvr>
-                                      <p:to>
-                                        <p:strVal val="visible"/>
-                                      </p:to>
-                                    </p:set>
-                                    <p:anim calcmode="lin" valueType="num">
-                                      <p:cBhvr additive="base">
-                                        <p:cTn id="35" dur="1000" fill="hold"/>
-                                        <p:tgtEl>
-                                          <p:spTgt spid="17"/>
-                                        </p:tgtEl>
-                                        <p:attrNameLst>
-                                          <p:attrName>ppt_x</p:attrName>
-                                        </p:attrNameLst>
-                                      </p:cBhvr>
-                                      <p:tavLst>
-                                        <p:tav tm="0">
-                                          <p:val>
-                                            <p:strVal val="#ppt_x"/>
-                                          </p:val>
-                                        </p:tav>
-                                        <p:tav tm="100000">
-                                          <p:val>
-                                            <p:strVal val="#ppt_x"/>
-                                          </p:val>
-                                        </p:tav>
-                                      </p:tavLst>
-                                    </p:anim>
-                                    <p:anim calcmode="lin" valueType="num">
-                                      <p:cBhvr additive="base">
-                                        <p:cTn id="36" dur="1000" fill="hold"/>
-                                        <p:tgtEl>
-                                          <p:spTgt spid="17"/>
-                                        </p:tgtEl>
-                                        <p:attrNameLst>
-                                          <p:attrName>ppt_y</p:attrName>
-                                        </p:attrNameLst>
-                                      </p:cBhvr>
-                                      <p:tavLst>
-                                        <p:tav tm="0">
-                                          <p:val>
-                                            <p:strVal val="1+#ppt_h/2"/>
-                                          </p:val>
-                                        </p:tav>
-                                        <p:tav tm="100000">
-                                          <p:val>
-                                            <p:strVal val="#ppt_y"/>
-                                          </p:val>
-                                        </p:tav>
-                                      </p:tavLst>
-                                    </p:anim>
-                                  </p:childTnLst>
-                                </p:cTn>
-                              </p:par>
-                              <p:par>
-                                <p:cTn id="37" presetID="10" presetClass="entr" presetSubtype="0" fill="hold" grpId="0" nodeType="withEffect">
-                                  <p:stCondLst>
-                                    <p:cond delay="1100"/>
-                                  </p:stCondLst>
-                                  <p:childTnLst>
-                                    <p:set>
-                                      <p:cBhvr>
-                                        <p:cTn id="38" dur="1" fill="hold">
-                                          <p:stCondLst>
-                                            <p:cond delay="0"/>
-                                          </p:stCondLst>
-                                        </p:cTn>
-                                        <p:tgtEl>
-                                          <p:spTgt spid="23"/>
-                                        </p:tgtEl>
-                                        <p:attrNameLst>
-                                          <p:attrName>style.visibility</p:attrName>
-                                        </p:attrNameLst>
-                                      </p:cBhvr>
-                                      <p:to>
-                                        <p:strVal val="visible"/>
-                                      </p:to>
-                                    </p:set>
-                                    <p:animEffect transition="in" filter="fade">
-                                      <p:cBhvr>
-                                        <p:cTn id="39" dur="500"/>
-                                        <p:tgtEl>
-                                          <p:spTgt spid="23"/>
-                                        </p:tgtEl>
-                                      </p:cBhvr>
-                                    </p:animEffect>
-                                  </p:childTnLst>
-                                </p:cTn>
-                              </p:par>
-                              <p:par>
-                                <p:cTn id="40" presetID="42" presetClass="path" presetSubtype="0" decel="100000" fill="hold" grpId="1" nodeType="withEffect">
-                                  <p:stCondLst>
-                                    <p:cond delay="1100"/>
-                                  </p:stCondLst>
-                                  <p:childTnLst>
-                                    <p:animMotion origin="layout" path="M -2.70833E-6 -2.59259E-6 L -2.70833E-6 0.03797 " pathEditMode="relative" rAng="0" ptsTypes="AA">
-                                      <p:cBhvr>
-                                        <p:cTn id="41" dur="750" spd="-100000" fill="hold"/>
-                                        <p:tgtEl>
-                                          <p:spTgt spid="23"/>
-                                        </p:tgtEl>
-                                        <p:attrNameLst>
-                                          <p:attrName>ppt_x</p:attrName>
-                                          <p:attrName>ppt_y</p:attrName>
-                                        </p:attrNameLst>
-                                      </p:cBhvr>
-                                      <p:rCtr x="0" y="1898"/>
-                                    </p:animMotion>
-                                  </p:childTnLst>
-                                </p:cTn>
-                              </p:par>
-                              <p:par>
-                                <p:cTn id="42" presetID="10" presetClass="entr" presetSubtype="0" fill="hold" grpId="0" nodeType="withEffect">
-                                  <p:stCondLst>
-                                    <p:cond delay="1300"/>
-                                  </p:stCondLst>
-                                  <p:childTnLst>
-                                    <p:set>
-                                      <p:cBhvr>
-                                        <p:cTn id="43" dur="1" fill="hold">
-                                          <p:stCondLst>
-                                            <p:cond delay="0"/>
-                                          </p:stCondLst>
-                                        </p:cTn>
-                                        <p:tgtEl>
-                                          <p:spTgt spid="30"/>
-                                        </p:tgtEl>
-                                        <p:attrNameLst>
-                                          <p:attrName>style.visibility</p:attrName>
-                                        </p:attrNameLst>
-                                      </p:cBhvr>
-                                      <p:to>
-                                        <p:strVal val="visible"/>
-                                      </p:to>
-                                    </p:set>
-                                    <p:animEffect transition="in" filter="fade">
-                                      <p:cBhvr>
-                                        <p:cTn id="44" dur="500"/>
-                                        <p:tgtEl>
-                                          <p:spTgt spid="30"/>
-                                        </p:tgtEl>
-                                      </p:cBhvr>
-                                    </p:animEffect>
-                                  </p:childTnLst>
-                                </p:cTn>
-                              </p:par>
-                              <p:par>
-                                <p:cTn id="45" presetID="42" presetClass="path" presetSubtype="0" decel="100000" fill="hold" grpId="1" nodeType="withEffect">
-                                  <p:stCondLst>
-                                    <p:cond delay="1300"/>
-                                  </p:stCondLst>
-                                  <p:childTnLst>
-                                    <p:animMotion origin="layout" path="M -2.5E-6 1.48148E-6 L -2.5E-6 0.03796 " pathEditMode="relative" rAng="0" ptsTypes="AA">
-                                      <p:cBhvr>
-                                        <p:cTn id="46" dur="750" spd="-100000" fill="hold"/>
-                                        <p:tgtEl>
-                                          <p:spTgt spid="30"/>
-                                        </p:tgtEl>
-                                        <p:attrNameLst>
-                                          <p:attrName>ppt_x</p:attrName>
-                                          <p:attrName>ppt_y</p:attrName>
-                                        </p:attrNameLst>
-                                      </p:cBhvr>
-                                      <p:rCtr x="0" y="1898"/>
-                                    </p:animMotion>
-                                  </p:childTnLst>
-                                </p:cTn>
-                              </p:par>
-                              <p:par>
-                                <p:cTn id="47" presetID="2" presetClass="entr" presetSubtype="4" decel="100000" fill="hold" grpId="0" nodeType="withEffect">
-                                  <p:stCondLst>
-                                    <p:cond delay="600"/>
-                                  </p:stCondLst>
-                                  <p:childTnLst>
-                                    <p:set>
-                                      <p:cBhvr>
-                                        <p:cTn id="48" dur="1" fill="hold">
-                                          <p:stCondLst>
-                                            <p:cond delay="0"/>
-                                          </p:stCondLst>
-                                        </p:cTn>
-                                        <p:tgtEl>
-                                          <p:spTgt spid="18"/>
-                                        </p:tgtEl>
-                                        <p:attrNameLst>
-                                          <p:attrName>style.visibility</p:attrName>
-                                        </p:attrNameLst>
-                                      </p:cBhvr>
-                                      <p:to>
-                                        <p:strVal val="visible"/>
-                                      </p:to>
-                                    </p:set>
-                                    <p:anim calcmode="lin" valueType="num">
-                                      <p:cBhvr additive="base">
-                                        <p:cTn id="49" dur="1000" fill="hold"/>
-                                        <p:tgtEl>
-                                          <p:spTgt spid="18"/>
-                                        </p:tgtEl>
-                                        <p:attrNameLst>
-                                          <p:attrName>ppt_x</p:attrName>
-                                        </p:attrNameLst>
-                                      </p:cBhvr>
-                                      <p:tavLst>
-                                        <p:tav tm="0">
-                                          <p:val>
-                                            <p:strVal val="#ppt_x"/>
-                                          </p:val>
-                                        </p:tav>
-                                        <p:tav tm="100000">
-                                          <p:val>
-                                            <p:strVal val="#ppt_x"/>
-                                          </p:val>
-                                        </p:tav>
-                                      </p:tavLst>
-                                    </p:anim>
-                                    <p:anim calcmode="lin" valueType="num">
-                                      <p:cBhvr additive="base">
-                                        <p:cTn id="50" dur="1000" fill="hold"/>
-                                        <p:tgtEl>
-                                          <p:spTgt spid="18"/>
-                                        </p:tgtEl>
-                                        <p:attrNameLst>
-                                          <p:attrName>ppt_y</p:attrName>
-                                        </p:attrNameLst>
-                                      </p:cBhvr>
-                                      <p:tavLst>
-                                        <p:tav tm="0">
-                                          <p:val>
-                                            <p:strVal val="1+#ppt_h/2"/>
-                                          </p:val>
-                                        </p:tav>
-                                        <p:tav tm="100000">
-                                          <p:val>
-                                            <p:strVal val="#ppt_y"/>
-                                          </p:val>
-                                        </p:tav>
-                                      </p:tavLst>
-                                    </p:anim>
-                                  </p:childTnLst>
-                                </p:cTn>
-                              </p:par>
-                              <p:par>
-                                <p:cTn id="51" presetID="10" presetClass="entr" presetSubtype="0" fill="hold" grpId="0" nodeType="withEffect">
-                                  <p:stCondLst>
-                                    <p:cond delay="1500"/>
-                                  </p:stCondLst>
-                                  <p:childTnLst>
-                                    <p:set>
-                                      <p:cBhvr>
-                                        <p:cTn id="52" dur="1" fill="hold">
-                                          <p:stCondLst>
-                                            <p:cond delay="0"/>
-                                          </p:stCondLst>
-                                        </p:cTn>
-                                        <p:tgtEl>
-                                          <p:spTgt spid="24"/>
-                                        </p:tgtEl>
-                                        <p:attrNameLst>
-                                          <p:attrName>style.visibility</p:attrName>
-                                        </p:attrNameLst>
-                                      </p:cBhvr>
-                                      <p:to>
-                                        <p:strVal val="visible"/>
-                                      </p:to>
-                                    </p:set>
-                                    <p:animEffect transition="in" filter="fade">
-                                      <p:cBhvr>
-                                        <p:cTn id="53" dur="500"/>
-                                        <p:tgtEl>
-                                          <p:spTgt spid="24"/>
-                                        </p:tgtEl>
-                                      </p:cBhvr>
-                                    </p:animEffect>
-                                  </p:childTnLst>
-                                </p:cTn>
-                              </p:par>
-                              <p:par>
-                                <p:cTn id="54" presetID="42" presetClass="path" presetSubtype="0" decel="100000" fill="hold" grpId="1" nodeType="withEffect">
-                                  <p:stCondLst>
-                                    <p:cond delay="1500"/>
-                                  </p:stCondLst>
-                                  <p:childTnLst>
-                                    <p:animMotion origin="layout" path="M 2.08333E-6 -2.59259E-6 L 2.08333E-6 0.03797 " pathEditMode="relative" rAng="0" ptsTypes="AA">
-                                      <p:cBhvr>
-                                        <p:cTn id="55" dur="750" spd="-100000" fill="hold"/>
-                                        <p:tgtEl>
-                                          <p:spTgt spid="24"/>
-                                        </p:tgtEl>
-                                        <p:attrNameLst>
-                                          <p:attrName>ppt_x</p:attrName>
-                                          <p:attrName>ppt_y</p:attrName>
-                                        </p:attrNameLst>
-                                      </p:cBhvr>
-                                      <p:rCtr x="0" y="1898"/>
-                                    </p:animMotion>
-                                  </p:childTnLst>
-                                </p:cTn>
-                              </p:par>
-                              <p:par>
-                                <p:cTn id="56" presetID="10" presetClass="entr" presetSubtype="0" fill="hold" grpId="0" nodeType="withEffect">
-                                  <p:stCondLst>
-                                    <p:cond delay="1700"/>
-                                  </p:stCondLst>
-                                  <p:childTnLst>
-                                    <p:set>
-                                      <p:cBhvr>
-                                        <p:cTn id="57" dur="1" fill="hold">
-                                          <p:stCondLst>
-                                            <p:cond delay="0"/>
-                                          </p:stCondLst>
-                                        </p:cTn>
-                                        <p:tgtEl>
-                                          <p:spTgt spid="31"/>
-                                        </p:tgtEl>
-                                        <p:attrNameLst>
-                                          <p:attrName>style.visibility</p:attrName>
-                                        </p:attrNameLst>
-                                      </p:cBhvr>
-                                      <p:to>
-                                        <p:strVal val="visible"/>
-                                      </p:to>
-                                    </p:set>
-                                    <p:animEffect transition="in" filter="fade">
-                                      <p:cBhvr>
-                                        <p:cTn id="58" dur="500"/>
-                                        <p:tgtEl>
-                                          <p:spTgt spid="31"/>
-                                        </p:tgtEl>
-                                      </p:cBhvr>
-                                    </p:animEffect>
-                                  </p:childTnLst>
-                                </p:cTn>
-                              </p:par>
-                              <p:par>
-                                <p:cTn id="59" presetID="42" presetClass="path" presetSubtype="0" decel="100000" fill="hold" grpId="1" nodeType="withEffect">
-                                  <p:stCondLst>
-                                    <p:cond delay="1700"/>
-                                  </p:stCondLst>
-                                  <p:childTnLst>
-                                    <p:animMotion origin="layout" path="M 2.08333E-6 1.48148E-6 L 2.08333E-6 0.03796 " pathEditMode="relative" rAng="0" ptsTypes="AA">
-                                      <p:cBhvr>
-                                        <p:cTn id="60" dur="750" spd="-100000" fill="hold"/>
-                                        <p:tgtEl>
-                                          <p:spTgt spid="31"/>
-                                        </p:tgtEl>
-                                        <p:attrNameLst>
-                                          <p:attrName>ppt_x</p:attrName>
-                                          <p:attrName>ppt_y</p:attrName>
-                                        </p:attrNameLst>
-                                      </p:cBhvr>
-                                      <p:rCtr x="0" y="1898"/>
-                                    </p:animMotion>
-                                  </p:childTnLst>
-                                </p:cTn>
-                              </p:par>
-                            </p:childTnLst>
-                          </p:cTn>
-                        </p:par>
-                      </p:childTnLst>
-                    </p:cTn>
-                  </p:par>
-                </p:childTnLst>
-              </p:cTn>
-              <p:prevCondLst>
-                <p:cond evt="onPrev" delay="0">
-                  <p:tgtEl>
-                    <p:sldTgt/>
-                  </p:tgtEl>
-                </p:cond>
-              </p:prevCondLst>
-              <p:nextCondLst>
-                <p:cond evt="onNext" delay="0">
-                  <p:tgtEl>
-                    <p:sldTgt/>
-                  </p:tgtEl>
-                </p:cond>
-              </p:nextCondLst>
-            </p:seq>
-          </p:childTnLst>
-        </p:cTn>
-      </p:par>
-    </p:tnLst>
-    <p:bldLst>
-      <p:bldP spid="6" grpId="0" animBg="1"/>
-      <p:bldP spid="16" grpId="0" animBg="1"/>
-      <p:bldP spid="17" grpId="0" animBg="1"/>
-      <p:bldP spid="18" grpId="0" animBg="1"/>
-      <p:bldP spid="20" grpId="0"/>
-      <p:bldP spid="20" grpId="1"/>
-      <p:bldP spid="22" grpId="0"/>
-      <p:bldP spid="22" grpId="1"/>
-      <p:bldP spid="23" grpId="0"/>
-      <p:bldP spid="23" grpId="1"/>
-      <p:bldP spid="24" grpId="0"/>
-      <p:bldP spid="24" grpId="1"/>
-      <p:bldP spid="25" grpId="0"/>
-      <p:bldP spid="25" grpId="1"/>
-      <p:bldP spid="29" grpId="0"/>
-      <p:bldP spid="29" grpId="1"/>
-      <p:bldP spid="30" grpId="0"/>
-      <p:bldP spid="30" grpId="1"/>
-      <p:bldP spid="31" grpId="0"/>
-      <p:bldP spid="31" grpId="1"/>
-    </p:bldLst>
-  </p:timing>
 </p:sld>
 </file>
 
@@ -13113,6 +11414,77 @@
           <a:chExt cx="0" cy="0"/>
         </a:xfrm>
       </p:grpSpPr>
+      <p:sp>
+        <p:nvSpPr>
+          <p:cNvPr id="24" name="TextBox 23">
+            <a:extLst>
+              <a:ext uri="{FF2B5EF4-FFF2-40B4-BE49-F238E27FC236}">
+                <a16:creationId xmlns:a16="http://schemas.microsoft.com/office/drawing/2014/main" id="{F2739381-D88D-D505-CFCB-865829C97677}"/>
+              </a:ext>
+            </a:extLst>
+          </p:cNvPr>
+          <p:cNvSpPr txBox="1"/>
+          <p:nvPr/>
+        </p:nvSpPr>
+        <p:spPr>
+          <a:xfrm>
+            <a:off x="4448754" y="387573"/>
+            <a:ext cx="3294493" cy="707886"/>
+          </a:xfrm>
+          <a:prstGeom prst="rect">
+            <a:avLst/>
+          </a:prstGeom>
+          <a:noFill/>
+        </p:spPr>
+        <p:txBody>
+          <a:bodyPr wrap="none" rtlCol="0">
+            <a:spAutoFit/>
+          </a:bodyPr>
+          <a:lstStyle/>
+          <a:p>
+            <a:pPr marL="0" marR="0" lvl="0" indent="0" algn="ctr" defTabSz="914400" rtl="0" eaLnBrk="1" fontAlgn="auto" latinLnBrk="0" hangingPunct="1">
+              <a:lnSpc>
+                <a:spcPct val="100000"/>
+              </a:lnSpc>
+              <a:spcBef>
+                <a:spcPts val="0"/>
+              </a:spcBef>
+              <a:spcAft>
+                <a:spcPts val="0"/>
+              </a:spcAft>
+              <a:buClrTx/>
+              <a:buSzTx/>
+              <a:buFontTx/>
+              <a:buNone/>
+              <a:tabLst/>
+              <a:defRPr/>
+            </a:pPr>
+            <a:r>
+              <a:rPr lang="en-US" sz="4000" noProof="0" dirty="0">
+                <a:solidFill>
+                  <a:prstClr val="white"/>
+                </a:solidFill>
+                <a:latin typeface="Poppins Light" panose="02000000000000000000" pitchFamily="2" charset="0"/>
+                <a:cs typeface="Poppins Light" panose="02000000000000000000" pitchFamily="2" charset="0"/>
+              </a:rPr>
+              <a:t>Dashboards</a:t>
+            </a:r>
+            <a:endParaRPr kumimoji="0" lang="en-US" sz="4000" b="0" i="0" u="none" strike="noStrike" kern="1200" cap="none" spc="0" normalizeH="0" baseline="0" noProof="0" dirty="0">
+              <a:ln>
+                <a:noFill/>
+              </a:ln>
+              <a:solidFill>
+                <a:prstClr val="white"/>
+              </a:solidFill>
+              <a:effectLst/>
+              <a:uLnTx/>
+              <a:uFillTx/>
+              <a:latin typeface="Poppins Light" panose="02000000000000000000" pitchFamily="2" charset="0"/>
+              <a:cs typeface="Poppins Light" panose="02000000000000000000" pitchFamily="2" charset="0"/>
+            </a:endParaRPr>
+          </a:p>
+        </p:txBody>
+      </p:sp>
       <p:pic>
         <p:nvPicPr>
           <p:cNvPr id="21" name="Picture 20">
@@ -13219,46 +11591,6 @@
               <a:ea typeface="+mn-ea"/>
               <a:cs typeface="+mn-cs"/>
             </a:endParaRPr>
-          </a:p>
-        </p:txBody>
-      </p:sp>
-      <p:sp>
-        <p:nvSpPr>
-          <p:cNvPr id="5" name="TextBox 2">
-            <a:extLst>
-              <a:ext uri="{FF2B5EF4-FFF2-40B4-BE49-F238E27FC236}">
-                <a16:creationId xmlns:a16="http://schemas.microsoft.com/office/drawing/2014/main" id="{A6042310-5B75-97E7-147F-66589CEC9C2A}"/>
-              </a:ext>
-            </a:extLst>
-          </p:cNvPr>
-          <p:cNvSpPr txBox="1"/>
-          <p:nvPr/>
-        </p:nvSpPr>
-        <p:spPr>
-          <a:xfrm>
-            <a:off x="4182655" y="563988"/>
-            <a:ext cx="3826689" cy="569387"/>
-          </a:xfrm>
-          <a:prstGeom prst="rect">
-            <a:avLst/>
-          </a:prstGeom>
-          <a:noFill/>
-        </p:spPr>
-        <p:txBody>
-          <a:bodyPr wrap="none" rtlCol="0">
-            <a:spAutoFit/>
-          </a:bodyPr>
-          <a:lstStyle/>
-          <a:p>
-            <a:r>
-              <a:rPr lang="en-US" sz="3100" dirty="0">
-                <a:solidFill>
-                  <a:schemeClr val="bg1"/>
-                </a:solidFill>
-                <a:latin typeface="Termina Light" panose="00000400000000000000" pitchFamily="50" charset="0"/>
-              </a:rPr>
-              <a:t>DASHBOARDS</a:t>
-            </a:r>
           </a:p>
         </p:txBody>
       </p:sp>
@@ -13378,118 +11710,2881 @@
     </p:spTree>
     <p:extLst>
       <p:ext uri="{BB962C8B-B14F-4D97-AF65-F5344CB8AC3E}">
-        <p14:creationId xmlns:p14="http://schemas.microsoft.com/office/powerpoint/2010/main" val="1659596069"/>
+        <p14:creationId xmlns:p14="http://schemas.microsoft.com/office/powerpoint/2010/main" val="987597134"/>
       </p:ext>
     </p:extLst>
   </p:cSld>
   <p:clrMapOvr>
     <a:masterClrMapping/>
   </p:clrMapOvr>
-  <mc:AlternateContent xmlns:mc="http://schemas.openxmlformats.org/markup-compatibility/2006" xmlns:p159="http://schemas.microsoft.com/office/powerpoint/2015/09/main">
-    <mc:Choice Requires="p159">
-      <p:transition xmlns:p14="http://schemas.microsoft.com/office/powerpoint/2010/main" spd="slow" p14:dur="1750">
+  <mc:AlternateContent xmlns:mc="http://schemas.openxmlformats.org/markup-compatibility/2006">
+    <mc:Choice xmlns:p159="http://schemas.microsoft.com/office/powerpoint/2015/09/main" Requires="p159">
+      <p:transition xmlns:p14="http://schemas.microsoft.com/office/powerpoint/2010/main" spd="slow" p14:dur="2000">
         <p159:morph option="byObject"/>
       </p:transition>
     </mc:Choice>
-    <mc:Fallback xmlns="">
+    <mc:Fallback>
       <p:transition spd="slow">
         <p:fade/>
       </p:transition>
     </mc:Fallback>
   </mc:AlternateContent>
-  <p:timing>
-    <p:tnLst>
-      <p:par>
-        <p:cTn id="1" dur="indefinite" restart="never" nodeType="tmRoot">
-          <p:childTnLst>
-            <p:seq concurrent="1" nextAc="seek">
-              <p:cTn id="2" dur="indefinite" nodeType="mainSeq">
-                <p:childTnLst>
-                  <p:par>
-                    <p:cTn id="3" fill="hold">
-                      <p:stCondLst>
-                        <p:cond delay="indefinite"/>
-                        <p:cond evt="onBegin" delay="0">
-                          <p:tn val="2"/>
-                        </p:cond>
-                      </p:stCondLst>
-                      <p:childTnLst>
-                        <p:par>
-                          <p:cTn id="4" fill="hold">
-                            <p:stCondLst>
-                              <p:cond delay="0"/>
-                            </p:stCondLst>
-                            <p:childTnLst>
-                              <p:par>
-                                <p:cTn id="5" presetID="10" presetClass="entr" presetSubtype="0" fill="hold" grpId="0" nodeType="withEffect">
-                                  <p:stCondLst>
-                                    <p:cond delay="0"/>
-                                  </p:stCondLst>
-                                  <p:childTnLst>
-                                    <p:set>
-                                      <p:cBhvr>
-                                        <p:cTn id="6" dur="1" fill="hold">
-                                          <p:stCondLst>
-                                            <p:cond delay="0"/>
-                                          </p:stCondLst>
-                                        </p:cTn>
-                                        <p:tgtEl>
-                                          <p:spTgt spid="5"/>
-                                        </p:tgtEl>
-                                        <p:attrNameLst>
-                                          <p:attrName>style.visibility</p:attrName>
-                                        </p:attrNameLst>
-                                      </p:cBhvr>
-                                      <p:to>
-                                        <p:strVal val="visible"/>
-                                      </p:to>
-                                    </p:set>
-                                    <p:animEffect transition="in" filter="fade">
-                                      <p:cBhvr>
-                                        <p:cTn id="7" dur="500"/>
-                                        <p:tgtEl>
-                                          <p:spTgt spid="5"/>
-                                        </p:tgtEl>
-                                      </p:cBhvr>
-                                    </p:animEffect>
-                                  </p:childTnLst>
-                                </p:cTn>
-                              </p:par>
-                            </p:childTnLst>
-                          </p:cTn>
-                        </p:par>
-                      </p:childTnLst>
-                    </p:cTn>
-                  </p:par>
-                </p:childTnLst>
-              </p:cTn>
-              <p:prevCondLst>
-                <p:cond evt="onPrev" delay="0">
-                  <p:tgtEl>
-                    <p:sldTgt/>
-                  </p:tgtEl>
-                </p:cond>
-              </p:prevCondLst>
-              <p:nextCondLst>
-                <p:cond evt="onNext" delay="0">
-                  <p:tgtEl>
-                    <p:sldTgt/>
-                  </p:tgtEl>
-                </p:cond>
-              </p:nextCondLst>
-            </p:seq>
-          </p:childTnLst>
-        </p:cTn>
-      </p:par>
-    </p:tnLst>
-    <p:bldLst>
-      <p:bldP spid="5" grpId="0"/>
-    </p:bldLst>
-  </p:timing>
 </p:sld>
 </file>
 
 <file path=ppt/slides/slide14.xml><?xml version="1.0" encoding="utf-8"?>
+<p:sld xmlns:a="http://schemas.openxmlformats.org/drawingml/2006/main" xmlns:r="http://schemas.openxmlformats.org/officeDocument/2006/relationships" xmlns:p="http://schemas.openxmlformats.org/presentationml/2006/main">
+  <p:cSld>
+    <p:bg>
+      <p:bgPr>
+        <a:solidFill>
+          <a:schemeClr val="tx1"/>
+        </a:solidFill>
+        <a:effectLst/>
+      </p:bgPr>
+    </p:bg>
+    <p:spTree>
+      <p:nvGrpSpPr>
+        <p:cNvPr id="1" name=""/>
+        <p:cNvGrpSpPr/>
+        <p:nvPr/>
+      </p:nvGrpSpPr>
+      <p:grpSpPr>
+        <a:xfrm>
+          <a:off x="0" y="0"/>
+          <a:ext cx="0" cy="0"/>
+          <a:chOff x="0" y="0"/>
+          <a:chExt cx="0" cy="0"/>
+        </a:xfrm>
+      </p:grpSpPr>
+      <p:sp>
+        <p:nvSpPr>
+          <p:cNvPr id="6" name="Rectangle: Rounded Corners 5">
+            <a:extLst>
+              <a:ext uri="{FF2B5EF4-FFF2-40B4-BE49-F238E27FC236}">
+                <a16:creationId xmlns:a16="http://schemas.microsoft.com/office/drawing/2014/main" id="{179F7033-14CF-9483-B3D4-5426B8F52BC8}"/>
+              </a:ext>
+            </a:extLst>
+          </p:cNvPr>
+          <p:cNvSpPr/>
+          <p:nvPr/>
+        </p:nvSpPr>
+        <p:spPr>
+          <a:xfrm>
+            <a:off x="930275" y="2147239"/>
+            <a:ext cx="2438400" cy="3644900"/>
+          </a:xfrm>
+          <a:prstGeom prst="roundRect">
+            <a:avLst>
+              <a:gd name="adj" fmla="val 4688"/>
+            </a:avLst>
+          </a:prstGeom>
+          <a:solidFill>
+            <a:schemeClr val="bg1">
+              <a:alpha val="22000"/>
+            </a:schemeClr>
+          </a:solidFill>
+          <a:ln w="9525">
+            <a:solidFill>
+              <a:schemeClr val="bg1"/>
+            </a:solidFill>
+          </a:ln>
+        </p:spPr>
+        <p:style>
+          <a:lnRef idx="2">
+            <a:schemeClr val="accent1">
+              <a:shade val="50000"/>
+            </a:schemeClr>
+          </a:lnRef>
+          <a:fillRef idx="1">
+            <a:schemeClr val="accent1"/>
+          </a:fillRef>
+          <a:effectRef idx="0">
+            <a:schemeClr val="accent1"/>
+          </a:effectRef>
+          <a:fontRef idx="minor">
+            <a:schemeClr val="lt1"/>
+          </a:fontRef>
+        </p:style>
+        <p:txBody>
+          <a:bodyPr rtlCol="0" anchor="ctr"/>
+          <a:lstStyle/>
+          <a:p>
+            <a:pPr marL="0" marR="0" lvl="0" indent="0" algn="ctr" defTabSz="914400" rtl="0" eaLnBrk="1" fontAlgn="auto" latinLnBrk="0" hangingPunct="1">
+              <a:lnSpc>
+                <a:spcPct val="100000"/>
+              </a:lnSpc>
+              <a:spcBef>
+                <a:spcPts val="0"/>
+              </a:spcBef>
+              <a:spcAft>
+                <a:spcPts val="0"/>
+              </a:spcAft>
+              <a:buClrTx/>
+              <a:buSzTx/>
+              <a:buFontTx/>
+              <a:buNone/>
+              <a:tabLst/>
+              <a:defRPr/>
+            </a:pPr>
+            <a:endParaRPr kumimoji="0" lang="en-US" sz="1800" b="0" i="0" u="none" strike="noStrike" kern="1200" cap="none" spc="0" normalizeH="0" baseline="0" noProof="0">
+              <a:ln>
+                <a:noFill/>
+              </a:ln>
+              <a:solidFill>
+                <a:prstClr val="white"/>
+              </a:solidFill>
+              <a:effectLst/>
+              <a:uLnTx/>
+              <a:uFillTx/>
+              <a:latin typeface="Calibri" panose="020F0502020204030204"/>
+              <a:ea typeface="+mn-ea"/>
+              <a:cs typeface="+mn-cs"/>
+            </a:endParaRPr>
+          </a:p>
+        </p:txBody>
+      </p:sp>
+      <p:sp>
+        <p:nvSpPr>
+          <p:cNvPr id="16" name="Rectangle: Rounded Corners 15">
+            <a:extLst>
+              <a:ext uri="{FF2B5EF4-FFF2-40B4-BE49-F238E27FC236}">
+                <a16:creationId xmlns:a16="http://schemas.microsoft.com/office/drawing/2014/main" id="{1E25CB15-24D1-F1F1-B5DB-51FE5B58BF95}"/>
+              </a:ext>
+            </a:extLst>
+          </p:cNvPr>
+          <p:cNvSpPr/>
+          <p:nvPr/>
+        </p:nvSpPr>
+        <p:spPr>
+          <a:xfrm>
+            <a:off x="3561292" y="2147239"/>
+            <a:ext cx="2438400" cy="3644900"/>
+          </a:xfrm>
+          <a:prstGeom prst="roundRect">
+            <a:avLst>
+              <a:gd name="adj" fmla="val 4688"/>
+            </a:avLst>
+          </a:prstGeom>
+          <a:solidFill>
+            <a:schemeClr val="bg1">
+              <a:alpha val="22000"/>
+            </a:schemeClr>
+          </a:solidFill>
+          <a:ln w="9525">
+            <a:solidFill>
+              <a:schemeClr val="bg1"/>
+            </a:solidFill>
+          </a:ln>
+        </p:spPr>
+        <p:style>
+          <a:lnRef idx="2">
+            <a:schemeClr val="accent1">
+              <a:shade val="50000"/>
+            </a:schemeClr>
+          </a:lnRef>
+          <a:fillRef idx="1">
+            <a:schemeClr val="accent1"/>
+          </a:fillRef>
+          <a:effectRef idx="0">
+            <a:schemeClr val="accent1"/>
+          </a:effectRef>
+          <a:fontRef idx="minor">
+            <a:schemeClr val="lt1"/>
+          </a:fontRef>
+        </p:style>
+        <p:txBody>
+          <a:bodyPr rtlCol="0" anchor="ctr"/>
+          <a:lstStyle/>
+          <a:p>
+            <a:pPr marL="0" marR="0" lvl="0" indent="0" algn="ctr" defTabSz="914400" rtl="0" eaLnBrk="1" fontAlgn="auto" latinLnBrk="0" hangingPunct="1">
+              <a:lnSpc>
+                <a:spcPct val="100000"/>
+              </a:lnSpc>
+              <a:spcBef>
+                <a:spcPts val="0"/>
+              </a:spcBef>
+              <a:spcAft>
+                <a:spcPts val="0"/>
+              </a:spcAft>
+              <a:buClrTx/>
+              <a:buSzTx/>
+              <a:buFontTx/>
+              <a:buNone/>
+              <a:tabLst/>
+              <a:defRPr/>
+            </a:pPr>
+            <a:endParaRPr kumimoji="0" lang="en-US" sz="1800" b="0" i="0" u="none" strike="noStrike" kern="1200" cap="none" spc="0" normalizeH="0" baseline="0" noProof="0">
+              <a:ln>
+                <a:noFill/>
+              </a:ln>
+              <a:solidFill>
+                <a:prstClr val="white"/>
+              </a:solidFill>
+              <a:effectLst/>
+              <a:uLnTx/>
+              <a:uFillTx/>
+              <a:latin typeface="Calibri" panose="020F0502020204030204"/>
+              <a:ea typeface="+mn-ea"/>
+              <a:cs typeface="+mn-cs"/>
+            </a:endParaRPr>
+          </a:p>
+        </p:txBody>
+      </p:sp>
+      <p:sp>
+        <p:nvSpPr>
+          <p:cNvPr id="17" name="Rectangle: Rounded Corners 16">
+            <a:extLst>
+              <a:ext uri="{FF2B5EF4-FFF2-40B4-BE49-F238E27FC236}">
+                <a16:creationId xmlns:a16="http://schemas.microsoft.com/office/drawing/2014/main" id="{5D4B58FB-38F4-3B30-3FB3-07FD9AF3BBAB}"/>
+              </a:ext>
+            </a:extLst>
+          </p:cNvPr>
+          <p:cNvSpPr/>
+          <p:nvPr/>
+        </p:nvSpPr>
+        <p:spPr>
+          <a:xfrm>
+            <a:off x="6192309" y="2147239"/>
+            <a:ext cx="2438400" cy="3644900"/>
+          </a:xfrm>
+          <a:prstGeom prst="roundRect">
+            <a:avLst>
+              <a:gd name="adj" fmla="val 4688"/>
+            </a:avLst>
+          </a:prstGeom>
+          <a:solidFill>
+            <a:schemeClr val="bg1">
+              <a:alpha val="22000"/>
+            </a:schemeClr>
+          </a:solidFill>
+          <a:ln w="9525">
+            <a:solidFill>
+              <a:schemeClr val="bg1"/>
+            </a:solidFill>
+          </a:ln>
+        </p:spPr>
+        <p:style>
+          <a:lnRef idx="2">
+            <a:schemeClr val="accent1">
+              <a:shade val="50000"/>
+            </a:schemeClr>
+          </a:lnRef>
+          <a:fillRef idx="1">
+            <a:schemeClr val="accent1"/>
+          </a:fillRef>
+          <a:effectRef idx="0">
+            <a:schemeClr val="accent1"/>
+          </a:effectRef>
+          <a:fontRef idx="minor">
+            <a:schemeClr val="lt1"/>
+          </a:fontRef>
+        </p:style>
+        <p:txBody>
+          <a:bodyPr rtlCol="0" anchor="ctr"/>
+          <a:lstStyle/>
+          <a:p>
+            <a:pPr marL="0" marR="0" lvl="0" indent="0" algn="ctr" defTabSz="914400" rtl="0" eaLnBrk="1" fontAlgn="auto" latinLnBrk="0" hangingPunct="1">
+              <a:lnSpc>
+                <a:spcPct val="100000"/>
+              </a:lnSpc>
+              <a:spcBef>
+                <a:spcPts val="0"/>
+              </a:spcBef>
+              <a:spcAft>
+                <a:spcPts val="0"/>
+              </a:spcAft>
+              <a:buClrTx/>
+              <a:buSzTx/>
+              <a:buFontTx/>
+              <a:buNone/>
+              <a:tabLst/>
+              <a:defRPr/>
+            </a:pPr>
+            <a:endParaRPr kumimoji="0" lang="en-US" sz="1800" b="0" i="0" u="none" strike="noStrike" kern="1200" cap="none" spc="0" normalizeH="0" baseline="0" noProof="0">
+              <a:ln>
+                <a:noFill/>
+              </a:ln>
+              <a:solidFill>
+                <a:prstClr val="white"/>
+              </a:solidFill>
+              <a:effectLst/>
+              <a:uLnTx/>
+              <a:uFillTx/>
+              <a:latin typeface="Calibri" panose="020F0502020204030204"/>
+              <a:ea typeface="+mn-ea"/>
+              <a:cs typeface="+mn-cs"/>
+            </a:endParaRPr>
+          </a:p>
+        </p:txBody>
+      </p:sp>
+      <p:sp>
+        <p:nvSpPr>
+          <p:cNvPr id="18" name="Rectangle: Rounded Corners 17">
+            <a:extLst>
+              <a:ext uri="{FF2B5EF4-FFF2-40B4-BE49-F238E27FC236}">
+                <a16:creationId xmlns:a16="http://schemas.microsoft.com/office/drawing/2014/main" id="{194A5256-5BE7-E717-5F99-C8CC2FB78036}"/>
+              </a:ext>
+            </a:extLst>
+          </p:cNvPr>
+          <p:cNvSpPr/>
+          <p:nvPr/>
+        </p:nvSpPr>
+        <p:spPr>
+          <a:xfrm>
+            <a:off x="8823325" y="2147239"/>
+            <a:ext cx="2438400" cy="3644900"/>
+          </a:xfrm>
+          <a:prstGeom prst="roundRect">
+            <a:avLst>
+              <a:gd name="adj" fmla="val 4688"/>
+            </a:avLst>
+          </a:prstGeom>
+          <a:solidFill>
+            <a:schemeClr val="bg1">
+              <a:alpha val="22000"/>
+            </a:schemeClr>
+          </a:solidFill>
+          <a:ln w="9525">
+            <a:solidFill>
+              <a:schemeClr val="bg1"/>
+            </a:solidFill>
+          </a:ln>
+        </p:spPr>
+        <p:style>
+          <a:lnRef idx="2">
+            <a:schemeClr val="accent1">
+              <a:shade val="50000"/>
+            </a:schemeClr>
+          </a:lnRef>
+          <a:fillRef idx="1">
+            <a:schemeClr val="accent1"/>
+          </a:fillRef>
+          <a:effectRef idx="0">
+            <a:schemeClr val="accent1"/>
+          </a:effectRef>
+          <a:fontRef idx="minor">
+            <a:schemeClr val="lt1"/>
+          </a:fontRef>
+        </p:style>
+        <p:txBody>
+          <a:bodyPr rtlCol="0" anchor="ctr"/>
+          <a:lstStyle/>
+          <a:p>
+            <a:pPr marL="0" marR="0" lvl="0" indent="0" algn="ctr" defTabSz="914400" rtl="0" eaLnBrk="1" fontAlgn="auto" latinLnBrk="0" hangingPunct="1">
+              <a:lnSpc>
+                <a:spcPct val="100000"/>
+              </a:lnSpc>
+              <a:spcBef>
+                <a:spcPts val="0"/>
+              </a:spcBef>
+              <a:spcAft>
+                <a:spcPts val="0"/>
+              </a:spcAft>
+              <a:buClrTx/>
+              <a:buSzTx/>
+              <a:buFontTx/>
+              <a:buNone/>
+              <a:tabLst/>
+              <a:defRPr/>
+            </a:pPr>
+            <a:endParaRPr kumimoji="0" lang="en-US" sz="1800" b="0" i="0" u="none" strike="noStrike" kern="1200" cap="none" spc="0" normalizeH="0" baseline="0" noProof="0">
+              <a:ln>
+                <a:noFill/>
+              </a:ln>
+              <a:solidFill>
+                <a:prstClr val="white"/>
+              </a:solidFill>
+              <a:effectLst/>
+              <a:uLnTx/>
+              <a:uFillTx/>
+              <a:latin typeface="Calibri" panose="020F0502020204030204"/>
+              <a:ea typeface="+mn-ea"/>
+              <a:cs typeface="+mn-cs"/>
+            </a:endParaRPr>
+          </a:p>
+        </p:txBody>
+      </p:sp>
+      <p:sp>
+        <p:nvSpPr>
+          <p:cNvPr id="20" name="TextBox 19">
+            <a:extLst>
+              <a:ext uri="{FF2B5EF4-FFF2-40B4-BE49-F238E27FC236}">
+                <a16:creationId xmlns:a16="http://schemas.microsoft.com/office/drawing/2014/main" id="{4442B1AF-D1C8-C909-40F3-3692AB01A087}"/>
+              </a:ext>
+            </a:extLst>
+          </p:cNvPr>
+          <p:cNvSpPr txBox="1"/>
+          <p:nvPr/>
+        </p:nvSpPr>
+        <p:spPr>
+          <a:xfrm>
+            <a:off x="1001563" y="3742192"/>
+            <a:ext cx="2295821" cy="461665"/>
+          </a:xfrm>
+          <a:prstGeom prst="rect">
+            <a:avLst/>
+          </a:prstGeom>
+          <a:noFill/>
+        </p:spPr>
+        <p:txBody>
+          <a:bodyPr wrap="none" rtlCol="0">
+            <a:spAutoFit/>
+          </a:bodyPr>
+          <a:lstStyle/>
+          <a:p>
+            <a:pPr marL="0" marR="0" lvl="0" indent="0" algn="ctr" defTabSz="914400" rtl="0" eaLnBrk="1" fontAlgn="auto" latinLnBrk="0" hangingPunct="1">
+              <a:lnSpc>
+                <a:spcPct val="100000"/>
+              </a:lnSpc>
+              <a:spcBef>
+                <a:spcPts val="0"/>
+              </a:spcBef>
+              <a:spcAft>
+                <a:spcPts val="0"/>
+              </a:spcAft>
+              <a:buClrTx/>
+              <a:buSzTx/>
+              <a:buFontTx/>
+              <a:buNone/>
+              <a:tabLst/>
+              <a:defRPr/>
+            </a:pPr>
+            <a:r>
+              <a:rPr lang="en-US" sz="2400" dirty="0">
+                <a:solidFill>
+                  <a:prstClr val="white"/>
+                </a:solidFill>
+                <a:latin typeface="Poppins Light" panose="02000000000000000000" pitchFamily="2" charset="0"/>
+                <a:cs typeface="Poppins Light" panose="02000000000000000000" pitchFamily="2" charset="0"/>
+              </a:rPr>
+              <a:t>Organizations</a:t>
+            </a:r>
+            <a:endParaRPr kumimoji="0" lang="en-US" sz="2400" b="0" i="0" u="none" strike="noStrike" kern="1200" cap="none" spc="0" normalizeH="0" baseline="0" noProof="0" dirty="0">
+              <a:ln>
+                <a:noFill/>
+              </a:ln>
+              <a:solidFill>
+                <a:prstClr val="white"/>
+              </a:solidFill>
+              <a:effectLst/>
+              <a:uLnTx/>
+              <a:uFillTx/>
+              <a:latin typeface="Poppins Light" panose="02000000000000000000" pitchFamily="2" charset="0"/>
+              <a:cs typeface="Poppins Light" panose="02000000000000000000" pitchFamily="2" charset="0"/>
+            </a:endParaRPr>
+          </a:p>
+        </p:txBody>
+      </p:sp>
+      <p:sp>
+        <p:nvSpPr>
+          <p:cNvPr id="22" name="TextBox 21">
+            <a:extLst>
+              <a:ext uri="{FF2B5EF4-FFF2-40B4-BE49-F238E27FC236}">
+                <a16:creationId xmlns:a16="http://schemas.microsoft.com/office/drawing/2014/main" id="{1F03004B-482C-61C8-1688-EF6A8B36C3D0}"/>
+              </a:ext>
+            </a:extLst>
+          </p:cNvPr>
+          <p:cNvSpPr txBox="1"/>
+          <p:nvPr/>
+        </p:nvSpPr>
+        <p:spPr>
+          <a:xfrm>
+            <a:off x="4095848" y="3742192"/>
+            <a:ext cx="1369286" cy="461665"/>
+          </a:xfrm>
+          <a:prstGeom prst="rect">
+            <a:avLst/>
+          </a:prstGeom>
+          <a:noFill/>
+        </p:spPr>
+        <p:txBody>
+          <a:bodyPr wrap="none" rtlCol="0">
+            <a:spAutoFit/>
+          </a:bodyPr>
+          <a:lstStyle/>
+          <a:p>
+            <a:pPr marL="0" marR="0" lvl="0" indent="0" algn="ctr" defTabSz="914400" rtl="0" eaLnBrk="1" fontAlgn="auto" latinLnBrk="0" hangingPunct="1">
+              <a:lnSpc>
+                <a:spcPct val="100000"/>
+              </a:lnSpc>
+              <a:spcBef>
+                <a:spcPts val="0"/>
+              </a:spcBef>
+              <a:spcAft>
+                <a:spcPts val="0"/>
+              </a:spcAft>
+              <a:buClrTx/>
+              <a:buSzTx/>
+              <a:buFontTx/>
+              <a:buNone/>
+              <a:tabLst/>
+              <a:defRPr/>
+            </a:pPr>
+            <a:r>
+              <a:rPr lang="en-US" sz="2400" noProof="0" dirty="0">
+                <a:solidFill>
+                  <a:prstClr val="white"/>
+                </a:solidFill>
+                <a:latin typeface="Poppins Light" panose="02000000000000000000" pitchFamily="2" charset="0"/>
+                <a:cs typeface="Poppins Light" panose="02000000000000000000" pitchFamily="2" charset="0"/>
+              </a:rPr>
+              <a:t>Devices</a:t>
+            </a:r>
+            <a:endParaRPr kumimoji="0" lang="en-US" sz="2400" b="0" i="0" u="none" strike="noStrike" kern="1200" cap="none" spc="0" normalizeH="0" baseline="0" noProof="0" dirty="0">
+              <a:ln>
+                <a:noFill/>
+              </a:ln>
+              <a:solidFill>
+                <a:prstClr val="white"/>
+              </a:solidFill>
+              <a:effectLst/>
+              <a:uLnTx/>
+              <a:uFillTx/>
+              <a:latin typeface="Poppins Light" panose="02000000000000000000" pitchFamily="2" charset="0"/>
+              <a:cs typeface="Poppins Light" panose="02000000000000000000" pitchFamily="2" charset="0"/>
+            </a:endParaRPr>
+          </a:p>
+        </p:txBody>
+      </p:sp>
+      <p:sp>
+        <p:nvSpPr>
+          <p:cNvPr id="23" name="TextBox 22">
+            <a:extLst>
+              <a:ext uri="{FF2B5EF4-FFF2-40B4-BE49-F238E27FC236}">
+                <a16:creationId xmlns:a16="http://schemas.microsoft.com/office/drawing/2014/main" id="{B1C9BD03-F120-3640-7C6B-D63730BD1468}"/>
+              </a:ext>
+            </a:extLst>
+          </p:cNvPr>
+          <p:cNvSpPr txBox="1"/>
+          <p:nvPr/>
+        </p:nvSpPr>
+        <p:spPr>
+          <a:xfrm>
+            <a:off x="6787781" y="3742192"/>
+            <a:ext cx="1247457" cy="461665"/>
+          </a:xfrm>
+          <a:prstGeom prst="rect">
+            <a:avLst/>
+          </a:prstGeom>
+          <a:noFill/>
+        </p:spPr>
+        <p:txBody>
+          <a:bodyPr wrap="none" rtlCol="0">
+            <a:spAutoFit/>
+          </a:bodyPr>
+          <a:lstStyle/>
+          <a:p>
+            <a:pPr marL="0" marR="0" lvl="0" indent="0" algn="ctr" defTabSz="914400" rtl="0" eaLnBrk="1" fontAlgn="auto" latinLnBrk="0" hangingPunct="1">
+              <a:lnSpc>
+                <a:spcPct val="100000"/>
+              </a:lnSpc>
+              <a:spcBef>
+                <a:spcPts val="0"/>
+              </a:spcBef>
+              <a:spcAft>
+                <a:spcPts val="0"/>
+              </a:spcAft>
+              <a:buClrTx/>
+              <a:buSzTx/>
+              <a:buFontTx/>
+              <a:buNone/>
+              <a:tabLst/>
+              <a:defRPr/>
+            </a:pPr>
+            <a:r>
+              <a:rPr lang="en-US" sz="2400" noProof="0" dirty="0">
+                <a:solidFill>
+                  <a:prstClr val="white"/>
+                </a:solidFill>
+                <a:latin typeface="Poppins Light" panose="02000000000000000000" pitchFamily="2" charset="0"/>
+                <a:cs typeface="Poppins Light" panose="02000000000000000000" pitchFamily="2" charset="0"/>
+              </a:rPr>
+              <a:t>Alarms</a:t>
+            </a:r>
+            <a:endParaRPr kumimoji="0" lang="en-US" sz="2400" b="0" i="0" u="none" strike="noStrike" kern="1200" cap="none" spc="0" normalizeH="0" baseline="0" noProof="0" dirty="0">
+              <a:ln>
+                <a:noFill/>
+              </a:ln>
+              <a:solidFill>
+                <a:prstClr val="white"/>
+              </a:solidFill>
+              <a:effectLst/>
+              <a:uLnTx/>
+              <a:uFillTx/>
+              <a:latin typeface="Poppins Light" panose="02000000000000000000" pitchFamily="2" charset="0"/>
+              <a:cs typeface="Poppins Light" panose="02000000000000000000" pitchFamily="2" charset="0"/>
+            </a:endParaRPr>
+          </a:p>
+        </p:txBody>
+      </p:sp>
+      <p:sp>
+        <p:nvSpPr>
+          <p:cNvPr id="24" name="TextBox 23">
+            <a:extLst>
+              <a:ext uri="{FF2B5EF4-FFF2-40B4-BE49-F238E27FC236}">
+                <a16:creationId xmlns:a16="http://schemas.microsoft.com/office/drawing/2014/main" id="{F2739381-D88D-D505-CFCB-865829C97677}"/>
+              </a:ext>
+            </a:extLst>
+          </p:cNvPr>
+          <p:cNvSpPr txBox="1"/>
+          <p:nvPr/>
+        </p:nvSpPr>
+        <p:spPr>
+          <a:xfrm>
+            <a:off x="9014842" y="3742192"/>
+            <a:ext cx="2055371" cy="461665"/>
+          </a:xfrm>
+          <a:prstGeom prst="rect">
+            <a:avLst/>
+          </a:prstGeom>
+          <a:noFill/>
+        </p:spPr>
+        <p:txBody>
+          <a:bodyPr wrap="none" rtlCol="0">
+            <a:spAutoFit/>
+          </a:bodyPr>
+          <a:lstStyle/>
+          <a:p>
+            <a:pPr marL="0" marR="0" lvl="0" indent="0" algn="ctr" defTabSz="914400" rtl="0" eaLnBrk="1" fontAlgn="auto" latinLnBrk="0" hangingPunct="1">
+              <a:lnSpc>
+                <a:spcPct val="100000"/>
+              </a:lnSpc>
+              <a:spcBef>
+                <a:spcPts val="0"/>
+              </a:spcBef>
+              <a:spcAft>
+                <a:spcPts val="0"/>
+              </a:spcAft>
+              <a:buClrTx/>
+              <a:buSzTx/>
+              <a:buFontTx/>
+              <a:buNone/>
+              <a:tabLst/>
+              <a:defRPr/>
+            </a:pPr>
+            <a:r>
+              <a:rPr lang="en-US" sz="2400" noProof="0" dirty="0">
+                <a:solidFill>
+                  <a:prstClr val="white"/>
+                </a:solidFill>
+                <a:latin typeface="Poppins Light" panose="02000000000000000000" pitchFamily="2" charset="0"/>
+                <a:cs typeface="Poppins Light" panose="02000000000000000000" pitchFamily="2" charset="0"/>
+              </a:rPr>
+              <a:t>Dashboards</a:t>
+            </a:r>
+            <a:endParaRPr kumimoji="0" lang="en-US" sz="2400" b="0" i="0" u="none" strike="noStrike" kern="1200" cap="none" spc="0" normalizeH="0" baseline="0" noProof="0" dirty="0">
+              <a:ln>
+                <a:noFill/>
+              </a:ln>
+              <a:solidFill>
+                <a:prstClr val="white"/>
+              </a:solidFill>
+              <a:effectLst/>
+              <a:uLnTx/>
+              <a:uFillTx/>
+              <a:latin typeface="Poppins Light" panose="02000000000000000000" pitchFamily="2" charset="0"/>
+              <a:cs typeface="Poppins Light" panose="02000000000000000000" pitchFamily="2" charset="0"/>
+            </a:endParaRPr>
+          </a:p>
+        </p:txBody>
+      </p:sp>
+      <p:sp>
+        <p:nvSpPr>
+          <p:cNvPr id="25" name="TextBox 24">
+            <a:extLst>
+              <a:ext uri="{FF2B5EF4-FFF2-40B4-BE49-F238E27FC236}">
+                <a16:creationId xmlns:a16="http://schemas.microsoft.com/office/drawing/2014/main" id="{1D410EEF-7A48-8B49-1E06-B16625311F81}"/>
+              </a:ext>
+            </a:extLst>
+          </p:cNvPr>
+          <p:cNvSpPr txBox="1"/>
+          <p:nvPr/>
+        </p:nvSpPr>
+        <p:spPr>
+          <a:xfrm>
+            <a:off x="1191068" y="4433237"/>
+            <a:ext cx="1916815" cy="784830"/>
+          </a:xfrm>
+          <a:prstGeom prst="rect">
+            <a:avLst/>
+          </a:prstGeom>
+          <a:noFill/>
+        </p:spPr>
+        <p:txBody>
+          <a:bodyPr wrap="square" rtlCol="0">
+            <a:spAutoFit/>
+          </a:bodyPr>
+          <a:lstStyle/>
+          <a:p>
+            <a:pPr lvl="0" algn="ctr">
+              <a:defRPr/>
+            </a:pPr>
+            <a:r>
+              <a:rPr lang="it-IT" sz="900" dirty="0" err="1">
+                <a:solidFill>
+                  <a:schemeClr val="bg1"/>
+                </a:solidFill>
+              </a:rPr>
+              <a:t>Lorem</a:t>
+            </a:r>
+            <a:r>
+              <a:rPr lang="it-IT" sz="900" dirty="0">
+                <a:solidFill>
+                  <a:schemeClr val="bg1"/>
+                </a:solidFill>
+              </a:rPr>
+              <a:t> </a:t>
+            </a:r>
+            <a:r>
+              <a:rPr lang="it-IT" sz="900" dirty="0" err="1">
+                <a:solidFill>
+                  <a:schemeClr val="bg1"/>
+                </a:solidFill>
+              </a:rPr>
+              <a:t>ipsum</a:t>
+            </a:r>
+            <a:r>
+              <a:rPr lang="it-IT" sz="900" dirty="0">
+                <a:solidFill>
+                  <a:schemeClr val="bg1"/>
+                </a:solidFill>
+              </a:rPr>
+              <a:t> dolor </a:t>
+            </a:r>
+            <a:r>
+              <a:rPr lang="it-IT" sz="900" dirty="0" err="1">
+                <a:solidFill>
+                  <a:schemeClr val="bg1"/>
+                </a:solidFill>
+              </a:rPr>
+              <a:t>sit</a:t>
+            </a:r>
+            <a:r>
+              <a:rPr lang="it-IT" sz="900" dirty="0">
+                <a:solidFill>
+                  <a:schemeClr val="bg1"/>
+                </a:solidFill>
+              </a:rPr>
+              <a:t> </a:t>
+            </a:r>
+            <a:r>
+              <a:rPr lang="it-IT" sz="900" dirty="0" err="1">
+                <a:solidFill>
+                  <a:schemeClr val="bg1"/>
+                </a:solidFill>
+              </a:rPr>
+              <a:t>amet</a:t>
+            </a:r>
+            <a:r>
+              <a:rPr lang="it-IT" sz="900" dirty="0">
+                <a:solidFill>
+                  <a:schemeClr val="bg1"/>
+                </a:solidFill>
+              </a:rPr>
+              <a:t>, </a:t>
+            </a:r>
+            <a:r>
+              <a:rPr lang="it-IT" sz="900" dirty="0" err="1">
+                <a:solidFill>
+                  <a:schemeClr val="bg1"/>
+                </a:solidFill>
+              </a:rPr>
+              <a:t>consectetur</a:t>
+            </a:r>
+            <a:r>
+              <a:rPr lang="it-IT" sz="900" dirty="0">
+                <a:solidFill>
+                  <a:schemeClr val="bg1"/>
+                </a:solidFill>
+              </a:rPr>
+              <a:t> </a:t>
+            </a:r>
+            <a:r>
+              <a:rPr lang="it-IT" sz="900" dirty="0" err="1">
+                <a:solidFill>
+                  <a:schemeClr val="bg1"/>
+                </a:solidFill>
+              </a:rPr>
+              <a:t>adipiscing</a:t>
+            </a:r>
+            <a:r>
+              <a:rPr lang="it-IT" sz="900" dirty="0">
+                <a:solidFill>
+                  <a:schemeClr val="bg1"/>
+                </a:solidFill>
+              </a:rPr>
+              <a:t> </a:t>
+            </a:r>
+            <a:r>
+              <a:rPr lang="it-IT" sz="900" dirty="0" err="1">
+                <a:solidFill>
+                  <a:schemeClr val="bg1"/>
+                </a:solidFill>
+              </a:rPr>
+              <a:t>elit</a:t>
+            </a:r>
+            <a:r>
+              <a:rPr lang="it-IT" sz="900" dirty="0">
+                <a:solidFill>
+                  <a:schemeClr val="bg1"/>
+                </a:solidFill>
+              </a:rPr>
+              <a:t>. </a:t>
+            </a:r>
+            <a:r>
+              <a:rPr lang="it-IT" sz="900" dirty="0" err="1">
+                <a:solidFill>
+                  <a:schemeClr val="bg1"/>
+                </a:solidFill>
+              </a:rPr>
+              <a:t>Aliquam</a:t>
+            </a:r>
+            <a:r>
+              <a:rPr lang="it-IT" sz="900" dirty="0">
+                <a:solidFill>
+                  <a:schemeClr val="bg1"/>
+                </a:solidFill>
+              </a:rPr>
+              <a:t> </a:t>
+            </a:r>
+            <a:r>
+              <a:rPr lang="it-IT" sz="900" dirty="0" err="1">
+                <a:solidFill>
+                  <a:schemeClr val="bg1"/>
+                </a:solidFill>
+              </a:rPr>
+              <a:t>laoreet</a:t>
+            </a:r>
+            <a:r>
+              <a:rPr lang="it-IT" sz="900" dirty="0">
+                <a:solidFill>
+                  <a:schemeClr val="bg1"/>
+                </a:solidFill>
+              </a:rPr>
+              <a:t> vel libero </a:t>
+            </a:r>
+            <a:r>
+              <a:rPr lang="it-IT" sz="900" dirty="0" err="1">
+                <a:solidFill>
+                  <a:schemeClr val="bg1"/>
+                </a:solidFill>
+              </a:rPr>
+              <a:t>nec</a:t>
+            </a:r>
+            <a:r>
+              <a:rPr lang="it-IT" sz="900" dirty="0">
+                <a:solidFill>
+                  <a:schemeClr val="bg1"/>
+                </a:solidFill>
+              </a:rPr>
+              <a:t> </a:t>
+            </a:r>
+            <a:r>
+              <a:rPr lang="it-IT" sz="900" dirty="0" err="1">
+                <a:solidFill>
+                  <a:schemeClr val="bg1"/>
+                </a:solidFill>
+              </a:rPr>
+              <a:t>mollis</a:t>
+            </a:r>
+            <a:r>
+              <a:rPr lang="it-IT" sz="900" dirty="0">
+                <a:solidFill>
+                  <a:schemeClr val="bg1"/>
+                </a:solidFill>
+              </a:rPr>
+              <a:t>. Nunc in </a:t>
+            </a:r>
+            <a:r>
+              <a:rPr lang="it-IT" sz="900" dirty="0" err="1">
+                <a:solidFill>
+                  <a:schemeClr val="bg1"/>
+                </a:solidFill>
+              </a:rPr>
+              <a:t>sapien</a:t>
+            </a:r>
+            <a:r>
+              <a:rPr lang="it-IT" sz="900" dirty="0">
+                <a:solidFill>
+                  <a:schemeClr val="bg1"/>
+                </a:solidFill>
+              </a:rPr>
+              <a:t> vel </a:t>
+            </a:r>
+            <a:r>
+              <a:rPr lang="it-IT" sz="900" dirty="0" err="1">
+                <a:solidFill>
+                  <a:schemeClr val="bg1"/>
+                </a:solidFill>
+              </a:rPr>
+              <a:t>velit</a:t>
+            </a:r>
+            <a:r>
+              <a:rPr lang="it-IT" sz="900" dirty="0">
+                <a:solidFill>
+                  <a:schemeClr val="bg1"/>
+                </a:solidFill>
+              </a:rPr>
+              <a:t> </a:t>
+            </a:r>
+            <a:r>
+              <a:rPr lang="it-IT" sz="900" dirty="0" err="1">
+                <a:solidFill>
+                  <a:schemeClr val="bg1"/>
+                </a:solidFill>
+              </a:rPr>
+              <a:t>vehicula</a:t>
+            </a:r>
+            <a:r>
+              <a:rPr lang="it-IT" sz="900" dirty="0">
+                <a:solidFill>
+                  <a:schemeClr val="bg1"/>
+                </a:solidFill>
+              </a:rPr>
+              <a:t> </a:t>
+            </a:r>
+            <a:r>
+              <a:rPr lang="it-IT" sz="900" dirty="0" err="1">
+                <a:solidFill>
+                  <a:schemeClr val="bg1"/>
+                </a:solidFill>
+              </a:rPr>
+              <a:t>tempor</a:t>
+            </a:r>
+            <a:r>
+              <a:rPr lang="it-IT" sz="900" dirty="0">
+                <a:solidFill>
+                  <a:schemeClr val="bg1"/>
+                </a:solidFill>
+              </a:rPr>
+              <a:t>. </a:t>
+            </a:r>
+            <a:r>
+              <a:rPr lang="it-IT" sz="900" dirty="0" err="1">
+                <a:solidFill>
+                  <a:schemeClr val="bg1"/>
+                </a:solidFill>
+              </a:rPr>
+              <a:t>Suspendisse</a:t>
+            </a:r>
+            <a:r>
+              <a:rPr lang="it-IT" sz="900" dirty="0">
+                <a:solidFill>
+                  <a:schemeClr val="bg1"/>
+                </a:solidFill>
+              </a:rPr>
+              <a:t> sed </a:t>
+            </a:r>
+            <a:r>
+              <a:rPr lang="it-IT" sz="900" dirty="0" err="1">
+                <a:solidFill>
+                  <a:schemeClr val="bg1"/>
+                </a:solidFill>
+              </a:rPr>
+              <a:t>finibus</a:t>
+            </a:r>
+            <a:r>
+              <a:rPr lang="it-IT" sz="900" dirty="0">
+                <a:solidFill>
+                  <a:schemeClr val="bg1"/>
+                </a:solidFill>
+              </a:rPr>
+              <a:t> </a:t>
+            </a:r>
+            <a:r>
+              <a:rPr lang="it-IT" sz="900" dirty="0" err="1">
+                <a:solidFill>
+                  <a:schemeClr val="bg1"/>
+                </a:solidFill>
+              </a:rPr>
+              <a:t>augue</a:t>
+            </a:r>
+            <a:endParaRPr kumimoji="0" lang="en-US" sz="900" b="0" i="0" u="none" strike="noStrike" kern="1200" cap="none" spc="0" normalizeH="0" baseline="0" noProof="0" dirty="0">
+              <a:ln>
+                <a:noFill/>
+              </a:ln>
+              <a:solidFill>
+                <a:schemeClr val="bg1"/>
+              </a:solidFill>
+              <a:effectLst/>
+              <a:uLnTx/>
+              <a:uFillTx/>
+              <a:latin typeface="Poppins Light" panose="00000400000000000000" pitchFamily="2" charset="0"/>
+              <a:cs typeface="Poppins Light" panose="00000400000000000000" pitchFamily="2" charset="0"/>
+            </a:endParaRPr>
+          </a:p>
+        </p:txBody>
+      </p:sp>
+      <p:sp>
+        <p:nvSpPr>
+          <p:cNvPr id="29" name="TextBox 28">
+            <a:extLst>
+              <a:ext uri="{FF2B5EF4-FFF2-40B4-BE49-F238E27FC236}">
+                <a16:creationId xmlns:a16="http://schemas.microsoft.com/office/drawing/2014/main" id="{8C90B083-BED7-9AA8-8BD0-76686110315E}"/>
+              </a:ext>
+            </a:extLst>
+          </p:cNvPr>
+          <p:cNvSpPr txBox="1"/>
+          <p:nvPr/>
+        </p:nvSpPr>
+        <p:spPr>
+          <a:xfrm>
+            <a:off x="3822083" y="4433237"/>
+            <a:ext cx="1916815" cy="1200329"/>
+          </a:xfrm>
+          <a:prstGeom prst="rect">
+            <a:avLst/>
+          </a:prstGeom>
+          <a:noFill/>
+        </p:spPr>
+        <p:txBody>
+          <a:bodyPr wrap="square" rtlCol="0">
+            <a:spAutoFit/>
+          </a:bodyPr>
+          <a:lstStyle/>
+          <a:p>
+            <a:pPr lvl="0" algn="ctr">
+              <a:defRPr/>
+            </a:pPr>
+            <a:r>
+              <a:rPr lang="it-IT" sz="900" dirty="0">
+                <a:solidFill>
+                  <a:schemeClr val="bg1"/>
+                </a:solidFill>
+              </a:rPr>
+              <a:t>Sed </a:t>
+            </a:r>
+            <a:r>
+              <a:rPr lang="it-IT" sz="900" dirty="0" err="1">
+                <a:solidFill>
+                  <a:schemeClr val="bg1"/>
+                </a:solidFill>
+              </a:rPr>
+              <a:t>quam</a:t>
+            </a:r>
+            <a:r>
+              <a:rPr lang="it-IT" sz="900" dirty="0">
+                <a:solidFill>
+                  <a:schemeClr val="bg1"/>
+                </a:solidFill>
+              </a:rPr>
+              <a:t> </a:t>
+            </a:r>
+            <a:r>
+              <a:rPr lang="it-IT" sz="900" dirty="0" err="1">
+                <a:solidFill>
+                  <a:schemeClr val="bg1"/>
+                </a:solidFill>
+              </a:rPr>
+              <a:t>turpis</a:t>
+            </a:r>
+            <a:r>
+              <a:rPr lang="it-IT" sz="900" dirty="0">
+                <a:solidFill>
+                  <a:schemeClr val="bg1"/>
+                </a:solidFill>
+              </a:rPr>
+              <a:t>, </a:t>
+            </a:r>
+            <a:r>
+              <a:rPr lang="it-IT" sz="900" dirty="0" err="1">
+                <a:solidFill>
+                  <a:schemeClr val="bg1"/>
+                </a:solidFill>
+              </a:rPr>
+              <a:t>sodales</a:t>
+            </a:r>
+            <a:r>
+              <a:rPr lang="it-IT" sz="900" dirty="0">
+                <a:solidFill>
+                  <a:schemeClr val="bg1"/>
+                </a:solidFill>
+              </a:rPr>
+              <a:t> </a:t>
+            </a:r>
+            <a:r>
+              <a:rPr lang="it-IT" sz="900" dirty="0" err="1">
+                <a:solidFill>
+                  <a:schemeClr val="bg1"/>
+                </a:solidFill>
+              </a:rPr>
+              <a:t>at</a:t>
+            </a:r>
+            <a:r>
+              <a:rPr lang="it-IT" sz="900" dirty="0">
+                <a:solidFill>
+                  <a:schemeClr val="bg1"/>
+                </a:solidFill>
+              </a:rPr>
+              <a:t> ante a, </a:t>
+            </a:r>
+            <a:r>
+              <a:rPr lang="it-IT" sz="900" dirty="0" err="1">
+                <a:solidFill>
+                  <a:schemeClr val="bg1"/>
+                </a:solidFill>
+              </a:rPr>
+              <a:t>ullamcorper</a:t>
+            </a:r>
+            <a:r>
+              <a:rPr lang="it-IT" sz="900" dirty="0">
+                <a:solidFill>
+                  <a:schemeClr val="bg1"/>
+                </a:solidFill>
+              </a:rPr>
+              <a:t> </a:t>
+            </a:r>
+            <a:r>
+              <a:rPr lang="it-IT" sz="900" dirty="0" err="1">
+                <a:solidFill>
+                  <a:schemeClr val="bg1"/>
+                </a:solidFill>
+              </a:rPr>
+              <a:t>convallis</a:t>
+            </a:r>
+            <a:r>
+              <a:rPr lang="it-IT" sz="900" dirty="0">
+                <a:solidFill>
+                  <a:schemeClr val="bg1"/>
+                </a:solidFill>
+              </a:rPr>
+              <a:t> eros. Nunc </a:t>
+            </a:r>
+            <a:r>
+              <a:rPr lang="it-IT" sz="900" dirty="0" err="1">
+                <a:solidFill>
+                  <a:schemeClr val="bg1"/>
+                </a:solidFill>
+              </a:rPr>
+              <a:t>aliquet</a:t>
+            </a:r>
+            <a:r>
+              <a:rPr lang="it-IT" sz="900" dirty="0">
+                <a:solidFill>
+                  <a:schemeClr val="bg1"/>
+                </a:solidFill>
+              </a:rPr>
+              <a:t> </a:t>
+            </a:r>
+            <a:r>
+              <a:rPr lang="it-IT" sz="900" dirty="0" err="1">
+                <a:solidFill>
+                  <a:schemeClr val="bg1"/>
+                </a:solidFill>
+              </a:rPr>
+              <a:t>erat</a:t>
+            </a:r>
+            <a:r>
+              <a:rPr lang="it-IT" sz="900" dirty="0">
+                <a:solidFill>
+                  <a:schemeClr val="bg1"/>
+                </a:solidFill>
+              </a:rPr>
+              <a:t> sed </a:t>
+            </a:r>
+            <a:r>
+              <a:rPr lang="it-IT" sz="900" dirty="0" err="1">
+                <a:solidFill>
+                  <a:schemeClr val="bg1"/>
+                </a:solidFill>
+              </a:rPr>
+              <a:t>sodales</a:t>
+            </a:r>
+            <a:r>
+              <a:rPr lang="it-IT" sz="900" dirty="0">
+                <a:solidFill>
+                  <a:schemeClr val="bg1"/>
+                </a:solidFill>
+              </a:rPr>
+              <a:t> </a:t>
+            </a:r>
+            <a:r>
+              <a:rPr lang="it-IT" sz="900" dirty="0" err="1">
+                <a:solidFill>
+                  <a:schemeClr val="bg1"/>
+                </a:solidFill>
+              </a:rPr>
+              <a:t>tristique</a:t>
+            </a:r>
+            <a:r>
+              <a:rPr lang="it-IT" sz="900" dirty="0">
+                <a:solidFill>
+                  <a:schemeClr val="bg1"/>
+                </a:solidFill>
+              </a:rPr>
+              <a:t>. Sed </a:t>
+            </a:r>
+            <a:r>
+              <a:rPr lang="it-IT" sz="900" dirty="0" err="1">
+                <a:solidFill>
+                  <a:schemeClr val="bg1"/>
+                </a:solidFill>
+              </a:rPr>
+              <a:t>diam</a:t>
+            </a:r>
+            <a:r>
+              <a:rPr lang="it-IT" sz="900" dirty="0">
+                <a:solidFill>
+                  <a:schemeClr val="bg1"/>
+                </a:solidFill>
+              </a:rPr>
+              <a:t> dolor, </a:t>
+            </a:r>
+            <a:r>
+              <a:rPr lang="it-IT" sz="900" dirty="0" err="1">
+                <a:solidFill>
+                  <a:schemeClr val="bg1"/>
+                </a:solidFill>
+              </a:rPr>
+              <a:t>egestas</a:t>
+            </a:r>
+            <a:r>
+              <a:rPr lang="it-IT" sz="900" dirty="0">
+                <a:solidFill>
+                  <a:schemeClr val="bg1"/>
+                </a:solidFill>
+              </a:rPr>
+              <a:t> </a:t>
+            </a:r>
+            <a:r>
+              <a:rPr lang="it-IT" sz="900" dirty="0" err="1">
+                <a:solidFill>
+                  <a:schemeClr val="bg1"/>
+                </a:solidFill>
+              </a:rPr>
+              <a:t>eu</a:t>
+            </a:r>
+            <a:r>
+              <a:rPr lang="it-IT" sz="900" dirty="0">
+                <a:solidFill>
+                  <a:schemeClr val="bg1"/>
+                </a:solidFill>
+              </a:rPr>
+              <a:t> </a:t>
+            </a:r>
+            <a:r>
+              <a:rPr lang="it-IT" sz="900" dirty="0" err="1">
+                <a:solidFill>
+                  <a:schemeClr val="bg1"/>
+                </a:solidFill>
+              </a:rPr>
+              <a:t>tristique</a:t>
+            </a:r>
+            <a:r>
+              <a:rPr lang="it-IT" sz="900" dirty="0">
+                <a:solidFill>
+                  <a:schemeClr val="bg1"/>
+                </a:solidFill>
+              </a:rPr>
+              <a:t> </a:t>
+            </a:r>
+            <a:r>
+              <a:rPr lang="it-IT" sz="900" dirty="0" err="1">
+                <a:solidFill>
+                  <a:schemeClr val="bg1"/>
+                </a:solidFill>
+              </a:rPr>
+              <a:t>luctus</a:t>
+            </a:r>
+            <a:r>
+              <a:rPr lang="it-IT" sz="900" dirty="0">
+                <a:solidFill>
+                  <a:schemeClr val="bg1"/>
+                </a:solidFill>
+              </a:rPr>
+              <a:t>, </a:t>
+            </a:r>
+            <a:r>
+              <a:rPr lang="it-IT" sz="900" dirty="0" err="1">
+                <a:solidFill>
+                  <a:schemeClr val="bg1"/>
+                </a:solidFill>
+              </a:rPr>
+              <a:t>imperdiet</a:t>
+            </a:r>
+            <a:r>
+              <a:rPr lang="it-IT" sz="900" dirty="0">
+                <a:solidFill>
+                  <a:schemeClr val="bg1"/>
+                </a:solidFill>
+              </a:rPr>
+              <a:t> </a:t>
+            </a:r>
+            <a:r>
+              <a:rPr lang="it-IT" sz="900" dirty="0" err="1">
+                <a:solidFill>
+                  <a:schemeClr val="bg1"/>
+                </a:solidFill>
+              </a:rPr>
+              <a:t>nec</a:t>
+            </a:r>
+            <a:r>
+              <a:rPr lang="it-IT" sz="900" dirty="0">
+                <a:solidFill>
+                  <a:schemeClr val="bg1"/>
+                </a:solidFill>
+              </a:rPr>
+              <a:t> </a:t>
+            </a:r>
+            <a:r>
+              <a:rPr lang="it-IT" sz="900" dirty="0" err="1">
+                <a:solidFill>
+                  <a:schemeClr val="bg1"/>
+                </a:solidFill>
+              </a:rPr>
+              <a:t>elit</a:t>
+            </a:r>
+            <a:r>
+              <a:rPr lang="it-IT" sz="900" dirty="0">
+                <a:solidFill>
+                  <a:schemeClr val="bg1"/>
+                </a:solidFill>
+              </a:rPr>
+              <a:t>. Sed </a:t>
+            </a:r>
+            <a:r>
+              <a:rPr lang="it-IT" sz="900" dirty="0" err="1">
+                <a:solidFill>
+                  <a:schemeClr val="bg1"/>
+                </a:solidFill>
+              </a:rPr>
+              <a:t>dignissim</a:t>
+            </a:r>
+            <a:r>
+              <a:rPr lang="it-IT" sz="900" dirty="0">
+                <a:solidFill>
+                  <a:schemeClr val="bg1"/>
+                </a:solidFill>
+              </a:rPr>
+              <a:t> ut ante sed </a:t>
+            </a:r>
+            <a:r>
+              <a:rPr lang="it-IT" sz="900" dirty="0" err="1">
+                <a:solidFill>
+                  <a:schemeClr val="bg1"/>
+                </a:solidFill>
+              </a:rPr>
+              <a:t>vehicula</a:t>
+            </a:r>
+            <a:r>
+              <a:rPr lang="it-IT" sz="900" dirty="0">
+                <a:solidFill>
+                  <a:schemeClr val="bg1"/>
+                </a:solidFill>
+              </a:rPr>
+              <a:t>. </a:t>
+            </a:r>
+            <a:r>
+              <a:rPr lang="it-IT" sz="900" dirty="0" err="1">
+                <a:solidFill>
+                  <a:schemeClr val="bg1"/>
+                </a:solidFill>
+              </a:rPr>
+              <a:t>Etiam</a:t>
+            </a:r>
+            <a:r>
+              <a:rPr lang="it-IT" sz="900" dirty="0">
+                <a:solidFill>
+                  <a:schemeClr val="bg1"/>
+                </a:solidFill>
+              </a:rPr>
+              <a:t> </a:t>
+            </a:r>
+            <a:r>
+              <a:rPr lang="it-IT" sz="900" dirty="0" err="1">
+                <a:solidFill>
+                  <a:schemeClr val="bg1"/>
+                </a:solidFill>
+              </a:rPr>
+              <a:t>nisl</a:t>
+            </a:r>
+            <a:r>
+              <a:rPr lang="it-IT" sz="900" dirty="0">
+                <a:solidFill>
+                  <a:schemeClr val="bg1"/>
+                </a:solidFill>
+              </a:rPr>
+              <a:t> </a:t>
+            </a:r>
+            <a:r>
+              <a:rPr lang="it-IT" sz="900" dirty="0" err="1">
+                <a:solidFill>
+                  <a:schemeClr val="bg1"/>
+                </a:solidFill>
+              </a:rPr>
+              <a:t>neque</a:t>
+            </a:r>
+            <a:r>
+              <a:rPr lang="it-IT" sz="900" dirty="0">
+                <a:solidFill>
+                  <a:schemeClr val="bg1"/>
+                </a:solidFill>
+              </a:rPr>
+              <a:t>, </a:t>
+            </a:r>
+            <a:r>
+              <a:rPr lang="it-IT" sz="900" dirty="0" err="1">
+                <a:solidFill>
+                  <a:schemeClr val="bg1"/>
+                </a:solidFill>
+              </a:rPr>
+              <a:t>efficitur</a:t>
+            </a:r>
+            <a:r>
+              <a:rPr lang="it-IT" sz="900" dirty="0">
+                <a:solidFill>
+                  <a:schemeClr val="bg1"/>
+                </a:solidFill>
+              </a:rPr>
+              <a:t> vel </a:t>
+            </a:r>
+            <a:r>
+              <a:rPr lang="it-IT" sz="900" dirty="0" err="1">
+                <a:solidFill>
+                  <a:schemeClr val="bg1"/>
+                </a:solidFill>
+              </a:rPr>
+              <a:t>arcu</a:t>
+            </a:r>
+            <a:r>
+              <a:rPr lang="it-IT" sz="900" dirty="0">
+                <a:solidFill>
+                  <a:schemeClr val="bg1"/>
+                </a:solidFill>
+              </a:rPr>
+              <a:t> </a:t>
+            </a:r>
+            <a:r>
+              <a:rPr lang="it-IT" sz="900" dirty="0" err="1">
+                <a:solidFill>
+                  <a:schemeClr val="bg1"/>
+                </a:solidFill>
+              </a:rPr>
+              <a:t>ac</a:t>
+            </a:r>
+            <a:r>
+              <a:rPr lang="it-IT" sz="900" dirty="0">
+                <a:solidFill>
+                  <a:schemeClr val="bg1"/>
+                </a:solidFill>
+              </a:rPr>
+              <a:t>, </a:t>
+            </a:r>
+            <a:r>
+              <a:rPr lang="it-IT" sz="900" dirty="0" err="1">
+                <a:solidFill>
+                  <a:schemeClr val="bg1"/>
+                </a:solidFill>
+              </a:rPr>
+              <a:t>posuere</a:t>
+            </a:r>
+            <a:r>
+              <a:rPr lang="it-IT" sz="900" dirty="0">
+                <a:solidFill>
+                  <a:schemeClr val="bg1"/>
+                </a:solidFill>
+              </a:rPr>
+              <a:t> viverra </a:t>
+            </a:r>
+            <a:r>
+              <a:rPr lang="it-IT" sz="900" dirty="0" err="1">
+                <a:solidFill>
+                  <a:schemeClr val="bg1"/>
+                </a:solidFill>
+              </a:rPr>
+              <a:t>nisl</a:t>
+            </a:r>
+            <a:r>
+              <a:rPr lang="it-IT" sz="900" dirty="0">
+                <a:solidFill>
+                  <a:schemeClr val="bg1"/>
+                </a:solidFill>
+              </a:rPr>
+              <a:t>.</a:t>
+            </a:r>
+            <a:endParaRPr kumimoji="0" lang="en-US" sz="900" i="0" u="none" strike="noStrike" kern="1200" cap="none" spc="0" normalizeH="0" baseline="0" noProof="0" dirty="0">
+              <a:ln>
+                <a:noFill/>
+              </a:ln>
+              <a:solidFill>
+                <a:schemeClr val="bg1"/>
+              </a:solidFill>
+              <a:effectLst/>
+              <a:uLnTx/>
+              <a:uFillTx/>
+              <a:latin typeface="Poppins Light" panose="00000400000000000000" pitchFamily="2" charset="0"/>
+              <a:cs typeface="Poppins Light" panose="00000400000000000000" pitchFamily="2" charset="0"/>
+            </a:endParaRPr>
+          </a:p>
+        </p:txBody>
+      </p:sp>
+      <p:sp>
+        <p:nvSpPr>
+          <p:cNvPr id="30" name="TextBox 29">
+            <a:extLst>
+              <a:ext uri="{FF2B5EF4-FFF2-40B4-BE49-F238E27FC236}">
+                <a16:creationId xmlns:a16="http://schemas.microsoft.com/office/drawing/2014/main" id="{92E8D839-C491-B96D-E873-0C903C01E62D}"/>
+              </a:ext>
+            </a:extLst>
+          </p:cNvPr>
+          <p:cNvSpPr txBox="1"/>
+          <p:nvPr/>
+        </p:nvSpPr>
+        <p:spPr>
+          <a:xfrm>
+            <a:off x="6453102" y="4433237"/>
+            <a:ext cx="1916815" cy="1338828"/>
+          </a:xfrm>
+          <a:prstGeom prst="rect">
+            <a:avLst/>
+          </a:prstGeom>
+          <a:noFill/>
+        </p:spPr>
+        <p:txBody>
+          <a:bodyPr wrap="square" rtlCol="0">
+            <a:spAutoFit/>
+          </a:bodyPr>
+          <a:lstStyle/>
+          <a:p>
+            <a:pPr lvl="0" algn="ctr">
+              <a:defRPr/>
+            </a:pPr>
+            <a:r>
+              <a:rPr lang="it-IT" sz="900" dirty="0" err="1">
+                <a:solidFill>
+                  <a:schemeClr val="bg1"/>
+                </a:solidFill>
+              </a:rPr>
+              <a:t>Mauris</a:t>
+            </a:r>
+            <a:r>
+              <a:rPr lang="it-IT" sz="900" dirty="0">
+                <a:solidFill>
+                  <a:schemeClr val="bg1"/>
+                </a:solidFill>
+              </a:rPr>
+              <a:t> </a:t>
+            </a:r>
+            <a:r>
+              <a:rPr lang="it-IT" sz="900" dirty="0" err="1">
+                <a:solidFill>
+                  <a:schemeClr val="bg1"/>
+                </a:solidFill>
+              </a:rPr>
+              <a:t>consectetur</a:t>
+            </a:r>
+            <a:r>
+              <a:rPr lang="it-IT" sz="900" dirty="0">
+                <a:solidFill>
+                  <a:schemeClr val="bg1"/>
+                </a:solidFill>
+              </a:rPr>
+              <a:t> </a:t>
+            </a:r>
+            <a:r>
+              <a:rPr lang="it-IT" sz="900" dirty="0" err="1">
+                <a:solidFill>
+                  <a:schemeClr val="bg1"/>
+                </a:solidFill>
+              </a:rPr>
+              <a:t>porttitor</a:t>
+            </a:r>
+            <a:r>
+              <a:rPr lang="it-IT" sz="900" dirty="0">
+                <a:solidFill>
+                  <a:schemeClr val="bg1"/>
+                </a:solidFill>
+              </a:rPr>
+              <a:t> </a:t>
+            </a:r>
+            <a:r>
+              <a:rPr lang="it-IT" sz="900" dirty="0" err="1">
+                <a:solidFill>
+                  <a:schemeClr val="bg1"/>
+                </a:solidFill>
+              </a:rPr>
+              <a:t>malesuada</a:t>
+            </a:r>
+            <a:r>
+              <a:rPr lang="it-IT" sz="900" dirty="0">
+                <a:solidFill>
+                  <a:schemeClr val="bg1"/>
+                </a:solidFill>
+              </a:rPr>
+              <a:t>. Donec </a:t>
+            </a:r>
+            <a:r>
+              <a:rPr lang="it-IT" sz="900" dirty="0" err="1">
+                <a:solidFill>
+                  <a:schemeClr val="bg1"/>
+                </a:solidFill>
+              </a:rPr>
+              <a:t>mollis</a:t>
+            </a:r>
+            <a:r>
+              <a:rPr lang="it-IT" sz="900" dirty="0">
+                <a:solidFill>
+                  <a:schemeClr val="bg1"/>
+                </a:solidFill>
+              </a:rPr>
+              <a:t> </a:t>
+            </a:r>
+            <a:r>
+              <a:rPr lang="it-IT" sz="900" dirty="0" err="1">
+                <a:solidFill>
+                  <a:schemeClr val="bg1"/>
+                </a:solidFill>
+              </a:rPr>
+              <a:t>dapibus</a:t>
+            </a:r>
+            <a:r>
+              <a:rPr lang="it-IT" sz="900" dirty="0">
+                <a:solidFill>
+                  <a:schemeClr val="bg1"/>
+                </a:solidFill>
+              </a:rPr>
+              <a:t> </a:t>
+            </a:r>
+            <a:r>
+              <a:rPr lang="it-IT" sz="900" dirty="0" err="1">
+                <a:solidFill>
+                  <a:schemeClr val="bg1"/>
+                </a:solidFill>
+              </a:rPr>
+              <a:t>sapien</a:t>
+            </a:r>
+            <a:r>
+              <a:rPr lang="it-IT" sz="900" dirty="0">
+                <a:solidFill>
+                  <a:schemeClr val="bg1"/>
+                </a:solidFill>
+              </a:rPr>
+              <a:t>, </a:t>
+            </a:r>
+            <a:r>
+              <a:rPr lang="it-IT" sz="900" dirty="0" err="1">
+                <a:solidFill>
+                  <a:schemeClr val="bg1"/>
+                </a:solidFill>
+              </a:rPr>
+              <a:t>eu</a:t>
+            </a:r>
+            <a:r>
+              <a:rPr lang="it-IT" sz="900" dirty="0">
+                <a:solidFill>
+                  <a:schemeClr val="bg1"/>
+                </a:solidFill>
+              </a:rPr>
+              <a:t> </a:t>
+            </a:r>
+            <a:r>
+              <a:rPr lang="it-IT" sz="900" dirty="0" err="1">
+                <a:solidFill>
+                  <a:schemeClr val="bg1"/>
+                </a:solidFill>
+              </a:rPr>
+              <a:t>interdum</a:t>
+            </a:r>
+            <a:r>
+              <a:rPr lang="it-IT" sz="900" dirty="0">
+                <a:solidFill>
+                  <a:schemeClr val="bg1"/>
+                </a:solidFill>
+              </a:rPr>
+              <a:t> </a:t>
+            </a:r>
+            <a:r>
+              <a:rPr lang="it-IT" sz="900" dirty="0" err="1">
+                <a:solidFill>
+                  <a:schemeClr val="bg1"/>
+                </a:solidFill>
+              </a:rPr>
+              <a:t>nibh</a:t>
+            </a:r>
+            <a:r>
+              <a:rPr lang="it-IT" sz="900" dirty="0">
+                <a:solidFill>
+                  <a:schemeClr val="bg1"/>
+                </a:solidFill>
+              </a:rPr>
+              <a:t> pulvinar </a:t>
+            </a:r>
+            <a:r>
+              <a:rPr lang="it-IT" sz="900" dirty="0" err="1">
+                <a:solidFill>
+                  <a:schemeClr val="bg1"/>
+                </a:solidFill>
+              </a:rPr>
+              <a:t>nec</a:t>
+            </a:r>
+            <a:r>
+              <a:rPr lang="it-IT" sz="900" dirty="0">
+                <a:solidFill>
+                  <a:schemeClr val="bg1"/>
+                </a:solidFill>
+              </a:rPr>
+              <a:t>. </a:t>
+            </a:r>
+            <a:r>
+              <a:rPr lang="it-IT" sz="900" dirty="0" err="1">
+                <a:solidFill>
+                  <a:schemeClr val="bg1"/>
+                </a:solidFill>
+              </a:rPr>
+              <a:t>Pellentesque</a:t>
+            </a:r>
+            <a:r>
+              <a:rPr lang="it-IT" sz="900" dirty="0">
+                <a:solidFill>
+                  <a:schemeClr val="bg1"/>
+                </a:solidFill>
+              </a:rPr>
+              <a:t> ut </a:t>
+            </a:r>
+            <a:r>
+              <a:rPr lang="it-IT" sz="900" dirty="0" err="1">
+                <a:solidFill>
+                  <a:schemeClr val="bg1"/>
+                </a:solidFill>
+              </a:rPr>
+              <a:t>nibh</a:t>
+            </a:r>
+            <a:r>
+              <a:rPr lang="it-IT" sz="900" dirty="0">
+                <a:solidFill>
+                  <a:schemeClr val="bg1"/>
+                </a:solidFill>
+              </a:rPr>
+              <a:t> vitae </a:t>
+            </a:r>
+            <a:r>
+              <a:rPr lang="it-IT" sz="900" dirty="0" err="1">
+                <a:solidFill>
+                  <a:schemeClr val="bg1"/>
+                </a:solidFill>
+              </a:rPr>
+              <a:t>metus</a:t>
+            </a:r>
+            <a:r>
+              <a:rPr lang="it-IT" sz="900" dirty="0">
+                <a:solidFill>
+                  <a:schemeClr val="bg1"/>
+                </a:solidFill>
+              </a:rPr>
+              <a:t> </a:t>
+            </a:r>
+            <a:r>
+              <a:rPr lang="it-IT" sz="900" dirty="0" err="1">
+                <a:solidFill>
+                  <a:schemeClr val="bg1"/>
+                </a:solidFill>
+              </a:rPr>
+              <a:t>convallis</a:t>
+            </a:r>
+            <a:r>
+              <a:rPr lang="it-IT" sz="900" dirty="0">
+                <a:solidFill>
+                  <a:schemeClr val="bg1"/>
+                </a:solidFill>
+              </a:rPr>
+              <a:t> dictum </a:t>
+            </a:r>
+            <a:r>
+              <a:rPr lang="it-IT" sz="900" dirty="0" err="1">
+                <a:solidFill>
+                  <a:schemeClr val="bg1"/>
+                </a:solidFill>
+              </a:rPr>
+              <a:t>finibus</a:t>
+            </a:r>
+            <a:r>
+              <a:rPr lang="it-IT" sz="900" dirty="0">
+                <a:solidFill>
+                  <a:schemeClr val="bg1"/>
+                </a:solidFill>
+              </a:rPr>
+              <a:t> ut </a:t>
+            </a:r>
+            <a:r>
+              <a:rPr lang="it-IT" sz="900" dirty="0" err="1">
+                <a:solidFill>
+                  <a:schemeClr val="bg1"/>
+                </a:solidFill>
+              </a:rPr>
+              <a:t>lectus</a:t>
+            </a:r>
+            <a:r>
+              <a:rPr lang="it-IT" sz="900" dirty="0">
+                <a:solidFill>
+                  <a:schemeClr val="bg1"/>
+                </a:solidFill>
+              </a:rPr>
+              <a:t>. </a:t>
+            </a:r>
+            <a:r>
+              <a:rPr lang="it-IT" sz="900" dirty="0" err="1">
+                <a:solidFill>
+                  <a:schemeClr val="bg1"/>
+                </a:solidFill>
+              </a:rPr>
+              <a:t>Fusce</a:t>
+            </a:r>
+            <a:r>
+              <a:rPr lang="it-IT" sz="900" dirty="0">
+                <a:solidFill>
+                  <a:schemeClr val="bg1"/>
+                </a:solidFill>
+              </a:rPr>
+              <a:t> et </a:t>
+            </a:r>
+            <a:r>
+              <a:rPr lang="it-IT" sz="900" dirty="0" err="1">
+                <a:solidFill>
+                  <a:schemeClr val="bg1"/>
+                </a:solidFill>
+              </a:rPr>
+              <a:t>nisl</a:t>
+            </a:r>
+            <a:r>
+              <a:rPr lang="it-IT" sz="900" dirty="0">
+                <a:solidFill>
+                  <a:schemeClr val="bg1"/>
+                </a:solidFill>
+              </a:rPr>
+              <a:t> a odio </a:t>
+            </a:r>
+            <a:r>
+              <a:rPr lang="it-IT" sz="900" dirty="0" err="1">
+                <a:solidFill>
+                  <a:schemeClr val="bg1"/>
+                </a:solidFill>
+              </a:rPr>
+              <a:t>scelerisque</a:t>
+            </a:r>
+            <a:r>
+              <a:rPr lang="it-IT" sz="900" dirty="0">
+                <a:solidFill>
+                  <a:schemeClr val="bg1"/>
+                </a:solidFill>
+              </a:rPr>
+              <a:t> </a:t>
+            </a:r>
+            <a:r>
+              <a:rPr lang="it-IT" sz="900" dirty="0" err="1">
+                <a:solidFill>
+                  <a:schemeClr val="bg1"/>
+                </a:solidFill>
+              </a:rPr>
+              <a:t>pretium</a:t>
+            </a:r>
+            <a:r>
+              <a:rPr lang="it-IT" sz="900" dirty="0">
+                <a:solidFill>
+                  <a:schemeClr val="bg1"/>
+                </a:solidFill>
+              </a:rPr>
+              <a:t> </a:t>
+            </a:r>
+            <a:r>
+              <a:rPr lang="it-IT" sz="900" dirty="0" err="1">
+                <a:solidFill>
+                  <a:schemeClr val="bg1"/>
+                </a:solidFill>
+              </a:rPr>
+              <a:t>nec</a:t>
+            </a:r>
+            <a:r>
+              <a:rPr lang="it-IT" sz="900" dirty="0">
+                <a:solidFill>
+                  <a:schemeClr val="bg1"/>
+                </a:solidFill>
+              </a:rPr>
+              <a:t> ut dui. </a:t>
+            </a:r>
+            <a:r>
+              <a:rPr lang="it-IT" sz="900" dirty="0" err="1">
+                <a:solidFill>
+                  <a:schemeClr val="bg1"/>
+                </a:solidFill>
+              </a:rPr>
+              <a:t>Pellentesque</a:t>
+            </a:r>
+            <a:r>
+              <a:rPr lang="it-IT" sz="900" dirty="0">
+                <a:solidFill>
+                  <a:schemeClr val="bg1"/>
+                </a:solidFill>
+              </a:rPr>
+              <a:t> </a:t>
+            </a:r>
+            <a:r>
+              <a:rPr lang="it-IT" sz="900" dirty="0" err="1">
+                <a:solidFill>
+                  <a:schemeClr val="bg1"/>
+                </a:solidFill>
+              </a:rPr>
+              <a:t>efficitur</a:t>
+            </a:r>
+            <a:r>
+              <a:rPr lang="it-IT" sz="900" dirty="0">
+                <a:solidFill>
+                  <a:schemeClr val="bg1"/>
+                </a:solidFill>
+              </a:rPr>
+              <a:t> dictum </a:t>
+            </a:r>
+            <a:r>
+              <a:rPr lang="it-IT" sz="900" dirty="0" err="1">
+                <a:solidFill>
+                  <a:schemeClr val="bg1"/>
+                </a:solidFill>
+              </a:rPr>
+              <a:t>quam</a:t>
+            </a:r>
+            <a:r>
+              <a:rPr lang="it-IT" sz="900" dirty="0">
+                <a:solidFill>
+                  <a:schemeClr val="bg1"/>
+                </a:solidFill>
+              </a:rPr>
+              <a:t>, </a:t>
+            </a:r>
+            <a:r>
+              <a:rPr lang="it-IT" sz="900" dirty="0" err="1">
+                <a:solidFill>
+                  <a:schemeClr val="bg1"/>
+                </a:solidFill>
+              </a:rPr>
+              <a:t>ac</a:t>
+            </a:r>
+            <a:r>
+              <a:rPr lang="it-IT" sz="900" dirty="0">
+                <a:solidFill>
+                  <a:schemeClr val="bg1"/>
+                </a:solidFill>
+              </a:rPr>
+              <a:t> </a:t>
+            </a:r>
+            <a:r>
+              <a:rPr lang="it-IT" sz="900" dirty="0" err="1">
+                <a:solidFill>
+                  <a:schemeClr val="bg1"/>
+                </a:solidFill>
+              </a:rPr>
+              <a:t>maximus</a:t>
+            </a:r>
+            <a:r>
+              <a:rPr lang="it-IT" sz="900" dirty="0">
+                <a:solidFill>
+                  <a:schemeClr val="bg1"/>
+                </a:solidFill>
+              </a:rPr>
+              <a:t> </a:t>
+            </a:r>
+            <a:r>
+              <a:rPr lang="it-IT" sz="900" dirty="0" err="1">
+                <a:solidFill>
+                  <a:schemeClr val="bg1"/>
+                </a:solidFill>
+              </a:rPr>
+              <a:t>leo</a:t>
+            </a:r>
+            <a:r>
+              <a:rPr lang="it-IT" sz="900" dirty="0">
+                <a:solidFill>
+                  <a:schemeClr val="bg1"/>
+                </a:solidFill>
+              </a:rPr>
+              <a:t> pulvinar vel.</a:t>
+            </a:r>
+            <a:endParaRPr kumimoji="0" lang="en-US" sz="900" i="0" u="none" strike="noStrike" kern="1200" cap="none" spc="0" normalizeH="0" baseline="0" noProof="0" dirty="0">
+              <a:ln>
+                <a:noFill/>
+              </a:ln>
+              <a:solidFill>
+                <a:schemeClr val="bg1"/>
+              </a:solidFill>
+              <a:effectLst/>
+              <a:uLnTx/>
+              <a:uFillTx/>
+              <a:latin typeface="Poppins Light" panose="00000400000000000000" pitchFamily="2" charset="0"/>
+              <a:cs typeface="Poppins Light" panose="00000400000000000000" pitchFamily="2" charset="0"/>
+            </a:endParaRPr>
+          </a:p>
+        </p:txBody>
+      </p:sp>
+      <p:sp>
+        <p:nvSpPr>
+          <p:cNvPr id="31" name="TextBox 30">
+            <a:extLst>
+              <a:ext uri="{FF2B5EF4-FFF2-40B4-BE49-F238E27FC236}">
+                <a16:creationId xmlns:a16="http://schemas.microsoft.com/office/drawing/2014/main" id="{EC06E2D3-C33E-9400-3C77-7882E7F76C42}"/>
+              </a:ext>
+            </a:extLst>
+          </p:cNvPr>
+          <p:cNvSpPr txBox="1"/>
+          <p:nvPr/>
+        </p:nvSpPr>
+        <p:spPr>
+          <a:xfrm>
+            <a:off x="9084118" y="4433237"/>
+            <a:ext cx="1916815" cy="646331"/>
+          </a:xfrm>
+          <a:prstGeom prst="rect">
+            <a:avLst/>
+          </a:prstGeom>
+          <a:noFill/>
+        </p:spPr>
+        <p:txBody>
+          <a:bodyPr wrap="square" rtlCol="0">
+            <a:spAutoFit/>
+          </a:bodyPr>
+          <a:lstStyle/>
+          <a:p>
+            <a:pPr lvl="0" algn="ctr">
+              <a:defRPr/>
+            </a:pPr>
+            <a:r>
+              <a:rPr lang="it-IT" sz="900" dirty="0" err="1">
+                <a:solidFill>
+                  <a:schemeClr val="bg1"/>
+                </a:solidFill>
+              </a:rPr>
+              <a:t>Nullam</a:t>
+            </a:r>
+            <a:r>
+              <a:rPr lang="it-IT" sz="900" dirty="0">
+                <a:solidFill>
+                  <a:schemeClr val="bg1"/>
+                </a:solidFill>
+              </a:rPr>
+              <a:t> </a:t>
+            </a:r>
+            <a:r>
+              <a:rPr lang="it-IT" sz="900" dirty="0" err="1">
+                <a:solidFill>
+                  <a:schemeClr val="bg1"/>
+                </a:solidFill>
+              </a:rPr>
+              <a:t>quis</a:t>
+            </a:r>
+            <a:r>
+              <a:rPr lang="it-IT" sz="900" dirty="0">
+                <a:solidFill>
+                  <a:schemeClr val="bg1"/>
+                </a:solidFill>
+              </a:rPr>
+              <a:t> </a:t>
+            </a:r>
+            <a:r>
+              <a:rPr lang="it-IT" sz="900" dirty="0" err="1">
+                <a:solidFill>
+                  <a:schemeClr val="bg1"/>
+                </a:solidFill>
+              </a:rPr>
+              <a:t>pretium</a:t>
+            </a:r>
+            <a:r>
+              <a:rPr lang="it-IT" sz="900" dirty="0">
+                <a:solidFill>
+                  <a:schemeClr val="bg1"/>
+                </a:solidFill>
+              </a:rPr>
+              <a:t> magna. </a:t>
+            </a:r>
+            <a:r>
+              <a:rPr lang="it-IT" sz="900" dirty="0" err="1">
+                <a:solidFill>
+                  <a:schemeClr val="bg1"/>
+                </a:solidFill>
+              </a:rPr>
+              <a:t>Maecenas</a:t>
+            </a:r>
+            <a:r>
+              <a:rPr lang="it-IT" sz="900" dirty="0">
+                <a:solidFill>
+                  <a:schemeClr val="bg1"/>
+                </a:solidFill>
+              </a:rPr>
+              <a:t> </a:t>
+            </a:r>
+            <a:r>
+              <a:rPr lang="it-IT" sz="900" dirty="0" err="1">
+                <a:solidFill>
+                  <a:schemeClr val="bg1"/>
+                </a:solidFill>
+              </a:rPr>
+              <a:t>semper</a:t>
+            </a:r>
+            <a:r>
+              <a:rPr lang="it-IT" sz="900" dirty="0">
+                <a:solidFill>
+                  <a:schemeClr val="bg1"/>
+                </a:solidFill>
+              </a:rPr>
+              <a:t>, </a:t>
+            </a:r>
+            <a:r>
+              <a:rPr lang="it-IT" sz="900" dirty="0" err="1">
+                <a:solidFill>
+                  <a:schemeClr val="bg1"/>
+                </a:solidFill>
+              </a:rPr>
+              <a:t>neque</a:t>
+            </a:r>
+            <a:r>
+              <a:rPr lang="it-IT" sz="900" dirty="0">
+                <a:solidFill>
+                  <a:schemeClr val="bg1"/>
+                </a:solidFill>
+              </a:rPr>
+              <a:t> </a:t>
+            </a:r>
+            <a:r>
+              <a:rPr lang="it-IT" sz="900" dirty="0" err="1">
+                <a:solidFill>
+                  <a:schemeClr val="bg1"/>
+                </a:solidFill>
+              </a:rPr>
+              <a:t>at</a:t>
+            </a:r>
+            <a:r>
+              <a:rPr lang="it-IT" sz="900" dirty="0">
+                <a:solidFill>
+                  <a:schemeClr val="bg1"/>
+                </a:solidFill>
+              </a:rPr>
+              <a:t> porta </a:t>
+            </a:r>
+            <a:r>
+              <a:rPr lang="it-IT" sz="900" dirty="0" err="1">
+                <a:solidFill>
+                  <a:schemeClr val="bg1"/>
+                </a:solidFill>
+              </a:rPr>
+              <a:t>tincidunt</a:t>
+            </a:r>
+            <a:r>
+              <a:rPr lang="it-IT" sz="900" dirty="0">
+                <a:solidFill>
+                  <a:schemeClr val="bg1"/>
+                </a:solidFill>
+              </a:rPr>
+              <a:t>, ex </a:t>
+            </a:r>
+            <a:r>
+              <a:rPr lang="it-IT" sz="900" dirty="0" err="1">
+                <a:solidFill>
+                  <a:schemeClr val="bg1"/>
+                </a:solidFill>
+              </a:rPr>
+              <a:t>lectus</a:t>
+            </a:r>
+            <a:r>
+              <a:rPr lang="it-IT" sz="900" dirty="0">
+                <a:solidFill>
+                  <a:schemeClr val="bg1"/>
+                </a:solidFill>
+              </a:rPr>
+              <a:t> </a:t>
+            </a:r>
+            <a:r>
+              <a:rPr lang="it-IT" sz="900" dirty="0" err="1">
+                <a:solidFill>
+                  <a:schemeClr val="bg1"/>
+                </a:solidFill>
+              </a:rPr>
+              <a:t>consequat</a:t>
+            </a:r>
+            <a:r>
+              <a:rPr lang="it-IT" sz="900" dirty="0">
+                <a:solidFill>
+                  <a:schemeClr val="bg1"/>
+                </a:solidFill>
+              </a:rPr>
+              <a:t> </a:t>
+            </a:r>
+            <a:r>
+              <a:rPr lang="it-IT" sz="900" dirty="0" err="1">
+                <a:solidFill>
+                  <a:schemeClr val="bg1"/>
+                </a:solidFill>
+              </a:rPr>
+              <a:t>velit</a:t>
+            </a:r>
+            <a:r>
+              <a:rPr lang="it-IT" sz="900" dirty="0">
+                <a:solidFill>
+                  <a:schemeClr val="bg1"/>
+                </a:solidFill>
+              </a:rPr>
+              <a:t>, sed pulvinar </a:t>
+            </a:r>
+            <a:r>
+              <a:rPr lang="it-IT" sz="900" dirty="0" err="1">
+                <a:solidFill>
+                  <a:schemeClr val="bg1"/>
+                </a:solidFill>
+              </a:rPr>
+              <a:t>enim</a:t>
+            </a:r>
+            <a:r>
+              <a:rPr lang="it-IT" sz="900" dirty="0">
+                <a:solidFill>
+                  <a:schemeClr val="bg1"/>
+                </a:solidFill>
+              </a:rPr>
+              <a:t> </a:t>
+            </a:r>
+            <a:r>
+              <a:rPr lang="it-IT" sz="900" dirty="0" err="1">
+                <a:solidFill>
+                  <a:schemeClr val="bg1"/>
+                </a:solidFill>
+              </a:rPr>
+              <a:t>quam</a:t>
+            </a:r>
+            <a:r>
+              <a:rPr lang="it-IT" sz="900" dirty="0">
+                <a:solidFill>
+                  <a:schemeClr val="bg1"/>
+                </a:solidFill>
+              </a:rPr>
+              <a:t> vel </a:t>
+            </a:r>
+            <a:r>
+              <a:rPr lang="it-IT" sz="900" dirty="0" err="1">
+                <a:solidFill>
+                  <a:schemeClr val="bg1"/>
+                </a:solidFill>
+              </a:rPr>
+              <a:t>arcu</a:t>
+            </a:r>
+            <a:r>
+              <a:rPr lang="it-IT" sz="900" dirty="0">
+                <a:solidFill>
+                  <a:schemeClr val="bg1"/>
+                </a:solidFill>
+              </a:rPr>
+              <a:t>. </a:t>
+            </a:r>
+            <a:endParaRPr kumimoji="0" lang="en-US" sz="900" i="0" u="none" strike="noStrike" kern="1200" cap="none" spc="0" normalizeH="0" baseline="0" noProof="0" dirty="0">
+              <a:ln>
+                <a:noFill/>
+              </a:ln>
+              <a:solidFill>
+                <a:schemeClr val="bg1"/>
+              </a:solidFill>
+              <a:effectLst/>
+              <a:uLnTx/>
+              <a:uFillTx/>
+              <a:latin typeface="Poppins Light" panose="00000400000000000000" pitchFamily="2" charset="0"/>
+              <a:cs typeface="Poppins Light" panose="00000400000000000000" pitchFamily="2" charset="0"/>
+            </a:endParaRPr>
+          </a:p>
+        </p:txBody>
+      </p:sp>
+      <p:pic>
+        <p:nvPicPr>
+          <p:cNvPr id="21" name="Picture 20">
+            <a:extLst>
+              <a:ext uri="{FF2B5EF4-FFF2-40B4-BE49-F238E27FC236}">
+                <a16:creationId xmlns:a16="http://schemas.microsoft.com/office/drawing/2014/main" id="{D4A400A6-D98D-872E-8AFA-73E8C6C3FFB8}"/>
+              </a:ext>
+            </a:extLst>
+          </p:cNvPr>
+          <p:cNvPicPr>
+            <a:picLocks noChangeAspect="1"/>
+          </p:cNvPicPr>
+          <p:nvPr/>
+        </p:nvPicPr>
+        <p:blipFill>
+          <a:blip r:embed="rId2"/>
+          <a:stretch>
+            <a:fillRect/>
+          </a:stretch>
+        </p:blipFill>
+        <p:spPr>
+          <a:xfrm>
+            <a:off x="12976225" y="978195"/>
+            <a:ext cx="7181710" cy="4901609"/>
+          </a:xfrm>
+          <a:prstGeom prst="rect">
+            <a:avLst/>
+          </a:prstGeom>
+        </p:spPr>
+      </p:pic>
+      <p:sp>
+        <p:nvSpPr>
+          <p:cNvPr id="34" name="Oval 33">
+            <a:extLst>
+              <a:ext uri="{FF2B5EF4-FFF2-40B4-BE49-F238E27FC236}">
+                <a16:creationId xmlns:a16="http://schemas.microsoft.com/office/drawing/2014/main" id="{F85D7712-5B01-3AF1-FE71-7FF4FA0E740E}"/>
+              </a:ext>
+            </a:extLst>
+          </p:cNvPr>
+          <p:cNvSpPr/>
+          <p:nvPr/>
+        </p:nvSpPr>
+        <p:spPr>
+          <a:xfrm rot="21192969">
+            <a:off x="-12786037" y="-2402880"/>
+            <a:ext cx="22446050" cy="22446050"/>
+          </a:xfrm>
+          <a:prstGeom prst="ellipse">
+            <a:avLst/>
+          </a:prstGeom>
+          <a:noFill/>
+          <a:ln w="6350">
+            <a:noFill/>
+          </a:ln>
+        </p:spPr>
+        <p:style>
+          <a:lnRef idx="2">
+            <a:schemeClr val="accent1">
+              <a:shade val="50000"/>
+            </a:schemeClr>
+          </a:lnRef>
+          <a:fillRef idx="1">
+            <a:schemeClr val="accent1"/>
+          </a:fillRef>
+          <a:effectRef idx="0">
+            <a:schemeClr val="accent1"/>
+          </a:effectRef>
+          <a:fontRef idx="minor">
+            <a:schemeClr val="lt1"/>
+          </a:fontRef>
+        </p:style>
+        <p:txBody>
+          <a:bodyPr rtlCol="0" anchor="ctr"/>
+          <a:lstStyle/>
+          <a:p>
+            <a:pPr marL="0" marR="0" lvl="0" indent="0" algn="ctr" defTabSz="914400" rtl="0" eaLnBrk="1" fontAlgn="auto" latinLnBrk="0" hangingPunct="1">
+              <a:lnSpc>
+                <a:spcPct val="100000"/>
+              </a:lnSpc>
+              <a:spcBef>
+                <a:spcPts val="0"/>
+              </a:spcBef>
+              <a:spcAft>
+                <a:spcPts val="0"/>
+              </a:spcAft>
+              <a:buClrTx/>
+              <a:buSzTx/>
+              <a:buFontTx/>
+              <a:buNone/>
+              <a:tabLst/>
+              <a:defRPr/>
+            </a:pPr>
+            <a:endParaRPr kumimoji="0" lang="en-US" sz="1800" b="0" i="0" u="none" strike="noStrike" kern="1200" cap="none" spc="0" normalizeH="0" baseline="0" noProof="0" dirty="0">
+              <a:ln>
+                <a:noFill/>
+              </a:ln>
+              <a:solidFill>
+                <a:prstClr val="white"/>
+              </a:solidFill>
+              <a:effectLst/>
+              <a:uLnTx/>
+              <a:uFillTx/>
+              <a:latin typeface="Calibri" panose="020F0502020204030204"/>
+              <a:ea typeface="+mn-ea"/>
+              <a:cs typeface="+mn-cs"/>
+            </a:endParaRPr>
+          </a:p>
+        </p:txBody>
+      </p:sp>
+      <p:grpSp>
+        <p:nvGrpSpPr>
+          <p:cNvPr id="37" name="Group 36">
+            <a:extLst>
+              <a:ext uri="{FF2B5EF4-FFF2-40B4-BE49-F238E27FC236}">
+                <a16:creationId xmlns:a16="http://schemas.microsoft.com/office/drawing/2014/main" id="{385D8608-6FC5-FD8F-B6BE-A46FA7A4ED8C}"/>
+              </a:ext>
+            </a:extLst>
+          </p:cNvPr>
+          <p:cNvGrpSpPr/>
+          <p:nvPr/>
+        </p:nvGrpSpPr>
+        <p:grpSpPr>
+          <a:xfrm>
+            <a:off x="-9175584" y="-181391"/>
+            <a:ext cx="12931798" cy="12931798"/>
+            <a:chOff x="-2979855" y="496957"/>
+            <a:chExt cx="11236836" cy="11236836"/>
+          </a:xfrm>
+        </p:grpSpPr>
+        <p:sp>
+          <p:nvSpPr>
+            <p:cNvPr id="38" name="Oval 37">
+              <a:extLst>
+                <a:ext uri="{FF2B5EF4-FFF2-40B4-BE49-F238E27FC236}">
+                  <a16:creationId xmlns:a16="http://schemas.microsoft.com/office/drawing/2014/main" id="{62FF9089-8237-19E5-96E1-2E1CE3F6B7F0}"/>
+                </a:ext>
+              </a:extLst>
+            </p:cNvPr>
+            <p:cNvSpPr/>
+            <p:nvPr/>
+          </p:nvSpPr>
+          <p:spPr>
+            <a:xfrm>
+              <a:off x="-2979855" y="496957"/>
+              <a:ext cx="11236836" cy="11236836"/>
+            </a:xfrm>
+            <a:prstGeom prst="ellipse">
+              <a:avLst/>
+            </a:prstGeom>
+            <a:noFill/>
+            <a:ln>
+              <a:noFill/>
+            </a:ln>
+          </p:spPr>
+          <p:style>
+            <a:lnRef idx="2">
+              <a:schemeClr val="accent1">
+                <a:shade val="50000"/>
+              </a:schemeClr>
+            </a:lnRef>
+            <a:fillRef idx="1">
+              <a:schemeClr val="accent1"/>
+            </a:fillRef>
+            <a:effectRef idx="0">
+              <a:schemeClr val="accent1"/>
+            </a:effectRef>
+            <a:fontRef idx="minor">
+              <a:schemeClr val="lt1"/>
+            </a:fontRef>
+          </p:style>
+          <p:txBody>
+            <a:bodyPr rtlCol="0" anchor="ctr"/>
+            <a:lstStyle/>
+            <a:p>
+              <a:pPr marL="0" marR="0" lvl="0" indent="0" algn="ctr" defTabSz="914400" rtl="0" eaLnBrk="1" fontAlgn="auto" latinLnBrk="0" hangingPunct="1">
+                <a:lnSpc>
+                  <a:spcPct val="100000"/>
+                </a:lnSpc>
+                <a:spcBef>
+                  <a:spcPts val="0"/>
+                </a:spcBef>
+                <a:spcAft>
+                  <a:spcPts val="0"/>
+                </a:spcAft>
+                <a:buClrTx/>
+                <a:buSzTx/>
+                <a:buFontTx/>
+                <a:buNone/>
+                <a:tabLst/>
+                <a:defRPr/>
+              </a:pPr>
+              <a:endParaRPr kumimoji="0" lang="en-US" sz="1800" b="0" i="0" u="none" strike="noStrike" kern="1200" cap="none" spc="0" normalizeH="0" baseline="0" noProof="0" dirty="0">
+                <a:ln>
+                  <a:noFill/>
+                </a:ln>
+                <a:solidFill>
+                  <a:prstClr val="white"/>
+                </a:solidFill>
+                <a:effectLst/>
+                <a:uLnTx/>
+                <a:uFillTx/>
+                <a:latin typeface="Calibri" panose="020F0502020204030204"/>
+                <a:ea typeface="+mn-ea"/>
+                <a:cs typeface="+mn-cs"/>
+              </a:endParaRPr>
+            </a:p>
+          </p:txBody>
+        </p:sp>
+        <p:pic>
+          <p:nvPicPr>
+            <p:cNvPr id="40" name="Picture 4">
+              <a:extLst>
+                <a:ext uri="{FF2B5EF4-FFF2-40B4-BE49-F238E27FC236}">
+                  <a16:creationId xmlns:a16="http://schemas.microsoft.com/office/drawing/2014/main" id="{F66B258D-7604-C83A-7339-5052A485F279}"/>
+                </a:ext>
+              </a:extLst>
+            </p:cNvPr>
+            <p:cNvPicPr>
+              <a:picLocks noChangeAspect="1" noChangeArrowheads="1"/>
+            </p:cNvPicPr>
+            <p:nvPr/>
+          </p:nvPicPr>
+          <p:blipFill>
+            <a:blip r:embed="rId3">
+              <a:extLst>
+                <a:ext uri="{28A0092B-C50C-407E-A947-70E740481C1C}">
+                  <a14:useLocalDpi xmlns:a14="http://schemas.microsoft.com/office/drawing/2010/main" val="0"/>
+                </a:ext>
+              </a:extLst>
+            </a:blip>
+            <a:srcRect/>
+            <a:stretch/>
+          </p:blipFill>
+          <p:spPr bwMode="auto">
+            <a:xfrm>
+              <a:off x="6475379" y="2002598"/>
+              <a:ext cx="891915" cy="891915"/>
+            </a:xfrm>
+            <a:prstGeom prst="ellipse">
+              <a:avLst/>
+            </a:prstGeom>
+            <a:noFill/>
+            <a:effectLst>
+              <a:glow rad="673100">
+                <a:schemeClr val="accent3">
+                  <a:satMod val="175000"/>
+                  <a:alpha val="27000"/>
+                </a:schemeClr>
+              </a:glow>
+            </a:effectLst>
+            <a:extLst>
+              <a:ext uri="{909E8E84-426E-40DD-AFC4-6F175D3DCCD1}">
+                <a14:hiddenFill xmlns:a14="http://schemas.microsoft.com/office/drawing/2010/main">
+                  <a:solidFill>
+                    <a:srgbClr val="FFFFFF"/>
+                  </a:solidFill>
+                </a14:hiddenFill>
+              </a:ext>
+            </a:extLst>
+          </p:spPr>
+        </p:pic>
+      </p:grpSp>
+      <p:pic>
+        <p:nvPicPr>
+          <p:cNvPr id="2" name="Picture 4">
+            <a:extLst>
+              <a:ext uri="{FF2B5EF4-FFF2-40B4-BE49-F238E27FC236}">
+                <a16:creationId xmlns:a16="http://schemas.microsoft.com/office/drawing/2014/main" id="{1B65B3F8-F6F8-6592-331A-A8295F82C60C}"/>
+              </a:ext>
+            </a:extLst>
+          </p:cNvPr>
+          <p:cNvPicPr>
+            <a:picLocks noChangeAspect="1" noChangeArrowheads="1"/>
+          </p:cNvPicPr>
+          <p:nvPr/>
+        </p:nvPicPr>
+        <p:blipFill>
+          <a:blip r:embed="rId4">
+            <a:extLst>
+              <a:ext uri="{28A0092B-C50C-407E-A947-70E740481C1C}">
+                <a14:useLocalDpi xmlns:a14="http://schemas.microsoft.com/office/drawing/2010/main" val="0"/>
+              </a:ext>
+            </a:extLst>
+          </a:blip>
+          <a:srcRect l="25029" r="25029"/>
+          <a:stretch/>
+        </p:blipFill>
+        <p:spPr bwMode="auto">
+          <a:xfrm>
+            <a:off x="4267737" y="1508765"/>
+            <a:ext cx="1026451" cy="1026451"/>
+          </a:xfrm>
+          <a:prstGeom prst="ellipse">
+            <a:avLst/>
+          </a:prstGeom>
+          <a:noFill/>
+          <a:effectLst>
+            <a:glow rad="673100">
+              <a:schemeClr val="accent3">
+                <a:satMod val="175000"/>
+                <a:alpha val="27000"/>
+              </a:schemeClr>
+            </a:glow>
+          </a:effectLst>
+          <a:extLst>
+            <a:ext uri="{909E8E84-426E-40DD-AFC4-6F175D3DCCD1}">
+              <a14:hiddenFill xmlns:a14="http://schemas.microsoft.com/office/drawing/2010/main">
+                <a:solidFill>
+                  <a:srgbClr val="FFFFFF"/>
+                </a:solidFill>
+              </a14:hiddenFill>
+            </a:ext>
+          </a:extLst>
+        </p:spPr>
+      </p:pic>
+      <p:pic>
+        <p:nvPicPr>
+          <p:cNvPr id="3" name="Picture 4">
+            <a:extLst>
+              <a:ext uri="{FF2B5EF4-FFF2-40B4-BE49-F238E27FC236}">
+                <a16:creationId xmlns:a16="http://schemas.microsoft.com/office/drawing/2014/main" id="{28CD1D26-D9B0-A8B1-5151-0D1D470DF5D2}"/>
+              </a:ext>
+            </a:extLst>
+          </p:cNvPr>
+          <p:cNvPicPr>
+            <a:picLocks noChangeAspect="1" noChangeArrowheads="1"/>
+          </p:cNvPicPr>
+          <p:nvPr/>
+        </p:nvPicPr>
+        <p:blipFill>
+          <a:blip r:embed="rId5">
+            <a:extLst>
+              <a:ext uri="{28A0092B-C50C-407E-A947-70E740481C1C}">
+                <a14:useLocalDpi xmlns:a14="http://schemas.microsoft.com/office/drawing/2010/main" val="0"/>
+              </a:ext>
+            </a:extLst>
+          </a:blip>
+          <a:srcRect l="234" r="234"/>
+          <a:stretch/>
+        </p:blipFill>
+        <p:spPr bwMode="auto">
+          <a:xfrm>
+            <a:off x="6891537" y="1508764"/>
+            <a:ext cx="1026451" cy="1026451"/>
+          </a:xfrm>
+          <a:prstGeom prst="ellipse">
+            <a:avLst/>
+          </a:prstGeom>
+          <a:noFill/>
+          <a:effectLst>
+            <a:glow rad="673100">
+              <a:schemeClr val="accent3">
+                <a:satMod val="175000"/>
+                <a:alpha val="27000"/>
+              </a:schemeClr>
+            </a:glow>
+          </a:effectLst>
+          <a:extLst>
+            <a:ext uri="{909E8E84-426E-40DD-AFC4-6F175D3DCCD1}">
+              <a14:hiddenFill xmlns:a14="http://schemas.microsoft.com/office/drawing/2010/main">
+                <a:solidFill>
+                  <a:srgbClr val="FFFFFF"/>
+                </a:solidFill>
+              </a14:hiddenFill>
+            </a:ext>
+          </a:extLst>
+        </p:spPr>
+      </p:pic>
+      <p:pic>
+        <p:nvPicPr>
+          <p:cNvPr id="4" name="Picture 4">
+            <a:extLst>
+              <a:ext uri="{FF2B5EF4-FFF2-40B4-BE49-F238E27FC236}">
+                <a16:creationId xmlns:a16="http://schemas.microsoft.com/office/drawing/2014/main" id="{0740307E-AA1B-D7B8-842E-C43A0842A715}"/>
+              </a:ext>
+            </a:extLst>
+          </p:cNvPr>
+          <p:cNvPicPr>
+            <a:picLocks noChangeAspect="1" noChangeArrowheads="1"/>
+          </p:cNvPicPr>
+          <p:nvPr/>
+        </p:nvPicPr>
+        <p:blipFill>
+          <a:blip r:embed="rId6">
+            <a:extLst>
+              <a:ext uri="{28A0092B-C50C-407E-A947-70E740481C1C}">
+                <a14:useLocalDpi xmlns:a14="http://schemas.microsoft.com/office/drawing/2010/main" val="0"/>
+              </a:ext>
+            </a:extLst>
+          </a:blip>
+          <a:srcRect l="2734" r="2734"/>
+          <a:stretch/>
+        </p:blipFill>
+        <p:spPr bwMode="auto">
+          <a:xfrm>
+            <a:off x="9515337" y="1572742"/>
+            <a:ext cx="1026451" cy="1026451"/>
+          </a:xfrm>
+          <a:prstGeom prst="ellipse">
+            <a:avLst/>
+          </a:prstGeom>
+          <a:noFill/>
+          <a:effectLst>
+            <a:glow rad="673100">
+              <a:schemeClr val="accent3">
+                <a:satMod val="175000"/>
+                <a:alpha val="27000"/>
+              </a:schemeClr>
+            </a:glow>
+          </a:effectLst>
+          <a:extLst>
+            <a:ext uri="{909E8E84-426E-40DD-AFC4-6F175D3DCCD1}">
+              <a14:hiddenFill xmlns:a14="http://schemas.microsoft.com/office/drawing/2010/main">
+                <a:solidFill>
+                  <a:srgbClr val="FFFFFF"/>
+                </a:solidFill>
+              </a14:hiddenFill>
+            </a:ext>
+          </a:extLst>
+        </p:spPr>
+      </p:pic>
+      <p:sp>
+        <p:nvSpPr>
+          <p:cNvPr id="5" name="TextBox 2">
+            <a:extLst>
+              <a:ext uri="{FF2B5EF4-FFF2-40B4-BE49-F238E27FC236}">
+                <a16:creationId xmlns:a16="http://schemas.microsoft.com/office/drawing/2014/main" id="{A6042310-5B75-97E7-147F-66589CEC9C2A}"/>
+              </a:ext>
+            </a:extLst>
+          </p:cNvPr>
+          <p:cNvSpPr txBox="1"/>
+          <p:nvPr/>
+        </p:nvSpPr>
+        <p:spPr>
+          <a:xfrm>
+            <a:off x="3891710" y="563988"/>
+            <a:ext cx="4408579" cy="569387"/>
+          </a:xfrm>
+          <a:prstGeom prst="rect">
+            <a:avLst/>
+          </a:prstGeom>
+          <a:noFill/>
+        </p:spPr>
+        <p:txBody>
+          <a:bodyPr wrap="none" rtlCol="0">
+            <a:spAutoFit/>
+          </a:bodyPr>
+          <a:lstStyle/>
+          <a:p>
+            <a:r>
+              <a:rPr lang="en-US" sz="3100" dirty="0">
+                <a:solidFill>
+                  <a:schemeClr val="bg1"/>
+                </a:solidFill>
+                <a:latin typeface="Termina Light" panose="00000400000000000000" pitchFamily="50" charset="0"/>
+              </a:rPr>
+              <a:t>CORVINA CLOUD</a:t>
+            </a:r>
+          </a:p>
+        </p:txBody>
+      </p:sp>
+      <p:grpSp>
+        <p:nvGrpSpPr>
+          <p:cNvPr id="7" name="Group 6">
+            <a:extLst>
+              <a:ext uri="{FF2B5EF4-FFF2-40B4-BE49-F238E27FC236}">
+                <a16:creationId xmlns:a16="http://schemas.microsoft.com/office/drawing/2014/main" id="{B54791EF-0260-521A-D2AD-2869D6959710}"/>
+              </a:ext>
+            </a:extLst>
+          </p:cNvPr>
+          <p:cNvGrpSpPr/>
+          <p:nvPr/>
+        </p:nvGrpSpPr>
+        <p:grpSpPr>
+          <a:xfrm>
+            <a:off x="695931" y="563988"/>
+            <a:ext cx="714871" cy="714871"/>
+            <a:chOff x="5698925" y="2671132"/>
+            <a:chExt cx="798604" cy="798604"/>
+          </a:xfrm>
+          <a:solidFill>
+            <a:schemeClr val="accent3"/>
+          </a:solidFill>
+          <a:effectLst/>
+        </p:grpSpPr>
+        <p:sp>
+          <p:nvSpPr>
+            <p:cNvPr id="8" name="Rectangle: Rounded Corners 7">
+              <a:extLst>
+                <a:ext uri="{FF2B5EF4-FFF2-40B4-BE49-F238E27FC236}">
+                  <a16:creationId xmlns:a16="http://schemas.microsoft.com/office/drawing/2014/main" id="{58A2619D-5BF9-C231-521A-93C4A5B0381A}"/>
+                </a:ext>
+              </a:extLst>
+            </p:cNvPr>
+            <p:cNvSpPr/>
+            <p:nvPr/>
+          </p:nvSpPr>
+          <p:spPr>
+            <a:xfrm>
+              <a:off x="5698925" y="2671132"/>
+              <a:ext cx="798604" cy="798604"/>
+            </a:xfrm>
+            <a:prstGeom prst="roundRect">
+              <a:avLst>
+                <a:gd name="adj" fmla="val 16065"/>
+              </a:avLst>
+            </a:prstGeom>
+            <a:grpFill/>
+            <a:ln>
+              <a:noFill/>
+            </a:ln>
+          </p:spPr>
+          <p:style>
+            <a:lnRef idx="2">
+              <a:schemeClr val="accent1">
+                <a:shade val="50000"/>
+              </a:schemeClr>
+            </a:lnRef>
+            <a:fillRef idx="1">
+              <a:schemeClr val="accent1"/>
+            </a:fillRef>
+            <a:effectRef idx="0">
+              <a:schemeClr val="accent1"/>
+            </a:effectRef>
+            <a:fontRef idx="minor">
+              <a:schemeClr val="lt1"/>
+            </a:fontRef>
+          </p:style>
+          <p:txBody>
+            <a:bodyPr rtlCol="0" anchor="ctr"/>
+            <a:lstStyle/>
+            <a:p>
+              <a:pPr algn="ctr"/>
+              <a:endParaRPr lang="en-US"/>
+            </a:p>
+          </p:txBody>
+        </p:sp>
+        <p:pic>
+          <p:nvPicPr>
+            <p:cNvPr id="9" name="Graphic 73">
+              <a:extLst>
+                <a:ext uri="{FF2B5EF4-FFF2-40B4-BE49-F238E27FC236}">
+                  <a16:creationId xmlns:a16="http://schemas.microsoft.com/office/drawing/2014/main" id="{F16781E4-941E-8F6B-687A-510AC673FD40}"/>
+                </a:ext>
+              </a:extLst>
+            </p:cNvPr>
+            <p:cNvPicPr>
+              <a:picLocks noChangeAspect="1"/>
+            </p:cNvPicPr>
+            <p:nvPr/>
+          </p:nvPicPr>
+          <p:blipFill>
+            <a:blip r:embed="rId7">
+              <a:extLst>
+                <a:ext uri="{28A0092B-C50C-407E-A947-70E740481C1C}">
+                  <a14:useLocalDpi xmlns:a14="http://schemas.microsoft.com/office/drawing/2010/main" val="0"/>
+                </a:ext>
+              </a:extLst>
+            </a:blip>
+            <a:srcRect/>
+            <a:stretch/>
+          </p:blipFill>
+          <p:spPr>
+            <a:xfrm>
+              <a:off x="5765247" y="2731924"/>
+              <a:ext cx="667391" cy="667391"/>
+            </a:xfrm>
+            <a:prstGeom prst="rect">
+              <a:avLst/>
+            </a:prstGeom>
+            <a:grpFill/>
+          </p:spPr>
+        </p:pic>
+      </p:grpSp>
+    </p:spTree>
+    <p:extLst>
+      <p:ext uri="{BB962C8B-B14F-4D97-AF65-F5344CB8AC3E}">
+        <p14:creationId xmlns:p14="http://schemas.microsoft.com/office/powerpoint/2010/main" val="1467668888"/>
+      </p:ext>
+    </p:extLst>
+  </p:cSld>
+  <p:clrMapOvr>
+    <a:masterClrMapping/>
+  </p:clrMapOvr>
+  <mc:AlternateContent xmlns:mc="http://schemas.openxmlformats.org/markup-compatibility/2006">
+    <mc:Choice xmlns:p159="http://schemas.microsoft.com/office/powerpoint/2015/09/main" Requires="p159">
+      <p:transition xmlns:p14="http://schemas.microsoft.com/office/powerpoint/2010/main" spd="slow" p14:dur="2000">
+        <p159:morph option="byObject"/>
+      </p:transition>
+    </mc:Choice>
+    <mc:Fallback>
+      <p:transition spd="slow">
+        <p:fade/>
+      </p:transition>
+    </mc:Fallback>
+  </mc:AlternateContent>
+</p:sld>
+</file>
+
+<file path=ppt/slides/slide15.xml><?xml version="1.0" encoding="utf-8"?>
 <p:sld xmlns:a="http://schemas.openxmlformats.org/drawingml/2006/main" xmlns:r="http://schemas.openxmlformats.org/officeDocument/2006/relationships" xmlns:p="http://schemas.openxmlformats.org/presentationml/2006/main">
   <p:cSld>
     <p:bg>
@@ -27066,6 +28161,77 @@
           <a:chExt cx="0" cy="0"/>
         </a:xfrm>
       </p:grpSpPr>
+      <p:sp>
+        <p:nvSpPr>
+          <p:cNvPr id="20" name="TextBox 19">
+            <a:extLst>
+              <a:ext uri="{FF2B5EF4-FFF2-40B4-BE49-F238E27FC236}">
+                <a16:creationId xmlns:a16="http://schemas.microsoft.com/office/drawing/2014/main" id="{4442B1AF-D1C8-C909-40F3-3692AB01A087}"/>
+              </a:ext>
+            </a:extLst>
+          </p:cNvPr>
+          <p:cNvSpPr txBox="1"/>
+          <p:nvPr/>
+        </p:nvSpPr>
+        <p:spPr>
+          <a:xfrm>
+            <a:off x="4247578" y="747362"/>
+            <a:ext cx="3696846" cy="707886"/>
+          </a:xfrm>
+          <a:prstGeom prst="rect">
+            <a:avLst/>
+          </a:prstGeom>
+          <a:noFill/>
+        </p:spPr>
+        <p:txBody>
+          <a:bodyPr wrap="none" rtlCol="0">
+            <a:spAutoFit/>
+          </a:bodyPr>
+          <a:lstStyle/>
+          <a:p>
+            <a:pPr marL="0" marR="0" lvl="0" indent="0" algn="ctr" defTabSz="914400" rtl="0" eaLnBrk="1" fontAlgn="auto" latinLnBrk="0" hangingPunct="1">
+              <a:lnSpc>
+                <a:spcPct val="100000"/>
+              </a:lnSpc>
+              <a:spcBef>
+                <a:spcPts val="0"/>
+              </a:spcBef>
+              <a:spcAft>
+                <a:spcPts val="0"/>
+              </a:spcAft>
+              <a:buClrTx/>
+              <a:buSzTx/>
+              <a:buFontTx/>
+              <a:buNone/>
+              <a:tabLst/>
+              <a:defRPr/>
+            </a:pPr>
+            <a:r>
+              <a:rPr lang="en-US" sz="4000" dirty="0">
+                <a:solidFill>
+                  <a:prstClr val="white"/>
+                </a:solidFill>
+                <a:latin typeface="Poppins Light" panose="02000000000000000000" pitchFamily="2" charset="0"/>
+                <a:cs typeface="Poppins Light" panose="02000000000000000000" pitchFamily="2" charset="0"/>
+              </a:rPr>
+              <a:t>Organizations</a:t>
+            </a:r>
+            <a:endParaRPr kumimoji="0" lang="en-US" sz="4000" b="0" i="0" u="none" strike="noStrike" kern="1200" cap="none" spc="0" normalizeH="0" baseline="0" noProof="0" dirty="0">
+              <a:ln>
+                <a:noFill/>
+              </a:ln>
+              <a:solidFill>
+                <a:prstClr val="white"/>
+              </a:solidFill>
+              <a:effectLst/>
+              <a:uLnTx/>
+              <a:uFillTx/>
+              <a:latin typeface="Poppins Light" panose="02000000000000000000" pitchFamily="2" charset="0"/>
+              <a:cs typeface="Poppins Light" panose="02000000000000000000" pitchFamily="2" charset="0"/>
+            </a:endParaRPr>
+          </a:p>
+        </p:txBody>
+      </p:sp>
       <p:pic>
         <p:nvPicPr>
           <p:cNvPr id="21" name="Picture 20">
@@ -27175,52 +28341,12 @@
           </a:p>
         </p:txBody>
       </p:sp>
-      <p:sp>
-        <p:nvSpPr>
-          <p:cNvPr id="5" name="TextBox 2">
+      <p:grpSp>
+        <p:nvGrpSpPr>
+          <p:cNvPr id="10" name="Group 6">
             <a:extLst>
               <a:ext uri="{FF2B5EF4-FFF2-40B4-BE49-F238E27FC236}">
-                <a16:creationId xmlns:a16="http://schemas.microsoft.com/office/drawing/2014/main" id="{A6042310-5B75-97E7-147F-66589CEC9C2A}"/>
-              </a:ext>
-            </a:extLst>
-          </p:cNvPr>
-          <p:cNvSpPr txBox="1"/>
-          <p:nvPr/>
-        </p:nvSpPr>
-        <p:spPr>
-          <a:xfrm>
-            <a:off x="3893313" y="563988"/>
-            <a:ext cx="4405373" cy="569387"/>
-          </a:xfrm>
-          <a:prstGeom prst="rect">
-            <a:avLst/>
-          </a:prstGeom>
-          <a:noFill/>
-        </p:spPr>
-        <p:txBody>
-          <a:bodyPr wrap="none" rtlCol="0">
-            <a:spAutoFit/>
-          </a:bodyPr>
-          <a:lstStyle/>
-          <a:p>
-            <a:r>
-              <a:rPr lang="en-US" sz="3100" dirty="0">
-                <a:solidFill>
-                  <a:schemeClr val="bg1"/>
-                </a:solidFill>
-                <a:latin typeface="Termina Light" panose="00000400000000000000" pitchFamily="50" charset="0"/>
-              </a:rPr>
-              <a:t>ORGANIZATIONS</a:t>
-            </a:r>
-          </a:p>
-        </p:txBody>
-      </p:sp>
-      <p:grpSp>
-        <p:nvGrpSpPr>
-          <p:cNvPr id="7" name="Group 6">
-            <a:extLst>
-              <a:ext uri="{FF2B5EF4-FFF2-40B4-BE49-F238E27FC236}">
-                <a16:creationId xmlns:a16="http://schemas.microsoft.com/office/drawing/2014/main" id="{B54791EF-0260-521A-D2AD-2869D6959710}"/>
+                <a16:creationId xmlns:a16="http://schemas.microsoft.com/office/drawing/2014/main" id="{76590A3C-6213-702A-9F01-AB9DC6E992DC}"/>
               </a:ext>
             </a:extLst>
           </p:cNvPr>
@@ -27241,10 +28367,10 @@
         </p:grpSpPr>
         <p:sp>
           <p:nvSpPr>
-            <p:cNvPr id="8" name="Rectangle: Rounded Corners 7">
+            <p:cNvPr id="11" name="Rectangle: Rounded Corners 7">
               <a:extLst>
                 <a:ext uri="{FF2B5EF4-FFF2-40B4-BE49-F238E27FC236}">
-                  <a16:creationId xmlns:a16="http://schemas.microsoft.com/office/drawing/2014/main" id="{58A2619D-5BF9-C231-521A-93C4A5B0381A}"/>
+                  <a16:creationId xmlns:a16="http://schemas.microsoft.com/office/drawing/2014/main" id="{DB323C5F-A5DD-4945-672C-870124A95066}"/>
                 </a:ext>
               </a:extLst>
             </p:cNvPr>
@@ -27293,10 +28419,10 @@
         </p:sp>
         <p:pic>
           <p:nvPicPr>
-            <p:cNvPr id="9" name="Graphic 73">
+            <p:cNvPr id="12" name="Graphic 73">
               <a:extLst>
                 <a:ext uri="{FF2B5EF4-FFF2-40B4-BE49-F238E27FC236}">
-                  <a16:creationId xmlns:a16="http://schemas.microsoft.com/office/drawing/2014/main" id="{F16781E4-941E-8F6B-687A-510AC673FD40}"/>
+                  <a16:creationId xmlns:a16="http://schemas.microsoft.com/office/drawing/2014/main" id="{75384A71-5495-67E6-A0A2-3E3B6B63BC30}"/>
                 </a:ext>
               </a:extLst>
             </p:cNvPr>
@@ -27331,114 +28457,25 @@
     </p:spTree>
     <p:extLst>
       <p:ext uri="{BB962C8B-B14F-4D97-AF65-F5344CB8AC3E}">
-        <p14:creationId xmlns:p14="http://schemas.microsoft.com/office/powerpoint/2010/main" val="3090177376"/>
+        <p14:creationId xmlns:p14="http://schemas.microsoft.com/office/powerpoint/2010/main" val="1937898510"/>
       </p:ext>
     </p:extLst>
   </p:cSld>
   <p:clrMapOvr>
     <a:masterClrMapping/>
   </p:clrMapOvr>
-  <mc:AlternateContent xmlns:mc="http://schemas.openxmlformats.org/markup-compatibility/2006" xmlns:p159="http://schemas.microsoft.com/office/powerpoint/2015/09/main">
-    <mc:Choice Requires="p159">
-      <p:transition xmlns:p14="http://schemas.microsoft.com/office/powerpoint/2010/main" spd="slow" p14:dur="1750">
+  <mc:AlternateContent xmlns:mc="http://schemas.openxmlformats.org/markup-compatibility/2006">
+    <mc:Choice xmlns:p159="http://schemas.microsoft.com/office/powerpoint/2015/09/main" Requires="p159">
+      <p:transition xmlns:p14="http://schemas.microsoft.com/office/powerpoint/2010/main" spd="slow" p14:dur="2000">
         <p159:morph option="byObject"/>
       </p:transition>
     </mc:Choice>
-    <mc:Fallback xmlns="">
+    <mc:Fallback>
       <p:transition spd="slow">
         <p:fade/>
       </p:transition>
     </mc:Fallback>
   </mc:AlternateContent>
-  <p:timing>
-    <p:tnLst>
-      <p:par>
-        <p:cTn id="1" dur="indefinite" restart="never" nodeType="tmRoot">
-          <p:childTnLst>
-            <p:seq concurrent="1" nextAc="seek">
-              <p:cTn id="2" dur="indefinite" nodeType="mainSeq">
-                <p:childTnLst>
-                  <p:par>
-                    <p:cTn id="3" fill="hold">
-                      <p:stCondLst>
-                        <p:cond delay="indefinite"/>
-                        <p:cond evt="onBegin" delay="0">
-                          <p:tn val="2"/>
-                        </p:cond>
-                      </p:stCondLst>
-                      <p:childTnLst>
-                        <p:par>
-                          <p:cTn id="4" fill="hold">
-                            <p:stCondLst>
-                              <p:cond delay="0"/>
-                            </p:stCondLst>
-                            <p:childTnLst>
-                              <p:par>
-                                <p:cTn id="5" presetID="10" presetClass="entr" presetSubtype="0" fill="hold" grpId="0" nodeType="withEffect">
-                                  <p:stCondLst>
-                                    <p:cond delay="0"/>
-                                  </p:stCondLst>
-                                  <p:childTnLst>
-                                    <p:set>
-                                      <p:cBhvr>
-                                        <p:cTn id="6" dur="1" fill="hold">
-                                          <p:stCondLst>
-                                            <p:cond delay="0"/>
-                                          </p:stCondLst>
-                                        </p:cTn>
-                                        <p:tgtEl>
-                                          <p:spTgt spid="5"/>
-                                        </p:tgtEl>
-                                        <p:attrNameLst>
-                                          <p:attrName>style.visibility</p:attrName>
-                                        </p:attrNameLst>
-                                      </p:cBhvr>
-                                      <p:to>
-                                        <p:strVal val="visible"/>
-                                      </p:to>
-                                    </p:set>
-                                    <p:animEffect transition="in" filter="fade">
-                                      <p:cBhvr>
-                                        <p:cTn id="7" dur="500"/>
-                                        <p:tgtEl>
-                                          <p:spTgt spid="5"/>
-                                        </p:tgtEl>
-                                      </p:cBhvr>
-                                    </p:animEffect>
-                                  </p:childTnLst>
-                                </p:cTn>
-                              </p:par>
-                            </p:childTnLst>
-                          </p:cTn>
-                        </p:par>
-                      </p:childTnLst>
-                    </p:cTn>
-                  </p:par>
-                </p:childTnLst>
-              </p:cTn>
-              <p:prevCondLst>
-                <p:cond evt="onPrev" delay="0">
-                  <p:tgtEl>
-                    <p:sldTgt/>
-                  </p:tgtEl>
-                </p:cond>
-              </p:prevCondLst>
-              <p:nextCondLst>
-                <p:cond evt="onNext" delay="0">
-                  <p:tgtEl>
-                    <p:sldTgt/>
-                  </p:tgtEl>
-                </p:cond>
-              </p:nextCondLst>
-            </p:seq>
-          </p:childTnLst>
-        </p:cTn>
-      </p:par>
-    </p:tnLst>
-    <p:bldLst>
-      <p:bldP spid="5" grpId="0"/>
-    </p:bldLst>
-  </p:timing>
 </p:sld>
 </file>
 
@@ -30272,846 +31309,25 @@
     </p:spTree>
     <p:extLst>
       <p:ext uri="{BB962C8B-B14F-4D97-AF65-F5344CB8AC3E}">
-        <p14:creationId xmlns:p14="http://schemas.microsoft.com/office/powerpoint/2010/main" val="2412093859"/>
+        <p14:creationId xmlns:p14="http://schemas.microsoft.com/office/powerpoint/2010/main" val="2029090784"/>
       </p:ext>
     </p:extLst>
   </p:cSld>
   <p:clrMapOvr>
     <a:masterClrMapping/>
   </p:clrMapOvr>
-  <mc:AlternateContent xmlns:mc="http://schemas.openxmlformats.org/markup-compatibility/2006" xmlns:p159="http://schemas.microsoft.com/office/powerpoint/2015/09/main">
-    <mc:Choice Requires="p159">
+  <mc:AlternateContent xmlns:mc="http://schemas.openxmlformats.org/markup-compatibility/2006">
+    <mc:Choice xmlns:p159="http://schemas.microsoft.com/office/powerpoint/2015/09/main" Requires="p159">
       <p:transition xmlns:p14="http://schemas.microsoft.com/office/powerpoint/2010/main" spd="slow" p14:dur="2000">
         <p159:morph option="byObject"/>
       </p:transition>
     </mc:Choice>
-    <mc:Fallback xmlns="">
+    <mc:Fallback>
       <p:transition spd="slow">
         <p:fade/>
       </p:transition>
     </mc:Fallback>
   </mc:AlternateContent>
-  <p:timing>
-    <p:tnLst>
-      <p:par>
-        <p:cTn id="1" dur="indefinite" restart="never" nodeType="tmRoot">
-          <p:childTnLst>
-            <p:seq concurrent="1" nextAc="seek">
-              <p:cTn id="2" dur="indefinite" nodeType="mainSeq">
-                <p:childTnLst>
-                  <p:par>
-                    <p:cTn id="3" fill="hold">
-                      <p:stCondLst>
-                        <p:cond delay="indefinite"/>
-                        <p:cond evt="onBegin" delay="0">
-                          <p:tn val="2"/>
-                        </p:cond>
-                      </p:stCondLst>
-                      <p:childTnLst>
-                        <p:par>
-                          <p:cTn id="4" fill="hold">
-                            <p:stCondLst>
-                              <p:cond delay="0"/>
-                            </p:stCondLst>
-                            <p:childTnLst>
-                              <p:par>
-                                <p:cTn id="5" presetID="2" presetClass="entr" presetSubtype="4" decel="100000" fill="hold" grpId="0" nodeType="withEffect">
-                                  <p:stCondLst>
-                                    <p:cond delay="0"/>
-                                  </p:stCondLst>
-                                  <p:childTnLst>
-                                    <p:set>
-                                      <p:cBhvr>
-                                        <p:cTn id="6" dur="1" fill="hold">
-                                          <p:stCondLst>
-                                            <p:cond delay="0"/>
-                                          </p:stCondLst>
-                                        </p:cTn>
-                                        <p:tgtEl>
-                                          <p:spTgt spid="6"/>
-                                        </p:tgtEl>
-                                        <p:attrNameLst>
-                                          <p:attrName>style.visibility</p:attrName>
-                                        </p:attrNameLst>
-                                      </p:cBhvr>
-                                      <p:to>
-                                        <p:strVal val="visible"/>
-                                      </p:to>
-                                    </p:set>
-                                    <p:anim calcmode="lin" valueType="num">
-                                      <p:cBhvr additive="base">
-                                        <p:cTn id="7" dur="1000" fill="hold"/>
-                                        <p:tgtEl>
-                                          <p:spTgt spid="6"/>
-                                        </p:tgtEl>
-                                        <p:attrNameLst>
-                                          <p:attrName>ppt_x</p:attrName>
-                                        </p:attrNameLst>
-                                      </p:cBhvr>
-                                      <p:tavLst>
-                                        <p:tav tm="0">
-                                          <p:val>
-                                            <p:strVal val="#ppt_x"/>
-                                          </p:val>
-                                        </p:tav>
-                                        <p:tav tm="100000">
-                                          <p:val>
-                                            <p:strVal val="#ppt_x"/>
-                                          </p:val>
-                                        </p:tav>
-                                      </p:tavLst>
-                                    </p:anim>
-                                    <p:anim calcmode="lin" valueType="num">
-                                      <p:cBhvr additive="base">
-                                        <p:cTn id="8" dur="1000" fill="hold"/>
-                                        <p:tgtEl>
-                                          <p:spTgt spid="6"/>
-                                        </p:tgtEl>
-                                        <p:attrNameLst>
-                                          <p:attrName>ppt_y</p:attrName>
-                                        </p:attrNameLst>
-                                      </p:cBhvr>
-                                      <p:tavLst>
-                                        <p:tav tm="0">
-                                          <p:val>
-                                            <p:strVal val="1+#ppt_h/2"/>
-                                          </p:val>
-                                        </p:tav>
-                                        <p:tav tm="100000">
-                                          <p:val>
-                                            <p:strVal val="#ppt_y"/>
-                                          </p:val>
-                                        </p:tav>
-                                      </p:tavLst>
-                                    </p:anim>
-                                  </p:childTnLst>
-                                </p:cTn>
-                              </p:par>
-                              <p:par>
-                                <p:cTn id="9" presetID="10" presetClass="entr" presetSubtype="0" fill="hold" grpId="0" nodeType="withEffect">
-                                  <p:stCondLst>
-                                    <p:cond delay="300"/>
-                                  </p:stCondLst>
-                                  <p:childTnLst>
-                                    <p:set>
-                                      <p:cBhvr>
-                                        <p:cTn id="10" dur="1" fill="hold">
-                                          <p:stCondLst>
-                                            <p:cond delay="0"/>
-                                          </p:stCondLst>
-                                        </p:cTn>
-                                        <p:tgtEl>
-                                          <p:spTgt spid="20"/>
-                                        </p:tgtEl>
-                                        <p:attrNameLst>
-                                          <p:attrName>style.visibility</p:attrName>
-                                        </p:attrNameLst>
-                                      </p:cBhvr>
-                                      <p:to>
-                                        <p:strVal val="visible"/>
-                                      </p:to>
-                                    </p:set>
-                                    <p:animEffect transition="in" filter="fade">
-                                      <p:cBhvr>
-                                        <p:cTn id="11" dur="500"/>
-                                        <p:tgtEl>
-                                          <p:spTgt spid="20"/>
-                                        </p:tgtEl>
-                                      </p:cBhvr>
-                                    </p:animEffect>
-                                  </p:childTnLst>
-                                </p:cTn>
-                              </p:par>
-                              <p:par>
-                                <p:cTn id="12" presetID="42" presetClass="path" presetSubtype="0" decel="100000" fill="hold" grpId="1" nodeType="withEffect">
-                                  <p:stCondLst>
-                                    <p:cond delay="300"/>
-                                  </p:stCondLst>
-                                  <p:childTnLst>
-                                    <p:animMotion origin="layout" path="M -2.08333E-6 -2.59259E-6 L -2.08333E-6 0.03797 " pathEditMode="relative" rAng="0" ptsTypes="AA">
-                                      <p:cBhvr>
-                                        <p:cTn id="13" dur="750" spd="-100000" fill="hold"/>
-                                        <p:tgtEl>
-                                          <p:spTgt spid="20"/>
-                                        </p:tgtEl>
-                                        <p:attrNameLst>
-                                          <p:attrName>ppt_x</p:attrName>
-                                          <p:attrName>ppt_y</p:attrName>
-                                        </p:attrNameLst>
-                                      </p:cBhvr>
-                                      <p:rCtr x="0" y="1898"/>
-                                    </p:animMotion>
-                                  </p:childTnLst>
-                                </p:cTn>
-                              </p:par>
-                              <p:par>
-                                <p:cTn id="14" presetID="10" presetClass="entr" presetSubtype="0" fill="hold" grpId="0" nodeType="withEffect">
-                                  <p:stCondLst>
-                                    <p:cond delay="500"/>
-                                  </p:stCondLst>
-                                  <p:childTnLst>
-                                    <p:set>
-                                      <p:cBhvr>
-                                        <p:cTn id="15" dur="1" fill="hold">
-                                          <p:stCondLst>
-                                            <p:cond delay="0"/>
-                                          </p:stCondLst>
-                                        </p:cTn>
-                                        <p:tgtEl>
-                                          <p:spTgt spid="25"/>
-                                        </p:tgtEl>
-                                        <p:attrNameLst>
-                                          <p:attrName>style.visibility</p:attrName>
-                                        </p:attrNameLst>
-                                      </p:cBhvr>
-                                      <p:to>
-                                        <p:strVal val="visible"/>
-                                      </p:to>
-                                    </p:set>
-                                    <p:animEffect transition="in" filter="fade">
-                                      <p:cBhvr>
-                                        <p:cTn id="16" dur="500"/>
-                                        <p:tgtEl>
-                                          <p:spTgt spid="25"/>
-                                        </p:tgtEl>
-                                      </p:cBhvr>
-                                    </p:animEffect>
-                                  </p:childTnLst>
-                                </p:cTn>
-                              </p:par>
-                              <p:par>
-                                <p:cTn id="17" presetID="42" presetClass="path" presetSubtype="0" decel="100000" fill="hold" grpId="1" nodeType="withEffect">
-                                  <p:stCondLst>
-                                    <p:cond delay="500"/>
-                                  </p:stCondLst>
-                                  <p:childTnLst>
-                                    <p:animMotion origin="layout" path="M -2.08333E-6 1.48148E-6 L -2.08333E-6 0.03796 " pathEditMode="relative" rAng="0" ptsTypes="AA">
-                                      <p:cBhvr>
-                                        <p:cTn id="18" dur="750" spd="-100000" fill="hold"/>
-                                        <p:tgtEl>
-                                          <p:spTgt spid="25"/>
-                                        </p:tgtEl>
-                                        <p:attrNameLst>
-                                          <p:attrName>ppt_x</p:attrName>
-                                          <p:attrName>ppt_y</p:attrName>
-                                        </p:attrNameLst>
-                                      </p:cBhvr>
-                                      <p:rCtr x="0" y="1898"/>
-                                    </p:animMotion>
-                                  </p:childTnLst>
-                                </p:cTn>
-                              </p:par>
-                              <p:par>
-                                <p:cTn id="19" presetID="2" presetClass="entr" presetSubtype="4" decel="100000" fill="hold" grpId="0" nodeType="withEffect">
-                                  <p:stCondLst>
-                                    <p:cond delay="200"/>
-                                  </p:stCondLst>
-                                  <p:childTnLst>
-                                    <p:set>
-                                      <p:cBhvr>
-                                        <p:cTn id="20" dur="1" fill="hold">
-                                          <p:stCondLst>
-                                            <p:cond delay="0"/>
-                                          </p:stCondLst>
-                                        </p:cTn>
-                                        <p:tgtEl>
-                                          <p:spTgt spid="16"/>
-                                        </p:tgtEl>
-                                        <p:attrNameLst>
-                                          <p:attrName>style.visibility</p:attrName>
-                                        </p:attrNameLst>
-                                      </p:cBhvr>
-                                      <p:to>
-                                        <p:strVal val="visible"/>
-                                      </p:to>
-                                    </p:set>
-                                    <p:anim calcmode="lin" valueType="num">
-                                      <p:cBhvr additive="base">
-                                        <p:cTn id="21" dur="1000" fill="hold"/>
-                                        <p:tgtEl>
-                                          <p:spTgt spid="16"/>
-                                        </p:tgtEl>
-                                        <p:attrNameLst>
-                                          <p:attrName>ppt_x</p:attrName>
-                                        </p:attrNameLst>
-                                      </p:cBhvr>
-                                      <p:tavLst>
-                                        <p:tav tm="0">
-                                          <p:val>
-                                            <p:strVal val="#ppt_x"/>
-                                          </p:val>
-                                        </p:tav>
-                                        <p:tav tm="100000">
-                                          <p:val>
-                                            <p:strVal val="#ppt_x"/>
-                                          </p:val>
-                                        </p:tav>
-                                      </p:tavLst>
-                                    </p:anim>
-                                    <p:anim calcmode="lin" valueType="num">
-                                      <p:cBhvr additive="base">
-                                        <p:cTn id="22" dur="1000" fill="hold"/>
-                                        <p:tgtEl>
-                                          <p:spTgt spid="16"/>
-                                        </p:tgtEl>
-                                        <p:attrNameLst>
-                                          <p:attrName>ppt_y</p:attrName>
-                                        </p:attrNameLst>
-                                      </p:cBhvr>
-                                      <p:tavLst>
-                                        <p:tav tm="0">
-                                          <p:val>
-                                            <p:strVal val="1+#ppt_h/2"/>
-                                          </p:val>
-                                        </p:tav>
-                                        <p:tav tm="100000">
-                                          <p:val>
-                                            <p:strVal val="#ppt_y"/>
-                                          </p:val>
-                                        </p:tav>
-                                      </p:tavLst>
-                                    </p:anim>
-                                  </p:childTnLst>
-                                </p:cTn>
-                              </p:par>
-                              <p:par>
-                                <p:cTn id="23" presetID="10" presetClass="entr" presetSubtype="0" fill="hold" grpId="0" nodeType="withEffect">
-                                  <p:stCondLst>
-                                    <p:cond delay="700"/>
-                                  </p:stCondLst>
-                                  <p:childTnLst>
-                                    <p:set>
-                                      <p:cBhvr>
-                                        <p:cTn id="24" dur="1" fill="hold">
-                                          <p:stCondLst>
-                                            <p:cond delay="0"/>
-                                          </p:stCondLst>
-                                        </p:cTn>
-                                        <p:tgtEl>
-                                          <p:spTgt spid="22"/>
-                                        </p:tgtEl>
-                                        <p:attrNameLst>
-                                          <p:attrName>style.visibility</p:attrName>
-                                        </p:attrNameLst>
-                                      </p:cBhvr>
-                                      <p:to>
-                                        <p:strVal val="visible"/>
-                                      </p:to>
-                                    </p:set>
-                                    <p:animEffect transition="in" filter="fade">
-                                      <p:cBhvr>
-                                        <p:cTn id="25" dur="500"/>
-                                        <p:tgtEl>
-                                          <p:spTgt spid="22"/>
-                                        </p:tgtEl>
-                                      </p:cBhvr>
-                                    </p:animEffect>
-                                  </p:childTnLst>
-                                </p:cTn>
-                              </p:par>
-                              <p:par>
-                                <p:cTn id="26" presetID="42" presetClass="path" presetSubtype="0" decel="100000" fill="hold" grpId="1" nodeType="withEffect">
-                                  <p:stCondLst>
-                                    <p:cond delay="700"/>
-                                  </p:stCondLst>
-                                  <p:childTnLst>
-                                    <p:animMotion origin="layout" path="M 2.70833E-6 -2.59259E-6 L 2.70833E-6 0.03797 " pathEditMode="relative" rAng="0" ptsTypes="AA">
-                                      <p:cBhvr>
-                                        <p:cTn id="27" dur="750" spd="-100000" fill="hold"/>
-                                        <p:tgtEl>
-                                          <p:spTgt spid="22"/>
-                                        </p:tgtEl>
-                                        <p:attrNameLst>
-                                          <p:attrName>ppt_x</p:attrName>
-                                          <p:attrName>ppt_y</p:attrName>
-                                        </p:attrNameLst>
-                                      </p:cBhvr>
-                                      <p:rCtr x="0" y="1898"/>
-                                    </p:animMotion>
-                                  </p:childTnLst>
-                                </p:cTn>
-                              </p:par>
-                              <p:par>
-                                <p:cTn id="28" presetID="10" presetClass="entr" presetSubtype="0" fill="hold" grpId="0" nodeType="withEffect">
-                                  <p:stCondLst>
-                                    <p:cond delay="900"/>
-                                  </p:stCondLst>
-                                  <p:childTnLst>
-                                    <p:set>
-                                      <p:cBhvr>
-                                        <p:cTn id="29" dur="1" fill="hold">
-                                          <p:stCondLst>
-                                            <p:cond delay="0"/>
-                                          </p:stCondLst>
-                                        </p:cTn>
-                                        <p:tgtEl>
-                                          <p:spTgt spid="29"/>
-                                        </p:tgtEl>
-                                        <p:attrNameLst>
-                                          <p:attrName>style.visibility</p:attrName>
-                                        </p:attrNameLst>
-                                      </p:cBhvr>
-                                      <p:to>
-                                        <p:strVal val="visible"/>
-                                      </p:to>
-                                    </p:set>
-                                    <p:animEffect transition="in" filter="fade">
-                                      <p:cBhvr>
-                                        <p:cTn id="30" dur="500"/>
-                                        <p:tgtEl>
-                                          <p:spTgt spid="29"/>
-                                        </p:tgtEl>
-                                      </p:cBhvr>
-                                    </p:animEffect>
-                                  </p:childTnLst>
-                                </p:cTn>
-                              </p:par>
-                              <p:par>
-                                <p:cTn id="31" presetID="42" presetClass="path" presetSubtype="0" decel="100000" fill="hold" grpId="1" nodeType="withEffect">
-                                  <p:stCondLst>
-                                    <p:cond delay="900"/>
-                                  </p:stCondLst>
-                                  <p:childTnLst>
-                                    <p:animMotion origin="layout" path="M 2.70833E-6 -3.33333E-6 L 2.70833E-6 0.03797 " pathEditMode="relative" rAng="0" ptsTypes="AA">
-                                      <p:cBhvr>
-                                        <p:cTn id="32" dur="750" spd="-100000" fill="hold"/>
-                                        <p:tgtEl>
-                                          <p:spTgt spid="29"/>
-                                        </p:tgtEl>
-                                        <p:attrNameLst>
-                                          <p:attrName>ppt_x</p:attrName>
-                                          <p:attrName>ppt_y</p:attrName>
-                                        </p:attrNameLst>
-                                      </p:cBhvr>
-                                      <p:rCtr x="0" y="1898"/>
-                                    </p:animMotion>
-                                  </p:childTnLst>
-                                </p:cTn>
-                              </p:par>
-                              <p:par>
-                                <p:cTn id="33" presetID="2" presetClass="entr" presetSubtype="4" decel="100000" fill="hold" grpId="0" nodeType="withEffect">
-                                  <p:stCondLst>
-                                    <p:cond delay="400"/>
-                                  </p:stCondLst>
-                                  <p:childTnLst>
-                                    <p:set>
-                                      <p:cBhvr>
-                                        <p:cTn id="34" dur="1" fill="hold">
-                                          <p:stCondLst>
-                                            <p:cond delay="0"/>
-                                          </p:stCondLst>
-                                        </p:cTn>
-                                        <p:tgtEl>
-                                          <p:spTgt spid="17"/>
-                                        </p:tgtEl>
-                                        <p:attrNameLst>
-                                          <p:attrName>style.visibility</p:attrName>
-                                        </p:attrNameLst>
-                                      </p:cBhvr>
-                                      <p:to>
-                                        <p:strVal val="visible"/>
-                                      </p:to>
-                                    </p:set>
-                                    <p:anim calcmode="lin" valueType="num">
-                                      <p:cBhvr additive="base">
-                                        <p:cTn id="35" dur="1000" fill="hold"/>
-                                        <p:tgtEl>
-                                          <p:spTgt spid="17"/>
-                                        </p:tgtEl>
-                                        <p:attrNameLst>
-                                          <p:attrName>ppt_x</p:attrName>
-                                        </p:attrNameLst>
-                                      </p:cBhvr>
-                                      <p:tavLst>
-                                        <p:tav tm="0">
-                                          <p:val>
-                                            <p:strVal val="#ppt_x"/>
-                                          </p:val>
-                                        </p:tav>
-                                        <p:tav tm="100000">
-                                          <p:val>
-                                            <p:strVal val="#ppt_x"/>
-                                          </p:val>
-                                        </p:tav>
-                                      </p:tavLst>
-                                    </p:anim>
-                                    <p:anim calcmode="lin" valueType="num">
-                                      <p:cBhvr additive="base">
-                                        <p:cTn id="36" dur="1000" fill="hold"/>
-                                        <p:tgtEl>
-                                          <p:spTgt spid="17"/>
-                                        </p:tgtEl>
-                                        <p:attrNameLst>
-                                          <p:attrName>ppt_y</p:attrName>
-                                        </p:attrNameLst>
-                                      </p:cBhvr>
-                                      <p:tavLst>
-                                        <p:tav tm="0">
-                                          <p:val>
-                                            <p:strVal val="1+#ppt_h/2"/>
-                                          </p:val>
-                                        </p:tav>
-                                        <p:tav tm="100000">
-                                          <p:val>
-                                            <p:strVal val="#ppt_y"/>
-                                          </p:val>
-                                        </p:tav>
-                                      </p:tavLst>
-                                    </p:anim>
-                                  </p:childTnLst>
-                                </p:cTn>
-                              </p:par>
-                              <p:par>
-                                <p:cTn id="37" presetID="10" presetClass="entr" presetSubtype="0" fill="hold" grpId="0" nodeType="withEffect">
-                                  <p:stCondLst>
-                                    <p:cond delay="1100"/>
-                                  </p:stCondLst>
-                                  <p:childTnLst>
-                                    <p:set>
-                                      <p:cBhvr>
-                                        <p:cTn id="38" dur="1" fill="hold">
-                                          <p:stCondLst>
-                                            <p:cond delay="0"/>
-                                          </p:stCondLst>
-                                        </p:cTn>
-                                        <p:tgtEl>
-                                          <p:spTgt spid="23"/>
-                                        </p:tgtEl>
-                                        <p:attrNameLst>
-                                          <p:attrName>style.visibility</p:attrName>
-                                        </p:attrNameLst>
-                                      </p:cBhvr>
-                                      <p:to>
-                                        <p:strVal val="visible"/>
-                                      </p:to>
-                                    </p:set>
-                                    <p:animEffect transition="in" filter="fade">
-                                      <p:cBhvr>
-                                        <p:cTn id="39" dur="500"/>
-                                        <p:tgtEl>
-                                          <p:spTgt spid="23"/>
-                                        </p:tgtEl>
-                                      </p:cBhvr>
-                                    </p:animEffect>
-                                  </p:childTnLst>
-                                </p:cTn>
-                              </p:par>
-                              <p:par>
-                                <p:cTn id="40" presetID="42" presetClass="path" presetSubtype="0" decel="100000" fill="hold" grpId="1" nodeType="withEffect">
-                                  <p:stCondLst>
-                                    <p:cond delay="1100"/>
-                                  </p:stCondLst>
-                                  <p:childTnLst>
-                                    <p:animMotion origin="layout" path="M -2.70833E-6 -2.59259E-6 L -2.70833E-6 0.03797 " pathEditMode="relative" rAng="0" ptsTypes="AA">
-                                      <p:cBhvr>
-                                        <p:cTn id="41" dur="750" spd="-100000" fill="hold"/>
-                                        <p:tgtEl>
-                                          <p:spTgt spid="23"/>
-                                        </p:tgtEl>
-                                        <p:attrNameLst>
-                                          <p:attrName>ppt_x</p:attrName>
-                                          <p:attrName>ppt_y</p:attrName>
-                                        </p:attrNameLst>
-                                      </p:cBhvr>
-                                      <p:rCtr x="0" y="1898"/>
-                                    </p:animMotion>
-                                  </p:childTnLst>
-                                </p:cTn>
-                              </p:par>
-                              <p:par>
-                                <p:cTn id="42" presetID="10" presetClass="entr" presetSubtype="0" fill="hold" grpId="0" nodeType="withEffect">
-                                  <p:stCondLst>
-                                    <p:cond delay="1300"/>
-                                  </p:stCondLst>
-                                  <p:childTnLst>
-                                    <p:set>
-                                      <p:cBhvr>
-                                        <p:cTn id="43" dur="1" fill="hold">
-                                          <p:stCondLst>
-                                            <p:cond delay="0"/>
-                                          </p:stCondLst>
-                                        </p:cTn>
-                                        <p:tgtEl>
-                                          <p:spTgt spid="30"/>
-                                        </p:tgtEl>
-                                        <p:attrNameLst>
-                                          <p:attrName>style.visibility</p:attrName>
-                                        </p:attrNameLst>
-                                      </p:cBhvr>
-                                      <p:to>
-                                        <p:strVal val="visible"/>
-                                      </p:to>
-                                    </p:set>
-                                    <p:animEffect transition="in" filter="fade">
-                                      <p:cBhvr>
-                                        <p:cTn id="44" dur="500"/>
-                                        <p:tgtEl>
-                                          <p:spTgt spid="30"/>
-                                        </p:tgtEl>
-                                      </p:cBhvr>
-                                    </p:animEffect>
-                                  </p:childTnLst>
-                                </p:cTn>
-                              </p:par>
-                              <p:par>
-                                <p:cTn id="45" presetID="42" presetClass="path" presetSubtype="0" decel="100000" fill="hold" grpId="1" nodeType="withEffect">
-                                  <p:stCondLst>
-                                    <p:cond delay="1300"/>
-                                  </p:stCondLst>
-                                  <p:childTnLst>
-                                    <p:animMotion origin="layout" path="M -2.5E-6 1.48148E-6 L -2.5E-6 0.03796 " pathEditMode="relative" rAng="0" ptsTypes="AA">
-                                      <p:cBhvr>
-                                        <p:cTn id="46" dur="750" spd="-100000" fill="hold"/>
-                                        <p:tgtEl>
-                                          <p:spTgt spid="30"/>
-                                        </p:tgtEl>
-                                        <p:attrNameLst>
-                                          <p:attrName>ppt_x</p:attrName>
-                                          <p:attrName>ppt_y</p:attrName>
-                                        </p:attrNameLst>
-                                      </p:cBhvr>
-                                      <p:rCtr x="0" y="1898"/>
-                                    </p:animMotion>
-                                  </p:childTnLst>
-                                </p:cTn>
-                              </p:par>
-                              <p:par>
-                                <p:cTn id="47" presetID="2" presetClass="entr" presetSubtype="4" decel="100000" fill="hold" grpId="0" nodeType="withEffect">
-                                  <p:stCondLst>
-                                    <p:cond delay="600"/>
-                                  </p:stCondLst>
-                                  <p:childTnLst>
-                                    <p:set>
-                                      <p:cBhvr>
-                                        <p:cTn id="48" dur="1" fill="hold">
-                                          <p:stCondLst>
-                                            <p:cond delay="0"/>
-                                          </p:stCondLst>
-                                        </p:cTn>
-                                        <p:tgtEl>
-                                          <p:spTgt spid="18"/>
-                                        </p:tgtEl>
-                                        <p:attrNameLst>
-                                          <p:attrName>style.visibility</p:attrName>
-                                        </p:attrNameLst>
-                                      </p:cBhvr>
-                                      <p:to>
-                                        <p:strVal val="visible"/>
-                                      </p:to>
-                                    </p:set>
-                                    <p:anim calcmode="lin" valueType="num">
-                                      <p:cBhvr additive="base">
-                                        <p:cTn id="49" dur="1000" fill="hold"/>
-                                        <p:tgtEl>
-                                          <p:spTgt spid="18"/>
-                                        </p:tgtEl>
-                                        <p:attrNameLst>
-                                          <p:attrName>ppt_x</p:attrName>
-                                        </p:attrNameLst>
-                                      </p:cBhvr>
-                                      <p:tavLst>
-                                        <p:tav tm="0">
-                                          <p:val>
-                                            <p:strVal val="#ppt_x"/>
-                                          </p:val>
-                                        </p:tav>
-                                        <p:tav tm="100000">
-                                          <p:val>
-                                            <p:strVal val="#ppt_x"/>
-                                          </p:val>
-                                        </p:tav>
-                                      </p:tavLst>
-                                    </p:anim>
-                                    <p:anim calcmode="lin" valueType="num">
-                                      <p:cBhvr additive="base">
-                                        <p:cTn id="50" dur="1000" fill="hold"/>
-                                        <p:tgtEl>
-                                          <p:spTgt spid="18"/>
-                                        </p:tgtEl>
-                                        <p:attrNameLst>
-                                          <p:attrName>ppt_y</p:attrName>
-                                        </p:attrNameLst>
-                                      </p:cBhvr>
-                                      <p:tavLst>
-                                        <p:tav tm="0">
-                                          <p:val>
-                                            <p:strVal val="1+#ppt_h/2"/>
-                                          </p:val>
-                                        </p:tav>
-                                        <p:tav tm="100000">
-                                          <p:val>
-                                            <p:strVal val="#ppt_y"/>
-                                          </p:val>
-                                        </p:tav>
-                                      </p:tavLst>
-                                    </p:anim>
-                                  </p:childTnLst>
-                                </p:cTn>
-                              </p:par>
-                              <p:par>
-                                <p:cTn id="51" presetID="10" presetClass="entr" presetSubtype="0" fill="hold" grpId="0" nodeType="withEffect">
-                                  <p:stCondLst>
-                                    <p:cond delay="1500"/>
-                                  </p:stCondLst>
-                                  <p:childTnLst>
-                                    <p:set>
-                                      <p:cBhvr>
-                                        <p:cTn id="52" dur="1" fill="hold">
-                                          <p:stCondLst>
-                                            <p:cond delay="0"/>
-                                          </p:stCondLst>
-                                        </p:cTn>
-                                        <p:tgtEl>
-                                          <p:spTgt spid="24"/>
-                                        </p:tgtEl>
-                                        <p:attrNameLst>
-                                          <p:attrName>style.visibility</p:attrName>
-                                        </p:attrNameLst>
-                                      </p:cBhvr>
-                                      <p:to>
-                                        <p:strVal val="visible"/>
-                                      </p:to>
-                                    </p:set>
-                                    <p:animEffect transition="in" filter="fade">
-                                      <p:cBhvr>
-                                        <p:cTn id="53" dur="500"/>
-                                        <p:tgtEl>
-                                          <p:spTgt spid="24"/>
-                                        </p:tgtEl>
-                                      </p:cBhvr>
-                                    </p:animEffect>
-                                  </p:childTnLst>
-                                </p:cTn>
-                              </p:par>
-                              <p:par>
-                                <p:cTn id="54" presetID="42" presetClass="path" presetSubtype="0" decel="100000" fill="hold" grpId="1" nodeType="withEffect">
-                                  <p:stCondLst>
-                                    <p:cond delay="1500"/>
-                                  </p:stCondLst>
-                                  <p:childTnLst>
-                                    <p:animMotion origin="layout" path="M 2.08333E-6 -2.59259E-6 L 2.08333E-6 0.03797 " pathEditMode="relative" rAng="0" ptsTypes="AA">
-                                      <p:cBhvr>
-                                        <p:cTn id="55" dur="750" spd="-100000" fill="hold"/>
-                                        <p:tgtEl>
-                                          <p:spTgt spid="24"/>
-                                        </p:tgtEl>
-                                        <p:attrNameLst>
-                                          <p:attrName>ppt_x</p:attrName>
-                                          <p:attrName>ppt_y</p:attrName>
-                                        </p:attrNameLst>
-                                      </p:cBhvr>
-                                      <p:rCtr x="0" y="1898"/>
-                                    </p:animMotion>
-                                  </p:childTnLst>
-                                </p:cTn>
-                              </p:par>
-                              <p:par>
-                                <p:cTn id="56" presetID="10" presetClass="entr" presetSubtype="0" fill="hold" grpId="0" nodeType="withEffect">
-                                  <p:stCondLst>
-                                    <p:cond delay="1700"/>
-                                  </p:stCondLst>
-                                  <p:childTnLst>
-                                    <p:set>
-                                      <p:cBhvr>
-                                        <p:cTn id="57" dur="1" fill="hold">
-                                          <p:stCondLst>
-                                            <p:cond delay="0"/>
-                                          </p:stCondLst>
-                                        </p:cTn>
-                                        <p:tgtEl>
-                                          <p:spTgt spid="31"/>
-                                        </p:tgtEl>
-                                        <p:attrNameLst>
-                                          <p:attrName>style.visibility</p:attrName>
-                                        </p:attrNameLst>
-                                      </p:cBhvr>
-                                      <p:to>
-                                        <p:strVal val="visible"/>
-                                      </p:to>
-                                    </p:set>
-                                    <p:animEffect transition="in" filter="fade">
-                                      <p:cBhvr>
-                                        <p:cTn id="58" dur="500"/>
-                                        <p:tgtEl>
-                                          <p:spTgt spid="31"/>
-                                        </p:tgtEl>
-                                      </p:cBhvr>
-                                    </p:animEffect>
-                                  </p:childTnLst>
-                                </p:cTn>
-                              </p:par>
-                              <p:par>
-                                <p:cTn id="59" presetID="42" presetClass="path" presetSubtype="0" decel="100000" fill="hold" grpId="1" nodeType="withEffect">
-                                  <p:stCondLst>
-                                    <p:cond delay="1700"/>
-                                  </p:stCondLst>
-                                  <p:childTnLst>
-                                    <p:animMotion origin="layout" path="M 2.08333E-6 1.48148E-6 L 2.08333E-6 0.03796 " pathEditMode="relative" rAng="0" ptsTypes="AA">
-                                      <p:cBhvr>
-                                        <p:cTn id="60" dur="750" spd="-100000" fill="hold"/>
-                                        <p:tgtEl>
-                                          <p:spTgt spid="31"/>
-                                        </p:tgtEl>
-                                        <p:attrNameLst>
-                                          <p:attrName>ppt_x</p:attrName>
-                                          <p:attrName>ppt_y</p:attrName>
-                                        </p:attrNameLst>
-                                      </p:cBhvr>
-                                      <p:rCtr x="0" y="1898"/>
-                                    </p:animMotion>
-                                  </p:childTnLst>
-                                </p:cTn>
-                              </p:par>
-                            </p:childTnLst>
-                          </p:cTn>
-                        </p:par>
-                      </p:childTnLst>
-                    </p:cTn>
-                  </p:par>
-                </p:childTnLst>
-              </p:cTn>
-              <p:prevCondLst>
-                <p:cond evt="onPrev" delay="0">
-                  <p:tgtEl>
-                    <p:sldTgt/>
-                  </p:tgtEl>
-                </p:cond>
-              </p:prevCondLst>
-              <p:nextCondLst>
-                <p:cond evt="onNext" delay="0">
-                  <p:tgtEl>
-                    <p:sldTgt/>
-                  </p:tgtEl>
-                </p:cond>
-              </p:nextCondLst>
-            </p:seq>
-          </p:childTnLst>
-        </p:cTn>
-      </p:par>
-    </p:tnLst>
-    <p:bldLst>
-      <p:bldP spid="6" grpId="0" animBg="1"/>
-      <p:bldP spid="16" grpId="0" animBg="1"/>
-      <p:bldP spid="17" grpId="0" animBg="1"/>
-      <p:bldP spid="18" grpId="0" animBg="1"/>
-      <p:bldP spid="20" grpId="0"/>
-      <p:bldP spid="20" grpId="1"/>
-      <p:bldP spid="22" grpId="0"/>
-      <p:bldP spid="22" grpId="1"/>
-      <p:bldP spid="23" grpId="0"/>
-      <p:bldP spid="23" grpId="1"/>
-      <p:bldP spid="24" grpId="0"/>
-      <p:bldP spid="24" grpId="1"/>
-      <p:bldP spid="25" grpId="0"/>
-      <p:bldP spid="25" grpId="1"/>
-      <p:bldP spid="29" grpId="0"/>
-      <p:bldP spid="29" grpId="1"/>
-      <p:bldP spid="30" grpId="0"/>
-      <p:bldP spid="30" grpId="1"/>
-      <p:bldP spid="31" grpId="0"/>
-      <p:bldP spid="31" grpId="1"/>
-    </p:bldLst>
-  </p:timing>
 </p:sld>
 </file>
 
@@ -31140,6 +31356,77 @@
           <a:chExt cx="0" cy="0"/>
         </a:xfrm>
       </p:grpSpPr>
+      <p:sp>
+        <p:nvSpPr>
+          <p:cNvPr id="22" name="TextBox 21">
+            <a:extLst>
+              <a:ext uri="{FF2B5EF4-FFF2-40B4-BE49-F238E27FC236}">
+                <a16:creationId xmlns:a16="http://schemas.microsoft.com/office/drawing/2014/main" id="{1F03004B-482C-61C8-1688-EF6A8B36C3D0}"/>
+              </a:ext>
+            </a:extLst>
+          </p:cNvPr>
+          <p:cNvSpPr txBox="1"/>
+          <p:nvPr/>
+        </p:nvSpPr>
+        <p:spPr>
+          <a:xfrm>
+            <a:off x="5017019" y="516530"/>
+            <a:ext cx="2157963" cy="707886"/>
+          </a:xfrm>
+          <a:prstGeom prst="rect">
+            <a:avLst/>
+          </a:prstGeom>
+          <a:noFill/>
+        </p:spPr>
+        <p:txBody>
+          <a:bodyPr wrap="none" rtlCol="0">
+            <a:spAutoFit/>
+          </a:bodyPr>
+          <a:lstStyle/>
+          <a:p>
+            <a:pPr marL="0" marR="0" lvl="0" indent="0" algn="ctr" defTabSz="914400" rtl="0" eaLnBrk="1" fontAlgn="auto" latinLnBrk="0" hangingPunct="1">
+              <a:lnSpc>
+                <a:spcPct val="100000"/>
+              </a:lnSpc>
+              <a:spcBef>
+                <a:spcPts val="0"/>
+              </a:spcBef>
+              <a:spcAft>
+                <a:spcPts val="0"/>
+              </a:spcAft>
+              <a:buClrTx/>
+              <a:buSzTx/>
+              <a:buFontTx/>
+              <a:buNone/>
+              <a:tabLst/>
+              <a:defRPr/>
+            </a:pPr>
+            <a:r>
+              <a:rPr lang="en-US" sz="4000" noProof="0" dirty="0">
+                <a:solidFill>
+                  <a:prstClr val="white"/>
+                </a:solidFill>
+                <a:latin typeface="Poppins Light" panose="02000000000000000000" pitchFamily="2" charset="0"/>
+                <a:cs typeface="Poppins Light" panose="02000000000000000000" pitchFamily="2" charset="0"/>
+              </a:rPr>
+              <a:t>Devices</a:t>
+            </a:r>
+            <a:endParaRPr kumimoji="0" lang="en-US" sz="2400" b="0" i="0" u="none" strike="noStrike" kern="1200" cap="none" spc="0" normalizeH="0" baseline="0" noProof="0" dirty="0">
+              <a:ln>
+                <a:noFill/>
+              </a:ln>
+              <a:solidFill>
+                <a:prstClr val="white"/>
+              </a:solidFill>
+              <a:effectLst/>
+              <a:uLnTx/>
+              <a:uFillTx/>
+              <a:latin typeface="Poppins Light" panose="02000000000000000000" pitchFamily="2" charset="0"/>
+              <a:cs typeface="Poppins Light" panose="02000000000000000000" pitchFamily="2" charset="0"/>
+            </a:endParaRPr>
+          </a:p>
+        </p:txBody>
+      </p:sp>
       <p:pic>
         <p:nvPicPr>
           <p:cNvPr id="21" name="Picture 20">
@@ -31246,46 +31533,6 @@
               <a:ea typeface="+mn-ea"/>
               <a:cs typeface="+mn-cs"/>
             </a:endParaRPr>
-          </a:p>
-        </p:txBody>
-      </p:sp>
-      <p:sp>
-        <p:nvSpPr>
-          <p:cNvPr id="5" name="TextBox 2">
-            <a:extLst>
-              <a:ext uri="{FF2B5EF4-FFF2-40B4-BE49-F238E27FC236}">
-                <a16:creationId xmlns:a16="http://schemas.microsoft.com/office/drawing/2014/main" id="{A6042310-5B75-97E7-147F-66589CEC9C2A}"/>
-              </a:ext>
-            </a:extLst>
-          </p:cNvPr>
-          <p:cNvSpPr txBox="1"/>
-          <p:nvPr/>
-        </p:nvSpPr>
-        <p:spPr>
-          <a:xfrm>
-            <a:off x="4901602" y="563988"/>
-            <a:ext cx="2388795" cy="569387"/>
-          </a:xfrm>
-          <a:prstGeom prst="rect">
-            <a:avLst/>
-          </a:prstGeom>
-          <a:noFill/>
-        </p:spPr>
-        <p:txBody>
-          <a:bodyPr wrap="none" rtlCol="0">
-            <a:spAutoFit/>
-          </a:bodyPr>
-          <a:lstStyle/>
-          <a:p>
-            <a:r>
-              <a:rPr lang="en-US" sz="3100" dirty="0">
-                <a:solidFill>
-                  <a:schemeClr val="bg1"/>
-                </a:solidFill>
-                <a:latin typeface="Termina Light" panose="00000400000000000000" pitchFamily="50" charset="0"/>
-              </a:rPr>
-              <a:t>DEVICES</a:t>
-            </a:r>
           </a:p>
         </p:txBody>
       </p:sp>
@@ -31405,114 +31652,25 @@
     </p:spTree>
     <p:extLst>
       <p:ext uri="{BB962C8B-B14F-4D97-AF65-F5344CB8AC3E}">
-        <p14:creationId xmlns:p14="http://schemas.microsoft.com/office/powerpoint/2010/main" val="940325480"/>
+        <p14:creationId xmlns:p14="http://schemas.microsoft.com/office/powerpoint/2010/main" val="3760257561"/>
       </p:ext>
     </p:extLst>
   </p:cSld>
   <p:clrMapOvr>
     <a:masterClrMapping/>
   </p:clrMapOvr>
-  <mc:AlternateContent xmlns:mc="http://schemas.openxmlformats.org/markup-compatibility/2006" xmlns:p159="http://schemas.microsoft.com/office/powerpoint/2015/09/main">
-    <mc:Choice Requires="p159">
-      <p:transition xmlns:p14="http://schemas.microsoft.com/office/powerpoint/2010/main" spd="slow" p14:dur="1750">
+  <mc:AlternateContent xmlns:mc="http://schemas.openxmlformats.org/markup-compatibility/2006">
+    <mc:Choice xmlns:p159="http://schemas.microsoft.com/office/powerpoint/2015/09/main" Requires="p159">
+      <p:transition xmlns:p14="http://schemas.microsoft.com/office/powerpoint/2010/main" spd="slow" p14:dur="2000">
         <p159:morph option="byObject"/>
       </p:transition>
     </mc:Choice>
-    <mc:Fallback xmlns="">
+    <mc:Fallback>
       <p:transition spd="slow">
         <p:fade/>
       </p:transition>
     </mc:Fallback>
   </mc:AlternateContent>
-  <p:timing>
-    <p:tnLst>
-      <p:par>
-        <p:cTn id="1" dur="indefinite" restart="never" nodeType="tmRoot">
-          <p:childTnLst>
-            <p:seq concurrent="1" nextAc="seek">
-              <p:cTn id="2" dur="indefinite" nodeType="mainSeq">
-                <p:childTnLst>
-                  <p:par>
-                    <p:cTn id="3" fill="hold">
-                      <p:stCondLst>
-                        <p:cond delay="indefinite"/>
-                        <p:cond evt="onBegin" delay="0">
-                          <p:tn val="2"/>
-                        </p:cond>
-                      </p:stCondLst>
-                      <p:childTnLst>
-                        <p:par>
-                          <p:cTn id="4" fill="hold">
-                            <p:stCondLst>
-                              <p:cond delay="0"/>
-                            </p:stCondLst>
-                            <p:childTnLst>
-                              <p:par>
-                                <p:cTn id="5" presetID="10" presetClass="entr" presetSubtype="0" fill="hold" grpId="0" nodeType="withEffect">
-                                  <p:stCondLst>
-                                    <p:cond delay="0"/>
-                                  </p:stCondLst>
-                                  <p:childTnLst>
-                                    <p:set>
-                                      <p:cBhvr>
-                                        <p:cTn id="6" dur="1" fill="hold">
-                                          <p:stCondLst>
-                                            <p:cond delay="0"/>
-                                          </p:stCondLst>
-                                        </p:cTn>
-                                        <p:tgtEl>
-                                          <p:spTgt spid="5"/>
-                                        </p:tgtEl>
-                                        <p:attrNameLst>
-                                          <p:attrName>style.visibility</p:attrName>
-                                        </p:attrNameLst>
-                                      </p:cBhvr>
-                                      <p:to>
-                                        <p:strVal val="visible"/>
-                                      </p:to>
-                                    </p:set>
-                                    <p:animEffect transition="in" filter="fade">
-                                      <p:cBhvr>
-                                        <p:cTn id="7" dur="500"/>
-                                        <p:tgtEl>
-                                          <p:spTgt spid="5"/>
-                                        </p:tgtEl>
-                                      </p:cBhvr>
-                                    </p:animEffect>
-                                  </p:childTnLst>
-                                </p:cTn>
-                              </p:par>
-                            </p:childTnLst>
-                          </p:cTn>
-                        </p:par>
-                      </p:childTnLst>
-                    </p:cTn>
-                  </p:par>
-                </p:childTnLst>
-              </p:cTn>
-              <p:prevCondLst>
-                <p:cond evt="onPrev" delay="0">
-                  <p:tgtEl>
-                    <p:sldTgt/>
-                  </p:tgtEl>
-                </p:cond>
-              </p:prevCondLst>
-              <p:nextCondLst>
-                <p:cond evt="onNext" delay="0">
-                  <p:tgtEl>
-                    <p:sldTgt/>
-                  </p:tgtEl>
-                </p:cond>
-              </p:nextCondLst>
-            </p:seq>
-          </p:childTnLst>
-        </p:cTn>
-      </p:par>
-    </p:tnLst>
-    <p:bldLst>
-      <p:bldP spid="5" grpId="0"/>
-    </p:bldLst>
-  </p:timing>
 </p:sld>
 </file>
 

--- a/presentazione.pptx
+++ b/presentazione.pptx
@@ -310,7 +310,7 @@
           <a:p>
             <a:fld id="{24DBD90D-EB47-4C94-A79E-12372819FD94}" type="datetimeFigureOut">
               <a:rPr lang="en-US" smtClean="0"/>
-              <a:t>5/25/2023</a:t>
+              <a:t>5/26/2023</a:t>
             </a:fld>
             <a:endParaRPr lang="en-US"/>
           </a:p>
@@ -364,7 +364,7 @@
           <a:p>
             <a:fld id="{D28215B0-70A9-403B-AFE3-EF59342E39CC}" type="slidenum">
               <a:rPr lang="en-US" smtClean="0"/>
-              <a:t>‹N›</a:t>
+              <a:t>‹#›</a:t>
             </a:fld>
             <a:endParaRPr lang="en-US"/>
           </a:p>
@@ -508,7 +508,7 @@
           <a:p>
             <a:fld id="{24DBD90D-EB47-4C94-A79E-12372819FD94}" type="datetimeFigureOut">
               <a:rPr lang="en-US" smtClean="0"/>
-              <a:t>5/25/2023</a:t>
+              <a:t>5/26/2023</a:t>
             </a:fld>
             <a:endParaRPr lang="en-US"/>
           </a:p>
@@ -562,7 +562,7 @@
           <a:p>
             <a:fld id="{D28215B0-70A9-403B-AFE3-EF59342E39CC}" type="slidenum">
               <a:rPr lang="en-US" smtClean="0"/>
-              <a:t>‹N›</a:t>
+              <a:t>‹#›</a:t>
             </a:fld>
             <a:endParaRPr lang="en-US"/>
           </a:p>
@@ -716,7 +716,7 @@
           <a:p>
             <a:fld id="{24DBD90D-EB47-4C94-A79E-12372819FD94}" type="datetimeFigureOut">
               <a:rPr lang="en-US" smtClean="0"/>
-              <a:t>5/25/2023</a:t>
+              <a:t>5/26/2023</a:t>
             </a:fld>
             <a:endParaRPr lang="en-US"/>
           </a:p>
@@ -770,7 +770,7 @@
           <a:p>
             <a:fld id="{D28215B0-70A9-403B-AFE3-EF59342E39CC}" type="slidenum">
               <a:rPr lang="en-US" smtClean="0"/>
-              <a:t>‹N›</a:t>
+              <a:t>‹#›</a:t>
             </a:fld>
             <a:endParaRPr lang="en-US"/>
           </a:p>
@@ -914,7 +914,7 @@
           <a:p>
             <a:fld id="{24DBD90D-EB47-4C94-A79E-12372819FD94}" type="datetimeFigureOut">
               <a:rPr lang="en-US" smtClean="0"/>
-              <a:t>5/25/2023</a:t>
+              <a:t>5/26/2023</a:t>
             </a:fld>
             <a:endParaRPr lang="en-US"/>
           </a:p>
@@ -968,7 +968,7 @@
           <a:p>
             <a:fld id="{D28215B0-70A9-403B-AFE3-EF59342E39CC}" type="slidenum">
               <a:rPr lang="en-US" smtClean="0"/>
-              <a:t>‹N›</a:t>
+              <a:t>‹#›</a:t>
             </a:fld>
             <a:endParaRPr lang="en-US"/>
           </a:p>
@@ -1189,7 +1189,7 @@
           <a:p>
             <a:fld id="{24DBD90D-EB47-4C94-A79E-12372819FD94}" type="datetimeFigureOut">
               <a:rPr lang="en-US" smtClean="0"/>
-              <a:t>5/25/2023</a:t>
+              <a:t>5/26/2023</a:t>
             </a:fld>
             <a:endParaRPr lang="en-US"/>
           </a:p>
@@ -1243,7 +1243,7 @@
           <a:p>
             <a:fld id="{D28215B0-70A9-403B-AFE3-EF59342E39CC}" type="slidenum">
               <a:rPr lang="en-US" smtClean="0"/>
-              <a:t>‹N›</a:t>
+              <a:t>‹#›</a:t>
             </a:fld>
             <a:endParaRPr lang="en-US"/>
           </a:p>
@@ -1454,7 +1454,7 @@
           <a:p>
             <a:fld id="{24DBD90D-EB47-4C94-A79E-12372819FD94}" type="datetimeFigureOut">
               <a:rPr lang="en-US" smtClean="0"/>
-              <a:t>5/25/2023</a:t>
+              <a:t>5/26/2023</a:t>
             </a:fld>
             <a:endParaRPr lang="en-US"/>
           </a:p>
@@ -1508,7 +1508,7 @@
           <a:p>
             <a:fld id="{D28215B0-70A9-403B-AFE3-EF59342E39CC}" type="slidenum">
               <a:rPr lang="en-US" smtClean="0"/>
-              <a:t>‹N›</a:t>
+              <a:t>‹#›</a:t>
             </a:fld>
             <a:endParaRPr lang="en-US"/>
           </a:p>
@@ -1866,7 +1866,7 @@
           <a:p>
             <a:fld id="{24DBD90D-EB47-4C94-A79E-12372819FD94}" type="datetimeFigureOut">
               <a:rPr lang="en-US" smtClean="0"/>
-              <a:t>5/25/2023</a:t>
+              <a:t>5/26/2023</a:t>
             </a:fld>
             <a:endParaRPr lang="en-US"/>
           </a:p>
@@ -1920,7 +1920,7 @@
           <a:p>
             <a:fld id="{D28215B0-70A9-403B-AFE3-EF59342E39CC}" type="slidenum">
               <a:rPr lang="en-US" smtClean="0"/>
-              <a:t>‹N›</a:t>
+              <a:t>‹#›</a:t>
             </a:fld>
             <a:endParaRPr lang="en-US"/>
           </a:p>
@@ -2007,7 +2007,7 @@
           <a:p>
             <a:fld id="{24DBD90D-EB47-4C94-A79E-12372819FD94}" type="datetimeFigureOut">
               <a:rPr lang="en-US" smtClean="0"/>
-              <a:t>5/25/2023</a:t>
+              <a:t>5/26/2023</a:t>
             </a:fld>
             <a:endParaRPr lang="en-US"/>
           </a:p>
@@ -2061,7 +2061,7 @@
           <a:p>
             <a:fld id="{D28215B0-70A9-403B-AFE3-EF59342E39CC}" type="slidenum">
               <a:rPr lang="en-US" smtClean="0"/>
-              <a:t>‹N›</a:t>
+              <a:t>‹#›</a:t>
             </a:fld>
             <a:endParaRPr lang="en-US"/>
           </a:p>
@@ -2120,7 +2120,7 @@
           <a:p>
             <a:fld id="{24DBD90D-EB47-4C94-A79E-12372819FD94}" type="datetimeFigureOut">
               <a:rPr lang="en-US" smtClean="0"/>
-              <a:t>5/25/2023</a:t>
+              <a:t>5/26/2023</a:t>
             </a:fld>
             <a:endParaRPr lang="en-US"/>
           </a:p>
@@ -2174,7 +2174,7 @@
           <a:p>
             <a:fld id="{D28215B0-70A9-403B-AFE3-EF59342E39CC}" type="slidenum">
               <a:rPr lang="en-US" smtClean="0"/>
-              <a:t>‹N›</a:t>
+              <a:t>‹#›</a:t>
             </a:fld>
             <a:endParaRPr lang="en-US"/>
           </a:p>
@@ -2431,7 +2431,7 @@
           <a:p>
             <a:fld id="{24DBD90D-EB47-4C94-A79E-12372819FD94}" type="datetimeFigureOut">
               <a:rPr lang="en-US" smtClean="0"/>
-              <a:t>5/25/2023</a:t>
+              <a:t>5/26/2023</a:t>
             </a:fld>
             <a:endParaRPr lang="en-US"/>
           </a:p>
@@ -2485,7 +2485,7 @@
           <a:p>
             <a:fld id="{D28215B0-70A9-403B-AFE3-EF59342E39CC}" type="slidenum">
               <a:rPr lang="en-US" smtClean="0"/>
-              <a:t>‹N›</a:t>
+              <a:t>‹#›</a:t>
             </a:fld>
             <a:endParaRPr lang="en-US"/>
           </a:p>
@@ -2719,7 +2719,7 @@
           <a:p>
             <a:fld id="{24DBD90D-EB47-4C94-A79E-12372819FD94}" type="datetimeFigureOut">
               <a:rPr lang="en-US" smtClean="0"/>
-              <a:t>5/25/2023</a:t>
+              <a:t>5/26/2023</a:t>
             </a:fld>
             <a:endParaRPr lang="en-US"/>
           </a:p>
@@ -2773,7 +2773,7 @@
           <a:p>
             <a:fld id="{D28215B0-70A9-403B-AFE3-EF59342E39CC}" type="slidenum">
               <a:rPr lang="en-US" smtClean="0"/>
-              <a:t>‹N›</a:t>
+              <a:t>‹#›</a:t>
             </a:fld>
             <a:endParaRPr lang="en-US"/>
           </a:p>
@@ -2960,7 +2960,7 @@
           <a:p>
             <a:fld id="{24DBD90D-EB47-4C94-A79E-12372819FD94}" type="datetimeFigureOut">
               <a:rPr lang="en-US" smtClean="0"/>
-              <a:t>5/25/2023</a:t>
+              <a:t>5/26/2023</a:t>
             </a:fld>
             <a:endParaRPr lang="en-US"/>
           </a:p>
@@ -3050,7 +3050,7 @@
           <a:p>
             <a:fld id="{D28215B0-70A9-403B-AFE3-EF59342E39CC}" type="slidenum">
               <a:rPr lang="en-US" smtClean="0"/>
-              <a:t>‹N›</a:t>
+              <a:t>‹#›</a:t>
             </a:fld>
             <a:endParaRPr lang="en-US"/>
           </a:p>
@@ -8179,13 +8179,13 @@
   <p:clrMapOvr>
     <a:masterClrMapping/>
   </p:clrMapOvr>
-  <mc:AlternateContent xmlns:mc="http://schemas.openxmlformats.org/markup-compatibility/2006">
-    <mc:Choice xmlns:p159="http://schemas.microsoft.com/office/powerpoint/2015/09/main" Requires="p159">
+  <mc:AlternateContent xmlns:mc="http://schemas.openxmlformats.org/markup-compatibility/2006" xmlns:p159="http://schemas.microsoft.com/office/powerpoint/2015/09/main">
+    <mc:Choice Requires="p159">
       <p:transition xmlns:p14="http://schemas.microsoft.com/office/powerpoint/2010/main" spd="slow" p14:dur="2000">
         <p159:morph option="byObject"/>
       </p:transition>
     </mc:Choice>
-    <mc:Fallback>
+    <mc:Fallback xmlns="">
       <p:transition spd="slow">
         <p:fade/>
       </p:transition>
@@ -8233,7 +8233,7 @@
         </p:nvSpPr>
         <p:spPr>
           <a:xfrm>
-            <a:off x="5118810" y="686281"/>
+            <a:off x="5118809" y="624252"/>
             <a:ext cx="1954381" cy="707886"/>
           </a:xfrm>
           <a:prstGeom prst="rect">
@@ -8522,13 +8522,13 @@
   <p:clrMapOvr>
     <a:masterClrMapping/>
   </p:clrMapOvr>
-  <mc:AlternateContent xmlns:mc="http://schemas.openxmlformats.org/markup-compatibility/2006">
-    <mc:Choice xmlns:p159="http://schemas.microsoft.com/office/powerpoint/2015/09/main" Requires="p159">
+  <mc:AlternateContent xmlns:mc="http://schemas.openxmlformats.org/markup-compatibility/2006" xmlns:p159="http://schemas.microsoft.com/office/powerpoint/2015/09/main">
+    <mc:Choice Requires="p159">
       <p:transition xmlns:p14="http://schemas.microsoft.com/office/powerpoint/2010/main" spd="slow" p14:dur="2000">
         <p159:morph option="byObject"/>
       </p:transition>
     </mc:Choice>
-    <mc:Fallback>
+    <mc:Fallback xmlns="">
       <p:transition spd="slow">
         <p:fade/>
       </p:transition>
@@ -11374,13 +11374,13 @@
   <p:clrMapOvr>
     <a:masterClrMapping/>
   </p:clrMapOvr>
-  <mc:AlternateContent xmlns:mc="http://schemas.openxmlformats.org/markup-compatibility/2006">
-    <mc:Choice xmlns:p159="http://schemas.microsoft.com/office/powerpoint/2015/09/main" Requires="p159">
+  <mc:AlternateContent xmlns:mc="http://schemas.openxmlformats.org/markup-compatibility/2006" xmlns:p159="http://schemas.microsoft.com/office/powerpoint/2015/09/main">
+    <mc:Choice Requires="p159">
       <p:transition xmlns:p14="http://schemas.microsoft.com/office/powerpoint/2010/main" spd="slow" p14:dur="2000">
         <p159:morph option="byObject"/>
       </p:transition>
     </mc:Choice>
-    <mc:Fallback>
+    <mc:Fallback xmlns="">
       <p:transition spd="slow">
         <p:fade/>
       </p:transition>
@@ -11428,7 +11428,7 @@
         </p:nvSpPr>
         <p:spPr>
           <a:xfrm>
-            <a:off x="4448754" y="387573"/>
+            <a:off x="4448753" y="507936"/>
             <a:ext cx="3294493" cy="707886"/>
           </a:xfrm>
           <a:prstGeom prst="rect">
@@ -11717,13 +11717,13 @@
   <p:clrMapOvr>
     <a:masterClrMapping/>
   </p:clrMapOvr>
-  <mc:AlternateContent xmlns:mc="http://schemas.openxmlformats.org/markup-compatibility/2006">
-    <mc:Choice xmlns:p159="http://schemas.microsoft.com/office/powerpoint/2015/09/main" Requires="p159">
+  <mc:AlternateContent xmlns:mc="http://schemas.openxmlformats.org/markup-compatibility/2006" xmlns:p159="http://schemas.microsoft.com/office/powerpoint/2015/09/main">
+    <mc:Choice Requires="p159">
       <p:transition xmlns:p14="http://schemas.microsoft.com/office/powerpoint/2010/main" spd="slow" p14:dur="2000">
         <p159:morph option="byObject"/>
       </p:transition>
     </mc:Choice>
-    <mc:Fallback>
+    <mc:Fallback xmlns="">
       <p:transition spd="slow">
         <p:fade/>
       </p:transition>
@@ -14569,13 +14569,13 @@
   <p:clrMapOvr>
     <a:masterClrMapping/>
   </p:clrMapOvr>
-  <mc:AlternateContent xmlns:mc="http://schemas.openxmlformats.org/markup-compatibility/2006">
-    <mc:Choice xmlns:p159="http://schemas.microsoft.com/office/powerpoint/2015/09/main" Requires="p159">
+  <mc:AlternateContent xmlns:mc="http://schemas.openxmlformats.org/markup-compatibility/2006" xmlns:p159="http://schemas.microsoft.com/office/powerpoint/2015/09/main">
+    <mc:Choice Requires="p159">
       <p:transition xmlns:p14="http://schemas.microsoft.com/office/powerpoint/2010/main" spd="slow" p14:dur="2000">
         <p159:morph option="byObject"/>
       </p:transition>
     </mc:Choice>
-    <mc:Fallback>
+    <mc:Fallback xmlns="">
       <p:transition spd="slow">
         <p:fade/>
       </p:transition>
@@ -18604,7 +18604,11 @@
             <a:lstStyle/>
             <a:p>
               <a:pPr algn="ctr"/>
-              <a:endParaRPr lang="en-US"/>
+              <a:endParaRPr lang="en-US">
+                <a:solidFill>
+                  <a:srgbClr val="A5A5A5"/>
+                </a:solidFill>
+              </a:endParaRPr>
             </a:p>
           </p:txBody>
         </p:sp>
@@ -20952,7 +20956,7 @@
             <a:r>
               <a:rPr lang="en-US" sz="1400" dirty="0">
                 <a:solidFill>
-                  <a:srgbClr val="51DEF1"/>
+                  <a:srgbClr val="A5A5A5"/>
                 </a:solidFill>
                 <a:latin typeface="The Sans Light-" panose="02000503050000020004" pitchFamily="2" charset="0"/>
               </a:rPr>
@@ -20961,7 +20965,7 @@
             <a:r>
               <a:rPr lang="en-US" sz="1400" dirty="0" err="1">
                 <a:solidFill>
-                  <a:srgbClr val="51DEF1"/>
+                  <a:srgbClr val="A5A5A5"/>
                 </a:solidFill>
                 <a:latin typeface="The Sans Light-" panose="02000503050000020004" pitchFamily="2" charset="0"/>
               </a:rPr>
@@ -20970,7 +20974,7 @@
             <a:r>
               <a:rPr lang="en-US" sz="1400" dirty="0">
                 <a:solidFill>
-                  <a:srgbClr val="51DEF1"/>
+                  <a:srgbClr val="A5A5A5"/>
                 </a:solidFill>
                 <a:latin typeface="The Sans Light-" panose="02000503050000020004" pitchFamily="2" charset="0"/>
               </a:rPr>
@@ -21012,7 +21016,7 @@
                 <a:spcPts val="600"/>
               </a:spcAft>
               <a:buClr>
-                <a:srgbClr val="51DEF1"/>
+                <a:srgbClr val="A5A5A5"/>
               </a:buClr>
               <a:buFont typeface="Wingdings" panose="05000000000000000000" pitchFamily="2" charset="2"/>
               <a:buChar char="§"/>
@@ -21048,7 +21052,7 @@
                 <a:spcPts val="600"/>
               </a:spcAft>
               <a:buClr>
-                <a:srgbClr val="51DEF1"/>
+                <a:srgbClr val="A5A5A5"/>
               </a:buClr>
               <a:buFont typeface="Wingdings" panose="05000000000000000000" pitchFamily="2" charset="2"/>
               <a:buChar char="§"/>
@@ -21084,7 +21088,7 @@
                 <a:spcPts val="600"/>
               </a:spcAft>
               <a:buClr>
-                <a:srgbClr val="51DEF1"/>
+                <a:srgbClr val="A5A5A5"/>
               </a:buClr>
               <a:buFont typeface="Wingdings" panose="05000000000000000000" pitchFamily="2" charset="2"/>
               <a:buChar char="§"/>
@@ -21156,7 +21160,7 @@
                 <a:spcPts val="600"/>
               </a:spcAft>
               <a:buClr>
-                <a:srgbClr val="51DEF1"/>
+                <a:srgbClr val="A5A5A5"/>
               </a:buClr>
               <a:buFont typeface="Wingdings" panose="05000000000000000000" pitchFamily="2" charset="2"/>
               <a:buChar char="§"/>
@@ -21210,7 +21214,7 @@
                 <a:spcPts val="600"/>
               </a:spcAft>
               <a:buClr>
-                <a:srgbClr val="51DEF1"/>
+                <a:srgbClr val="A5A5A5"/>
               </a:buClr>
               <a:buFont typeface="Wingdings" panose="05000000000000000000" pitchFamily="2" charset="2"/>
               <a:buChar char="§"/>
@@ -28175,7 +28179,7 @@
         </p:nvSpPr>
         <p:spPr>
           <a:xfrm>
-            <a:off x="4247578" y="747362"/>
+            <a:off x="4247577" y="618406"/>
             <a:ext cx="3696846" cy="707886"/>
           </a:xfrm>
           <a:prstGeom prst="rect">
@@ -28464,13 +28468,13 @@
   <p:clrMapOvr>
     <a:masterClrMapping/>
   </p:clrMapOvr>
-  <mc:AlternateContent xmlns:mc="http://schemas.openxmlformats.org/markup-compatibility/2006">
-    <mc:Choice xmlns:p159="http://schemas.microsoft.com/office/powerpoint/2015/09/main" Requires="p159">
+  <mc:AlternateContent xmlns:mc="http://schemas.openxmlformats.org/markup-compatibility/2006" xmlns:p159="http://schemas.microsoft.com/office/powerpoint/2015/09/main">
+    <mc:Choice Requires="p159">
       <p:transition xmlns:p14="http://schemas.microsoft.com/office/powerpoint/2010/main" spd="slow" p14:dur="2000">
         <p159:morph option="byObject"/>
       </p:transition>
     </mc:Choice>
-    <mc:Fallback>
+    <mc:Fallback xmlns="">
       <p:transition spd="slow">
         <p:fade/>
       </p:transition>
@@ -31316,13 +31320,13 @@
   <p:clrMapOvr>
     <a:masterClrMapping/>
   </p:clrMapOvr>
-  <mc:AlternateContent xmlns:mc="http://schemas.openxmlformats.org/markup-compatibility/2006">
-    <mc:Choice xmlns:p159="http://schemas.microsoft.com/office/powerpoint/2015/09/main" Requires="p159">
+  <mc:AlternateContent xmlns:mc="http://schemas.openxmlformats.org/markup-compatibility/2006" xmlns:p159="http://schemas.microsoft.com/office/powerpoint/2015/09/main">
+    <mc:Choice Requires="p159">
       <p:transition xmlns:p14="http://schemas.microsoft.com/office/powerpoint/2010/main" spd="slow" p14:dur="2000">
         <p159:morph option="byObject"/>
       </p:transition>
     </mc:Choice>
-    <mc:Fallback>
+    <mc:Fallback xmlns="">
       <p:transition spd="slow">
         <p:fade/>
       </p:transition>
@@ -31370,7 +31374,7 @@
         </p:nvSpPr>
         <p:spPr>
           <a:xfrm>
-            <a:off x="5017019" y="516530"/>
+            <a:off x="5017018" y="507936"/>
             <a:ext cx="2157963" cy="707886"/>
           </a:xfrm>
           <a:prstGeom prst="rect">
@@ -31659,13 +31663,13 @@
   <p:clrMapOvr>
     <a:masterClrMapping/>
   </p:clrMapOvr>
-  <mc:AlternateContent xmlns:mc="http://schemas.openxmlformats.org/markup-compatibility/2006">
-    <mc:Choice xmlns:p159="http://schemas.microsoft.com/office/powerpoint/2015/09/main" Requires="p159">
+  <mc:AlternateContent xmlns:mc="http://schemas.openxmlformats.org/markup-compatibility/2006" xmlns:p159="http://schemas.microsoft.com/office/powerpoint/2015/09/main">
+    <mc:Choice Requires="p159">
       <p:transition xmlns:p14="http://schemas.microsoft.com/office/powerpoint/2010/main" spd="slow" p14:dur="2000">
         <p159:morph option="byObject"/>
       </p:transition>
     </mc:Choice>
-    <mc:Fallback>
+    <mc:Fallback xmlns="">
       <p:transition spd="slow">
         <p:fade/>
       </p:transition>

--- a/presentazione.pptx
+++ b/presentazione.pptx
@@ -364,7 +364,7 @@
           <a:p>
             <a:fld id="{D28215B0-70A9-403B-AFE3-EF59342E39CC}" type="slidenum">
               <a:rPr lang="en-US" smtClean="0"/>
-              <a:t>‹#›</a:t>
+              <a:t>‹N›</a:t>
             </a:fld>
             <a:endParaRPr lang="en-US"/>
           </a:p>
@@ -562,7 +562,7 @@
           <a:p>
             <a:fld id="{D28215B0-70A9-403B-AFE3-EF59342E39CC}" type="slidenum">
               <a:rPr lang="en-US" smtClean="0"/>
-              <a:t>‹#›</a:t>
+              <a:t>‹N›</a:t>
             </a:fld>
             <a:endParaRPr lang="en-US"/>
           </a:p>
@@ -770,7 +770,7 @@
           <a:p>
             <a:fld id="{D28215B0-70A9-403B-AFE3-EF59342E39CC}" type="slidenum">
               <a:rPr lang="en-US" smtClean="0"/>
-              <a:t>‹#›</a:t>
+              <a:t>‹N›</a:t>
             </a:fld>
             <a:endParaRPr lang="en-US"/>
           </a:p>
@@ -968,7 +968,7 @@
           <a:p>
             <a:fld id="{D28215B0-70A9-403B-AFE3-EF59342E39CC}" type="slidenum">
               <a:rPr lang="en-US" smtClean="0"/>
-              <a:t>‹#›</a:t>
+              <a:t>‹N›</a:t>
             </a:fld>
             <a:endParaRPr lang="en-US"/>
           </a:p>
@@ -1243,7 +1243,7 @@
           <a:p>
             <a:fld id="{D28215B0-70A9-403B-AFE3-EF59342E39CC}" type="slidenum">
               <a:rPr lang="en-US" smtClean="0"/>
-              <a:t>‹#›</a:t>
+              <a:t>‹N›</a:t>
             </a:fld>
             <a:endParaRPr lang="en-US"/>
           </a:p>
@@ -1508,7 +1508,7 @@
           <a:p>
             <a:fld id="{D28215B0-70A9-403B-AFE3-EF59342E39CC}" type="slidenum">
               <a:rPr lang="en-US" smtClean="0"/>
-              <a:t>‹#›</a:t>
+              <a:t>‹N›</a:t>
             </a:fld>
             <a:endParaRPr lang="en-US"/>
           </a:p>
@@ -1920,7 +1920,7 @@
           <a:p>
             <a:fld id="{D28215B0-70A9-403B-AFE3-EF59342E39CC}" type="slidenum">
               <a:rPr lang="en-US" smtClean="0"/>
-              <a:t>‹#›</a:t>
+              <a:t>‹N›</a:t>
             </a:fld>
             <a:endParaRPr lang="en-US"/>
           </a:p>
@@ -2061,7 +2061,7 @@
           <a:p>
             <a:fld id="{D28215B0-70A9-403B-AFE3-EF59342E39CC}" type="slidenum">
               <a:rPr lang="en-US" smtClean="0"/>
-              <a:t>‹#›</a:t>
+              <a:t>‹N›</a:t>
             </a:fld>
             <a:endParaRPr lang="en-US"/>
           </a:p>
@@ -2174,7 +2174,7 @@
           <a:p>
             <a:fld id="{D28215B0-70A9-403B-AFE3-EF59342E39CC}" type="slidenum">
               <a:rPr lang="en-US" smtClean="0"/>
-              <a:t>‹#›</a:t>
+              <a:t>‹N›</a:t>
             </a:fld>
             <a:endParaRPr lang="en-US"/>
           </a:p>
@@ -2485,7 +2485,7 @@
           <a:p>
             <a:fld id="{D28215B0-70A9-403B-AFE3-EF59342E39CC}" type="slidenum">
               <a:rPr lang="en-US" smtClean="0"/>
-              <a:t>‹#›</a:t>
+              <a:t>‹N›</a:t>
             </a:fld>
             <a:endParaRPr lang="en-US"/>
           </a:p>
@@ -2773,7 +2773,7 @@
           <a:p>
             <a:fld id="{D28215B0-70A9-403B-AFE3-EF59342E39CC}" type="slidenum">
               <a:rPr lang="en-US" smtClean="0"/>
-              <a:t>‹#›</a:t>
+              <a:t>‹N›</a:t>
             </a:fld>
             <a:endParaRPr lang="en-US"/>
           </a:p>
@@ -3050,7 +3050,7 @@
           <a:p>
             <a:fld id="{D28215B0-70A9-403B-AFE3-EF59342E39CC}" type="slidenum">
               <a:rPr lang="en-US" smtClean="0"/>
-              <a:t>‹#›</a:t>
+              <a:t>‹N›</a:t>
             </a:fld>
             <a:endParaRPr lang="en-US"/>
           </a:p>
@@ -20939,8 +20939,8 @@
         </p:nvSpPr>
         <p:spPr>
           <a:xfrm>
-            <a:off x="666608" y="3933525"/>
-            <a:ext cx="3495834" cy="1169551"/>
+            <a:off x="628785" y="3446727"/>
+            <a:ext cx="3495834" cy="1384995"/>
           </a:xfrm>
           <a:prstGeom prst="rect">
             <a:avLst/>
@@ -20954,13 +20954,60 @@
           <a:lstStyle/>
           <a:p>
             <a:r>
+              <a:rPr lang="en-US" sz="1400" u="sng" dirty="0">
+                <a:solidFill>
+                  <a:srgbClr val="A5A5A5"/>
+                </a:solidFill>
+                <a:latin typeface="The Sans Light-" panose="02000503050000020004" pitchFamily="2" charset="0"/>
+              </a:rPr>
+              <a:t>Che </a:t>
+            </a:r>
+            <a:r>
+              <a:rPr lang="en-US" sz="1400" u="sng" dirty="0" err="1">
+                <a:solidFill>
+                  <a:srgbClr val="A5A5A5"/>
+                </a:solidFill>
+                <a:latin typeface="The Sans Light-" panose="02000503050000020004" pitchFamily="2" charset="0"/>
+              </a:rPr>
+              <a:t>cosa</a:t>
+            </a:r>
+            <a:r>
+              <a:rPr lang="en-US" sz="1400" u="sng" dirty="0">
+                <a:solidFill>
+                  <a:srgbClr val="A5A5A5"/>
+                </a:solidFill>
+                <a:latin typeface="The Sans Light-" panose="02000503050000020004" pitchFamily="2" charset="0"/>
+              </a:rPr>
+              <a:t> è corvina cloud?</a:t>
+            </a:r>
+          </a:p>
+          <a:p>
+            <a:r>
               <a:rPr lang="en-US" sz="1400" dirty="0">
                 <a:solidFill>
                   <a:srgbClr val="A5A5A5"/>
                 </a:solidFill>
                 <a:latin typeface="The Sans Light-" panose="02000503050000020004" pitchFamily="2" charset="0"/>
               </a:rPr>
-              <a:t>Lorem ipsum dolor sit amet, consectetuer adipiscing elit. Maecenas porttitor congue massa. Fusce posuere, magna sed pulvinar ultricies, purus lectus malesuada libero, sit amet commodo magna eros quis </a:t>
+              <a:t>Corvina cloud è un cloud </a:t>
+            </a:r>
+            <a:r>
+              <a:rPr lang="it-IT" sz="1400" dirty="0">
+                <a:solidFill>
+                  <a:srgbClr val="A5A5A5"/>
+                </a:solidFill>
+                <a:latin typeface="The Sans Light-" panose="02000503050000020004" pitchFamily="2" charset="0"/>
+              </a:rPr>
+              <a:t>che</a:t>
+            </a:r>
+            <a:r>
+              <a:rPr lang="en-US" sz="1400" dirty="0">
+                <a:solidFill>
+                  <a:srgbClr val="A5A5A5"/>
+                </a:solidFill>
+                <a:latin typeface="The Sans Light-" panose="02000503050000020004" pitchFamily="2" charset="0"/>
+              </a:rPr>
+              <a:t> </a:t>
             </a:r>
             <a:r>
               <a:rPr lang="en-US" sz="1400" dirty="0" err="1">
@@ -20969,7 +21016,7 @@
                 </a:solidFill>
                 <a:latin typeface="The Sans Light-" panose="02000503050000020004" pitchFamily="2" charset="0"/>
               </a:rPr>
-              <a:t>urna</a:t>
+              <a:t>rende</a:t>
             </a:r>
             <a:r>
               <a:rPr lang="en-US" sz="1400" dirty="0">
@@ -20978,7 +21025,252 @@
                 </a:solidFill>
                 <a:latin typeface="The Sans Light-" panose="02000503050000020004" pitchFamily="2" charset="0"/>
               </a:rPr>
+              <a:t> possible il </a:t>
+            </a:r>
+            <a:r>
+              <a:rPr lang="en-US" sz="1400" dirty="0" err="1">
+                <a:solidFill>
+                  <a:srgbClr val="A5A5A5"/>
+                </a:solidFill>
+                <a:latin typeface="The Sans Light-" panose="02000503050000020004" pitchFamily="2" charset="0"/>
+              </a:rPr>
+              <a:t>monitoraggio</a:t>
+            </a:r>
+            <a:r>
+              <a:rPr lang="en-US" sz="1400" dirty="0">
+                <a:solidFill>
+                  <a:srgbClr val="A5A5A5"/>
+                </a:solidFill>
+                <a:latin typeface="The Sans Light-" panose="02000503050000020004" pitchFamily="2" charset="0"/>
+              </a:rPr>
+              <a:t>, </a:t>
+            </a:r>
+            <a:r>
+              <a:rPr lang="en-US" sz="1400" dirty="0" err="1">
+                <a:solidFill>
+                  <a:srgbClr val="A5A5A5"/>
+                </a:solidFill>
+                <a:latin typeface="The Sans Light-" panose="02000503050000020004" pitchFamily="2" charset="0"/>
+              </a:rPr>
+              <a:t>analisi</a:t>
+            </a:r>
+            <a:r>
+              <a:rPr lang="en-US" sz="1400" dirty="0">
+                <a:solidFill>
+                  <a:srgbClr val="A5A5A5"/>
+                </a:solidFill>
+                <a:latin typeface="The Sans Light-" panose="02000503050000020004" pitchFamily="2" charset="0"/>
+              </a:rPr>
+              <a:t> e </a:t>
+            </a:r>
+            <a:r>
+              <a:rPr lang="en-US" sz="1400" dirty="0" err="1">
+                <a:solidFill>
+                  <a:srgbClr val="A5A5A5"/>
+                </a:solidFill>
+                <a:latin typeface="The Sans Light-" panose="02000503050000020004" pitchFamily="2" charset="0"/>
+              </a:rPr>
+              <a:t>controllo</a:t>
+            </a:r>
+            <a:r>
+              <a:rPr lang="en-US" sz="1400" dirty="0">
+                <a:solidFill>
+                  <a:srgbClr val="A5A5A5"/>
+                </a:solidFill>
+                <a:latin typeface="The Sans Light-" panose="02000503050000020004" pitchFamily="2" charset="0"/>
+              </a:rPr>
+              <a:t> di </a:t>
+            </a:r>
+            <a:r>
+              <a:rPr lang="en-US" sz="1400" dirty="0" err="1">
+                <a:solidFill>
+                  <a:srgbClr val="A5A5A5"/>
+                </a:solidFill>
+                <a:latin typeface="The Sans Light-" panose="02000503050000020004" pitchFamily="2" charset="0"/>
+              </a:rPr>
+              <a:t>dati</a:t>
+            </a:r>
+            <a:r>
+              <a:rPr lang="en-US" sz="1400" dirty="0">
+                <a:solidFill>
+                  <a:srgbClr val="A5A5A5"/>
+                </a:solidFill>
+                <a:latin typeface="The Sans Light-" panose="02000503050000020004" pitchFamily="2" charset="0"/>
+              </a:rPr>
+              <a:t> per porter </a:t>
+            </a:r>
+            <a:r>
+              <a:rPr lang="en-US" sz="1400" dirty="0" err="1">
+                <a:solidFill>
+                  <a:srgbClr val="A5A5A5"/>
+                </a:solidFill>
+                <a:latin typeface="The Sans Light-" panose="02000503050000020004" pitchFamily="2" charset="0"/>
+              </a:rPr>
+              <a:t>avere</a:t>
+            </a:r>
+            <a:r>
+              <a:rPr lang="en-US" sz="1400" dirty="0">
+                <a:solidFill>
+                  <a:srgbClr val="A5A5A5"/>
+                </a:solidFill>
+                <a:latin typeface="The Sans Light-" panose="02000503050000020004" pitchFamily="2" charset="0"/>
+              </a:rPr>
+              <a:t> </a:t>
+            </a:r>
+            <a:r>
+              <a:rPr lang="en-US" sz="1400" dirty="0" err="1">
+                <a:solidFill>
+                  <a:srgbClr val="A5A5A5"/>
+                </a:solidFill>
+                <a:latin typeface="The Sans Light-" panose="02000503050000020004" pitchFamily="2" charset="0"/>
+              </a:rPr>
+              <a:t>una</a:t>
+            </a:r>
+            <a:r>
+              <a:rPr lang="en-US" sz="1400" dirty="0">
+                <a:solidFill>
+                  <a:srgbClr val="A5A5A5"/>
+                </a:solidFill>
+                <a:latin typeface="The Sans Light-" panose="02000503050000020004" pitchFamily="2" charset="0"/>
+              </a:rPr>
+              <a:t> </a:t>
+            </a:r>
+            <a:r>
+              <a:rPr lang="en-US" sz="1400" dirty="0" err="1">
+                <a:solidFill>
+                  <a:srgbClr val="A5A5A5"/>
+                </a:solidFill>
+                <a:latin typeface="The Sans Light-" panose="02000503050000020004" pitchFamily="2" charset="0"/>
+              </a:rPr>
+              <a:t>gestione</a:t>
+            </a:r>
+            <a:r>
+              <a:rPr lang="en-US" sz="1400" dirty="0">
+                <a:solidFill>
+                  <a:srgbClr val="A5A5A5"/>
+                </a:solidFill>
+                <a:latin typeface="The Sans Light-" panose="02000503050000020004" pitchFamily="2" charset="0"/>
+              </a:rPr>
+              <a:t> di </a:t>
+            </a:r>
+            <a:r>
+              <a:rPr lang="en-US" sz="1400" dirty="0" err="1">
+                <a:solidFill>
+                  <a:srgbClr val="A5A5A5"/>
+                </a:solidFill>
+                <a:latin typeface="The Sans Light-" panose="02000503050000020004" pitchFamily="2" charset="0"/>
+              </a:rPr>
+              <a:t>oggetti</a:t>
+            </a:r>
+            <a:r>
+              <a:rPr lang="en-US" sz="1400" dirty="0">
+                <a:solidFill>
+                  <a:srgbClr val="A5A5A5"/>
+                </a:solidFill>
+                <a:latin typeface="The Sans Light-" panose="02000503050000020004" pitchFamily="2" charset="0"/>
+              </a:rPr>
+              <a:t> (IoT) in modo semplice, </a:t>
+            </a:r>
+            <a:r>
+              <a:rPr lang="en-US" sz="1400" dirty="0" err="1">
+                <a:solidFill>
+                  <a:srgbClr val="A5A5A5"/>
+                </a:solidFill>
+                <a:latin typeface="The Sans Light-" panose="02000503050000020004" pitchFamily="2" charset="0"/>
+              </a:rPr>
+              <a:t>inuitivo</a:t>
+            </a:r>
+            <a:r>
+              <a:rPr lang="en-US" sz="1400" dirty="0">
+                <a:solidFill>
+                  <a:srgbClr val="A5A5A5"/>
+                </a:solidFill>
+                <a:latin typeface="The Sans Light-" panose="02000503050000020004" pitchFamily="2" charset="0"/>
+              </a:rPr>
+              <a:t> e </a:t>
+            </a:r>
+            <a:r>
+              <a:rPr lang="en-US" sz="1400" dirty="0" err="1">
+                <a:solidFill>
+                  <a:srgbClr val="A5A5A5"/>
+                </a:solidFill>
+                <a:latin typeface="The Sans Light-" panose="02000503050000020004" pitchFamily="2" charset="0"/>
+              </a:rPr>
+              <a:t>ottimizzato</a:t>
+            </a:r>
+            <a:r>
+              <a:rPr lang="en-US" sz="1400" dirty="0">
+                <a:solidFill>
+                  <a:srgbClr val="A5A5A5"/>
+                </a:solidFill>
+                <a:latin typeface="The Sans Light-" panose="02000503050000020004" pitchFamily="2" charset="0"/>
+              </a:rPr>
               <a:t>.</a:t>
+            </a:r>
+          </a:p>
+          <a:p>
+            <a:r>
+              <a:rPr lang="en-US" sz="1400" dirty="0">
+                <a:solidFill>
+                  <a:srgbClr val="A5A5A5"/>
+                </a:solidFill>
+                <a:latin typeface="The Sans Light-" panose="02000503050000020004" pitchFamily="2" charset="0"/>
+              </a:rPr>
+              <a:t>La nostra </a:t>
+            </a:r>
+            <a:r>
+              <a:rPr lang="en-US" sz="1400" dirty="0" err="1">
+                <a:solidFill>
+                  <a:srgbClr val="A5A5A5"/>
+                </a:solidFill>
+                <a:latin typeface="The Sans Light-" panose="02000503050000020004" pitchFamily="2" charset="0"/>
+              </a:rPr>
+              <a:t>applicazione</a:t>
+            </a:r>
+            <a:r>
+              <a:rPr lang="en-US" sz="1400" dirty="0">
+                <a:solidFill>
+                  <a:srgbClr val="A5A5A5"/>
+                </a:solidFill>
+                <a:latin typeface="The Sans Light-" panose="02000503050000020004" pitchFamily="2" charset="0"/>
+              </a:rPr>
+              <a:t> </a:t>
+            </a:r>
+            <a:r>
+              <a:rPr lang="en-US" sz="1400" dirty="0" err="1">
+                <a:solidFill>
+                  <a:srgbClr val="A5A5A5"/>
+                </a:solidFill>
+                <a:latin typeface="The Sans Light-" panose="02000503050000020004" pitchFamily="2" charset="0"/>
+              </a:rPr>
+              <a:t>rende</a:t>
+            </a:r>
+            <a:r>
+              <a:rPr lang="en-US" sz="1400" dirty="0">
+                <a:solidFill>
+                  <a:srgbClr val="A5A5A5"/>
+                </a:solidFill>
+                <a:latin typeface="The Sans Light-" panose="02000503050000020004" pitchFamily="2" charset="0"/>
+              </a:rPr>
+              <a:t> </a:t>
+            </a:r>
+            <a:r>
+              <a:rPr lang="en-US" sz="1400" dirty="0" err="1">
+                <a:solidFill>
+                  <a:srgbClr val="A5A5A5"/>
+                </a:solidFill>
+                <a:latin typeface="The Sans Light-" panose="02000503050000020004" pitchFamily="2" charset="0"/>
+              </a:rPr>
+              <a:t>quindi</a:t>
+            </a:r>
+            <a:r>
+              <a:rPr lang="en-US" sz="1400" dirty="0">
+                <a:solidFill>
+                  <a:srgbClr val="A5A5A5"/>
+                </a:solidFill>
+                <a:latin typeface="The Sans Light-" panose="02000503050000020004" pitchFamily="2" charset="0"/>
+              </a:rPr>
+              <a:t> possible:</a:t>
             </a:r>
           </a:p>
         </p:txBody>
@@ -20997,8 +21289,8 @@
         </p:nvSpPr>
         <p:spPr>
           <a:xfrm>
-            <a:off x="4468752" y="3933525"/>
-            <a:ext cx="3225113" cy="1369606"/>
+            <a:off x="4467258" y="3508769"/>
+            <a:ext cx="3225113" cy="1208023"/>
           </a:xfrm>
           <a:prstGeom prst="rect">
             <a:avLst/>
@@ -21022,29 +21314,14 @@
               <a:buChar char="§"/>
             </a:pPr>
             <a:r>
-              <a:rPr lang="en-US" sz="1050" dirty="0">
+              <a:rPr lang="it-IT" sz="1050" dirty="0">
                 <a:solidFill>
                   <a:schemeClr val="bg1"/>
                 </a:solidFill>
                 <a:latin typeface="The Sans Light-" panose="02000503050000020004" pitchFamily="2" charset="0"/>
               </a:rPr>
-              <a:t>Lorem ipsum dolor sit amet, </a:t>
-            </a:r>
-            <a:r>
-              <a:rPr lang="en-US" sz="1050" dirty="0" err="1">
-                <a:solidFill>
-                  <a:schemeClr val="bg1"/>
-                </a:solidFill>
-                <a:latin typeface="The Sans Light-" panose="02000503050000020004" pitchFamily="2" charset="0"/>
-              </a:rPr>
-              <a:t>consectetuer</a:t>
-            </a:r>
-            <a:endParaRPr lang="en-US" sz="1050" dirty="0">
-              <a:solidFill>
-                <a:schemeClr val="bg1"/>
-              </a:solidFill>
-              <a:latin typeface="The Sans Light-" panose="02000503050000020004" pitchFamily="2" charset="0"/>
-            </a:endParaRPr>
+              <a:t>Visualizzazione delle organizzazioni di appartenenza</a:t>
+            </a:r>
           </a:p>
           <a:p>
             <a:pPr marL="171450" indent="-171450">
@@ -21058,29 +21335,14 @@
               <a:buChar char="§"/>
             </a:pPr>
             <a:r>
-              <a:rPr lang="en-US" sz="1050" dirty="0">
+              <a:rPr lang="it-IT" sz="1050" dirty="0">
                 <a:solidFill>
                   <a:schemeClr val="bg1"/>
                 </a:solidFill>
                 <a:latin typeface="The Sans Light-" panose="02000503050000020004" pitchFamily="2" charset="0"/>
               </a:rPr>
-              <a:t>Lorem ipsum dolor sit </a:t>
-            </a:r>
-            <a:r>
-              <a:rPr lang="en-US" sz="1050" dirty="0" err="1">
-                <a:solidFill>
-                  <a:schemeClr val="bg1"/>
-                </a:solidFill>
-                <a:latin typeface="The Sans Light-" panose="02000503050000020004" pitchFamily="2" charset="0"/>
-              </a:rPr>
-              <a:t>ametr</a:t>
-            </a:r>
-            <a:endParaRPr lang="en-US" sz="1050" dirty="0">
-              <a:solidFill>
-                <a:schemeClr val="bg1"/>
-              </a:solidFill>
-              <a:latin typeface="The Sans Light-" panose="02000503050000020004" pitchFamily="2" charset="0"/>
-            </a:endParaRPr>
+              <a:t>Gestione dei dispositivi</a:t>
+            </a:r>
           </a:p>
           <a:p>
             <a:pPr marL="171450" indent="-171450">
@@ -21094,65 +21356,14 @@
               <a:buChar char="§"/>
             </a:pPr>
             <a:r>
-              <a:rPr lang="en-US" sz="1050" dirty="0">
+              <a:rPr lang="it-IT" sz="1050" dirty="0">
                 <a:solidFill>
                   <a:schemeClr val="bg1"/>
                 </a:solidFill>
                 <a:latin typeface="The Sans Light-" panose="02000503050000020004" pitchFamily="2" charset="0"/>
               </a:rPr>
-              <a:t>Lorem ipsum dolor sit </a:t>
-            </a:r>
-            <a:r>
-              <a:rPr lang="en-US" sz="1050" dirty="0" err="1">
-                <a:solidFill>
-                  <a:schemeClr val="bg1"/>
-                </a:solidFill>
-                <a:latin typeface="The Sans Light-" panose="02000503050000020004" pitchFamily="2" charset="0"/>
-              </a:rPr>
-              <a:t>amet</a:t>
-            </a:r>
-            <a:r>
-              <a:rPr lang="en-US" sz="1050" dirty="0">
-                <a:solidFill>
-                  <a:schemeClr val="bg1"/>
-                </a:solidFill>
-                <a:latin typeface="The Sans Light-" panose="02000503050000020004" pitchFamily="2" charset="0"/>
-              </a:rPr>
-              <a:t>, Lorem ipsum dolor sit </a:t>
-            </a:r>
-            <a:r>
-              <a:rPr lang="en-US" sz="1050" dirty="0" err="1">
-                <a:solidFill>
-                  <a:schemeClr val="bg1"/>
-                </a:solidFill>
-                <a:latin typeface="The Sans Light-" panose="02000503050000020004" pitchFamily="2" charset="0"/>
-              </a:rPr>
-              <a:t>amet</a:t>
-            </a:r>
-            <a:r>
-              <a:rPr lang="en-US" sz="1050" dirty="0">
-                <a:solidFill>
-                  <a:schemeClr val="bg1"/>
-                </a:solidFill>
-                <a:latin typeface="The Sans Light-" panose="02000503050000020004" pitchFamily="2" charset="0"/>
-              </a:rPr>
-              <a:t>, </a:t>
-            </a:r>
-            <a:r>
-              <a:rPr lang="en-US" sz="1050" dirty="0" err="1">
-                <a:solidFill>
-                  <a:schemeClr val="bg1"/>
-                </a:solidFill>
-                <a:latin typeface="The Sans Light-" panose="02000503050000020004" pitchFamily="2" charset="0"/>
-              </a:rPr>
-              <a:t>consectetuer</a:t>
-            </a:r>
-            <a:endParaRPr lang="en-US" sz="1050" dirty="0">
-              <a:solidFill>
-                <a:schemeClr val="bg1"/>
-              </a:solidFill>
-              <a:latin typeface="The Sans Light-" panose="02000503050000020004" pitchFamily="2" charset="0"/>
-            </a:endParaRPr>
+              <a:t>Controllo dei dispositivi tramite allarmi </a:t>
+            </a:r>
           </a:p>
           <a:p>
             <a:pPr marL="171450" indent="-171450">
@@ -21166,47 +21377,14 @@
               <a:buChar char="§"/>
             </a:pPr>
             <a:r>
-              <a:rPr lang="en-US" sz="1050" dirty="0">
+              <a:rPr lang="it-IT" sz="1050" dirty="0">
                 <a:solidFill>
                   <a:schemeClr val="bg1"/>
                 </a:solidFill>
                 <a:latin typeface="The Sans Light-" panose="02000503050000020004" pitchFamily="2" charset="0"/>
               </a:rPr>
-              <a:t>Lorem ipsum dolor sit </a:t>
-            </a:r>
-            <a:r>
-              <a:rPr lang="en-US" sz="1050" dirty="0" err="1">
-                <a:solidFill>
-                  <a:schemeClr val="bg1"/>
-                </a:solidFill>
-                <a:latin typeface="The Sans Light-" panose="02000503050000020004" pitchFamily="2" charset="0"/>
-              </a:rPr>
-              <a:t>amet</a:t>
-            </a:r>
-            <a:r>
-              <a:rPr lang="en-US" sz="1050" dirty="0">
-                <a:solidFill>
-                  <a:schemeClr val="bg1"/>
-                </a:solidFill>
-                <a:latin typeface="The Sans Light-" panose="02000503050000020004" pitchFamily="2" charset="0"/>
-              </a:rPr>
-              <a:t>, </a:t>
-            </a:r>
-            <a:r>
-              <a:rPr lang="en-US" sz="1050" dirty="0" err="1">
-                <a:solidFill>
-                  <a:schemeClr val="bg1"/>
-                </a:solidFill>
-                <a:latin typeface="The Sans Light-" panose="02000503050000020004" pitchFamily="2" charset="0"/>
-              </a:rPr>
-              <a:t>consectetuer</a:t>
-            </a:r>
-            <a:endParaRPr lang="en-US" sz="1050" dirty="0">
-              <a:solidFill>
-                <a:schemeClr val="bg1"/>
-              </a:solidFill>
-              <a:latin typeface="The Sans Light-" panose="02000503050000020004" pitchFamily="2" charset="0"/>
-            </a:endParaRPr>
+              <a:t>Analisi e verifica di dati tramite appositi tag</a:t>
+            </a:r>
           </a:p>
           <a:p>
             <a:pPr marL="171450" indent="-171450">
@@ -21220,13 +21398,13 @@
               <a:buChar char="§"/>
             </a:pPr>
             <a:r>
-              <a:rPr lang="en-US" sz="1050" dirty="0">
+              <a:rPr lang="it-IT" sz="1050" dirty="0">
                 <a:solidFill>
                   <a:schemeClr val="bg1"/>
                 </a:solidFill>
                 <a:latin typeface="The Sans Light-" panose="02000503050000020004" pitchFamily="2" charset="0"/>
               </a:rPr>
-              <a:t>Lorem Ipsum</a:t>
+              <a:t>Gestione di Dashboard</a:t>
             </a:r>
           </a:p>
         </p:txBody>
@@ -23633,7 +23811,79 @@
                 </a:solidFill>
                 <a:latin typeface="The Sans Light-" panose="02000503050000020004" pitchFamily="2" charset="0"/>
               </a:rPr>
-              <a:t>Lorem ipsum dolor sit amet, consectetuer adipiscing elit. Maecenas </a:t>
+              <a:t>Lorem ipsum dolor sit </a:t>
+            </a:r>
+            <a:r>
+              <a:rPr lang="en-US" sz="1050" dirty="0" err="1">
+                <a:solidFill>
+                  <a:schemeClr val="bg1"/>
+                </a:solidFill>
+                <a:latin typeface="The Sans Light-" panose="02000503050000020004" pitchFamily="2" charset="0"/>
+              </a:rPr>
+              <a:t>amet</a:t>
+            </a:r>
+            <a:r>
+              <a:rPr lang="en-US" sz="1050" dirty="0">
+                <a:solidFill>
+                  <a:schemeClr val="bg1"/>
+                </a:solidFill>
+                <a:latin typeface="The Sans Light-" panose="02000503050000020004" pitchFamily="2" charset="0"/>
+              </a:rPr>
+              <a:t>, </a:t>
+            </a:r>
+            <a:r>
+              <a:rPr lang="en-US" sz="1050" dirty="0" err="1">
+                <a:solidFill>
+                  <a:schemeClr val="bg1"/>
+                </a:solidFill>
+                <a:latin typeface="The Sans Light-" panose="02000503050000020004" pitchFamily="2" charset="0"/>
+              </a:rPr>
+              <a:t>consectetuer</a:t>
+            </a:r>
+            <a:r>
+              <a:rPr lang="en-US" sz="1050" dirty="0">
+                <a:solidFill>
+                  <a:schemeClr val="bg1"/>
+                </a:solidFill>
+                <a:latin typeface="The Sans Light-" panose="02000503050000020004" pitchFamily="2" charset="0"/>
+              </a:rPr>
+              <a:t> </a:t>
+            </a:r>
+            <a:r>
+              <a:rPr lang="en-US" sz="1050" dirty="0" err="1">
+                <a:solidFill>
+                  <a:schemeClr val="bg1"/>
+                </a:solidFill>
+                <a:latin typeface="The Sans Light-" panose="02000503050000020004" pitchFamily="2" charset="0"/>
+              </a:rPr>
+              <a:t>adipiscing</a:t>
+            </a:r>
+            <a:r>
+              <a:rPr lang="en-US" sz="1050" dirty="0">
+                <a:solidFill>
+                  <a:schemeClr val="bg1"/>
+                </a:solidFill>
+                <a:latin typeface="The Sans Light-" panose="02000503050000020004" pitchFamily="2" charset="0"/>
+              </a:rPr>
+              <a:t> </a:t>
+            </a:r>
+            <a:r>
+              <a:rPr lang="en-US" sz="1050" dirty="0" err="1">
+                <a:solidFill>
+                  <a:schemeClr val="bg1"/>
+                </a:solidFill>
+                <a:latin typeface="The Sans Light-" panose="02000503050000020004" pitchFamily="2" charset="0"/>
+              </a:rPr>
+              <a:t>elit</a:t>
+            </a:r>
+            <a:r>
+              <a:rPr lang="en-US" sz="1050" dirty="0">
+                <a:solidFill>
+                  <a:schemeClr val="bg1"/>
+                </a:solidFill>
+                <a:latin typeface="The Sans Light-" panose="02000503050000020004" pitchFamily="2" charset="0"/>
+              </a:rPr>
+              <a:t>. Maecenas </a:t>
             </a:r>
             <a:r>
               <a:rPr lang="en-US" sz="1050" dirty="0" err="1">

--- a/presentazione.pptx
+++ b/presentazione.pptx
@@ -18,50 +18,51 @@
     <p:sldId id="279" r:id="rId12"/>
     <p:sldId id="280" r:id="rId13"/>
     <p:sldId id="281" r:id="rId14"/>
-    <p:sldId id="282" r:id="rId15"/>
-    <p:sldId id="283" r:id="rId16"/>
-    <p:sldId id="284" r:id="rId17"/>
-    <p:sldId id="285" r:id="rId18"/>
-    <p:sldId id="286" r:id="rId19"/>
-    <p:sldId id="261" r:id="rId20"/>
+    <p:sldId id="291" r:id="rId15"/>
+    <p:sldId id="282" r:id="rId16"/>
+    <p:sldId id="283" r:id="rId17"/>
+    <p:sldId id="284" r:id="rId18"/>
+    <p:sldId id="285" r:id="rId19"/>
+    <p:sldId id="286" r:id="rId20"/>
+    <p:sldId id="261" r:id="rId21"/>
   </p:sldIdLst>
   <p:sldSz cx="12192000" cy="6858000"/>
   <p:notesSz cx="6858000" cy="9144000"/>
   <p:embeddedFontLst>
     <p:embeddedFont>
       <p:font typeface="Calibri" panose="020F0502020204030204" pitchFamily="34" charset="0"/>
-      <p:regular r:id="rId21"/>
-      <p:bold r:id="rId22"/>
-      <p:italic r:id="rId23"/>
-      <p:boldItalic r:id="rId24"/>
+      <p:regular r:id="rId22"/>
+      <p:bold r:id="rId23"/>
+      <p:italic r:id="rId24"/>
+      <p:boldItalic r:id="rId25"/>
     </p:embeddedFont>
     <p:embeddedFont>
       <p:font typeface="Calibri Light" panose="020F0302020204030204" pitchFamily="34" charset="0"/>
-      <p:regular r:id="rId25"/>
-      <p:italic r:id="rId26"/>
+      <p:regular r:id="rId26"/>
+      <p:italic r:id="rId27"/>
     </p:embeddedFont>
     <p:embeddedFont>
       <p:font typeface="Helvetica" panose="020B0604020202020204" pitchFamily="34" charset="0"/>
-      <p:regular r:id="rId27"/>
-      <p:bold r:id="rId28"/>
-      <p:italic r:id="rId29"/>
-      <p:boldItalic r:id="rId30"/>
+      <p:regular r:id="rId28"/>
+      <p:bold r:id="rId29"/>
+      <p:italic r:id="rId30"/>
+      <p:boldItalic r:id="rId31"/>
     </p:embeddedFont>
     <p:embeddedFont>
       <p:font typeface="Poppins Light" panose="00000400000000000000" pitchFamily="2" charset="0"/>
-      <p:regular r:id="rId31"/>
-      <p:italic r:id="rId32"/>
+      <p:regular r:id="rId32"/>
+      <p:italic r:id="rId33"/>
     </p:embeddedFont>
     <p:embeddedFont>
       <p:font typeface="Termina Light" panose="00000400000000000000" charset="0"/>
-      <p:regular r:id="rId33"/>
+      <p:regular r:id="rId34"/>
     </p:embeddedFont>
     <p:embeddedFont>
       <p:font typeface="The Sans Light-" panose="020B0604020202020204" charset="0"/>
-      <p:regular r:id="rId34"/>
-      <p:bold r:id="rId35"/>
-      <p:italic r:id="rId36"/>
-      <p:boldItalic r:id="rId37"/>
+      <p:regular r:id="rId35"/>
+      <p:bold r:id="rId36"/>
+      <p:italic r:id="rId37"/>
+      <p:boldItalic r:id="rId38"/>
     </p:embeddedFont>
   </p:embeddedFontLst>
   <p:defaultTextStyle>
@@ -314,7 +315,7 @@
           <a:p>
             <a:fld id="{24DBD90D-EB47-4C94-A79E-12372819FD94}" type="datetimeFigureOut">
               <a:rPr lang="en-US" smtClean="0"/>
-              <a:t>5/29/2023</a:t>
+              <a:t>5/30/2023</a:t>
             </a:fld>
             <a:endParaRPr lang="en-US"/>
           </a:p>
@@ -512,7 +513,7 @@
           <a:p>
             <a:fld id="{24DBD90D-EB47-4C94-A79E-12372819FD94}" type="datetimeFigureOut">
               <a:rPr lang="en-US" smtClean="0"/>
-              <a:t>5/29/2023</a:t>
+              <a:t>5/30/2023</a:t>
             </a:fld>
             <a:endParaRPr lang="en-US"/>
           </a:p>
@@ -720,7 +721,7 @@
           <a:p>
             <a:fld id="{24DBD90D-EB47-4C94-A79E-12372819FD94}" type="datetimeFigureOut">
               <a:rPr lang="en-US" smtClean="0"/>
-              <a:t>5/29/2023</a:t>
+              <a:t>5/30/2023</a:t>
             </a:fld>
             <a:endParaRPr lang="en-US"/>
           </a:p>
@@ -918,7 +919,7 @@
           <a:p>
             <a:fld id="{24DBD90D-EB47-4C94-A79E-12372819FD94}" type="datetimeFigureOut">
               <a:rPr lang="en-US" smtClean="0"/>
-              <a:t>5/29/2023</a:t>
+              <a:t>5/30/2023</a:t>
             </a:fld>
             <a:endParaRPr lang="en-US"/>
           </a:p>
@@ -1193,7 +1194,7 @@
           <a:p>
             <a:fld id="{24DBD90D-EB47-4C94-A79E-12372819FD94}" type="datetimeFigureOut">
               <a:rPr lang="en-US" smtClean="0"/>
-              <a:t>5/29/2023</a:t>
+              <a:t>5/30/2023</a:t>
             </a:fld>
             <a:endParaRPr lang="en-US"/>
           </a:p>
@@ -1458,7 +1459,7 @@
           <a:p>
             <a:fld id="{24DBD90D-EB47-4C94-A79E-12372819FD94}" type="datetimeFigureOut">
               <a:rPr lang="en-US" smtClean="0"/>
-              <a:t>5/29/2023</a:t>
+              <a:t>5/30/2023</a:t>
             </a:fld>
             <a:endParaRPr lang="en-US"/>
           </a:p>
@@ -1870,7 +1871,7 @@
           <a:p>
             <a:fld id="{24DBD90D-EB47-4C94-A79E-12372819FD94}" type="datetimeFigureOut">
               <a:rPr lang="en-US" smtClean="0"/>
-              <a:t>5/29/2023</a:t>
+              <a:t>5/30/2023</a:t>
             </a:fld>
             <a:endParaRPr lang="en-US"/>
           </a:p>
@@ -2011,7 +2012,7 @@
           <a:p>
             <a:fld id="{24DBD90D-EB47-4C94-A79E-12372819FD94}" type="datetimeFigureOut">
               <a:rPr lang="en-US" smtClean="0"/>
-              <a:t>5/29/2023</a:t>
+              <a:t>5/30/2023</a:t>
             </a:fld>
             <a:endParaRPr lang="en-US"/>
           </a:p>
@@ -2124,7 +2125,7 @@
           <a:p>
             <a:fld id="{24DBD90D-EB47-4C94-A79E-12372819FD94}" type="datetimeFigureOut">
               <a:rPr lang="en-US" smtClean="0"/>
-              <a:t>5/29/2023</a:t>
+              <a:t>5/30/2023</a:t>
             </a:fld>
             <a:endParaRPr lang="en-US"/>
           </a:p>
@@ -2435,7 +2436,7 @@
           <a:p>
             <a:fld id="{24DBD90D-EB47-4C94-A79E-12372819FD94}" type="datetimeFigureOut">
               <a:rPr lang="en-US" smtClean="0"/>
-              <a:t>5/29/2023</a:t>
+              <a:t>5/30/2023</a:t>
             </a:fld>
             <a:endParaRPr lang="en-US"/>
           </a:p>
@@ -2723,7 +2724,7 @@
           <a:p>
             <a:fld id="{24DBD90D-EB47-4C94-A79E-12372819FD94}" type="datetimeFigureOut">
               <a:rPr lang="en-US" smtClean="0"/>
-              <a:t>5/29/2023</a:t>
+              <a:t>5/30/2023</a:t>
             </a:fld>
             <a:endParaRPr lang="en-US"/>
           </a:p>
@@ -2964,7 +2965,7 @@
           <a:p>
             <a:fld id="{24DBD90D-EB47-4C94-A79E-12372819FD94}" type="datetimeFigureOut">
               <a:rPr lang="en-US" smtClean="0"/>
-              <a:t>5/29/2023</a:t>
+              <a:t>5/30/2023</a:t>
             </a:fld>
             <a:endParaRPr lang="en-US"/>
           </a:p>
@@ -6520,15 +6521,22 @@
           <a:prstGeom prst="ellipse">
             <a:avLst/>
           </a:prstGeom>
-          <a:noFill/>
-          <a:effectLst>
-            <a:glow rad="673100">
-              <a:schemeClr val="accent3">
-                <a:satMod val="175000"/>
-                <a:alpha val="27000"/>
-              </a:schemeClr>
-            </a:glow>
-          </a:effectLst>
+          <a:ln w="63500" cap="rnd">
+            <a:noFill/>
+          </a:ln>
+          <a:effectLst/>
+          <a:scene3d>
+            <a:camera prst="orthographicFront"/>
+            <a:lightRig rig="contrasting" dir="t">
+              <a:rot lat="0" lon="0" rev="3000000"/>
+            </a:lightRig>
+          </a:scene3d>
+          <a:sp3d contourW="7620">
+            <a:bevelT w="95250" h="31750"/>
+            <a:contourClr>
+              <a:srgbClr val="333333"/>
+            </a:contourClr>
+          </a:sp3d>
           <a:extLst>
             <a:ext uri="{909E8E84-426E-40DD-AFC4-6F175D3DCCD1}">
               <a14:hiddenFill xmlns:a14="http://schemas.microsoft.com/office/drawing/2010/main">
@@ -6573,15 +6581,22 @@
           <a:prstGeom prst="ellipse">
             <a:avLst/>
           </a:prstGeom>
-          <a:noFill/>
-          <a:effectLst>
-            <a:glow rad="673100">
-              <a:schemeClr val="accent3">
-                <a:satMod val="175000"/>
-                <a:alpha val="27000"/>
-              </a:schemeClr>
-            </a:glow>
-          </a:effectLst>
+          <a:ln w="63500" cap="rnd">
+            <a:noFill/>
+          </a:ln>
+          <a:effectLst/>
+          <a:scene3d>
+            <a:camera prst="orthographicFront"/>
+            <a:lightRig rig="contrasting" dir="t">
+              <a:rot lat="0" lon="0" rev="3000000"/>
+            </a:lightRig>
+          </a:scene3d>
+          <a:sp3d contourW="7620">
+            <a:bevelT w="95250" h="31750"/>
+            <a:contourClr>
+              <a:srgbClr val="333333"/>
+            </a:contourClr>
+          </a:sp3d>
           <a:extLst>
             <a:ext uri="{909E8E84-426E-40DD-AFC4-6F175D3DCCD1}">
               <a14:hiddenFill xmlns:a14="http://schemas.microsoft.com/office/drawing/2010/main">
@@ -6626,15 +6641,22 @@
           <a:prstGeom prst="ellipse">
             <a:avLst/>
           </a:prstGeom>
-          <a:noFill/>
-          <a:effectLst>
-            <a:glow rad="673100">
-              <a:schemeClr val="accent3">
-                <a:satMod val="175000"/>
-                <a:alpha val="27000"/>
-              </a:schemeClr>
-            </a:glow>
-          </a:effectLst>
+          <a:ln w="63500" cap="rnd">
+            <a:noFill/>
+          </a:ln>
+          <a:effectLst/>
+          <a:scene3d>
+            <a:camera prst="orthographicFront"/>
+            <a:lightRig rig="contrasting" dir="t">
+              <a:rot lat="0" lon="0" rev="3000000"/>
+            </a:lightRig>
+          </a:scene3d>
+          <a:sp3d contourW="7620">
+            <a:bevelT w="95250" h="31750"/>
+            <a:contourClr>
+              <a:srgbClr val="333333"/>
+            </a:contourClr>
+          </a:sp3d>
           <a:extLst>
             <a:ext uri="{909E8E84-426E-40DD-AFC4-6F175D3DCCD1}">
               <a14:hiddenFill xmlns:a14="http://schemas.microsoft.com/office/drawing/2010/main">
@@ -9465,15 +9487,22 @@
             <a:prstGeom prst="ellipse">
               <a:avLst/>
             </a:prstGeom>
-            <a:noFill/>
-            <a:effectLst>
-              <a:glow rad="673100">
-                <a:schemeClr val="accent3">
-                  <a:satMod val="175000"/>
-                  <a:alpha val="27000"/>
-                </a:schemeClr>
-              </a:glow>
-            </a:effectLst>
+            <a:ln w="63500" cap="rnd">
+              <a:noFill/>
+            </a:ln>
+            <a:effectLst/>
+            <a:scene3d>
+              <a:camera prst="orthographicFront"/>
+              <a:lightRig rig="contrasting" dir="t">
+                <a:rot lat="0" lon="0" rev="3000000"/>
+              </a:lightRig>
+            </a:scene3d>
+            <a:sp3d contourW="7620">
+              <a:bevelT w="95250" h="31750"/>
+              <a:contourClr>
+                <a:srgbClr val="333333"/>
+              </a:contourClr>
+            </a:sp3d>
             <a:extLst>
               <a:ext uri="{909E8E84-426E-40DD-AFC4-6F175D3DCCD1}">
                 <a14:hiddenFill xmlns:a14="http://schemas.microsoft.com/office/drawing/2010/main">
@@ -9572,15 +9601,22 @@
           <a:prstGeom prst="ellipse">
             <a:avLst/>
           </a:prstGeom>
-          <a:noFill/>
-          <a:effectLst>
-            <a:glow rad="673100">
-              <a:schemeClr val="accent3">
-                <a:satMod val="175000"/>
-                <a:alpha val="27000"/>
-              </a:schemeClr>
-            </a:glow>
-          </a:effectLst>
+          <a:ln w="63500" cap="rnd">
+            <a:noFill/>
+          </a:ln>
+          <a:effectLst/>
+          <a:scene3d>
+            <a:camera prst="orthographicFront"/>
+            <a:lightRig rig="contrasting" dir="t">
+              <a:rot lat="0" lon="0" rev="3000000"/>
+            </a:lightRig>
+          </a:scene3d>
+          <a:sp3d contourW="7620">
+            <a:bevelT w="95250" h="31750"/>
+            <a:contourClr>
+              <a:srgbClr val="333333"/>
+            </a:contourClr>
+          </a:sp3d>
           <a:extLst>
             <a:ext uri="{909E8E84-426E-40DD-AFC4-6F175D3DCCD1}">
               <a14:hiddenFill xmlns:a14="http://schemas.microsoft.com/office/drawing/2010/main">
@@ -9625,15 +9661,22 @@
           <a:prstGeom prst="ellipse">
             <a:avLst/>
           </a:prstGeom>
-          <a:noFill/>
-          <a:effectLst>
-            <a:glow rad="673100">
-              <a:schemeClr val="accent3">
-                <a:satMod val="175000"/>
-                <a:alpha val="27000"/>
-              </a:schemeClr>
-            </a:glow>
-          </a:effectLst>
+          <a:ln w="63500" cap="rnd">
+            <a:noFill/>
+          </a:ln>
+          <a:effectLst/>
+          <a:scene3d>
+            <a:camera prst="orthographicFront"/>
+            <a:lightRig rig="contrasting" dir="t">
+              <a:rot lat="0" lon="0" rev="3000000"/>
+            </a:lightRig>
+          </a:scene3d>
+          <a:sp3d contourW="7620">
+            <a:bevelT w="95250" h="31750"/>
+            <a:contourClr>
+              <a:srgbClr val="333333"/>
+            </a:contourClr>
+          </a:sp3d>
           <a:extLst>
             <a:ext uri="{909E8E84-426E-40DD-AFC4-6F175D3DCCD1}">
               <a14:hiddenFill xmlns:a14="http://schemas.microsoft.com/office/drawing/2010/main">
@@ -10357,6 +10400,486 @@
           <a:chExt cx="0" cy="0"/>
         </a:xfrm>
       </p:grpSpPr>
+      <p:grpSp>
+        <p:nvGrpSpPr>
+          <p:cNvPr id="33" name="Gruppo 32">
+            <a:extLst>
+              <a:ext uri="{FF2B5EF4-FFF2-40B4-BE49-F238E27FC236}">
+                <a16:creationId xmlns:a16="http://schemas.microsoft.com/office/drawing/2014/main" id="{08A660DC-7119-41F0-90FA-0260FC9F6983}"/>
+              </a:ext>
+            </a:extLst>
+          </p:cNvPr>
+          <p:cNvGrpSpPr/>
+          <p:nvPr/>
+        </p:nvGrpSpPr>
+        <p:grpSpPr>
+          <a:xfrm>
+            <a:off x="1193322" y="1504433"/>
+            <a:ext cx="2519968" cy="4503312"/>
+            <a:chOff x="1189044" y="1504433"/>
+            <a:chExt cx="2519968" cy="4503312"/>
+          </a:xfrm>
+        </p:grpSpPr>
+        <p:grpSp>
+          <p:nvGrpSpPr>
+            <p:cNvPr id="35" name="Group 33">
+              <a:extLst>
+                <a:ext uri="{FF2B5EF4-FFF2-40B4-BE49-F238E27FC236}">
+                  <a16:creationId xmlns:a16="http://schemas.microsoft.com/office/drawing/2014/main" id="{20F75FCD-888B-42D1-8435-C180DCD391F2}"/>
+                </a:ext>
+              </a:extLst>
+            </p:cNvPr>
+            <p:cNvGrpSpPr/>
+            <p:nvPr/>
+          </p:nvGrpSpPr>
+          <p:grpSpPr>
+            <a:xfrm>
+              <a:off x="1189044" y="1504433"/>
+              <a:ext cx="2519968" cy="4503312"/>
+              <a:chOff x="4543331" y="418722"/>
+              <a:chExt cx="3105339" cy="6020555"/>
+            </a:xfrm>
+          </p:grpSpPr>
+          <p:sp>
+            <p:nvSpPr>
+              <p:cNvPr id="37" name="Rectangle: Rounded Corners 3">
+                <a:extLst>
+                  <a:ext uri="{FF2B5EF4-FFF2-40B4-BE49-F238E27FC236}">
+                    <a16:creationId xmlns:a16="http://schemas.microsoft.com/office/drawing/2014/main" id="{B630AA80-634B-4297-820E-D6139307F25F}"/>
+                  </a:ext>
+                </a:extLst>
+              </p:cNvPr>
+              <p:cNvSpPr/>
+              <p:nvPr/>
+            </p:nvSpPr>
+            <p:spPr>
+              <a:xfrm>
+                <a:off x="4543331" y="418723"/>
+                <a:ext cx="3105339" cy="6020554"/>
+              </a:xfrm>
+              <a:prstGeom prst="roundRect">
+                <a:avLst>
+                  <a:gd name="adj" fmla="val 15514"/>
+                </a:avLst>
+              </a:prstGeom>
+              <a:solidFill>
+                <a:schemeClr val="bg1"/>
+              </a:solidFill>
+              <a:ln>
+                <a:noFill/>
+              </a:ln>
+            </p:spPr>
+            <p:style>
+              <a:lnRef idx="2">
+                <a:schemeClr val="accent1">
+                  <a:shade val="50000"/>
+                </a:schemeClr>
+              </a:lnRef>
+              <a:fillRef idx="1">
+                <a:schemeClr val="accent1"/>
+              </a:fillRef>
+              <a:effectRef idx="0">
+                <a:schemeClr val="accent1"/>
+              </a:effectRef>
+              <a:fontRef idx="minor">
+                <a:schemeClr val="lt1"/>
+              </a:fontRef>
+            </p:style>
+            <p:txBody>
+              <a:bodyPr rtlCol="0" anchor="ctr"/>
+              <a:lstStyle/>
+              <a:p>
+                <a:pPr algn="ctr"/>
+                <a:endParaRPr lang="en-US"/>
+              </a:p>
+            </p:txBody>
+          </p:sp>
+          <p:sp>
+            <p:nvSpPr>
+              <p:cNvPr id="38" name="Rectangle: Rounded Corners 20">
+                <a:extLst>
+                  <a:ext uri="{FF2B5EF4-FFF2-40B4-BE49-F238E27FC236}">
+                    <a16:creationId xmlns:a16="http://schemas.microsoft.com/office/drawing/2014/main" id="{F930A683-5501-4A89-A129-450E6F41A8CC}"/>
+                  </a:ext>
+                </a:extLst>
+              </p:cNvPr>
+              <p:cNvSpPr/>
+              <p:nvPr/>
+            </p:nvSpPr>
+            <p:spPr>
+              <a:xfrm>
+                <a:off x="4618628" y="505838"/>
+                <a:ext cx="2954744" cy="5858748"/>
+              </a:xfrm>
+              <a:prstGeom prst="roundRect">
+                <a:avLst>
+                  <a:gd name="adj" fmla="val 15247"/>
+                </a:avLst>
+              </a:prstGeom>
+              <a:solidFill>
+                <a:schemeClr val="tx1"/>
+              </a:solidFill>
+              <a:ln>
+                <a:noFill/>
+              </a:ln>
+            </p:spPr>
+            <p:style>
+              <a:lnRef idx="2">
+                <a:schemeClr val="accent1">
+                  <a:shade val="50000"/>
+                </a:schemeClr>
+              </a:lnRef>
+              <a:fillRef idx="1">
+                <a:schemeClr val="accent1"/>
+              </a:fillRef>
+              <a:effectRef idx="0">
+                <a:schemeClr val="accent1"/>
+              </a:effectRef>
+              <a:fontRef idx="minor">
+                <a:schemeClr val="lt1"/>
+              </a:fontRef>
+            </p:style>
+            <p:txBody>
+              <a:bodyPr rtlCol="0" anchor="ctr"/>
+              <a:lstStyle/>
+              <a:p>
+                <a:pPr algn="ctr"/>
+                <a:endParaRPr lang="en-US"/>
+              </a:p>
+            </p:txBody>
+          </p:sp>
+          <p:sp>
+            <p:nvSpPr>
+              <p:cNvPr id="39" name="Rectangle: Top Corners Rounded 21">
+                <a:extLst>
+                  <a:ext uri="{FF2B5EF4-FFF2-40B4-BE49-F238E27FC236}">
+                    <a16:creationId xmlns:a16="http://schemas.microsoft.com/office/drawing/2014/main" id="{108D8BF7-1E8D-49C6-8964-730EA9CB780B}"/>
+                  </a:ext>
+                </a:extLst>
+              </p:cNvPr>
+              <p:cNvSpPr/>
+              <p:nvPr/>
+            </p:nvSpPr>
+            <p:spPr>
+              <a:xfrm rot="10800000">
+                <a:off x="5226996" y="418722"/>
+                <a:ext cx="1738008" cy="291069"/>
+              </a:xfrm>
+              <a:prstGeom prst="round2SameRect">
+                <a:avLst>
+                  <a:gd name="adj1" fmla="val 50000"/>
+                  <a:gd name="adj2" fmla="val 0"/>
+                </a:avLst>
+              </a:prstGeom>
+              <a:solidFill>
+                <a:schemeClr val="bg1"/>
+              </a:solidFill>
+              <a:ln>
+                <a:noFill/>
+              </a:ln>
+            </p:spPr>
+            <p:style>
+              <a:lnRef idx="2">
+                <a:schemeClr val="accent1">
+                  <a:shade val="50000"/>
+                </a:schemeClr>
+              </a:lnRef>
+              <a:fillRef idx="1">
+                <a:schemeClr val="accent1"/>
+              </a:fillRef>
+              <a:effectRef idx="0">
+                <a:schemeClr val="accent1"/>
+              </a:effectRef>
+              <a:fontRef idx="minor">
+                <a:schemeClr val="lt1"/>
+              </a:fontRef>
+            </p:style>
+            <p:txBody>
+              <a:bodyPr rtlCol="0" anchor="ctr"/>
+              <a:lstStyle/>
+              <a:p>
+                <a:pPr algn="ctr"/>
+                <a:endParaRPr lang="en-US"/>
+              </a:p>
+            </p:txBody>
+          </p:sp>
+        </p:grpSp>
+        <p:pic>
+          <p:nvPicPr>
+            <p:cNvPr id="36" name="Immagine 35">
+              <a:extLst>
+                <a:ext uri="{FF2B5EF4-FFF2-40B4-BE49-F238E27FC236}">
+                  <a16:creationId xmlns:a16="http://schemas.microsoft.com/office/drawing/2014/main" id="{D882F259-8285-43E4-A8C6-5138A6FAAFB9}"/>
+                </a:ext>
+              </a:extLst>
+            </p:cNvPr>
+            <p:cNvPicPr preferRelativeResize="0">
+              <a:picLocks/>
+            </p:cNvPicPr>
+            <p:nvPr/>
+          </p:nvPicPr>
+          <p:blipFill rotWithShape="1">
+            <a:blip r:embed="rId2">
+              <a:extLst>
+                <a:ext uri="{28A0092B-C50C-407E-A947-70E740481C1C}">
+                  <a14:useLocalDpi xmlns:a14="http://schemas.microsoft.com/office/drawing/2010/main" val="0"/>
+                </a:ext>
+              </a:extLst>
+            </a:blip>
+            <a:srcRect t="4583"/>
+            <a:stretch/>
+          </p:blipFill>
+          <p:spPr>
+            <a:xfrm>
+              <a:off x="1410802" y="1632089"/>
+              <a:ext cx="2077200" cy="4248000"/>
+            </a:xfrm>
+            <a:prstGeom prst="rect">
+              <a:avLst/>
+            </a:prstGeom>
+          </p:spPr>
+        </p:pic>
+      </p:grpSp>
+      <p:grpSp>
+        <p:nvGrpSpPr>
+          <p:cNvPr id="19" name="Gruppo 18">
+            <a:extLst>
+              <a:ext uri="{FF2B5EF4-FFF2-40B4-BE49-F238E27FC236}">
+                <a16:creationId xmlns:a16="http://schemas.microsoft.com/office/drawing/2014/main" id="{68237CF5-82B5-487F-9313-0CC7AF3C2769}"/>
+              </a:ext>
+            </a:extLst>
+          </p:cNvPr>
+          <p:cNvGrpSpPr/>
+          <p:nvPr/>
+        </p:nvGrpSpPr>
+        <p:grpSpPr>
+          <a:xfrm>
+            <a:off x="1184766" y="1504433"/>
+            <a:ext cx="2519968" cy="4503312"/>
+            <a:chOff x="1189044" y="1504433"/>
+            <a:chExt cx="2519968" cy="4503312"/>
+          </a:xfrm>
+        </p:grpSpPr>
+        <p:grpSp>
+          <p:nvGrpSpPr>
+            <p:cNvPr id="20" name="Group 33">
+              <a:extLst>
+                <a:ext uri="{FF2B5EF4-FFF2-40B4-BE49-F238E27FC236}">
+                  <a16:creationId xmlns:a16="http://schemas.microsoft.com/office/drawing/2014/main" id="{35F4F9E4-B5F1-4435-A5F2-3CD75EE0ACFF}"/>
+                </a:ext>
+              </a:extLst>
+            </p:cNvPr>
+            <p:cNvGrpSpPr/>
+            <p:nvPr/>
+          </p:nvGrpSpPr>
+          <p:grpSpPr>
+            <a:xfrm>
+              <a:off x="1189044" y="1504433"/>
+              <a:ext cx="2519968" cy="4503312"/>
+              <a:chOff x="4543331" y="418722"/>
+              <a:chExt cx="3105339" cy="6020555"/>
+            </a:xfrm>
+          </p:grpSpPr>
+          <p:sp>
+            <p:nvSpPr>
+              <p:cNvPr id="24" name="Rectangle: Rounded Corners 3">
+                <a:extLst>
+                  <a:ext uri="{FF2B5EF4-FFF2-40B4-BE49-F238E27FC236}">
+                    <a16:creationId xmlns:a16="http://schemas.microsoft.com/office/drawing/2014/main" id="{F35D32AF-A008-4697-98FC-9D39215C6BDB}"/>
+                  </a:ext>
+                </a:extLst>
+              </p:cNvPr>
+              <p:cNvSpPr/>
+              <p:nvPr/>
+            </p:nvSpPr>
+            <p:spPr>
+              <a:xfrm>
+                <a:off x="4543331" y="418723"/>
+                <a:ext cx="3105339" cy="6020554"/>
+              </a:xfrm>
+              <a:prstGeom prst="roundRect">
+                <a:avLst>
+                  <a:gd name="adj" fmla="val 15514"/>
+                </a:avLst>
+              </a:prstGeom>
+              <a:solidFill>
+                <a:schemeClr val="bg1"/>
+              </a:solidFill>
+              <a:ln>
+                <a:noFill/>
+              </a:ln>
+            </p:spPr>
+            <p:style>
+              <a:lnRef idx="2">
+                <a:schemeClr val="accent1">
+                  <a:shade val="50000"/>
+                </a:schemeClr>
+              </a:lnRef>
+              <a:fillRef idx="1">
+                <a:schemeClr val="accent1"/>
+              </a:fillRef>
+              <a:effectRef idx="0">
+                <a:schemeClr val="accent1"/>
+              </a:effectRef>
+              <a:fontRef idx="minor">
+                <a:schemeClr val="lt1"/>
+              </a:fontRef>
+            </p:style>
+            <p:txBody>
+              <a:bodyPr rtlCol="0" anchor="ctr"/>
+              <a:lstStyle/>
+              <a:p>
+                <a:pPr algn="ctr"/>
+                <a:endParaRPr lang="en-US"/>
+              </a:p>
+            </p:txBody>
+          </p:sp>
+          <p:sp>
+            <p:nvSpPr>
+              <p:cNvPr id="25" name="Rectangle: Rounded Corners 20">
+                <a:extLst>
+                  <a:ext uri="{FF2B5EF4-FFF2-40B4-BE49-F238E27FC236}">
+                    <a16:creationId xmlns:a16="http://schemas.microsoft.com/office/drawing/2014/main" id="{C0DDF724-1A65-4752-8861-1F38E1406B82}"/>
+                  </a:ext>
+                </a:extLst>
+              </p:cNvPr>
+              <p:cNvSpPr/>
+              <p:nvPr/>
+            </p:nvSpPr>
+            <p:spPr>
+              <a:xfrm>
+                <a:off x="4618628" y="505838"/>
+                <a:ext cx="2954744" cy="5858748"/>
+              </a:xfrm>
+              <a:prstGeom prst="roundRect">
+                <a:avLst>
+                  <a:gd name="adj" fmla="val 15247"/>
+                </a:avLst>
+              </a:prstGeom>
+              <a:solidFill>
+                <a:schemeClr val="tx1"/>
+              </a:solidFill>
+              <a:ln>
+                <a:noFill/>
+              </a:ln>
+            </p:spPr>
+            <p:style>
+              <a:lnRef idx="2">
+                <a:schemeClr val="accent1">
+                  <a:shade val="50000"/>
+                </a:schemeClr>
+              </a:lnRef>
+              <a:fillRef idx="1">
+                <a:schemeClr val="accent1"/>
+              </a:fillRef>
+              <a:effectRef idx="0">
+                <a:schemeClr val="accent1"/>
+              </a:effectRef>
+              <a:fontRef idx="minor">
+                <a:schemeClr val="lt1"/>
+              </a:fontRef>
+            </p:style>
+            <p:txBody>
+              <a:bodyPr rtlCol="0" anchor="ctr"/>
+              <a:lstStyle/>
+              <a:p>
+                <a:pPr algn="ctr"/>
+                <a:endParaRPr lang="en-US"/>
+              </a:p>
+            </p:txBody>
+          </p:sp>
+          <p:sp>
+            <p:nvSpPr>
+              <p:cNvPr id="26" name="Rectangle: Top Corners Rounded 21">
+                <a:extLst>
+                  <a:ext uri="{FF2B5EF4-FFF2-40B4-BE49-F238E27FC236}">
+                    <a16:creationId xmlns:a16="http://schemas.microsoft.com/office/drawing/2014/main" id="{C63D66EC-17F8-4DFF-A958-5A9A1012D697}"/>
+                  </a:ext>
+                </a:extLst>
+              </p:cNvPr>
+              <p:cNvSpPr/>
+              <p:nvPr/>
+            </p:nvSpPr>
+            <p:spPr>
+              <a:xfrm rot="10800000">
+                <a:off x="5226996" y="418722"/>
+                <a:ext cx="1738008" cy="291069"/>
+              </a:xfrm>
+              <a:prstGeom prst="round2SameRect">
+                <a:avLst>
+                  <a:gd name="adj1" fmla="val 50000"/>
+                  <a:gd name="adj2" fmla="val 0"/>
+                </a:avLst>
+              </a:prstGeom>
+              <a:solidFill>
+                <a:schemeClr val="bg1"/>
+              </a:solidFill>
+              <a:ln>
+                <a:noFill/>
+              </a:ln>
+            </p:spPr>
+            <p:style>
+              <a:lnRef idx="2">
+                <a:schemeClr val="accent1">
+                  <a:shade val="50000"/>
+                </a:schemeClr>
+              </a:lnRef>
+              <a:fillRef idx="1">
+                <a:schemeClr val="accent1"/>
+              </a:fillRef>
+              <a:effectRef idx="0">
+                <a:schemeClr val="accent1"/>
+              </a:effectRef>
+              <a:fontRef idx="minor">
+                <a:schemeClr val="lt1"/>
+              </a:fontRef>
+            </p:style>
+            <p:txBody>
+              <a:bodyPr rtlCol="0" anchor="ctr"/>
+              <a:lstStyle/>
+              <a:p>
+                <a:pPr algn="ctr"/>
+                <a:endParaRPr lang="en-US"/>
+              </a:p>
+            </p:txBody>
+          </p:sp>
+        </p:grpSp>
+        <p:pic>
+          <p:nvPicPr>
+            <p:cNvPr id="23" name="Immagine 22">
+              <a:extLst>
+                <a:ext uri="{FF2B5EF4-FFF2-40B4-BE49-F238E27FC236}">
+                  <a16:creationId xmlns:a16="http://schemas.microsoft.com/office/drawing/2014/main" id="{CC658050-CD28-4B05-8E21-5BE306B19624}"/>
+                </a:ext>
+              </a:extLst>
+            </p:cNvPr>
+            <p:cNvPicPr preferRelativeResize="0">
+              <a:picLocks/>
+            </p:cNvPicPr>
+            <p:nvPr/>
+          </p:nvPicPr>
+          <p:blipFill rotWithShape="1">
+            <a:blip r:embed="rId2">
+              <a:extLst>
+                <a:ext uri="{28A0092B-C50C-407E-A947-70E740481C1C}">
+                  <a14:useLocalDpi xmlns:a14="http://schemas.microsoft.com/office/drawing/2010/main" val="0"/>
+                </a:ext>
+              </a:extLst>
+            </a:blip>
+            <a:srcRect t="4583"/>
+            <a:stretch/>
+          </p:blipFill>
+          <p:spPr>
+            <a:xfrm>
+              <a:off x="1410802" y="1632089"/>
+              <a:ext cx="2077200" cy="4248000"/>
+            </a:xfrm>
+            <a:prstGeom prst="rect">
+              <a:avLst/>
+            </a:prstGeom>
+          </p:spPr>
+        </p:pic>
+      </p:grpSp>
       <p:sp>
         <p:nvSpPr>
           <p:cNvPr id="22" name="TextBox 21">
@@ -10443,7 +10966,7 @@
           <p:nvPr/>
         </p:nvPicPr>
         <p:blipFill>
-          <a:blip r:embed="rId2"/>
+          <a:blip r:embed="rId3"/>
           <a:stretch>
             <a:fillRect/>
           </a:stretch>
@@ -10628,7 +11151,7 @@
             <p:nvPr/>
           </p:nvPicPr>
           <p:blipFill>
-            <a:blip r:embed="rId3">
+            <a:blip r:embed="rId4">
               <a:extLst>
                 <a:ext uri="{28A0092B-C50C-407E-A947-70E740481C1C}">
                   <a14:useLocalDpi xmlns:a14="http://schemas.microsoft.com/office/drawing/2010/main" val="0"/>
@@ -10834,51 +11357,6 @@
           </p:txBody>
         </p:sp>
       </p:grpSp>
-      <p:pic>
-        <p:nvPicPr>
-          <p:cNvPr id="6" name="Picture 2">
-            <a:extLst>
-              <a:ext uri="{FF2B5EF4-FFF2-40B4-BE49-F238E27FC236}">
-                <a16:creationId xmlns:a16="http://schemas.microsoft.com/office/drawing/2014/main" id="{EB997C8B-D662-A387-295F-7AC8BDC43FF1}"/>
-              </a:ext>
-            </a:extLst>
-          </p:cNvPr>
-          <p:cNvPicPr>
-            <a:picLocks noChangeAspect="1" noChangeArrowheads="1"/>
-          </p:cNvPicPr>
-          <p:nvPr/>
-        </p:nvPicPr>
-        <p:blipFill rotWithShape="1">
-          <a:blip r:embed="rId4">
-            <a:extLst>
-              <a:ext uri="{28A0092B-C50C-407E-A947-70E740481C1C}">
-                <a14:useLocalDpi xmlns:a14="http://schemas.microsoft.com/office/drawing/2010/main" val="0"/>
-              </a:ext>
-            </a:extLst>
-          </a:blip>
-          <a:srcRect t="4196" b="3756"/>
-          <a:stretch/>
-        </p:blipFill>
-        <p:spPr bwMode="auto">
-          <a:xfrm>
-            <a:off x="1410802" y="1632374"/>
-            <a:ext cx="2076450" cy="4247430"/>
-          </a:xfrm>
-          <a:prstGeom prst="rect">
-            <a:avLst/>
-          </a:prstGeom>
-          <a:noFill/>
-          <a:extLst>
-            <a:ext uri="{909E8E84-426E-40DD-AFC4-6F175D3DCCD1}">
-              <a14:hiddenFill xmlns:a14="http://schemas.microsoft.com/office/drawing/2010/main">
-                <a:solidFill>
-                  <a:srgbClr val="FFFFFF"/>
-                </a:solidFill>
-              </a14:hiddenFill>
-            </a:ext>
-          </a:extLst>
-        </p:spPr>
-      </p:pic>
       <p:sp>
         <p:nvSpPr>
           <p:cNvPr id="10" name="TextBox 4">
@@ -11229,6 +11707,122 @@
           </a:p>
         </p:txBody>
       </p:sp>
+      <p:pic>
+        <p:nvPicPr>
+          <p:cNvPr id="15" name="Immagine 14">
+            <a:extLst>
+              <a:ext uri="{FF2B5EF4-FFF2-40B4-BE49-F238E27FC236}">
+                <a16:creationId xmlns:a16="http://schemas.microsoft.com/office/drawing/2014/main" id="{6FF7ECB8-A5C0-4FB7-A6DF-A285BE8CE085}"/>
+              </a:ext>
+            </a:extLst>
+          </p:cNvPr>
+          <p:cNvPicPr preferRelativeResize="0">
+            <a:picLocks/>
+          </p:cNvPicPr>
+          <p:nvPr/>
+        </p:nvPicPr>
+        <p:blipFill rotWithShape="1">
+          <a:blip r:embed="rId5">
+            <a:extLst>
+              <a:ext uri="{BEBA8EAE-BF5A-486C-A8C5-ECC9F3942E4B}">
+                <a14:imgProps xmlns:a14="http://schemas.microsoft.com/office/drawing/2010/main">
+                  <a14:imgLayer r:embed="rId6">
+                    <a14:imgEffect>
+                      <a14:sharpenSoften amount="-50000"/>
+                    </a14:imgEffect>
+                  </a14:imgLayer>
+                </a14:imgProps>
+              </a:ext>
+            </a:extLst>
+          </a:blip>
+          <a:srcRect t="3129" b="5879"/>
+          <a:stretch/>
+        </p:blipFill>
+        <p:spPr>
+          <a:xfrm>
+            <a:off x="1409481" y="1632089"/>
+            <a:ext cx="2077200" cy="4248000"/>
+          </a:xfrm>
+          <a:prstGeom prst="rect">
+            <a:avLst/>
+          </a:prstGeom>
+        </p:spPr>
+      </p:pic>
+      <p:pic>
+        <p:nvPicPr>
+          <p:cNvPr id="16" name="Immagine 15">
+            <a:extLst>
+              <a:ext uri="{FF2B5EF4-FFF2-40B4-BE49-F238E27FC236}">
+                <a16:creationId xmlns:a16="http://schemas.microsoft.com/office/drawing/2014/main" id="{AAF571B0-691A-456F-9739-AC37817EFB2B}"/>
+              </a:ext>
+            </a:extLst>
+          </p:cNvPr>
+          <p:cNvPicPr preferRelativeResize="0">
+            <a:picLocks/>
+          </p:cNvPicPr>
+          <p:nvPr/>
+        </p:nvPicPr>
+        <p:blipFill rotWithShape="1">
+          <a:blip r:embed="rId7"/>
+          <a:srcRect l="5184" t="9896" r="4525" b="59885"/>
+          <a:stretch/>
+        </p:blipFill>
+        <p:spPr>
+          <a:xfrm>
+            <a:off x="1510325" y="1947726"/>
+            <a:ext cx="1875512" cy="1410771"/>
+          </a:xfrm>
+          <a:prstGeom prst="roundRect">
+            <a:avLst/>
+          </a:prstGeom>
+          <a:ln w="9525">
+            <a:solidFill>
+              <a:schemeClr val="bg1"/>
+            </a:solidFill>
+          </a:ln>
+          <a:effectLst>
+            <a:glow rad="228600">
+              <a:schemeClr val="accent3">
+                <a:satMod val="175000"/>
+                <a:alpha val="40000"/>
+              </a:schemeClr>
+            </a:glow>
+          </a:effectLst>
+        </p:spPr>
+      </p:pic>
+      <p:pic>
+        <p:nvPicPr>
+          <p:cNvPr id="17" name="Immagine 16">
+            <a:extLst>
+              <a:ext uri="{FF2B5EF4-FFF2-40B4-BE49-F238E27FC236}">
+                <a16:creationId xmlns:a16="http://schemas.microsoft.com/office/drawing/2014/main" id="{A785DC62-23F6-4870-A147-A55D91549BEA}"/>
+              </a:ext>
+            </a:extLst>
+          </p:cNvPr>
+          <p:cNvPicPr preferRelativeResize="0">
+            <a:picLocks/>
+          </p:cNvPicPr>
+          <p:nvPr/>
+        </p:nvPicPr>
+        <p:blipFill rotWithShape="1">
+          <a:blip r:embed="rId7"/>
+          <a:srcRect l="10275" t="17481" r="9937" b="72453"/>
+          <a:stretch/>
+        </p:blipFill>
+        <p:spPr>
+          <a:xfrm>
+            <a:off x="1616075" y="2301875"/>
+            <a:ext cx="1657350" cy="469900"/>
+          </a:xfrm>
+          <a:prstGeom prst="roundRect">
+            <a:avLst/>
+          </a:prstGeom>
+          <a:ln w="9525">
+            <a:noFill/>
+          </a:ln>
+          <a:effectLst/>
+        </p:spPr>
+      </p:pic>
     </p:spTree>
     <p:extLst>
       <p:ext uri="{BB962C8B-B14F-4D97-AF65-F5344CB8AC3E}">
@@ -11255,6 +11849,1102 @@
 </file>
 
 <file path=ppt/slides/slide14.xml><?xml version="1.0" encoding="utf-8"?>
+<p:sld xmlns:a="http://schemas.openxmlformats.org/drawingml/2006/main" xmlns:r="http://schemas.openxmlformats.org/officeDocument/2006/relationships" xmlns:p="http://schemas.openxmlformats.org/presentationml/2006/main">
+  <p:cSld>
+    <p:bg>
+      <p:bgPr>
+        <a:solidFill>
+          <a:schemeClr val="tx1"/>
+        </a:solidFill>
+        <a:effectLst/>
+      </p:bgPr>
+    </p:bg>
+    <p:spTree>
+      <p:nvGrpSpPr>
+        <p:cNvPr id="1" name=""/>
+        <p:cNvGrpSpPr/>
+        <p:nvPr/>
+      </p:nvGrpSpPr>
+      <p:grpSpPr>
+        <a:xfrm>
+          <a:off x="0" y="0"/>
+          <a:ext cx="0" cy="0"/>
+          <a:chOff x="0" y="0"/>
+          <a:chExt cx="0" cy="0"/>
+        </a:xfrm>
+      </p:grpSpPr>
+      <p:sp>
+        <p:nvSpPr>
+          <p:cNvPr id="22" name="TextBox 21">
+            <a:extLst>
+              <a:ext uri="{FF2B5EF4-FFF2-40B4-BE49-F238E27FC236}">
+                <a16:creationId xmlns:a16="http://schemas.microsoft.com/office/drawing/2014/main" id="{1F03004B-482C-61C8-1688-EF6A8B36C3D0}"/>
+              </a:ext>
+            </a:extLst>
+          </p:cNvPr>
+          <p:cNvSpPr txBox="1"/>
+          <p:nvPr/>
+        </p:nvSpPr>
+        <p:spPr>
+          <a:xfrm>
+            <a:off x="5017018" y="507936"/>
+            <a:ext cx="2157963" cy="707886"/>
+          </a:xfrm>
+          <a:prstGeom prst="rect">
+            <a:avLst/>
+          </a:prstGeom>
+          <a:noFill/>
+        </p:spPr>
+        <p:txBody>
+          <a:bodyPr wrap="none" rtlCol="0">
+            <a:spAutoFit/>
+          </a:bodyPr>
+          <a:lstStyle/>
+          <a:p>
+            <a:pPr marL="0" marR="0" lvl="0" indent="0" algn="ctr" defTabSz="914400" rtl="0" eaLnBrk="1" fontAlgn="auto" latinLnBrk="0" hangingPunct="1">
+              <a:lnSpc>
+                <a:spcPct val="100000"/>
+              </a:lnSpc>
+              <a:spcBef>
+                <a:spcPts val="0"/>
+              </a:spcBef>
+              <a:spcAft>
+                <a:spcPts val="0"/>
+              </a:spcAft>
+              <a:buClrTx/>
+              <a:buSzTx/>
+              <a:buFontTx/>
+              <a:buNone/>
+              <a:tabLst/>
+              <a:defRPr/>
+            </a:pPr>
+            <a:r>
+              <a:rPr lang="en-US" sz="4000" noProof="0" dirty="0">
+                <a:solidFill>
+                  <a:prstClr val="white"/>
+                </a:solidFill>
+                <a:latin typeface="Poppins Light" panose="02000000000000000000" pitchFamily="2" charset="0"/>
+                <a:cs typeface="Poppins Light" panose="02000000000000000000" pitchFamily="2" charset="0"/>
+              </a:rPr>
+              <a:t>Devices</a:t>
+            </a:r>
+            <a:endParaRPr kumimoji="0" lang="en-US" sz="2400" b="0" i="0" u="none" strike="noStrike" kern="1200" cap="none" spc="0" normalizeH="0" baseline="0" noProof="0" dirty="0">
+              <a:ln>
+                <a:noFill/>
+              </a:ln>
+              <a:solidFill>
+                <a:prstClr val="white"/>
+              </a:solidFill>
+              <a:effectLst/>
+              <a:uLnTx/>
+              <a:uFillTx/>
+              <a:latin typeface="Poppins Light" panose="02000000000000000000" pitchFamily="2" charset="0"/>
+              <a:cs typeface="Poppins Light" panose="02000000000000000000" pitchFamily="2" charset="0"/>
+            </a:endParaRPr>
+          </a:p>
+        </p:txBody>
+      </p:sp>
+      <p:pic>
+        <p:nvPicPr>
+          <p:cNvPr id="21" name="Picture 20">
+            <a:extLst>
+              <a:ext uri="{FF2B5EF4-FFF2-40B4-BE49-F238E27FC236}">
+                <a16:creationId xmlns:a16="http://schemas.microsoft.com/office/drawing/2014/main" id="{D4A400A6-D98D-872E-8AFA-73E8C6C3FFB8}"/>
+              </a:ext>
+            </a:extLst>
+          </p:cNvPr>
+          <p:cNvPicPr>
+            <a:picLocks noChangeAspect="1"/>
+          </p:cNvPicPr>
+          <p:nvPr/>
+        </p:nvPicPr>
+        <p:blipFill>
+          <a:blip r:embed="rId2"/>
+          <a:stretch>
+            <a:fillRect/>
+          </a:stretch>
+        </p:blipFill>
+        <p:spPr>
+          <a:xfrm>
+            <a:off x="12976225" y="978195"/>
+            <a:ext cx="7181710" cy="4901609"/>
+          </a:xfrm>
+          <a:prstGeom prst="rect">
+            <a:avLst/>
+          </a:prstGeom>
+        </p:spPr>
+      </p:pic>
+      <p:sp>
+        <p:nvSpPr>
+          <p:cNvPr id="34" name="Oval 33">
+            <a:extLst>
+              <a:ext uri="{FF2B5EF4-FFF2-40B4-BE49-F238E27FC236}">
+                <a16:creationId xmlns:a16="http://schemas.microsoft.com/office/drawing/2014/main" id="{F85D7712-5B01-3AF1-FE71-7FF4FA0E740E}"/>
+              </a:ext>
+            </a:extLst>
+          </p:cNvPr>
+          <p:cNvSpPr/>
+          <p:nvPr/>
+        </p:nvSpPr>
+        <p:spPr>
+          <a:xfrm rot="21192969">
+            <a:off x="-5366064" y="-2536229"/>
+            <a:ext cx="22446050" cy="22446050"/>
+          </a:xfrm>
+          <a:prstGeom prst="ellipse">
+            <a:avLst/>
+          </a:prstGeom>
+          <a:noFill/>
+          <a:ln w="6350">
+            <a:noFill/>
+          </a:ln>
+        </p:spPr>
+        <p:style>
+          <a:lnRef idx="2">
+            <a:schemeClr val="accent1">
+              <a:shade val="50000"/>
+            </a:schemeClr>
+          </a:lnRef>
+          <a:fillRef idx="1">
+            <a:schemeClr val="accent1"/>
+          </a:fillRef>
+          <a:effectRef idx="0">
+            <a:schemeClr val="accent1"/>
+          </a:effectRef>
+          <a:fontRef idx="minor">
+            <a:schemeClr val="lt1"/>
+          </a:fontRef>
+        </p:style>
+        <p:txBody>
+          <a:bodyPr rtlCol="0" anchor="ctr"/>
+          <a:lstStyle/>
+          <a:p>
+            <a:pPr marL="0" marR="0" lvl="0" indent="0" algn="ctr" defTabSz="914400" rtl="0" eaLnBrk="1" fontAlgn="auto" latinLnBrk="0" hangingPunct="1">
+              <a:lnSpc>
+                <a:spcPct val="100000"/>
+              </a:lnSpc>
+              <a:spcBef>
+                <a:spcPts val="0"/>
+              </a:spcBef>
+              <a:spcAft>
+                <a:spcPts val="0"/>
+              </a:spcAft>
+              <a:buClrTx/>
+              <a:buSzTx/>
+              <a:buFontTx/>
+              <a:buNone/>
+              <a:tabLst/>
+              <a:defRPr/>
+            </a:pPr>
+            <a:endParaRPr kumimoji="0" lang="en-US" sz="1800" b="0" i="0" u="none" strike="noStrike" kern="1200" cap="none" spc="0" normalizeH="0" baseline="0" noProof="0" dirty="0">
+              <a:ln>
+                <a:noFill/>
+              </a:ln>
+              <a:solidFill>
+                <a:prstClr val="white"/>
+              </a:solidFill>
+              <a:effectLst/>
+              <a:uLnTx/>
+              <a:uFillTx/>
+              <a:latin typeface="Calibri" panose="020F0502020204030204"/>
+              <a:ea typeface="+mn-ea"/>
+              <a:cs typeface="+mn-cs"/>
+            </a:endParaRPr>
+          </a:p>
+        </p:txBody>
+      </p:sp>
+      <p:grpSp>
+        <p:nvGrpSpPr>
+          <p:cNvPr id="7" name="Group 6">
+            <a:extLst>
+              <a:ext uri="{FF2B5EF4-FFF2-40B4-BE49-F238E27FC236}">
+                <a16:creationId xmlns:a16="http://schemas.microsoft.com/office/drawing/2014/main" id="{B54791EF-0260-521A-D2AD-2869D6959710}"/>
+              </a:ext>
+            </a:extLst>
+          </p:cNvPr>
+          <p:cNvGrpSpPr/>
+          <p:nvPr/>
+        </p:nvGrpSpPr>
+        <p:grpSpPr>
+          <a:xfrm>
+            <a:off x="695931" y="563988"/>
+            <a:ext cx="714871" cy="714871"/>
+            <a:chOff x="5698925" y="2671132"/>
+            <a:chExt cx="798604" cy="798604"/>
+          </a:xfrm>
+          <a:solidFill>
+            <a:schemeClr val="accent3"/>
+          </a:solidFill>
+          <a:effectLst/>
+        </p:grpSpPr>
+        <p:sp>
+          <p:nvSpPr>
+            <p:cNvPr id="8" name="Rectangle: Rounded Corners 7">
+              <a:extLst>
+                <a:ext uri="{FF2B5EF4-FFF2-40B4-BE49-F238E27FC236}">
+                  <a16:creationId xmlns:a16="http://schemas.microsoft.com/office/drawing/2014/main" id="{58A2619D-5BF9-C231-521A-93C4A5B0381A}"/>
+                </a:ext>
+              </a:extLst>
+            </p:cNvPr>
+            <p:cNvSpPr/>
+            <p:nvPr/>
+          </p:nvSpPr>
+          <p:spPr>
+            <a:xfrm>
+              <a:off x="5698925" y="2671132"/>
+              <a:ext cx="798604" cy="798604"/>
+            </a:xfrm>
+            <a:prstGeom prst="roundRect">
+              <a:avLst>
+                <a:gd name="adj" fmla="val 16065"/>
+              </a:avLst>
+            </a:prstGeom>
+            <a:grpFill/>
+            <a:ln>
+              <a:noFill/>
+            </a:ln>
+          </p:spPr>
+          <p:style>
+            <a:lnRef idx="2">
+              <a:schemeClr val="accent1">
+                <a:shade val="50000"/>
+              </a:schemeClr>
+            </a:lnRef>
+            <a:fillRef idx="1">
+              <a:schemeClr val="accent1"/>
+            </a:fillRef>
+            <a:effectRef idx="0">
+              <a:schemeClr val="accent1"/>
+            </a:effectRef>
+            <a:fontRef idx="minor">
+              <a:schemeClr val="lt1"/>
+            </a:fontRef>
+          </p:style>
+          <p:txBody>
+            <a:bodyPr rtlCol="0" anchor="ctr"/>
+            <a:lstStyle/>
+            <a:p>
+              <a:pPr algn="ctr"/>
+              <a:endParaRPr lang="en-US"/>
+            </a:p>
+          </p:txBody>
+        </p:sp>
+        <p:pic>
+          <p:nvPicPr>
+            <p:cNvPr id="9" name="Graphic 73">
+              <a:extLst>
+                <a:ext uri="{FF2B5EF4-FFF2-40B4-BE49-F238E27FC236}">
+                  <a16:creationId xmlns:a16="http://schemas.microsoft.com/office/drawing/2014/main" id="{F16781E4-941E-8F6B-687A-510AC673FD40}"/>
+                </a:ext>
+              </a:extLst>
+            </p:cNvPr>
+            <p:cNvPicPr>
+              <a:picLocks noChangeAspect="1"/>
+            </p:cNvPicPr>
+            <p:nvPr/>
+          </p:nvPicPr>
+          <p:blipFill>
+            <a:blip r:embed="rId3">
+              <a:extLst>
+                <a:ext uri="{28A0092B-C50C-407E-A947-70E740481C1C}">
+                  <a14:useLocalDpi xmlns:a14="http://schemas.microsoft.com/office/drawing/2010/main" val="0"/>
+                </a:ext>
+              </a:extLst>
+            </a:blip>
+            <a:srcRect/>
+            <a:stretch/>
+          </p:blipFill>
+          <p:spPr>
+            <a:xfrm>
+              <a:off x="5765247" y="2731924"/>
+              <a:ext cx="667391" cy="667391"/>
+            </a:xfrm>
+            <a:prstGeom prst="rect">
+              <a:avLst/>
+            </a:prstGeom>
+            <a:grpFill/>
+          </p:spPr>
+        </p:pic>
+      </p:grpSp>
+      <p:pic>
+        <p:nvPicPr>
+          <p:cNvPr id="17" name="Immagine 16">
+            <a:extLst>
+              <a:ext uri="{FF2B5EF4-FFF2-40B4-BE49-F238E27FC236}">
+                <a16:creationId xmlns:a16="http://schemas.microsoft.com/office/drawing/2014/main" id="{A785DC62-23F6-4870-A147-A55D91549BEA}"/>
+              </a:ext>
+            </a:extLst>
+          </p:cNvPr>
+          <p:cNvPicPr preferRelativeResize="0">
+            <a:picLocks/>
+          </p:cNvPicPr>
+          <p:nvPr/>
+        </p:nvPicPr>
+        <p:blipFill rotWithShape="1">
+          <a:blip r:embed="rId4"/>
+          <a:srcRect l="10795" t="17636" r="11007" b="72844"/>
+          <a:stretch/>
+        </p:blipFill>
+        <p:spPr>
+          <a:xfrm>
+            <a:off x="4352471" y="440060"/>
+            <a:ext cx="3487055" cy="954107"/>
+          </a:xfrm>
+          <a:prstGeom prst="roundRect">
+            <a:avLst/>
+          </a:prstGeom>
+          <a:ln w="9525">
+            <a:noFill/>
+          </a:ln>
+          <a:effectLst/>
+        </p:spPr>
+      </p:pic>
+      <p:grpSp>
+        <p:nvGrpSpPr>
+          <p:cNvPr id="13" name="Gruppo 12">
+            <a:extLst>
+              <a:ext uri="{FF2B5EF4-FFF2-40B4-BE49-F238E27FC236}">
+                <a16:creationId xmlns:a16="http://schemas.microsoft.com/office/drawing/2014/main" id="{82C189BA-36FA-4BC7-9AED-CF008A1B382D}"/>
+              </a:ext>
+            </a:extLst>
+          </p:cNvPr>
+          <p:cNvGrpSpPr/>
+          <p:nvPr/>
+        </p:nvGrpSpPr>
+        <p:grpSpPr>
+          <a:xfrm>
+            <a:off x="1189044" y="1504433"/>
+            <a:ext cx="2519968" cy="4503312"/>
+            <a:chOff x="1189044" y="1504433"/>
+            <a:chExt cx="2519968" cy="4503312"/>
+          </a:xfrm>
+        </p:grpSpPr>
+        <p:grpSp>
+          <p:nvGrpSpPr>
+            <p:cNvPr id="2" name="Group 33">
+              <a:extLst>
+                <a:ext uri="{FF2B5EF4-FFF2-40B4-BE49-F238E27FC236}">
+                  <a16:creationId xmlns:a16="http://schemas.microsoft.com/office/drawing/2014/main" id="{D611BFD7-B4C1-272C-87C1-FC4C9D6D02E7}"/>
+                </a:ext>
+              </a:extLst>
+            </p:cNvPr>
+            <p:cNvGrpSpPr/>
+            <p:nvPr/>
+          </p:nvGrpSpPr>
+          <p:grpSpPr>
+            <a:xfrm>
+              <a:off x="1189044" y="1504433"/>
+              <a:ext cx="2519968" cy="4503312"/>
+              <a:chOff x="4543331" y="418722"/>
+              <a:chExt cx="3105339" cy="6020555"/>
+            </a:xfrm>
+          </p:grpSpPr>
+          <p:sp>
+            <p:nvSpPr>
+              <p:cNvPr id="3" name="Rectangle: Rounded Corners 3">
+                <a:extLst>
+                  <a:ext uri="{FF2B5EF4-FFF2-40B4-BE49-F238E27FC236}">
+                    <a16:creationId xmlns:a16="http://schemas.microsoft.com/office/drawing/2014/main" id="{2AAE154F-8773-4223-E38A-F2CC6175CAAC}"/>
+                  </a:ext>
+                </a:extLst>
+              </p:cNvPr>
+              <p:cNvSpPr/>
+              <p:nvPr/>
+            </p:nvSpPr>
+            <p:spPr>
+              <a:xfrm>
+                <a:off x="4543331" y="418723"/>
+                <a:ext cx="3105339" cy="6020554"/>
+              </a:xfrm>
+              <a:prstGeom prst="roundRect">
+                <a:avLst>
+                  <a:gd name="adj" fmla="val 15514"/>
+                </a:avLst>
+              </a:prstGeom>
+              <a:solidFill>
+                <a:schemeClr val="bg1"/>
+              </a:solidFill>
+              <a:ln>
+                <a:noFill/>
+              </a:ln>
+            </p:spPr>
+            <p:style>
+              <a:lnRef idx="2">
+                <a:schemeClr val="accent1">
+                  <a:shade val="50000"/>
+                </a:schemeClr>
+              </a:lnRef>
+              <a:fillRef idx="1">
+                <a:schemeClr val="accent1"/>
+              </a:fillRef>
+              <a:effectRef idx="0">
+                <a:schemeClr val="accent1"/>
+              </a:effectRef>
+              <a:fontRef idx="minor">
+                <a:schemeClr val="lt1"/>
+              </a:fontRef>
+            </p:style>
+            <p:txBody>
+              <a:bodyPr rtlCol="0" anchor="ctr"/>
+              <a:lstStyle/>
+              <a:p>
+                <a:pPr algn="ctr"/>
+                <a:endParaRPr lang="en-US"/>
+              </a:p>
+            </p:txBody>
+          </p:sp>
+          <p:sp>
+            <p:nvSpPr>
+              <p:cNvPr id="4" name="Rectangle: Rounded Corners 20">
+                <a:extLst>
+                  <a:ext uri="{FF2B5EF4-FFF2-40B4-BE49-F238E27FC236}">
+                    <a16:creationId xmlns:a16="http://schemas.microsoft.com/office/drawing/2014/main" id="{122FFB6F-A962-6848-E7D2-F9B67ACC3BB9}"/>
+                  </a:ext>
+                </a:extLst>
+              </p:cNvPr>
+              <p:cNvSpPr/>
+              <p:nvPr/>
+            </p:nvSpPr>
+            <p:spPr>
+              <a:xfrm>
+                <a:off x="4618628" y="505838"/>
+                <a:ext cx="2954744" cy="5858748"/>
+              </a:xfrm>
+              <a:prstGeom prst="roundRect">
+                <a:avLst>
+                  <a:gd name="adj" fmla="val 15247"/>
+                </a:avLst>
+              </a:prstGeom>
+              <a:solidFill>
+                <a:schemeClr val="tx1"/>
+              </a:solidFill>
+              <a:ln>
+                <a:noFill/>
+              </a:ln>
+            </p:spPr>
+            <p:style>
+              <a:lnRef idx="2">
+                <a:schemeClr val="accent1">
+                  <a:shade val="50000"/>
+                </a:schemeClr>
+              </a:lnRef>
+              <a:fillRef idx="1">
+                <a:schemeClr val="accent1"/>
+              </a:fillRef>
+              <a:effectRef idx="0">
+                <a:schemeClr val="accent1"/>
+              </a:effectRef>
+              <a:fontRef idx="minor">
+                <a:schemeClr val="lt1"/>
+              </a:fontRef>
+            </p:style>
+            <p:txBody>
+              <a:bodyPr rtlCol="0" anchor="ctr"/>
+              <a:lstStyle/>
+              <a:p>
+                <a:pPr algn="ctr"/>
+                <a:endParaRPr lang="en-US"/>
+              </a:p>
+            </p:txBody>
+          </p:sp>
+          <p:sp>
+            <p:nvSpPr>
+              <p:cNvPr id="5" name="Rectangle: Top Corners Rounded 21">
+                <a:extLst>
+                  <a:ext uri="{FF2B5EF4-FFF2-40B4-BE49-F238E27FC236}">
+                    <a16:creationId xmlns:a16="http://schemas.microsoft.com/office/drawing/2014/main" id="{7B249A2A-4C49-2F31-9540-7C7FDDDC6C4A}"/>
+                  </a:ext>
+                </a:extLst>
+              </p:cNvPr>
+              <p:cNvSpPr/>
+              <p:nvPr/>
+            </p:nvSpPr>
+            <p:spPr>
+              <a:xfrm rot="10800000">
+                <a:off x="5226996" y="418722"/>
+                <a:ext cx="1738008" cy="291069"/>
+              </a:xfrm>
+              <a:prstGeom prst="round2SameRect">
+                <a:avLst>
+                  <a:gd name="adj1" fmla="val 50000"/>
+                  <a:gd name="adj2" fmla="val 0"/>
+                </a:avLst>
+              </a:prstGeom>
+              <a:solidFill>
+                <a:schemeClr val="bg1"/>
+              </a:solidFill>
+              <a:ln>
+                <a:noFill/>
+              </a:ln>
+            </p:spPr>
+            <p:style>
+              <a:lnRef idx="2">
+                <a:schemeClr val="accent1">
+                  <a:shade val="50000"/>
+                </a:schemeClr>
+              </a:lnRef>
+              <a:fillRef idx="1">
+                <a:schemeClr val="accent1"/>
+              </a:fillRef>
+              <a:effectRef idx="0">
+                <a:schemeClr val="accent1"/>
+              </a:effectRef>
+              <a:fontRef idx="minor">
+                <a:schemeClr val="lt1"/>
+              </a:fontRef>
+            </p:style>
+            <p:txBody>
+              <a:bodyPr rtlCol="0" anchor="ctr"/>
+              <a:lstStyle/>
+              <a:p>
+                <a:pPr algn="ctr"/>
+                <a:endParaRPr lang="en-US"/>
+              </a:p>
+            </p:txBody>
+          </p:sp>
+        </p:grpSp>
+        <p:pic>
+          <p:nvPicPr>
+            <p:cNvPr id="12" name="Immagine 11">
+              <a:extLst>
+                <a:ext uri="{FF2B5EF4-FFF2-40B4-BE49-F238E27FC236}">
+                  <a16:creationId xmlns:a16="http://schemas.microsoft.com/office/drawing/2014/main" id="{4E217E8D-C4EA-42F1-B1C5-3F52AE52432F}"/>
+                </a:ext>
+              </a:extLst>
+            </p:cNvPr>
+            <p:cNvPicPr preferRelativeResize="0">
+              <a:picLocks/>
+            </p:cNvPicPr>
+            <p:nvPr/>
+          </p:nvPicPr>
+          <p:blipFill rotWithShape="1">
+            <a:blip r:embed="rId5">
+              <a:extLst>
+                <a:ext uri="{28A0092B-C50C-407E-A947-70E740481C1C}">
+                  <a14:useLocalDpi xmlns:a14="http://schemas.microsoft.com/office/drawing/2010/main" val="0"/>
+                </a:ext>
+              </a:extLst>
+            </a:blip>
+            <a:srcRect t="4583"/>
+            <a:stretch/>
+          </p:blipFill>
+          <p:spPr>
+            <a:xfrm>
+              <a:off x="1410802" y="1632089"/>
+              <a:ext cx="2077200" cy="4248000"/>
+            </a:xfrm>
+            <a:prstGeom prst="rect">
+              <a:avLst/>
+            </a:prstGeom>
+          </p:spPr>
+        </p:pic>
+      </p:grpSp>
+      <p:grpSp>
+        <p:nvGrpSpPr>
+          <p:cNvPr id="30" name="Gruppo 29">
+            <a:extLst>
+              <a:ext uri="{FF2B5EF4-FFF2-40B4-BE49-F238E27FC236}">
+                <a16:creationId xmlns:a16="http://schemas.microsoft.com/office/drawing/2014/main" id="{4E1854E4-36A4-42F4-9ED1-C62AEBF97102}"/>
+              </a:ext>
+            </a:extLst>
+          </p:cNvPr>
+          <p:cNvGrpSpPr/>
+          <p:nvPr/>
+        </p:nvGrpSpPr>
+        <p:grpSpPr>
+          <a:xfrm>
+            <a:off x="4836016" y="1504433"/>
+            <a:ext cx="2519968" cy="4503312"/>
+            <a:chOff x="1189044" y="1504433"/>
+            <a:chExt cx="2519968" cy="4503312"/>
+          </a:xfrm>
+        </p:grpSpPr>
+        <p:grpSp>
+          <p:nvGrpSpPr>
+            <p:cNvPr id="31" name="Group 33">
+              <a:extLst>
+                <a:ext uri="{FF2B5EF4-FFF2-40B4-BE49-F238E27FC236}">
+                  <a16:creationId xmlns:a16="http://schemas.microsoft.com/office/drawing/2014/main" id="{1D1D901D-2248-4CFF-9256-80001A8C6ACE}"/>
+                </a:ext>
+              </a:extLst>
+            </p:cNvPr>
+            <p:cNvGrpSpPr/>
+            <p:nvPr/>
+          </p:nvGrpSpPr>
+          <p:grpSpPr>
+            <a:xfrm>
+              <a:off x="1189044" y="1504433"/>
+              <a:ext cx="2519968" cy="4503312"/>
+              <a:chOff x="4543331" y="418722"/>
+              <a:chExt cx="3105339" cy="6020555"/>
+            </a:xfrm>
+          </p:grpSpPr>
+          <p:sp>
+            <p:nvSpPr>
+              <p:cNvPr id="33" name="Rectangle: Rounded Corners 3">
+                <a:extLst>
+                  <a:ext uri="{FF2B5EF4-FFF2-40B4-BE49-F238E27FC236}">
+                    <a16:creationId xmlns:a16="http://schemas.microsoft.com/office/drawing/2014/main" id="{1FDC27C4-F3AC-4ECE-A70B-112FC8398DF5}"/>
+                  </a:ext>
+                </a:extLst>
+              </p:cNvPr>
+              <p:cNvSpPr/>
+              <p:nvPr/>
+            </p:nvSpPr>
+            <p:spPr>
+              <a:xfrm>
+                <a:off x="4543331" y="418723"/>
+                <a:ext cx="3105339" cy="6020554"/>
+              </a:xfrm>
+              <a:prstGeom prst="roundRect">
+                <a:avLst>
+                  <a:gd name="adj" fmla="val 15514"/>
+                </a:avLst>
+              </a:prstGeom>
+              <a:solidFill>
+                <a:schemeClr val="bg1"/>
+              </a:solidFill>
+              <a:ln>
+                <a:noFill/>
+              </a:ln>
+            </p:spPr>
+            <p:style>
+              <a:lnRef idx="2">
+                <a:schemeClr val="accent1">
+                  <a:shade val="50000"/>
+                </a:schemeClr>
+              </a:lnRef>
+              <a:fillRef idx="1">
+                <a:schemeClr val="accent1"/>
+              </a:fillRef>
+              <a:effectRef idx="0">
+                <a:schemeClr val="accent1"/>
+              </a:effectRef>
+              <a:fontRef idx="minor">
+                <a:schemeClr val="lt1"/>
+              </a:fontRef>
+            </p:style>
+            <p:txBody>
+              <a:bodyPr rtlCol="0" anchor="ctr"/>
+              <a:lstStyle/>
+              <a:p>
+                <a:pPr algn="ctr"/>
+                <a:endParaRPr lang="en-US"/>
+              </a:p>
+            </p:txBody>
+          </p:sp>
+          <p:sp>
+            <p:nvSpPr>
+              <p:cNvPr id="35" name="Rectangle: Rounded Corners 20">
+                <a:extLst>
+                  <a:ext uri="{FF2B5EF4-FFF2-40B4-BE49-F238E27FC236}">
+                    <a16:creationId xmlns:a16="http://schemas.microsoft.com/office/drawing/2014/main" id="{9039CAA7-19B8-4188-AF3F-A3E92D3A8F87}"/>
+                  </a:ext>
+                </a:extLst>
+              </p:cNvPr>
+              <p:cNvSpPr/>
+              <p:nvPr/>
+            </p:nvSpPr>
+            <p:spPr>
+              <a:xfrm>
+                <a:off x="4618628" y="505838"/>
+                <a:ext cx="2954744" cy="5858748"/>
+              </a:xfrm>
+              <a:prstGeom prst="roundRect">
+                <a:avLst>
+                  <a:gd name="adj" fmla="val 15247"/>
+                </a:avLst>
+              </a:prstGeom>
+              <a:solidFill>
+                <a:schemeClr val="tx1"/>
+              </a:solidFill>
+              <a:ln>
+                <a:noFill/>
+              </a:ln>
+            </p:spPr>
+            <p:style>
+              <a:lnRef idx="2">
+                <a:schemeClr val="accent1">
+                  <a:shade val="50000"/>
+                </a:schemeClr>
+              </a:lnRef>
+              <a:fillRef idx="1">
+                <a:schemeClr val="accent1"/>
+              </a:fillRef>
+              <a:effectRef idx="0">
+                <a:schemeClr val="accent1"/>
+              </a:effectRef>
+              <a:fontRef idx="minor">
+                <a:schemeClr val="lt1"/>
+              </a:fontRef>
+            </p:style>
+            <p:txBody>
+              <a:bodyPr rtlCol="0" anchor="ctr"/>
+              <a:lstStyle/>
+              <a:p>
+                <a:pPr algn="ctr"/>
+                <a:endParaRPr lang="en-US"/>
+              </a:p>
+            </p:txBody>
+          </p:sp>
+          <p:sp>
+            <p:nvSpPr>
+              <p:cNvPr id="36" name="Rectangle: Top Corners Rounded 21">
+                <a:extLst>
+                  <a:ext uri="{FF2B5EF4-FFF2-40B4-BE49-F238E27FC236}">
+                    <a16:creationId xmlns:a16="http://schemas.microsoft.com/office/drawing/2014/main" id="{FBF4D932-3913-46BD-A277-C772BCCBFF68}"/>
+                  </a:ext>
+                </a:extLst>
+              </p:cNvPr>
+              <p:cNvSpPr/>
+              <p:nvPr/>
+            </p:nvSpPr>
+            <p:spPr>
+              <a:xfrm rot="10800000">
+                <a:off x="5226996" y="418722"/>
+                <a:ext cx="1738008" cy="291069"/>
+              </a:xfrm>
+              <a:prstGeom prst="round2SameRect">
+                <a:avLst>
+                  <a:gd name="adj1" fmla="val 50000"/>
+                  <a:gd name="adj2" fmla="val 0"/>
+                </a:avLst>
+              </a:prstGeom>
+              <a:solidFill>
+                <a:schemeClr val="bg1"/>
+              </a:solidFill>
+              <a:ln>
+                <a:noFill/>
+              </a:ln>
+            </p:spPr>
+            <p:style>
+              <a:lnRef idx="2">
+                <a:schemeClr val="accent1">
+                  <a:shade val="50000"/>
+                </a:schemeClr>
+              </a:lnRef>
+              <a:fillRef idx="1">
+                <a:schemeClr val="accent1"/>
+              </a:fillRef>
+              <a:effectRef idx="0">
+                <a:schemeClr val="accent1"/>
+              </a:effectRef>
+              <a:fontRef idx="minor">
+                <a:schemeClr val="lt1"/>
+              </a:fontRef>
+            </p:style>
+            <p:txBody>
+              <a:bodyPr rtlCol="0" anchor="ctr"/>
+              <a:lstStyle/>
+              <a:p>
+                <a:pPr algn="ctr"/>
+                <a:endParaRPr lang="en-US"/>
+              </a:p>
+            </p:txBody>
+          </p:sp>
+        </p:grpSp>
+        <p:pic>
+          <p:nvPicPr>
+            <p:cNvPr id="32" name="Immagine 31">
+              <a:extLst>
+                <a:ext uri="{FF2B5EF4-FFF2-40B4-BE49-F238E27FC236}">
+                  <a16:creationId xmlns:a16="http://schemas.microsoft.com/office/drawing/2014/main" id="{2FE1CE36-B58B-410A-A3D6-7710BA1C5D9A}"/>
+                </a:ext>
+              </a:extLst>
+            </p:cNvPr>
+            <p:cNvPicPr preferRelativeResize="0">
+              <a:picLocks/>
+            </p:cNvPicPr>
+            <p:nvPr/>
+          </p:nvPicPr>
+          <p:blipFill rotWithShape="1">
+            <a:blip r:embed="rId5">
+              <a:extLst>
+                <a:ext uri="{28A0092B-C50C-407E-A947-70E740481C1C}">
+                  <a14:useLocalDpi xmlns:a14="http://schemas.microsoft.com/office/drawing/2010/main" val="0"/>
+                </a:ext>
+              </a:extLst>
+            </a:blip>
+            <a:srcRect t="4583"/>
+            <a:stretch/>
+          </p:blipFill>
+          <p:spPr>
+            <a:xfrm>
+              <a:off x="1410802" y="1632089"/>
+              <a:ext cx="2077200" cy="4248000"/>
+            </a:xfrm>
+            <a:prstGeom prst="rect">
+              <a:avLst/>
+            </a:prstGeom>
+          </p:spPr>
+        </p:pic>
+      </p:grpSp>
+      <p:grpSp>
+        <p:nvGrpSpPr>
+          <p:cNvPr id="37" name="Gruppo 36">
+            <a:extLst>
+              <a:ext uri="{FF2B5EF4-FFF2-40B4-BE49-F238E27FC236}">
+                <a16:creationId xmlns:a16="http://schemas.microsoft.com/office/drawing/2014/main" id="{BC404BF0-0E3B-4481-9A57-FD27B47B6EFD}"/>
+              </a:ext>
+            </a:extLst>
+          </p:cNvPr>
+          <p:cNvGrpSpPr/>
+          <p:nvPr/>
+        </p:nvGrpSpPr>
+        <p:grpSpPr>
+          <a:xfrm>
+            <a:off x="8482988" y="1504433"/>
+            <a:ext cx="2519968" cy="4503312"/>
+            <a:chOff x="1189044" y="1504433"/>
+            <a:chExt cx="2519968" cy="4503312"/>
+          </a:xfrm>
+        </p:grpSpPr>
+        <p:grpSp>
+          <p:nvGrpSpPr>
+            <p:cNvPr id="38" name="Group 33">
+              <a:extLst>
+                <a:ext uri="{FF2B5EF4-FFF2-40B4-BE49-F238E27FC236}">
+                  <a16:creationId xmlns:a16="http://schemas.microsoft.com/office/drawing/2014/main" id="{F924AF9D-55B3-4D80-A5A0-3B040392018E}"/>
+                </a:ext>
+              </a:extLst>
+            </p:cNvPr>
+            <p:cNvGrpSpPr/>
+            <p:nvPr/>
+          </p:nvGrpSpPr>
+          <p:grpSpPr>
+            <a:xfrm>
+              <a:off x="1189044" y="1504433"/>
+              <a:ext cx="2519968" cy="4503312"/>
+              <a:chOff x="4543331" y="418722"/>
+              <a:chExt cx="3105339" cy="6020555"/>
+            </a:xfrm>
+          </p:grpSpPr>
+          <p:sp>
+            <p:nvSpPr>
+              <p:cNvPr id="40" name="Rectangle: Rounded Corners 3">
+                <a:extLst>
+                  <a:ext uri="{FF2B5EF4-FFF2-40B4-BE49-F238E27FC236}">
+                    <a16:creationId xmlns:a16="http://schemas.microsoft.com/office/drawing/2014/main" id="{C0D63617-2E4F-4FBD-B84A-7FEC4BCDA45C}"/>
+                  </a:ext>
+                </a:extLst>
+              </p:cNvPr>
+              <p:cNvSpPr/>
+              <p:nvPr/>
+            </p:nvSpPr>
+            <p:spPr>
+              <a:xfrm>
+                <a:off x="4543331" y="418723"/>
+                <a:ext cx="3105339" cy="6020554"/>
+              </a:xfrm>
+              <a:prstGeom prst="roundRect">
+                <a:avLst>
+                  <a:gd name="adj" fmla="val 15514"/>
+                </a:avLst>
+              </a:prstGeom>
+              <a:solidFill>
+                <a:schemeClr val="bg1"/>
+              </a:solidFill>
+              <a:ln>
+                <a:noFill/>
+              </a:ln>
+            </p:spPr>
+            <p:style>
+              <a:lnRef idx="2">
+                <a:schemeClr val="accent1">
+                  <a:shade val="50000"/>
+                </a:schemeClr>
+              </a:lnRef>
+              <a:fillRef idx="1">
+                <a:schemeClr val="accent1"/>
+              </a:fillRef>
+              <a:effectRef idx="0">
+                <a:schemeClr val="accent1"/>
+              </a:effectRef>
+              <a:fontRef idx="minor">
+                <a:schemeClr val="lt1"/>
+              </a:fontRef>
+            </p:style>
+            <p:txBody>
+              <a:bodyPr rtlCol="0" anchor="ctr"/>
+              <a:lstStyle/>
+              <a:p>
+                <a:pPr algn="ctr"/>
+                <a:endParaRPr lang="en-US"/>
+              </a:p>
+            </p:txBody>
+          </p:sp>
+          <p:sp>
+            <p:nvSpPr>
+              <p:cNvPr id="41" name="Rectangle: Rounded Corners 20">
+                <a:extLst>
+                  <a:ext uri="{FF2B5EF4-FFF2-40B4-BE49-F238E27FC236}">
+                    <a16:creationId xmlns:a16="http://schemas.microsoft.com/office/drawing/2014/main" id="{6C2BD321-F93A-4DD4-9AFA-36264FEF7E2A}"/>
+                  </a:ext>
+                </a:extLst>
+              </p:cNvPr>
+              <p:cNvSpPr/>
+              <p:nvPr/>
+            </p:nvSpPr>
+            <p:spPr>
+              <a:xfrm>
+                <a:off x="4618628" y="505838"/>
+                <a:ext cx="2954744" cy="5858748"/>
+              </a:xfrm>
+              <a:prstGeom prst="roundRect">
+                <a:avLst>
+                  <a:gd name="adj" fmla="val 15247"/>
+                </a:avLst>
+              </a:prstGeom>
+              <a:solidFill>
+                <a:schemeClr val="tx1"/>
+              </a:solidFill>
+              <a:ln>
+                <a:noFill/>
+              </a:ln>
+            </p:spPr>
+            <p:style>
+              <a:lnRef idx="2">
+                <a:schemeClr val="accent1">
+                  <a:shade val="50000"/>
+                </a:schemeClr>
+              </a:lnRef>
+              <a:fillRef idx="1">
+                <a:schemeClr val="accent1"/>
+              </a:fillRef>
+              <a:effectRef idx="0">
+                <a:schemeClr val="accent1"/>
+              </a:effectRef>
+              <a:fontRef idx="minor">
+                <a:schemeClr val="lt1"/>
+              </a:fontRef>
+            </p:style>
+            <p:txBody>
+              <a:bodyPr rtlCol="0" anchor="ctr"/>
+              <a:lstStyle/>
+              <a:p>
+                <a:pPr algn="ctr"/>
+                <a:endParaRPr lang="en-US"/>
+              </a:p>
+            </p:txBody>
+          </p:sp>
+          <p:sp>
+            <p:nvSpPr>
+              <p:cNvPr id="42" name="Rectangle: Top Corners Rounded 21">
+                <a:extLst>
+                  <a:ext uri="{FF2B5EF4-FFF2-40B4-BE49-F238E27FC236}">
+                    <a16:creationId xmlns:a16="http://schemas.microsoft.com/office/drawing/2014/main" id="{A9B0D9BA-D33B-42E7-B95B-1CACD5B30AF6}"/>
+                  </a:ext>
+                </a:extLst>
+              </p:cNvPr>
+              <p:cNvSpPr/>
+              <p:nvPr/>
+            </p:nvSpPr>
+            <p:spPr>
+              <a:xfrm rot="10800000">
+                <a:off x="5226996" y="418722"/>
+                <a:ext cx="1738008" cy="291069"/>
+              </a:xfrm>
+              <a:prstGeom prst="round2SameRect">
+                <a:avLst>
+                  <a:gd name="adj1" fmla="val 50000"/>
+                  <a:gd name="adj2" fmla="val 0"/>
+                </a:avLst>
+              </a:prstGeom>
+              <a:solidFill>
+                <a:schemeClr val="bg1"/>
+              </a:solidFill>
+              <a:ln>
+                <a:noFill/>
+              </a:ln>
+            </p:spPr>
+            <p:style>
+              <a:lnRef idx="2">
+                <a:schemeClr val="accent1">
+                  <a:shade val="50000"/>
+                </a:schemeClr>
+              </a:lnRef>
+              <a:fillRef idx="1">
+                <a:schemeClr val="accent1"/>
+              </a:fillRef>
+              <a:effectRef idx="0">
+                <a:schemeClr val="accent1"/>
+              </a:effectRef>
+              <a:fontRef idx="minor">
+                <a:schemeClr val="lt1"/>
+              </a:fontRef>
+            </p:style>
+            <p:txBody>
+              <a:bodyPr rtlCol="0" anchor="ctr"/>
+              <a:lstStyle/>
+              <a:p>
+                <a:pPr algn="ctr"/>
+                <a:endParaRPr lang="en-US"/>
+              </a:p>
+            </p:txBody>
+          </p:sp>
+        </p:grpSp>
+        <p:pic>
+          <p:nvPicPr>
+            <p:cNvPr id="39" name="Immagine 38">
+              <a:extLst>
+                <a:ext uri="{FF2B5EF4-FFF2-40B4-BE49-F238E27FC236}">
+                  <a16:creationId xmlns:a16="http://schemas.microsoft.com/office/drawing/2014/main" id="{014F18AC-F523-4A15-ACBA-09F40D74AF5C}"/>
+                </a:ext>
+              </a:extLst>
+            </p:cNvPr>
+            <p:cNvPicPr preferRelativeResize="0">
+              <a:picLocks/>
+            </p:cNvPicPr>
+            <p:nvPr/>
+          </p:nvPicPr>
+          <p:blipFill rotWithShape="1">
+            <a:blip r:embed="rId5">
+              <a:extLst>
+                <a:ext uri="{28A0092B-C50C-407E-A947-70E740481C1C}">
+                  <a14:useLocalDpi xmlns:a14="http://schemas.microsoft.com/office/drawing/2010/main" val="0"/>
+                </a:ext>
+              </a:extLst>
+            </a:blip>
+            <a:srcRect t="4583"/>
+            <a:stretch/>
+          </p:blipFill>
+          <p:spPr>
+            <a:xfrm>
+              <a:off x="1410802" y="1632089"/>
+              <a:ext cx="2077200" cy="4248000"/>
+            </a:xfrm>
+            <a:prstGeom prst="rect">
+              <a:avLst/>
+            </a:prstGeom>
+          </p:spPr>
+        </p:pic>
+      </p:grpSp>
+    </p:spTree>
+    <p:extLst>
+      <p:ext uri="{BB962C8B-B14F-4D97-AF65-F5344CB8AC3E}">
+        <p14:creationId xmlns:p14="http://schemas.microsoft.com/office/powerpoint/2010/main" val="1749993750"/>
+      </p:ext>
+    </p:extLst>
+  </p:cSld>
+  <p:clrMapOvr>
+    <a:masterClrMapping/>
+  </p:clrMapOvr>
+  <mc:AlternateContent xmlns:mc="http://schemas.openxmlformats.org/markup-compatibility/2006" xmlns:p159="http://schemas.microsoft.com/office/powerpoint/2015/09/main">
+    <mc:Choice Requires="p159">
+      <p:transition xmlns:p14="http://schemas.microsoft.com/office/powerpoint/2010/main" spd="slow" p14:dur="2000">
+        <p159:morph option="byObject"/>
+      </p:transition>
+    </mc:Choice>
+    <mc:Fallback xmlns="">
+      <p:transition spd="slow">
+        <p:fade/>
+      </p:transition>
+    </mc:Fallback>
+  </mc:AlternateContent>
+</p:sld>
+</file>
+
+<file path=ppt/slides/slide15.xml><?xml version="1.0" encoding="utf-8"?>
 <p:sld xmlns:a="http://schemas.openxmlformats.org/drawingml/2006/main" xmlns:r="http://schemas.openxmlformats.org/officeDocument/2006/relationships" xmlns:p="http://schemas.openxmlformats.org/presentationml/2006/main">
   <p:cSld>
     <p:bg>
@@ -12039,6 +13729,7 @@
             <a:chOff x="-2979855" y="496957"/>
             <a:chExt cx="11236836" cy="11236836"/>
           </a:xfrm>
+          <a:effectLst/>
         </p:grpSpPr>
         <p:sp>
           <p:nvSpPr>
@@ -12152,15 +13843,28 @@
             <a:prstGeom prst="ellipse">
               <a:avLst/>
             </a:prstGeom>
-            <a:noFill/>
+            <a:ln w="63500" cap="rnd">
+              <a:noFill/>
+            </a:ln>
             <a:effectLst>
-              <a:glow rad="673100">
-                <a:schemeClr val="accent3">
-                  <a:satMod val="175000"/>
-                  <a:alpha val="27000"/>
-                </a:schemeClr>
-              </a:glow>
+              <a:outerShdw blurRad="381000" dist="292100" dir="5400000" sx="-80000" sy="-18000" rotWithShape="0">
+                <a:srgbClr val="000000">
+                  <a:alpha val="22000"/>
+                </a:srgbClr>
+              </a:outerShdw>
             </a:effectLst>
+            <a:scene3d>
+              <a:camera prst="orthographicFront"/>
+              <a:lightRig rig="contrasting" dir="t">
+                <a:rot lat="0" lon="0" rev="3000000"/>
+              </a:lightRig>
+            </a:scene3d>
+            <a:sp3d contourW="7620">
+              <a:bevelT w="95250" h="31750"/>
+              <a:contourClr>
+                <a:srgbClr val="333333"/>
+              </a:contourClr>
+            </a:sp3d>
             <a:extLst>
               <a:ext uri="{909E8E84-426E-40DD-AFC4-6F175D3DCCD1}">
                 <a14:hiddenFill xmlns:a14="http://schemas.microsoft.com/office/drawing/2010/main">
@@ -12206,15 +13910,22 @@
           <a:prstGeom prst="ellipse">
             <a:avLst/>
           </a:prstGeom>
-          <a:noFill/>
-          <a:effectLst>
-            <a:glow rad="673100">
-              <a:schemeClr val="accent3">
-                <a:satMod val="175000"/>
-                <a:alpha val="27000"/>
-              </a:schemeClr>
-            </a:glow>
-          </a:effectLst>
+          <a:ln w="63500" cap="rnd">
+            <a:noFill/>
+          </a:ln>
+          <a:effectLst/>
+          <a:scene3d>
+            <a:camera prst="orthographicFront"/>
+            <a:lightRig rig="contrasting" dir="t">
+              <a:rot lat="0" lon="0" rev="3000000"/>
+            </a:lightRig>
+          </a:scene3d>
+          <a:sp3d contourW="7620">
+            <a:bevelT w="95250" h="31750"/>
+            <a:contourClr>
+              <a:srgbClr val="333333"/>
+            </a:contourClr>
+          </a:sp3d>
           <a:extLst>
             <a:ext uri="{909E8E84-426E-40DD-AFC4-6F175D3DCCD1}">
               <a14:hiddenFill xmlns:a14="http://schemas.microsoft.com/office/drawing/2010/main">
@@ -12312,15 +14023,22 @@
           <a:prstGeom prst="ellipse">
             <a:avLst/>
           </a:prstGeom>
-          <a:noFill/>
-          <a:effectLst>
-            <a:glow rad="673100">
-              <a:schemeClr val="accent3">
-                <a:satMod val="175000"/>
-                <a:alpha val="27000"/>
-              </a:schemeClr>
-            </a:glow>
-          </a:effectLst>
+          <a:ln w="63500" cap="rnd">
+            <a:noFill/>
+          </a:ln>
+          <a:effectLst/>
+          <a:scene3d>
+            <a:camera prst="orthographicFront"/>
+            <a:lightRig rig="contrasting" dir="t">
+              <a:rot lat="0" lon="0" rev="3000000"/>
+            </a:lightRig>
+          </a:scene3d>
+          <a:sp3d contourW="7620">
+            <a:bevelT w="95250" h="31750"/>
+            <a:contourClr>
+              <a:srgbClr val="333333"/>
+            </a:contourClr>
+          </a:sp3d>
           <a:extLst>
             <a:ext uri="{909E8E84-426E-40DD-AFC4-6F175D3DCCD1}">
               <a14:hiddenFill xmlns:a14="http://schemas.microsoft.com/office/drawing/2010/main">
@@ -13019,7 +14737,7 @@
 </p:sld>
 </file>
 
-<file path=ppt/slides/slide15.xml><?xml version="1.0" encoding="utf-8"?>
+<file path=ppt/slides/slide16.xml><?xml version="1.0" encoding="utf-8"?>
 <p:sld xmlns:a="http://schemas.openxmlformats.org/drawingml/2006/main" xmlns:r="http://schemas.openxmlformats.org/officeDocument/2006/relationships" xmlns:p="http://schemas.openxmlformats.org/presentationml/2006/main">
   <p:cSld>
     <p:bg>
@@ -13886,7 +15604,19 @@
           <p:nvPr/>
         </p:nvPicPr>
         <p:blipFill rotWithShape="1">
-          <a:blip r:embed="rId4"/>
+          <a:blip r:embed="rId4">
+            <a:extLst>
+              <a:ext uri="{BEBA8EAE-BF5A-486C-A8C5-ECC9F3942E4B}">
+                <a14:imgProps xmlns:a14="http://schemas.microsoft.com/office/drawing/2010/main">
+                  <a14:imgLayer r:embed="rId5">
+                    <a14:imgEffect>
+                      <a14:sharpenSoften amount="-50000"/>
+                    </a14:imgEffect>
+                  </a14:imgLayer>
+                </a14:imgProps>
+              </a:ext>
+            </a:extLst>
+          </a:blip>
           <a:srcRect t="3129" b="5879"/>
           <a:stretch/>
         </p:blipFill>
@@ -13898,6 +15628,48 @@
           <a:prstGeom prst="rect">
             <a:avLst/>
           </a:prstGeom>
+        </p:spPr>
+      </p:pic>
+      <p:pic>
+        <p:nvPicPr>
+          <p:cNvPr id="15" name="Immagine 14">
+            <a:extLst>
+              <a:ext uri="{FF2B5EF4-FFF2-40B4-BE49-F238E27FC236}">
+                <a16:creationId xmlns:a16="http://schemas.microsoft.com/office/drawing/2014/main" id="{DA14FF4B-B846-4BEF-BE55-9AB5C9EB3FDA}"/>
+              </a:ext>
+            </a:extLst>
+          </p:cNvPr>
+          <p:cNvPicPr preferRelativeResize="0">
+            <a:picLocks/>
+          </p:cNvPicPr>
+          <p:nvPr/>
+        </p:nvPicPr>
+        <p:blipFill rotWithShape="1">
+          <a:blip r:embed="rId6"/>
+          <a:srcRect l="5184" t="40298" r="4525" b="39566"/>
+          <a:stretch/>
+        </p:blipFill>
+        <p:spPr>
+          <a:xfrm>
+            <a:off x="1510325" y="3367042"/>
+            <a:ext cx="1875512" cy="940037"/>
+          </a:xfrm>
+          <a:prstGeom prst="roundRect">
+            <a:avLst/>
+          </a:prstGeom>
+          <a:ln w="9525">
+            <a:solidFill>
+              <a:schemeClr val="bg1"/>
+            </a:solidFill>
+          </a:ln>
+          <a:effectLst>
+            <a:glow rad="228600">
+              <a:schemeClr val="accent3">
+                <a:satMod val="175000"/>
+                <a:alpha val="40000"/>
+              </a:schemeClr>
+            </a:glow>
+          </a:effectLst>
         </p:spPr>
       </p:pic>
     </p:spTree>
@@ -13925,7 +15697,7 @@
 </p:sld>
 </file>
 
-<file path=ppt/slides/slide16.xml><?xml version="1.0" encoding="utf-8"?>
+<file path=ppt/slides/slide17.xml><?xml version="1.0" encoding="utf-8"?>
 <p:sld xmlns:a="http://schemas.openxmlformats.org/drawingml/2006/main" xmlns:r="http://schemas.openxmlformats.org/officeDocument/2006/relationships" xmlns:p="http://schemas.openxmlformats.org/presentationml/2006/main">
   <p:cSld>
     <p:bg>
@@ -14823,15 +16595,22 @@
             <a:prstGeom prst="ellipse">
               <a:avLst/>
             </a:prstGeom>
-            <a:noFill/>
-            <a:effectLst>
-              <a:glow rad="673100">
-                <a:schemeClr val="accent3">
-                  <a:satMod val="175000"/>
-                  <a:alpha val="27000"/>
-                </a:schemeClr>
-              </a:glow>
-            </a:effectLst>
+            <a:ln w="63500" cap="rnd">
+              <a:noFill/>
+            </a:ln>
+            <a:effectLst/>
+            <a:scene3d>
+              <a:camera prst="orthographicFront"/>
+              <a:lightRig rig="contrasting" dir="t">
+                <a:rot lat="0" lon="0" rev="3000000"/>
+              </a:lightRig>
+            </a:scene3d>
+            <a:sp3d contourW="7620">
+              <a:bevelT w="95250" h="31750"/>
+              <a:contourClr>
+                <a:srgbClr val="333333"/>
+              </a:contourClr>
+            </a:sp3d>
             <a:extLst>
               <a:ext uri="{909E8E84-426E-40DD-AFC4-6F175D3DCCD1}">
                 <a14:hiddenFill xmlns:a14="http://schemas.microsoft.com/office/drawing/2010/main">
@@ -14877,15 +16656,22 @@
           <a:prstGeom prst="ellipse">
             <a:avLst/>
           </a:prstGeom>
-          <a:noFill/>
-          <a:effectLst>
-            <a:glow rad="673100">
-              <a:schemeClr val="accent3">
-                <a:satMod val="175000"/>
-                <a:alpha val="27000"/>
-              </a:schemeClr>
-            </a:glow>
-          </a:effectLst>
+          <a:ln w="63500" cap="rnd">
+            <a:noFill/>
+          </a:ln>
+          <a:effectLst/>
+          <a:scene3d>
+            <a:camera prst="orthographicFront"/>
+            <a:lightRig rig="contrasting" dir="t">
+              <a:rot lat="0" lon="0" rev="3000000"/>
+            </a:lightRig>
+          </a:scene3d>
+          <a:sp3d contourW="7620">
+            <a:bevelT w="95250" h="31750"/>
+            <a:contourClr>
+              <a:srgbClr val="333333"/>
+            </a:contourClr>
+          </a:sp3d>
           <a:extLst>
             <a:ext uri="{909E8E84-426E-40DD-AFC4-6F175D3DCCD1}">
               <a14:hiddenFill xmlns:a14="http://schemas.microsoft.com/office/drawing/2010/main">
@@ -14930,15 +16716,22 @@
           <a:prstGeom prst="ellipse">
             <a:avLst/>
           </a:prstGeom>
-          <a:noFill/>
-          <a:effectLst>
-            <a:glow rad="673100">
-              <a:schemeClr val="accent3">
-                <a:satMod val="175000"/>
-                <a:alpha val="27000"/>
-              </a:schemeClr>
-            </a:glow>
-          </a:effectLst>
+          <a:ln w="63500" cap="rnd">
+            <a:noFill/>
+          </a:ln>
+          <a:effectLst/>
+          <a:scene3d>
+            <a:camera prst="orthographicFront"/>
+            <a:lightRig rig="contrasting" dir="t">
+              <a:rot lat="0" lon="0" rev="3000000"/>
+            </a:lightRig>
+          </a:scene3d>
+          <a:sp3d contourW="7620">
+            <a:bevelT w="95250" h="31750"/>
+            <a:contourClr>
+              <a:srgbClr val="333333"/>
+            </a:contourClr>
+          </a:sp3d>
           <a:extLst>
             <a:ext uri="{909E8E84-426E-40DD-AFC4-6F175D3DCCD1}">
               <a14:hiddenFill xmlns:a14="http://schemas.microsoft.com/office/drawing/2010/main">
@@ -15690,7 +17483,7 @@
 </p:sld>
 </file>
 
-<file path=ppt/slides/slide17.xml><?xml version="1.0" encoding="utf-8"?>
+<file path=ppt/slides/slide18.xml><?xml version="1.0" encoding="utf-8"?>
 <p:sld xmlns:a="http://schemas.openxmlformats.org/drawingml/2006/main" xmlns:r="http://schemas.openxmlformats.org/officeDocument/2006/relationships" xmlns:p="http://schemas.openxmlformats.org/presentationml/2006/main">
   <p:cSld>
     <p:bg>
@@ -16192,51 +17985,6 @@
           </p:txBody>
         </p:sp>
       </p:grpSp>
-      <p:pic>
-        <p:nvPicPr>
-          <p:cNvPr id="6" name="Picture 2">
-            <a:extLst>
-              <a:ext uri="{FF2B5EF4-FFF2-40B4-BE49-F238E27FC236}">
-                <a16:creationId xmlns:a16="http://schemas.microsoft.com/office/drawing/2014/main" id="{7E6EEE96-93FE-A8B1-4E5D-6E17E0AE92D2}"/>
-              </a:ext>
-            </a:extLst>
-          </p:cNvPr>
-          <p:cNvPicPr>
-            <a:picLocks noChangeAspect="1" noChangeArrowheads="1"/>
-          </p:cNvPicPr>
-          <p:nvPr/>
-        </p:nvPicPr>
-        <p:blipFill rotWithShape="1">
-          <a:blip r:embed="rId4">
-            <a:extLst>
-              <a:ext uri="{28A0092B-C50C-407E-A947-70E740481C1C}">
-                <a14:useLocalDpi xmlns:a14="http://schemas.microsoft.com/office/drawing/2010/main" val="0"/>
-              </a:ext>
-            </a:extLst>
-          </a:blip>
-          <a:srcRect t="4196" b="3756"/>
-          <a:stretch/>
-        </p:blipFill>
-        <p:spPr bwMode="auto">
-          <a:xfrm>
-            <a:off x="1410802" y="1632374"/>
-            <a:ext cx="2076450" cy="4247430"/>
-          </a:xfrm>
-          <a:prstGeom prst="rect">
-            <a:avLst/>
-          </a:prstGeom>
-          <a:noFill/>
-          <a:extLst>
-            <a:ext uri="{909E8E84-426E-40DD-AFC4-6F175D3DCCD1}">
-              <a14:hiddenFill xmlns:a14="http://schemas.microsoft.com/office/drawing/2010/main">
-                <a:solidFill>
-                  <a:srgbClr val="FFFFFF"/>
-                </a:solidFill>
-              </a14:hiddenFill>
-            </a:ext>
-          </a:extLst>
-        </p:spPr>
-      </p:pic>
       <p:sp>
         <p:nvSpPr>
           <p:cNvPr id="10" name="TextBox 4">
@@ -16587,6 +18335,89 @@
           </a:p>
         </p:txBody>
       </p:sp>
+      <p:pic>
+        <p:nvPicPr>
+          <p:cNvPr id="14" name="Immagine 13">
+            <a:extLst>
+              <a:ext uri="{FF2B5EF4-FFF2-40B4-BE49-F238E27FC236}">
+                <a16:creationId xmlns:a16="http://schemas.microsoft.com/office/drawing/2014/main" id="{657271E0-AFB0-40C3-B580-36B066A9F0EC}"/>
+              </a:ext>
+            </a:extLst>
+          </p:cNvPr>
+          <p:cNvPicPr preferRelativeResize="0">
+            <a:picLocks/>
+          </p:cNvPicPr>
+          <p:nvPr/>
+        </p:nvPicPr>
+        <p:blipFill rotWithShape="1">
+          <a:blip r:embed="rId4">
+            <a:extLst>
+              <a:ext uri="{BEBA8EAE-BF5A-486C-A8C5-ECC9F3942E4B}">
+                <a14:imgProps xmlns:a14="http://schemas.microsoft.com/office/drawing/2010/main">
+                  <a14:imgLayer r:embed="rId5">
+                    <a14:imgEffect>
+                      <a14:sharpenSoften amount="-50000"/>
+                    </a14:imgEffect>
+                  </a14:imgLayer>
+                </a14:imgProps>
+              </a:ext>
+            </a:extLst>
+          </a:blip>
+          <a:srcRect t="3129" b="5879"/>
+          <a:stretch/>
+        </p:blipFill>
+        <p:spPr>
+          <a:xfrm>
+            <a:off x="1409481" y="1632089"/>
+            <a:ext cx="2077200" cy="4248000"/>
+          </a:xfrm>
+          <a:prstGeom prst="rect">
+            <a:avLst/>
+          </a:prstGeom>
+        </p:spPr>
+      </p:pic>
+      <p:pic>
+        <p:nvPicPr>
+          <p:cNvPr id="15" name="Immagine 14">
+            <a:extLst>
+              <a:ext uri="{FF2B5EF4-FFF2-40B4-BE49-F238E27FC236}">
+                <a16:creationId xmlns:a16="http://schemas.microsoft.com/office/drawing/2014/main" id="{8DBCC810-2614-4EA4-BF76-28863F831C2A}"/>
+              </a:ext>
+            </a:extLst>
+          </p:cNvPr>
+          <p:cNvPicPr preferRelativeResize="0">
+            <a:picLocks/>
+          </p:cNvPicPr>
+          <p:nvPr/>
+        </p:nvPicPr>
+        <p:blipFill rotWithShape="1">
+          <a:blip r:embed="rId6"/>
+          <a:srcRect l="5184" t="59779" r="4525" b="9753"/>
+          <a:stretch/>
+        </p:blipFill>
+        <p:spPr>
+          <a:xfrm>
+            <a:off x="1510325" y="4276436"/>
+            <a:ext cx="1875512" cy="1422400"/>
+          </a:xfrm>
+          <a:prstGeom prst="roundRect">
+            <a:avLst/>
+          </a:prstGeom>
+          <a:ln w="9525">
+            <a:solidFill>
+              <a:schemeClr val="bg1"/>
+            </a:solidFill>
+          </a:ln>
+          <a:effectLst>
+            <a:glow rad="228600">
+              <a:schemeClr val="accent3">
+                <a:satMod val="175000"/>
+                <a:alpha val="40000"/>
+              </a:schemeClr>
+            </a:glow>
+          </a:effectLst>
+        </p:spPr>
+      </p:pic>
     </p:spTree>
     <p:extLst>
       <p:ext uri="{BB962C8B-B14F-4D97-AF65-F5344CB8AC3E}">
@@ -16612,7 +18443,7 @@
 </p:sld>
 </file>
 
-<file path=ppt/slides/slide18.xml><?xml version="1.0" encoding="utf-8"?>
+<file path=ppt/slides/slide19.xml><?xml version="1.0" encoding="utf-8"?>
 <p:sld xmlns:a="http://schemas.openxmlformats.org/drawingml/2006/main" xmlns:r="http://schemas.openxmlformats.org/officeDocument/2006/relationships" xmlns:p="http://schemas.openxmlformats.org/presentationml/2006/main">
   <p:cSld>
     <p:bg>
@@ -18377,7 +20208,1999 @@
 </p:sld>
 </file>
 
-<file path=ppt/slides/slide19.xml><?xml version="1.0" encoding="utf-8"?>
+<file path=ppt/slides/slide2.xml><?xml version="1.0" encoding="utf-8"?>
+<p:sld xmlns:a="http://schemas.openxmlformats.org/drawingml/2006/main" xmlns:r="http://schemas.openxmlformats.org/officeDocument/2006/relationships" xmlns:p="http://schemas.openxmlformats.org/presentationml/2006/main">
+  <p:cSld>
+    <p:bg>
+      <p:bgPr>
+        <a:solidFill>
+          <a:schemeClr val="tx1"/>
+        </a:solidFill>
+        <a:effectLst/>
+      </p:bgPr>
+    </p:bg>
+    <p:spTree>
+      <p:nvGrpSpPr>
+        <p:cNvPr id="1" name=""/>
+        <p:cNvGrpSpPr/>
+        <p:nvPr/>
+      </p:nvGrpSpPr>
+      <p:grpSpPr>
+        <a:xfrm>
+          <a:off x="0" y="0"/>
+          <a:ext cx="0" cy="0"/>
+          <a:chOff x="0" y="0"/>
+          <a:chExt cx="0" cy="0"/>
+        </a:xfrm>
+      </p:grpSpPr>
+      <p:sp>
+        <p:nvSpPr>
+          <p:cNvPr id="86" name="Oval 85">
+            <a:extLst>
+              <a:ext uri="{FF2B5EF4-FFF2-40B4-BE49-F238E27FC236}">
+                <a16:creationId xmlns:a16="http://schemas.microsoft.com/office/drawing/2014/main" id="{78D83E90-C81B-3639-E855-6BA237B1E72F}"/>
+              </a:ext>
+            </a:extLst>
+          </p:cNvPr>
+          <p:cNvSpPr/>
+          <p:nvPr/>
+        </p:nvSpPr>
+        <p:spPr>
+          <a:xfrm>
+            <a:off x="5633915" y="2601155"/>
+            <a:ext cx="924172" cy="924172"/>
+          </a:xfrm>
+          <a:prstGeom prst="ellipse">
+            <a:avLst/>
+          </a:prstGeom>
+          <a:solidFill>
+            <a:srgbClr val="51DEF1"/>
+          </a:solidFill>
+          <a:ln>
+            <a:noFill/>
+          </a:ln>
+        </p:spPr>
+        <p:style>
+          <a:lnRef idx="2">
+            <a:schemeClr val="accent1">
+              <a:shade val="50000"/>
+            </a:schemeClr>
+          </a:lnRef>
+          <a:fillRef idx="1">
+            <a:schemeClr val="accent1"/>
+          </a:fillRef>
+          <a:effectRef idx="0">
+            <a:schemeClr val="accent1"/>
+          </a:effectRef>
+          <a:fontRef idx="minor">
+            <a:schemeClr val="lt1"/>
+          </a:fontRef>
+        </p:style>
+        <p:txBody>
+          <a:bodyPr rtlCol="0" anchor="ctr"/>
+          <a:lstStyle/>
+          <a:p>
+            <a:pPr algn="ctr"/>
+            <a:endParaRPr lang="en-US"/>
+          </a:p>
+        </p:txBody>
+      </p:sp>
+      <p:grpSp>
+        <p:nvGrpSpPr>
+          <p:cNvPr id="34" name="Group 33">
+            <a:extLst>
+              <a:ext uri="{FF2B5EF4-FFF2-40B4-BE49-F238E27FC236}">
+                <a16:creationId xmlns:a16="http://schemas.microsoft.com/office/drawing/2014/main" id="{E4AECE5B-C198-1D2E-0B59-F71C3CC7DD63}"/>
+              </a:ext>
+            </a:extLst>
+          </p:cNvPr>
+          <p:cNvGrpSpPr/>
+          <p:nvPr/>
+        </p:nvGrpSpPr>
+        <p:grpSpPr>
+          <a:xfrm>
+            <a:off x="4543331" y="418722"/>
+            <a:ext cx="3105339" cy="6020555"/>
+            <a:chOff x="4543331" y="418722"/>
+            <a:chExt cx="3105339" cy="6020555"/>
+          </a:xfrm>
+        </p:grpSpPr>
+        <p:sp>
+          <p:nvSpPr>
+            <p:cNvPr id="4" name="Rectangle: Rounded Corners 3">
+              <a:extLst>
+                <a:ext uri="{FF2B5EF4-FFF2-40B4-BE49-F238E27FC236}">
+                  <a16:creationId xmlns:a16="http://schemas.microsoft.com/office/drawing/2014/main" id="{6DF4D93C-C068-A151-6051-BB6949C92392}"/>
+                </a:ext>
+              </a:extLst>
+            </p:cNvPr>
+            <p:cNvSpPr/>
+            <p:nvPr/>
+          </p:nvSpPr>
+          <p:spPr>
+            <a:xfrm>
+              <a:off x="4543331" y="418723"/>
+              <a:ext cx="3105339" cy="6020554"/>
+            </a:xfrm>
+            <a:prstGeom prst="roundRect">
+              <a:avLst>
+                <a:gd name="adj" fmla="val 15514"/>
+              </a:avLst>
+            </a:prstGeom>
+            <a:solidFill>
+              <a:schemeClr val="bg1"/>
+            </a:solidFill>
+            <a:ln>
+              <a:noFill/>
+            </a:ln>
+          </p:spPr>
+          <p:style>
+            <a:lnRef idx="2">
+              <a:schemeClr val="accent1">
+                <a:shade val="50000"/>
+              </a:schemeClr>
+            </a:lnRef>
+            <a:fillRef idx="1">
+              <a:schemeClr val="accent1"/>
+            </a:fillRef>
+            <a:effectRef idx="0">
+              <a:schemeClr val="accent1"/>
+            </a:effectRef>
+            <a:fontRef idx="minor">
+              <a:schemeClr val="lt1"/>
+            </a:fontRef>
+          </p:style>
+          <p:txBody>
+            <a:bodyPr rtlCol="0" anchor="ctr"/>
+            <a:lstStyle/>
+            <a:p>
+              <a:pPr algn="ctr"/>
+              <a:endParaRPr lang="en-US"/>
+            </a:p>
+          </p:txBody>
+        </p:sp>
+        <p:sp>
+          <p:nvSpPr>
+            <p:cNvPr id="21" name="Rectangle: Rounded Corners 20">
+              <a:extLst>
+                <a:ext uri="{FF2B5EF4-FFF2-40B4-BE49-F238E27FC236}">
+                  <a16:creationId xmlns:a16="http://schemas.microsoft.com/office/drawing/2014/main" id="{4998D1AF-F49C-07BA-BFD6-0114085DBD32}"/>
+                </a:ext>
+              </a:extLst>
+            </p:cNvPr>
+            <p:cNvSpPr/>
+            <p:nvPr/>
+          </p:nvSpPr>
+          <p:spPr>
+            <a:xfrm>
+              <a:off x="4618628" y="505838"/>
+              <a:ext cx="2954744" cy="5858748"/>
+            </a:xfrm>
+            <a:prstGeom prst="roundRect">
+              <a:avLst>
+                <a:gd name="adj" fmla="val 15247"/>
+              </a:avLst>
+            </a:prstGeom>
+            <a:solidFill>
+              <a:schemeClr val="tx1"/>
+            </a:solidFill>
+            <a:ln>
+              <a:noFill/>
+            </a:ln>
+          </p:spPr>
+          <p:style>
+            <a:lnRef idx="2">
+              <a:schemeClr val="accent1">
+                <a:shade val="50000"/>
+              </a:schemeClr>
+            </a:lnRef>
+            <a:fillRef idx="1">
+              <a:schemeClr val="accent1"/>
+            </a:fillRef>
+            <a:effectRef idx="0">
+              <a:schemeClr val="accent1"/>
+            </a:effectRef>
+            <a:fontRef idx="minor">
+              <a:schemeClr val="lt1"/>
+            </a:fontRef>
+          </p:style>
+          <p:txBody>
+            <a:bodyPr rtlCol="0" anchor="ctr"/>
+            <a:lstStyle/>
+            <a:p>
+              <a:pPr algn="ctr"/>
+              <a:endParaRPr lang="en-US"/>
+            </a:p>
+          </p:txBody>
+        </p:sp>
+        <p:sp>
+          <p:nvSpPr>
+            <p:cNvPr id="22" name="Rectangle: Top Corners Rounded 21">
+              <a:extLst>
+                <a:ext uri="{FF2B5EF4-FFF2-40B4-BE49-F238E27FC236}">
+                  <a16:creationId xmlns:a16="http://schemas.microsoft.com/office/drawing/2014/main" id="{D613D425-45ED-F03D-2CCE-493C45ED700C}"/>
+                </a:ext>
+              </a:extLst>
+            </p:cNvPr>
+            <p:cNvSpPr/>
+            <p:nvPr/>
+          </p:nvSpPr>
+          <p:spPr>
+            <a:xfrm rot="10800000">
+              <a:off x="5226996" y="418722"/>
+              <a:ext cx="1738008" cy="291069"/>
+            </a:xfrm>
+            <a:prstGeom prst="round2SameRect">
+              <a:avLst>
+                <a:gd name="adj1" fmla="val 50000"/>
+                <a:gd name="adj2" fmla="val 0"/>
+              </a:avLst>
+            </a:prstGeom>
+            <a:solidFill>
+              <a:schemeClr val="bg1"/>
+            </a:solidFill>
+            <a:ln>
+              <a:noFill/>
+            </a:ln>
+          </p:spPr>
+          <p:style>
+            <a:lnRef idx="2">
+              <a:schemeClr val="accent1">
+                <a:shade val="50000"/>
+              </a:schemeClr>
+            </a:lnRef>
+            <a:fillRef idx="1">
+              <a:schemeClr val="accent1"/>
+            </a:fillRef>
+            <a:effectRef idx="0">
+              <a:schemeClr val="accent1"/>
+            </a:effectRef>
+            <a:fontRef idx="minor">
+              <a:schemeClr val="lt1"/>
+            </a:fontRef>
+          </p:style>
+          <p:txBody>
+            <a:bodyPr rtlCol="0" anchor="ctr"/>
+            <a:lstStyle/>
+            <a:p>
+              <a:pPr algn="ctr"/>
+              <a:endParaRPr lang="en-US"/>
+            </a:p>
+          </p:txBody>
+        </p:sp>
+      </p:grpSp>
+      <p:sp>
+        <p:nvSpPr>
+          <p:cNvPr id="33" name="Rectangle: Rounded Corners 32">
+            <a:extLst>
+              <a:ext uri="{FF2B5EF4-FFF2-40B4-BE49-F238E27FC236}">
+                <a16:creationId xmlns:a16="http://schemas.microsoft.com/office/drawing/2014/main" id="{D1A91F40-21E2-13C8-6FAB-2DF742D0F679}"/>
+              </a:ext>
+            </a:extLst>
+          </p:cNvPr>
+          <p:cNvSpPr/>
+          <p:nvPr/>
+        </p:nvSpPr>
+        <p:spPr>
+          <a:xfrm>
+            <a:off x="4689695" y="5033727"/>
+            <a:ext cx="2788467" cy="1077362"/>
+          </a:xfrm>
+          <a:prstGeom prst="roundRect">
+            <a:avLst>
+              <a:gd name="adj" fmla="val 31793"/>
+            </a:avLst>
+          </a:prstGeom>
+          <a:solidFill>
+            <a:schemeClr val="tx1">
+              <a:lumMod val="75000"/>
+              <a:lumOff val="25000"/>
+            </a:schemeClr>
+          </a:solidFill>
+          <a:ln>
+            <a:noFill/>
+          </a:ln>
+        </p:spPr>
+        <p:style>
+          <a:lnRef idx="2">
+            <a:schemeClr val="accent1">
+              <a:shade val="50000"/>
+            </a:schemeClr>
+          </a:lnRef>
+          <a:fillRef idx="1">
+            <a:schemeClr val="accent1"/>
+          </a:fillRef>
+          <a:effectRef idx="0">
+            <a:schemeClr val="accent1"/>
+          </a:effectRef>
+          <a:fontRef idx="minor">
+            <a:schemeClr val="lt1"/>
+          </a:fontRef>
+        </p:style>
+        <p:txBody>
+          <a:bodyPr rtlCol="0" anchor="ctr"/>
+          <a:lstStyle/>
+          <a:p>
+            <a:pPr algn="ctr"/>
+            <a:endParaRPr lang="en-US"/>
+          </a:p>
+        </p:txBody>
+      </p:sp>
+      <p:grpSp>
+        <p:nvGrpSpPr>
+          <p:cNvPr id="82" name="Group 81">
+            <a:extLst>
+              <a:ext uri="{FF2B5EF4-FFF2-40B4-BE49-F238E27FC236}">
+                <a16:creationId xmlns:a16="http://schemas.microsoft.com/office/drawing/2014/main" id="{CCBDE861-F9B8-B213-CDCA-79BD4153E4F1}"/>
+              </a:ext>
+            </a:extLst>
+          </p:cNvPr>
+          <p:cNvGrpSpPr/>
+          <p:nvPr/>
+        </p:nvGrpSpPr>
+        <p:grpSpPr>
+          <a:xfrm>
+            <a:off x="5698925" y="5178054"/>
+            <a:ext cx="798604" cy="798604"/>
+            <a:chOff x="5698925" y="5178054"/>
+            <a:chExt cx="798604" cy="798604"/>
+          </a:xfrm>
+        </p:grpSpPr>
+        <p:sp>
+          <p:nvSpPr>
+            <p:cNvPr id="29" name="Rectangle: Rounded Corners 28">
+              <a:extLst>
+                <a:ext uri="{FF2B5EF4-FFF2-40B4-BE49-F238E27FC236}">
+                  <a16:creationId xmlns:a16="http://schemas.microsoft.com/office/drawing/2014/main" id="{2286A69F-164A-F6F9-F2C1-0B692D910ABB}"/>
+                </a:ext>
+              </a:extLst>
+            </p:cNvPr>
+            <p:cNvSpPr/>
+            <p:nvPr/>
+          </p:nvSpPr>
+          <p:spPr>
+            <a:xfrm>
+              <a:off x="5698925" y="5178054"/>
+              <a:ext cx="798604" cy="798604"/>
+            </a:xfrm>
+            <a:prstGeom prst="roundRect">
+              <a:avLst>
+                <a:gd name="adj" fmla="val 16065"/>
+              </a:avLst>
+            </a:prstGeom>
+            <a:solidFill>
+              <a:srgbClr val="1399C3"/>
+            </a:solidFill>
+            <a:ln>
+              <a:noFill/>
+            </a:ln>
+          </p:spPr>
+          <p:style>
+            <a:lnRef idx="2">
+              <a:schemeClr val="accent1">
+                <a:shade val="50000"/>
+              </a:schemeClr>
+            </a:lnRef>
+            <a:fillRef idx="1">
+              <a:schemeClr val="accent1"/>
+            </a:fillRef>
+            <a:effectRef idx="0">
+              <a:schemeClr val="accent1"/>
+            </a:effectRef>
+            <a:fontRef idx="minor">
+              <a:schemeClr val="lt1"/>
+            </a:fontRef>
+          </p:style>
+          <p:txBody>
+            <a:bodyPr rtlCol="0" anchor="ctr"/>
+            <a:lstStyle/>
+            <a:p>
+              <a:pPr algn="ctr"/>
+              <a:endParaRPr lang="en-US"/>
+            </a:p>
+          </p:txBody>
+        </p:sp>
+        <p:pic>
+          <p:nvPicPr>
+            <p:cNvPr id="37" name="Graphic 36" descr="Envelope with solid fill">
+              <a:extLst>
+                <a:ext uri="{FF2B5EF4-FFF2-40B4-BE49-F238E27FC236}">
+                  <a16:creationId xmlns:a16="http://schemas.microsoft.com/office/drawing/2014/main" id="{20296A5A-AE20-E766-8205-C2D666171558}"/>
+                </a:ext>
+              </a:extLst>
+            </p:cNvPr>
+            <p:cNvPicPr>
+              <a:picLocks noChangeAspect="1"/>
+            </p:cNvPicPr>
+            <p:nvPr/>
+          </p:nvPicPr>
+          <p:blipFill>
+            <a:blip r:embed="rId2">
+              <a:extLst>
+                <a:ext uri="{28A0092B-C50C-407E-A947-70E740481C1C}">
+                  <a14:useLocalDpi xmlns:a14="http://schemas.microsoft.com/office/drawing/2010/main" val="0"/>
+                </a:ext>
+                <a:ext uri="{96DAC541-7B7A-43D3-8B79-37D633B846F1}">
+                  <asvg:svgBlip xmlns:asvg="http://schemas.microsoft.com/office/drawing/2016/SVG/main" r:embed="rId3"/>
+                </a:ext>
+              </a:extLst>
+            </a:blip>
+            <a:stretch>
+              <a:fillRect/>
+            </a:stretch>
+          </p:blipFill>
+          <p:spPr>
+            <a:xfrm>
+              <a:off x="5793883" y="5277820"/>
+              <a:ext cx="605018" cy="605018"/>
+            </a:xfrm>
+            <a:prstGeom prst="rect">
+              <a:avLst/>
+            </a:prstGeom>
+          </p:spPr>
+        </p:pic>
+      </p:grpSp>
+      <p:grpSp>
+        <p:nvGrpSpPr>
+          <p:cNvPr id="81" name="Group 80">
+            <a:extLst>
+              <a:ext uri="{FF2B5EF4-FFF2-40B4-BE49-F238E27FC236}">
+                <a16:creationId xmlns:a16="http://schemas.microsoft.com/office/drawing/2014/main" id="{4161F7C0-AC0E-968A-E258-5A1C11DA2ADE}"/>
+              </a:ext>
+            </a:extLst>
+          </p:cNvPr>
+          <p:cNvGrpSpPr/>
+          <p:nvPr/>
+        </p:nvGrpSpPr>
+        <p:grpSpPr>
+          <a:xfrm>
+            <a:off x="4854092" y="5178054"/>
+            <a:ext cx="798604" cy="798604"/>
+            <a:chOff x="4854092" y="5178054"/>
+            <a:chExt cx="798604" cy="798604"/>
+          </a:xfrm>
+        </p:grpSpPr>
+        <p:sp>
+          <p:nvSpPr>
+            <p:cNvPr id="28" name="Rectangle: Rounded Corners 27">
+              <a:extLst>
+                <a:ext uri="{FF2B5EF4-FFF2-40B4-BE49-F238E27FC236}">
+                  <a16:creationId xmlns:a16="http://schemas.microsoft.com/office/drawing/2014/main" id="{073E6358-FE21-EB27-6D6D-E6F23AE7B8EB}"/>
+                </a:ext>
+              </a:extLst>
+            </p:cNvPr>
+            <p:cNvSpPr/>
+            <p:nvPr/>
+          </p:nvSpPr>
+          <p:spPr>
+            <a:xfrm>
+              <a:off x="4854092" y="5178054"/>
+              <a:ext cx="798604" cy="798604"/>
+            </a:xfrm>
+            <a:prstGeom prst="roundRect">
+              <a:avLst>
+                <a:gd name="adj" fmla="val 16065"/>
+              </a:avLst>
+            </a:prstGeom>
+            <a:solidFill>
+              <a:srgbClr val="6FE34F"/>
+            </a:solidFill>
+            <a:ln>
+              <a:noFill/>
+            </a:ln>
+          </p:spPr>
+          <p:style>
+            <a:lnRef idx="2">
+              <a:schemeClr val="accent1">
+                <a:shade val="50000"/>
+              </a:schemeClr>
+            </a:lnRef>
+            <a:fillRef idx="1">
+              <a:schemeClr val="accent1"/>
+            </a:fillRef>
+            <a:effectRef idx="0">
+              <a:schemeClr val="accent1"/>
+            </a:effectRef>
+            <a:fontRef idx="minor">
+              <a:schemeClr val="lt1"/>
+            </a:fontRef>
+          </p:style>
+          <p:txBody>
+            <a:bodyPr rtlCol="0" anchor="ctr"/>
+            <a:lstStyle/>
+            <a:p>
+              <a:pPr algn="ctr"/>
+              <a:endParaRPr lang="en-US"/>
+            </a:p>
+          </p:txBody>
+        </p:sp>
+        <p:pic>
+          <p:nvPicPr>
+            <p:cNvPr id="39" name="Graphic 38" descr="Chat with solid fill">
+              <a:extLst>
+                <a:ext uri="{FF2B5EF4-FFF2-40B4-BE49-F238E27FC236}">
+                  <a16:creationId xmlns:a16="http://schemas.microsoft.com/office/drawing/2014/main" id="{94E4ADF9-48D7-1962-D90C-8373DF47E67B}"/>
+                </a:ext>
+              </a:extLst>
+            </p:cNvPr>
+            <p:cNvPicPr>
+              <a:picLocks noChangeAspect="1"/>
+            </p:cNvPicPr>
+            <p:nvPr/>
+          </p:nvPicPr>
+          <p:blipFill>
+            <a:blip r:embed="rId4">
+              <a:extLst>
+                <a:ext uri="{28A0092B-C50C-407E-A947-70E740481C1C}">
+                  <a14:useLocalDpi xmlns:a14="http://schemas.microsoft.com/office/drawing/2010/main" val="0"/>
+                </a:ext>
+                <a:ext uri="{96DAC541-7B7A-43D3-8B79-37D633B846F1}">
+                  <asvg:svgBlip xmlns:asvg="http://schemas.microsoft.com/office/drawing/2016/SVG/main" r:embed="rId5"/>
+                </a:ext>
+              </a:extLst>
+            </a:blip>
+            <a:stretch>
+              <a:fillRect/>
+            </a:stretch>
+          </p:blipFill>
+          <p:spPr>
+            <a:xfrm>
+              <a:off x="4885339" y="5252648"/>
+              <a:ext cx="714958" cy="714958"/>
+            </a:xfrm>
+            <a:prstGeom prst="rect">
+              <a:avLst/>
+            </a:prstGeom>
+          </p:spPr>
+        </p:pic>
+      </p:grpSp>
+      <p:grpSp>
+        <p:nvGrpSpPr>
+          <p:cNvPr id="83" name="Group 82">
+            <a:extLst>
+              <a:ext uri="{FF2B5EF4-FFF2-40B4-BE49-F238E27FC236}">
+                <a16:creationId xmlns:a16="http://schemas.microsoft.com/office/drawing/2014/main" id="{D578A30C-F8D5-52D5-FB6C-370BA44520F0}"/>
+              </a:ext>
+            </a:extLst>
+          </p:cNvPr>
+          <p:cNvGrpSpPr/>
+          <p:nvPr/>
+        </p:nvGrpSpPr>
+        <p:grpSpPr>
+          <a:xfrm>
+            <a:off x="6543756" y="5178054"/>
+            <a:ext cx="798604" cy="798604"/>
+            <a:chOff x="6543756" y="5178054"/>
+            <a:chExt cx="798604" cy="798604"/>
+          </a:xfrm>
+        </p:grpSpPr>
+        <p:sp>
+          <p:nvSpPr>
+            <p:cNvPr id="30" name="Rectangle: Rounded Corners 29">
+              <a:extLst>
+                <a:ext uri="{FF2B5EF4-FFF2-40B4-BE49-F238E27FC236}">
+                  <a16:creationId xmlns:a16="http://schemas.microsoft.com/office/drawing/2014/main" id="{2E3F108C-4EC2-88DB-FAF3-7F55B204AC9E}"/>
+                </a:ext>
+              </a:extLst>
+            </p:cNvPr>
+            <p:cNvSpPr/>
+            <p:nvPr/>
+          </p:nvSpPr>
+          <p:spPr>
+            <a:xfrm>
+              <a:off x="6543756" y="5178054"/>
+              <a:ext cx="798604" cy="798604"/>
+            </a:xfrm>
+            <a:prstGeom prst="roundRect">
+              <a:avLst>
+                <a:gd name="adj" fmla="val 16065"/>
+              </a:avLst>
+            </a:prstGeom>
+            <a:solidFill>
+              <a:schemeClr val="bg1"/>
+            </a:solidFill>
+            <a:ln>
+              <a:noFill/>
+            </a:ln>
+          </p:spPr>
+          <p:style>
+            <a:lnRef idx="2">
+              <a:schemeClr val="accent1">
+                <a:shade val="50000"/>
+              </a:schemeClr>
+            </a:lnRef>
+            <a:fillRef idx="1">
+              <a:schemeClr val="accent1"/>
+            </a:fillRef>
+            <a:effectRef idx="0">
+              <a:schemeClr val="accent1"/>
+            </a:effectRef>
+            <a:fontRef idx="minor">
+              <a:schemeClr val="lt1"/>
+            </a:fontRef>
+          </p:style>
+          <p:txBody>
+            <a:bodyPr rtlCol="0" anchor="ctr"/>
+            <a:lstStyle/>
+            <a:p>
+              <a:pPr algn="ctr"/>
+              <a:endParaRPr lang="en-US"/>
+            </a:p>
+          </p:txBody>
+        </p:sp>
+        <p:pic>
+          <p:nvPicPr>
+            <p:cNvPr id="41" name="Graphic 40" descr="Camera with solid fill">
+              <a:extLst>
+                <a:ext uri="{FF2B5EF4-FFF2-40B4-BE49-F238E27FC236}">
+                  <a16:creationId xmlns:a16="http://schemas.microsoft.com/office/drawing/2014/main" id="{805996E9-DA3C-7A21-05F6-B563AE24C79F}"/>
+                </a:ext>
+              </a:extLst>
+            </p:cNvPr>
+            <p:cNvPicPr>
+              <a:picLocks noChangeAspect="1"/>
+            </p:cNvPicPr>
+            <p:nvPr/>
+          </p:nvPicPr>
+          <p:blipFill>
+            <a:blip r:embed="rId6">
+              <a:extLst>
+                <a:ext uri="{28A0092B-C50C-407E-A947-70E740481C1C}">
+                  <a14:useLocalDpi xmlns:a14="http://schemas.microsoft.com/office/drawing/2010/main" val="0"/>
+                </a:ext>
+                <a:ext uri="{96DAC541-7B7A-43D3-8B79-37D633B846F1}">
+                  <asvg:svgBlip xmlns:asvg="http://schemas.microsoft.com/office/drawing/2016/SVG/main" r:embed="rId7"/>
+                </a:ext>
+              </a:extLst>
+            </a:blip>
+            <a:stretch>
+              <a:fillRect/>
+            </a:stretch>
+          </p:blipFill>
+          <p:spPr>
+            <a:xfrm>
+              <a:off x="6614186" y="5258148"/>
+              <a:ext cx="642796" cy="642796"/>
+            </a:xfrm>
+            <a:prstGeom prst="rect">
+              <a:avLst/>
+            </a:prstGeom>
+          </p:spPr>
+        </p:pic>
+      </p:grpSp>
+      <p:grpSp>
+        <p:nvGrpSpPr>
+          <p:cNvPr id="84" name="Group 83">
+            <a:extLst>
+              <a:ext uri="{FF2B5EF4-FFF2-40B4-BE49-F238E27FC236}">
+                <a16:creationId xmlns:a16="http://schemas.microsoft.com/office/drawing/2014/main" id="{CE2405C5-509F-1218-A157-655AA807A352}"/>
+              </a:ext>
+            </a:extLst>
+          </p:cNvPr>
+          <p:cNvGrpSpPr/>
+          <p:nvPr/>
+        </p:nvGrpSpPr>
+        <p:grpSpPr>
+          <a:xfrm>
+            <a:off x="4854092" y="863236"/>
+            <a:ext cx="2488268" cy="1621984"/>
+            <a:chOff x="4854092" y="863236"/>
+            <a:chExt cx="2488268" cy="1621984"/>
+          </a:xfrm>
+        </p:grpSpPr>
+        <p:sp>
+          <p:nvSpPr>
+            <p:cNvPr id="35" name="Rectangle: Rounded Corners 34">
+              <a:extLst>
+                <a:ext uri="{FF2B5EF4-FFF2-40B4-BE49-F238E27FC236}">
+                  <a16:creationId xmlns:a16="http://schemas.microsoft.com/office/drawing/2014/main" id="{7E9B6C1F-84DD-35DF-BAAF-5DBB309C82CA}"/>
+                </a:ext>
+              </a:extLst>
+            </p:cNvPr>
+            <p:cNvSpPr/>
+            <p:nvPr/>
+          </p:nvSpPr>
+          <p:spPr>
+            <a:xfrm>
+              <a:off x="4854092" y="881342"/>
+              <a:ext cx="2488268" cy="1603878"/>
+            </a:xfrm>
+            <a:prstGeom prst="roundRect">
+              <a:avLst>
+                <a:gd name="adj" fmla="val 11783"/>
+              </a:avLst>
+            </a:prstGeom>
+            <a:solidFill>
+              <a:schemeClr val="tx1">
+                <a:lumMod val="75000"/>
+                <a:lumOff val="25000"/>
+              </a:schemeClr>
+            </a:solidFill>
+            <a:ln>
+              <a:noFill/>
+            </a:ln>
+          </p:spPr>
+          <p:style>
+            <a:lnRef idx="2">
+              <a:schemeClr val="accent1">
+                <a:shade val="50000"/>
+              </a:schemeClr>
+            </a:lnRef>
+            <a:fillRef idx="1">
+              <a:schemeClr val="accent1"/>
+            </a:fillRef>
+            <a:effectRef idx="0">
+              <a:schemeClr val="accent1"/>
+            </a:effectRef>
+            <a:fontRef idx="minor">
+              <a:schemeClr val="lt1"/>
+            </a:fontRef>
+          </p:style>
+          <p:txBody>
+            <a:bodyPr rtlCol="0" anchor="ctr"/>
+            <a:lstStyle/>
+            <a:p>
+              <a:pPr algn="ctr"/>
+              <a:endParaRPr lang="en-US"/>
+            </a:p>
+          </p:txBody>
+        </p:sp>
+        <p:sp>
+          <p:nvSpPr>
+            <p:cNvPr id="42" name="TextBox 41">
+              <a:extLst>
+                <a:ext uri="{FF2B5EF4-FFF2-40B4-BE49-F238E27FC236}">
+                  <a16:creationId xmlns:a16="http://schemas.microsoft.com/office/drawing/2014/main" id="{259044E2-FB19-AF8A-095D-1D2B77D93B22}"/>
+                </a:ext>
+              </a:extLst>
+            </p:cNvPr>
+            <p:cNvSpPr txBox="1"/>
+            <p:nvPr/>
+          </p:nvSpPr>
+          <p:spPr>
+            <a:xfrm>
+              <a:off x="4885339" y="913540"/>
+              <a:ext cx="1269899" cy="707886"/>
+            </a:xfrm>
+            <a:prstGeom prst="rect">
+              <a:avLst/>
+            </a:prstGeom>
+            <a:noFill/>
+          </p:spPr>
+          <p:txBody>
+            <a:bodyPr wrap="none" rtlCol="0">
+              <a:spAutoFit/>
+            </a:bodyPr>
+            <a:lstStyle/>
+            <a:p>
+              <a:r>
+                <a:rPr lang="en-US" sz="4000" dirty="0">
+                  <a:solidFill>
+                    <a:schemeClr val="bg1"/>
+                  </a:solidFill>
+                  <a:latin typeface="Helvetica" panose="020B0500000000000000" pitchFamily="34" charset="0"/>
+                </a:rPr>
+                <a:t>AUG</a:t>
+              </a:r>
+            </a:p>
+          </p:txBody>
+        </p:sp>
+        <p:sp>
+          <p:nvSpPr>
+            <p:cNvPr id="43" name="TextBox 42">
+              <a:extLst>
+                <a:ext uri="{FF2B5EF4-FFF2-40B4-BE49-F238E27FC236}">
+                  <a16:creationId xmlns:a16="http://schemas.microsoft.com/office/drawing/2014/main" id="{3A8004F6-2D6C-E03F-F9C8-1EC45372BE3F}"/>
+                </a:ext>
+              </a:extLst>
+            </p:cNvPr>
+            <p:cNvSpPr txBox="1"/>
+            <p:nvPr/>
+          </p:nvSpPr>
+          <p:spPr>
+            <a:xfrm>
+              <a:off x="5285288" y="1467067"/>
+              <a:ext cx="470000" cy="707886"/>
+            </a:xfrm>
+            <a:prstGeom prst="rect">
+              <a:avLst/>
+            </a:prstGeom>
+            <a:noFill/>
+          </p:spPr>
+          <p:txBody>
+            <a:bodyPr wrap="none" rtlCol="0">
+              <a:spAutoFit/>
+            </a:bodyPr>
+            <a:lstStyle/>
+            <a:p>
+              <a:r>
+                <a:rPr lang="en-US" sz="4000" dirty="0">
+                  <a:solidFill>
+                    <a:schemeClr val="bg1"/>
+                  </a:solidFill>
+                  <a:latin typeface="Helvetica" panose="020B0500000000000000" pitchFamily="34" charset="0"/>
+                </a:rPr>
+                <a:t>1</a:t>
+              </a:r>
+            </a:p>
+          </p:txBody>
+        </p:sp>
+        <p:sp>
+          <p:nvSpPr>
+            <p:cNvPr id="44" name="TextBox 43">
+              <a:extLst>
+                <a:ext uri="{FF2B5EF4-FFF2-40B4-BE49-F238E27FC236}">
+                  <a16:creationId xmlns:a16="http://schemas.microsoft.com/office/drawing/2014/main" id="{ABB3D2E9-E8B5-BA64-A0CE-840284E9AC60}"/>
+                </a:ext>
+              </a:extLst>
+            </p:cNvPr>
+            <p:cNvSpPr txBox="1"/>
+            <p:nvPr/>
+          </p:nvSpPr>
+          <p:spPr>
+            <a:xfrm>
+              <a:off x="5188306" y="2034412"/>
+              <a:ext cx="663964" cy="338554"/>
+            </a:xfrm>
+            <a:prstGeom prst="rect">
+              <a:avLst/>
+            </a:prstGeom>
+            <a:noFill/>
+          </p:spPr>
+          <p:txBody>
+            <a:bodyPr wrap="none" rtlCol="0">
+              <a:spAutoFit/>
+            </a:bodyPr>
+            <a:lstStyle/>
+            <a:p>
+              <a:r>
+                <a:rPr lang="en-US" sz="1600" dirty="0">
+                  <a:solidFill>
+                    <a:schemeClr val="bg1"/>
+                  </a:solidFill>
+                  <a:latin typeface="Helvetica" panose="020B0500000000000000" pitchFamily="34" charset="0"/>
+                </a:rPr>
+                <a:t>MON</a:t>
+              </a:r>
+            </a:p>
+          </p:txBody>
+        </p:sp>
+        <p:pic>
+          <p:nvPicPr>
+            <p:cNvPr id="47" name="Graphic 46" descr="Dim (Smaller Sun) with solid fill">
+              <a:extLst>
+                <a:ext uri="{FF2B5EF4-FFF2-40B4-BE49-F238E27FC236}">
+                  <a16:creationId xmlns:a16="http://schemas.microsoft.com/office/drawing/2014/main" id="{D83637D1-A462-B075-E4C7-13742103C717}"/>
+                </a:ext>
+              </a:extLst>
+            </p:cNvPr>
+            <p:cNvPicPr>
+              <a:picLocks noChangeAspect="1"/>
+            </p:cNvPicPr>
+            <p:nvPr/>
+          </p:nvPicPr>
+          <p:blipFill>
+            <a:blip r:embed="rId8">
+              <a:extLst>
+                <a:ext uri="{28A0092B-C50C-407E-A947-70E740481C1C}">
+                  <a14:useLocalDpi xmlns:a14="http://schemas.microsoft.com/office/drawing/2010/main" val="0"/>
+                </a:ext>
+                <a:ext uri="{96DAC541-7B7A-43D3-8B79-37D633B846F1}">
+                  <asvg:svgBlip xmlns:asvg="http://schemas.microsoft.com/office/drawing/2016/SVG/main" r:embed="rId9"/>
+                </a:ext>
+              </a:extLst>
+            </a:blip>
+            <a:stretch>
+              <a:fillRect/>
+            </a:stretch>
+          </p:blipFill>
+          <p:spPr>
+            <a:xfrm>
+              <a:off x="6315590" y="863236"/>
+              <a:ext cx="963322" cy="963322"/>
+            </a:xfrm>
+            <a:prstGeom prst="rect">
+              <a:avLst/>
+            </a:prstGeom>
+          </p:spPr>
+        </p:pic>
+        <p:sp>
+          <p:nvSpPr>
+            <p:cNvPr id="48" name="TextBox 47">
+              <a:extLst>
+                <a:ext uri="{FF2B5EF4-FFF2-40B4-BE49-F238E27FC236}">
+                  <a16:creationId xmlns:a16="http://schemas.microsoft.com/office/drawing/2014/main" id="{19309BF0-4E71-4222-0044-C327830BADAE}"/>
+                </a:ext>
+              </a:extLst>
+            </p:cNvPr>
+            <p:cNvSpPr txBox="1"/>
+            <p:nvPr/>
+          </p:nvSpPr>
+          <p:spPr>
+            <a:xfrm>
+              <a:off x="6379637" y="1696400"/>
+              <a:ext cx="835229" cy="369332"/>
+            </a:xfrm>
+            <a:prstGeom prst="rect">
+              <a:avLst/>
+            </a:prstGeom>
+            <a:noFill/>
+          </p:spPr>
+          <p:txBody>
+            <a:bodyPr wrap="none" rtlCol="0">
+              <a:spAutoFit/>
+            </a:bodyPr>
+            <a:lstStyle/>
+            <a:p>
+              <a:r>
+                <a:rPr lang="en-US" dirty="0">
+                  <a:solidFill>
+                    <a:schemeClr val="bg1"/>
+                  </a:solidFill>
+                  <a:latin typeface="Helvetica" panose="020B0500000000000000" pitchFamily="34" charset="0"/>
+                </a:rPr>
+                <a:t>Sunny</a:t>
+              </a:r>
+            </a:p>
+          </p:txBody>
+        </p:sp>
+        <p:sp>
+          <p:nvSpPr>
+            <p:cNvPr id="49" name="TextBox 48">
+              <a:extLst>
+                <a:ext uri="{FF2B5EF4-FFF2-40B4-BE49-F238E27FC236}">
+                  <a16:creationId xmlns:a16="http://schemas.microsoft.com/office/drawing/2014/main" id="{30171AC7-4876-5CB1-6B89-BF07FE8B3AA0}"/>
+                </a:ext>
+              </a:extLst>
+            </p:cNvPr>
+            <p:cNvSpPr txBox="1"/>
+            <p:nvPr/>
+          </p:nvSpPr>
+          <p:spPr>
+            <a:xfrm>
+              <a:off x="6379637" y="1984732"/>
+              <a:ext cx="546945" cy="369332"/>
+            </a:xfrm>
+            <a:prstGeom prst="rect">
+              <a:avLst/>
+            </a:prstGeom>
+            <a:noFill/>
+          </p:spPr>
+          <p:txBody>
+            <a:bodyPr wrap="none" rtlCol="0">
+              <a:spAutoFit/>
+            </a:bodyPr>
+            <a:lstStyle/>
+            <a:p>
+              <a:r>
+                <a:rPr lang="en-US" dirty="0">
+                  <a:solidFill>
+                    <a:schemeClr val="bg1"/>
+                  </a:solidFill>
+                  <a:latin typeface="Helvetica" panose="020B0500000000000000" pitchFamily="34" charset="0"/>
+                </a:rPr>
+                <a:t>18</a:t>
+              </a:r>
+              <a:r>
+                <a:rPr lang="en-US" sz="1600" baseline="30000" dirty="0">
+                  <a:solidFill>
+                    <a:schemeClr val="bg1"/>
+                  </a:solidFill>
+                  <a:latin typeface="Helvetica" panose="020B0500000000000000" pitchFamily="34" charset="0"/>
+                </a:rPr>
+                <a:t>O</a:t>
+              </a:r>
+              <a:endParaRPr lang="en-US" baseline="30000" dirty="0">
+                <a:solidFill>
+                  <a:schemeClr val="bg1"/>
+                </a:solidFill>
+                <a:latin typeface="Helvetica" panose="020B0500000000000000" pitchFamily="34" charset="0"/>
+              </a:endParaRPr>
+            </a:p>
+          </p:txBody>
+        </p:sp>
+        <p:cxnSp>
+          <p:nvCxnSpPr>
+            <p:cNvPr id="53" name="Straight Connector 52">
+              <a:extLst>
+                <a:ext uri="{FF2B5EF4-FFF2-40B4-BE49-F238E27FC236}">
+                  <a16:creationId xmlns:a16="http://schemas.microsoft.com/office/drawing/2014/main" id="{62D5053E-86CC-E042-9407-1DB6EB8D0ECF}"/>
+                </a:ext>
+              </a:extLst>
+            </p:cNvPr>
+            <p:cNvCxnSpPr>
+              <a:cxnSpLocks/>
+            </p:cNvCxnSpPr>
+            <p:nvPr/>
+          </p:nvCxnSpPr>
+          <p:spPr>
+            <a:xfrm>
+              <a:off x="6191451" y="1104522"/>
+              <a:ext cx="0" cy="1176950"/>
+            </a:xfrm>
+            <a:prstGeom prst="line">
+              <a:avLst/>
+            </a:prstGeom>
+            <a:ln>
+              <a:solidFill>
+                <a:schemeClr val="bg1"/>
+              </a:solidFill>
+            </a:ln>
+          </p:spPr>
+          <p:style>
+            <a:lnRef idx="1">
+              <a:schemeClr val="accent1"/>
+            </a:lnRef>
+            <a:fillRef idx="0">
+              <a:schemeClr val="accent1"/>
+            </a:fillRef>
+            <a:effectRef idx="0">
+              <a:schemeClr val="accent1"/>
+            </a:effectRef>
+            <a:fontRef idx="minor">
+              <a:schemeClr val="tx1"/>
+            </a:fontRef>
+          </p:style>
+        </p:cxnSp>
+      </p:grpSp>
+      <p:sp>
+        <p:nvSpPr>
+          <p:cNvPr id="55" name="TextBox 54">
+            <a:extLst>
+              <a:ext uri="{FF2B5EF4-FFF2-40B4-BE49-F238E27FC236}">
+                <a16:creationId xmlns:a16="http://schemas.microsoft.com/office/drawing/2014/main" id="{9F57A2C4-5F60-34E6-C358-D18D0BFF6B4B}"/>
+              </a:ext>
+            </a:extLst>
+          </p:cNvPr>
+          <p:cNvSpPr txBox="1"/>
+          <p:nvPr/>
+        </p:nvSpPr>
+        <p:spPr>
+          <a:xfrm>
+            <a:off x="4854092" y="3466462"/>
+            <a:ext cx="794153" cy="261610"/>
+          </a:xfrm>
+          <a:prstGeom prst="rect">
+            <a:avLst/>
+          </a:prstGeom>
+          <a:noFill/>
+        </p:spPr>
+        <p:txBody>
+          <a:bodyPr wrap="square" rtlCol="0">
+            <a:spAutoFit/>
+          </a:bodyPr>
+          <a:lstStyle/>
+          <a:p>
+            <a:pPr algn="ctr"/>
+            <a:r>
+              <a:rPr lang="en-US" sz="1050" dirty="0">
+                <a:solidFill>
+                  <a:schemeClr val="bg1"/>
+                </a:solidFill>
+                <a:latin typeface="Helvetica" panose="020B0500000000000000" pitchFamily="34" charset="0"/>
+              </a:rPr>
+              <a:t>History</a:t>
+            </a:r>
+          </a:p>
+        </p:txBody>
+      </p:sp>
+      <p:sp>
+        <p:nvSpPr>
+          <p:cNvPr id="56" name="TextBox 55">
+            <a:extLst>
+              <a:ext uri="{FF2B5EF4-FFF2-40B4-BE49-F238E27FC236}">
+                <a16:creationId xmlns:a16="http://schemas.microsoft.com/office/drawing/2014/main" id="{D47B7A7E-E65D-6038-99B3-E7E8B7AE941D}"/>
+              </a:ext>
+            </a:extLst>
+          </p:cNvPr>
+          <p:cNvSpPr txBox="1"/>
+          <p:nvPr/>
+        </p:nvSpPr>
+        <p:spPr>
+          <a:xfrm>
+            <a:off x="5686851" y="3466462"/>
+            <a:ext cx="794153" cy="261610"/>
+          </a:xfrm>
+          <a:prstGeom prst="rect">
+            <a:avLst/>
+          </a:prstGeom>
+          <a:noFill/>
+        </p:spPr>
+        <p:txBody>
+          <a:bodyPr wrap="square" rtlCol="0">
+            <a:spAutoFit/>
+          </a:bodyPr>
+          <a:lstStyle/>
+          <a:p>
+            <a:pPr algn="ctr"/>
+            <a:r>
+              <a:rPr lang="en-US" sz="1050" dirty="0">
+                <a:solidFill>
+                  <a:schemeClr val="bg1"/>
+                </a:solidFill>
+                <a:latin typeface="Helvetica" panose="020B0500000000000000" pitchFamily="34" charset="0"/>
+              </a:rPr>
+              <a:t>Corvina</a:t>
+            </a:r>
+          </a:p>
+        </p:txBody>
+      </p:sp>
+      <p:sp>
+        <p:nvSpPr>
+          <p:cNvPr id="57" name="TextBox 56">
+            <a:extLst>
+              <a:ext uri="{FF2B5EF4-FFF2-40B4-BE49-F238E27FC236}">
+                <a16:creationId xmlns:a16="http://schemas.microsoft.com/office/drawing/2014/main" id="{1663827B-CF9E-13A4-1884-B41D61333FEF}"/>
+              </a:ext>
+            </a:extLst>
+          </p:cNvPr>
+          <p:cNvSpPr txBox="1"/>
+          <p:nvPr/>
+        </p:nvSpPr>
+        <p:spPr>
+          <a:xfrm>
+            <a:off x="6538507" y="3466462"/>
+            <a:ext cx="794153" cy="261610"/>
+          </a:xfrm>
+          <a:prstGeom prst="rect">
+            <a:avLst/>
+          </a:prstGeom>
+          <a:noFill/>
+        </p:spPr>
+        <p:txBody>
+          <a:bodyPr wrap="square" rtlCol="0">
+            <a:spAutoFit/>
+          </a:bodyPr>
+          <a:lstStyle/>
+          <a:p>
+            <a:pPr algn="ctr"/>
+            <a:r>
+              <a:rPr lang="en-US" sz="1050" dirty="0">
+                <a:solidFill>
+                  <a:schemeClr val="bg1"/>
+                </a:solidFill>
+                <a:latin typeface="Helvetica" panose="020B0500000000000000" pitchFamily="34" charset="0"/>
+              </a:rPr>
+              <a:t>Math</a:t>
+            </a:r>
+          </a:p>
+        </p:txBody>
+      </p:sp>
+      <p:sp>
+        <p:nvSpPr>
+          <p:cNvPr id="58" name="TextBox 57">
+            <a:extLst>
+              <a:ext uri="{FF2B5EF4-FFF2-40B4-BE49-F238E27FC236}">
+                <a16:creationId xmlns:a16="http://schemas.microsoft.com/office/drawing/2014/main" id="{7DC94E70-531A-0649-E15C-16FF4CAA1BEE}"/>
+              </a:ext>
+            </a:extLst>
+          </p:cNvPr>
+          <p:cNvSpPr txBox="1"/>
+          <p:nvPr/>
+        </p:nvSpPr>
+        <p:spPr>
+          <a:xfrm>
+            <a:off x="4803413" y="4591429"/>
+            <a:ext cx="895512" cy="253916"/>
+          </a:xfrm>
+          <a:prstGeom prst="rect">
+            <a:avLst/>
+          </a:prstGeom>
+          <a:noFill/>
+        </p:spPr>
+        <p:txBody>
+          <a:bodyPr wrap="square" rtlCol="0">
+            <a:spAutoFit/>
+          </a:bodyPr>
+          <a:lstStyle/>
+          <a:p>
+            <a:pPr algn="ctr"/>
+            <a:r>
+              <a:rPr lang="en-US" sz="1050" dirty="0">
+                <a:solidFill>
+                  <a:schemeClr val="bg1"/>
+                </a:solidFill>
+                <a:latin typeface="Helvetica" panose="020B0500000000000000" pitchFamily="34" charset="0"/>
+              </a:rPr>
+              <a:t>Geography</a:t>
+            </a:r>
+          </a:p>
+        </p:txBody>
+      </p:sp>
+      <p:sp>
+        <p:nvSpPr>
+          <p:cNvPr id="59" name="TextBox 58">
+            <a:extLst>
+              <a:ext uri="{FF2B5EF4-FFF2-40B4-BE49-F238E27FC236}">
+                <a16:creationId xmlns:a16="http://schemas.microsoft.com/office/drawing/2014/main" id="{0E98CD14-B1B0-62F2-0FCA-4E05FC477F74}"/>
+              </a:ext>
+            </a:extLst>
+          </p:cNvPr>
+          <p:cNvSpPr txBox="1"/>
+          <p:nvPr/>
+        </p:nvSpPr>
+        <p:spPr>
+          <a:xfrm>
+            <a:off x="5686851" y="4591429"/>
+            <a:ext cx="794153" cy="261610"/>
+          </a:xfrm>
+          <a:prstGeom prst="rect">
+            <a:avLst/>
+          </a:prstGeom>
+          <a:noFill/>
+        </p:spPr>
+        <p:txBody>
+          <a:bodyPr wrap="square" rtlCol="0">
+            <a:spAutoFit/>
+          </a:bodyPr>
+          <a:lstStyle/>
+          <a:p>
+            <a:pPr algn="ctr"/>
+            <a:r>
+              <a:rPr lang="en-US" sz="1050" dirty="0">
+                <a:solidFill>
+                  <a:schemeClr val="bg1"/>
+                </a:solidFill>
+                <a:latin typeface="Helvetica" panose="020B0500000000000000" pitchFamily="34" charset="0"/>
+              </a:rPr>
+              <a:t>Art</a:t>
+            </a:r>
+          </a:p>
+        </p:txBody>
+      </p:sp>
+      <p:sp>
+        <p:nvSpPr>
+          <p:cNvPr id="60" name="TextBox 59">
+            <a:extLst>
+              <a:ext uri="{FF2B5EF4-FFF2-40B4-BE49-F238E27FC236}">
+                <a16:creationId xmlns:a16="http://schemas.microsoft.com/office/drawing/2014/main" id="{D9363880-6C95-2B64-4E52-E236A7819F31}"/>
+              </a:ext>
+            </a:extLst>
+          </p:cNvPr>
+          <p:cNvSpPr txBox="1"/>
+          <p:nvPr/>
+        </p:nvSpPr>
+        <p:spPr>
+          <a:xfrm>
+            <a:off x="6538507" y="4591429"/>
+            <a:ext cx="794153" cy="261610"/>
+          </a:xfrm>
+          <a:prstGeom prst="rect">
+            <a:avLst/>
+          </a:prstGeom>
+          <a:noFill/>
+        </p:spPr>
+        <p:txBody>
+          <a:bodyPr wrap="square" rtlCol="0">
+            <a:spAutoFit/>
+          </a:bodyPr>
+          <a:lstStyle/>
+          <a:p>
+            <a:pPr algn="ctr"/>
+            <a:r>
+              <a:rPr lang="en-US" sz="1050" dirty="0">
+                <a:solidFill>
+                  <a:schemeClr val="bg1"/>
+                </a:solidFill>
+                <a:latin typeface="Helvetica" panose="020B0500000000000000" pitchFamily="34" charset="0"/>
+              </a:rPr>
+              <a:t>Biology</a:t>
+            </a:r>
+          </a:p>
+        </p:txBody>
+      </p:sp>
+      <p:grpSp>
+        <p:nvGrpSpPr>
+          <p:cNvPr id="75" name="Group 74">
+            <a:extLst>
+              <a:ext uri="{FF2B5EF4-FFF2-40B4-BE49-F238E27FC236}">
+                <a16:creationId xmlns:a16="http://schemas.microsoft.com/office/drawing/2014/main" id="{98090921-0FFE-EF74-0A2D-D0C7F88ED8C9}"/>
+              </a:ext>
+            </a:extLst>
+          </p:cNvPr>
+          <p:cNvGrpSpPr/>
+          <p:nvPr/>
+        </p:nvGrpSpPr>
+        <p:grpSpPr>
+          <a:xfrm>
+            <a:off x="4854092" y="2671132"/>
+            <a:ext cx="798604" cy="798604"/>
+            <a:chOff x="4854092" y="2671132"/>
+            <a:chExt cx="798604" cy="798604"/>
+          </a:xfrm>
+        </p:grpSpPr>
+        <p:sp>
+          <p:nvSpPr>
+            <p:cNvPr id="8" name="Rectangle: Rounded Corners 7">
+              <a:extLst>
+                <a:ext uri="{FF2B5EF4-FFF2-40B4-BE49-F238E27FC236}">
+                  <a16:creationId xmlns:a16="http://schemas.microsoft.com/office/drawing/2014/main" id="{ABD023CB-3ABD-9F5A-3BFF-1F942B1FE38C}"/>
+                </a:ext>
+              </a:extLst>
+            </p:cNvPr>
+            <p:cNvSpPr/>
+            <p:nvPr/>
+          </p:nvSpPr>
+          <p:spPr>
+            <a:xfrm>
+              <a:off x="4854092" y="2671132"/>
+              <a:ext cx="798604" cy="798604"/>
+            </a:xfrm>
+            <a:prstGeom prst="roundRect">
+              <a:avLst>
+                <a:gd name="adj" fmla="val 16065"/>
+              </a:avLst>
+            </a:prstGeom>
+            <a:solidFill>
+              <a:schemeClr val="bg1"/>
+            </a:solidFill>
+            <a:ln>
+              <a:noFill/>
+            </a:ln>
+          </p:spPr>
+          <p:style>
+            <a:lnRef idx="2">
+              <a:schemeClr val="accent1">
+                <a:shade val="50000"/>
+              </a:schemeClr>
+            </a:lnRef>
+            <a:fillRef idx="1">
+              <a:schemeClr val="accent1"/>
+            </a:fillRef>
+            <a:effectRef idx="0">
+              <a:schemeClr val="accent1"/>
+            </a:effectRef>
+            <a:fontRef idx="minor">
+              <a:schemeClr val="lt1"/>
+            </a:fontRef>
+          </p:style>
+          <p:txBody>
+            <a:bodyPr rtlCol="0" anchor="ctr"/>
+            <a:lstStyle/>
+            <a:p>
+              <a:pPr algn="ctr"/>
+              <a:endParaRPr lang="en-US"/>
+            </a:p>
+          </p:txBody>
+        </p:sp>
+        <p:pic>
+          <p:nvPicPr>
+            <p:cNvPr id="62" name="Graphic 61" descr="Books with solid fill">
+              <a:extLst>
+                <a:ext uri="{FF2B5EF4-FFF2-40B4-BE49-F238E27FC236}">
+                  <a16:creationId xmlns:a16="http://schemas.microsoft.com/office/drawing/2014/main" id="{F8DDF376-C8AC-A296-51DF-0C06CD79777E}"/>
+                </a:ext>
+              </a:extLst>
+            </p:cNvPr>
+            <p:cNvPicPr>
+              <a:picLocks noChangeAspect="1"/>
+            </p:cNvPicPr>
+            <p:nvPr/>
+          </p:nvPicPr>
+          <p:blipFill>
+            <a:blip r:embed="rId10">
+              <a:extLst>
+                <a:ext uri="{28A0092B-C50C-407E-A947-70E740481C1C}">
+                  <a14:useLocalDpi xmlns:a14="http://schemas.microsoft.com/office/drawing/2010/main" val="0"/>
+                </a:ext>
+                <a:ext uri="{96DAC541-7B7A-43D3-8B79-37D633B846F1}">
+                  <asvg:svgBlip xmlns:asvg="http://schemas.microsoft.com/office/drawing/2016/SVG/main" r:embed="rId11"/>
+                </a:ext>
+              </a:extLst>
+            </a:blip>
+            <a:stretch>
+              <a:fillRect/>
+            </a:stretch>
+          </p:blipFill>
+          <p:spPr>
+            <a:xfrm>
+              <a:off x="4945518" y="2785952"/>
+              <a:ext cx="594600" cy="594600"/>
+            </a:xfrm>
+            <a:prstGeom prst="rect">
+              <a:avLst/>
+            </a:prstGeom>
+          </p:spPr>
+        </p:pic>
+      </p:grpSp>
+      <p:grpSp>
+        <p:nvGrpSpPr>
+          <p:cNvPr id="78" name="Group 77">
+            <a:extLst>
+              <a:ext uri="{FF2B5EF4-FFF2-40B4-BE49-F238E27FC236}">
+                <a16:creationId xmlns:a16="http://schemas.microsoft.com/office/drawing/2014/main" id="{D27C37C0-1D54-68C2-F811-C8DBBD083A91}"/>
+              </a:ext>
+            </a:extLst>
+          </p:cNvPr>
+          <p:cNvGrpSpPr/>
+          <p:nvPr/>
+        </p:nvGrpSpPr>
+        <p:grpSpPr>
+          <a:xfrm>
+            <a:off x="4854092" y="3782948"/>
+            <a:ext cx="798604" cy="798604"/>
+            <a:chOff x="4854092" y="3782948"/>
+            <a:chExt cx="798604" cy="798604"/>
+          </a:xfrm>
+        </p:grpSpPr>
+        <p:sp>
+          <p:nvSpPr>
+            <p:cNvPr id="25" name="Rectangle: Rounded Corners 24">
+              <a:extLst>
+                <a:ext uri="{FF2B5EF4-FFF2-40B4-BE49-F238E27FC236}">
+                  <a16:creationId xmlns:a16="http://schemas.microsoft.com/office/drawing/2014/main" id="{577CBE80-9798-2B9C-1DAB-A9944108DD6D}"/>
+                </a:ext>
+              </a:extLst>
+            </p:cNvPr>
+            <p:cNvSpPr/>
+            <p:nvPr/>
+          </p:nvSpPr>
+          <p:spPr>
+            <a:xfrm>
+              <a:off x="4854092" y="3782948"/>
+              <a:ext cx="798604" cy="798604"/>
+            </a:xfrm>
+            <a:prstGeom prst="roundRect">
+              <a:avLst>
+                <a:gd name="adj" fmla="val 16065"/>
+              </a:avLst>
+            </a:prstGeom>
+            <a:solidFill>
+              <a:srgbClr val="C4A16E"/>
+            </a:solidFill>
+            <a:ln>
+              <a:noFill/>
+            </a:ln>
+          </p:spPr>
+          <p:style>
+            <a:lnRef idx="2">
+              <a:schemeClr val="accent1">
+                <a:shade val="50000"/>
+              </a:schemeClr>
+            </a:lnRef>
+            <a:fillRef idx="1">
+              <a:schemeClr val="accent1"/>
+            </a:fillRef>
+            <a:effectRef idx="0">
+              <a:schemeClr val="accent1"/>
+            </a:effectRef>
+            <a:fontRef idx="minor">
+              <a:schemeClr val="lt1"/>
+            </a:fontRef>
+          </p:style>
+          <p:txBody>
+            <a:bodyPr rtlCol="0" anchor="ctr"/>
+            <a:lstStyle/>
+            <a:p>
+              <a:pPr algn="ctr"/>
+              <a:endParaRPr lang="en-US"/>
+            </a:p>
+          </p:txBody>
+        </p:sp>
+        <p:pic>
+          <p:nvPicPr>
+            <p:cNvPr id="66" name="Graphic 65" descr="Earth globe: Americas with solid fill">
+              <a:extLst>
+                <a:ext uri="{FF2B5EF4-FFF2-40B4-BE49-F238E27FC236}">
+                  <a16:creationId xmlns:a16="http://schemas.microsoft.com/office/drawing/2014/main" id="{4CABE86A-E38E-4093-7F12-F9FBD39B7ADF}"/>
+                </a:ext>
+              </a:extLst>
+            </p:cNvPr>
+            <p:cNvPicPr>
+              <a:picLocks noChangeAspect="1"/>
+            </p:cNvPicPr>
+            <p:nvPr/>
+          </p:nvPicPr>
+          <p:blipFill>
+            <a:blip r:embed="rId12">
+              <a:extLst>
+                <a:ext uri="{28A0092B-C50C-407E-A947-70E740481C1C}">
+                  <a14:useLocalDpi xmlns:a14="http://schemas.microsoft.com/office/drawing/2010/main" val="0"/>
+                </a:ext>
+                <a:ext uri="{96DAC541-7B7A-43D3-8B79-37D633B846F1}">
+                  <asvg:svgBlip xmlns:asvg="http://schemas.microsoft.com/office/drawing/2016/SVG/main" r:embed="rId13"/>
+                </a:ext>
+              </a:extLst>
+            </a:blip>
+            <a:stretch>
+              <a:fillRect/>
+            </a:stretch>
+          </p:blipFill>
+          <p:spPr>
+            <a:xfrm>
+              <a:off x="4903445" y="3837079"/>
+              <a:ext cx="686336" cy="686336"/>
+            </a:xfrm>
+            <a:prstGeom prst="rect">
+              <a:avLst/>
+            </a:prstGeom>
+          </p:spPr>
+        </p:pic>
+      </p:grpSp>
+      <p:grpSp>
+        <p:nvGrpSpPr>
+          <p:cNvPr id="79" name="Group 78">
+            <a:extLst>
+              <a:ext uri="{FF2B5EF4-FFF2-40B4-BE49-F238E27FC236}">
+                <a16:creationId xmlns:a16="http://schemas.microsoft.com/office/drawing/2014/main" id="{7DC47007-562B-D6B1-DC73-E04CB38BB6E5}"/>
+              </a:ext>
+            </a:extLst>
+          </p:cNvPr>
+          <p:cNvGrpSpPr/>
+          <p:nvPr/>
+        </p:nvGrpSpPr>
+        <p:grpSpPr>
+          <a:xfrm>
+            <a:off x="5698925" y="3782948"/>
+            <a:ext cx="798604" cy="798604"/>
+            <a:chOff x="5698925" y="3782948"/>
+            <a:chExt cx="798604" cy="798604"/>
+          </a:xfrm>
+        </p:grpSpPr>
+        <p:sp>
+          <p:nvSpPr>
+            <p:cNvPr id="26" name="Rectangle: Rounded Corners 25">
+              <a:extLst>
+                <a:ext uri="{FF2B5EF4-FFF2-40B4-BE49-F238E27FC236}">
+                  <a16:creationId xmlns:a16="http://schemas.microsoft.com/office/drawing/2014/main" id="{6E51DAD2-5E88-AFC2-162A-CE6C14128BB4}"/>
+                </a:ext>
+              </a:extLst>
+            </p:cNvPr>
+            <p:cNvSpPr/>
+            <p:nvPr/>
+          </p:nvSpPr>
+          <p:spPr>
+            <a:xfrm>
+              <a:off x="5698925" y="3782948"/>
+              <a:ext cx="798604" cy="798604"/>
+            </a:xfrm>
+            <a:prstGeom prst="roundRect">
+              <a:avLst>
+                <a:gd name="adj" fmla="val 16065"/>
+              </a:avLst>
+            </a:prstGeom>
+            <a:solidFill>
+              <a:srgbClr val="F60064"/>
+            </a:solidFill>
+            <a:ln>
+              <a:noFill/>
+            </a:ln>
+          </p:spPr>
+          <p:style>
+            <a:lnRef idx="2">
+              <a:schemeClr val="accent1">
+                <a:shade val="50000"/>
+              </a:schemeClr>
+            </a:lnRef>
+            <a:fillRef idx="1">
+              <a:schemeClr val="accent1"/>
+            </a:fillRef>
+            <a:effectRef idx="0">
+              <a:schemeClr val="accent1"/>
+            </a:effectRef>
+            <a:fontRef idx="minor">
+              <a:schemeClr val="lt1"/>
+            </a:fontRef>
+          </p:style>
+          <p:txBody>
+            <a:bodyPr rtlCol="0" anchor="ctr"/>
+            <a:lstStyle/>
+            <a:p>
+              <a:pPr algn="ctr"/>
+              <a:endParaRPr lang="en-US" dirty="0"/>
+            </a:p>
+          </p:txBody>
+        </p:sp>
+        <p:pic>
+          <p:nvPicPr>
+            <p:cNvPr id="68" name="Graphic 67" descr="Palette with solid fill">
+              <a:extLst>
+                <a:ext uri="{FF2B5EF4-FFF2-40B4-BE49-F238E27FC236}">
+                  <a16:creationId xmlns:a16="http://schemas.microsoft.com/office/drawing/2014/main" id="{AA88D389-99DA-A46D-09F4-EAFAEE6DCFB4}"/>
+                </a:ext>
+              </a:extLst>
+            </p:cNvPr>
+            <p:cNvPicPr>
+              <a:picLocks noChangeAspect="1"/>
+            </p:cNvPicPr>
+            <p:nvPr/>
+          </p:nvPicPr>
+          <p:blipFill>
+            <a:blip r:embed="rId14">
+              <a:extLst>
+                <a:ext uri="{28A0092B-C50C-407E-A947-70E740481C1C}">
+                  <a14:useLocalDpi xmlns:a14="http://schemas.microsoft.com/office/drawing/2010/main" val="0"/>
+                </a:ext>
+                <a:ext uri="{96DAC541-7B7A-43D3-8B79-37D633B846F1}">
+                  <asvg:svgBlip xmlns:asvg="http://schemas.microsoft.com/office/drawing/2016/SVG/main" r:embed="rId15"/>
+                </a:ext>
+              </a:extLst>
+            </a:blip>
+            <a:stretch>
+              <a:fillRect/>
+            </a:stretch>
+          </p:blipFill>
+          <p:spPr>
+            <a:xfrm>
+              <a:off x="5712592" y="3815187"/>
+              <a:ext cx="740837" cy="740837"/>
+            </a:xfrm>
+            <a:prstGeom prst="rect">
+              <a:avLst/>
+            </a:prstGeom>
+          </p:spPr>
+        </p:pic>
+      </p:grpSp>
+      <p:grpSp>
+        <p:nvGrpSpPr>
+          <p:cNvPr id="80" name="Group 79">
+            <a:extLst>
+              <a:ext uri="{FF2B5EF4-FFF2-40B4-BE49-F238E27FC236}">
+                <a16:creationId xmlns:a16="http://schemas.microsoft.com/office/drawing/2014/main" id="{93B2798C-CFB0-0876-5B70-58FB9091A610}"/>
+              </a:ext>
+            </a:extLst>
+          </p:cNvPr>
+          <p:cNvGrpSpPr/>
+          <p:nvPr/>
+        </p:nvGrpSpPr>
+        <p:grpSpPr>
+          <a:xfrm>
+            <a:off x="6543756" y="3782948"/>
+            <a:ext cx="798604" cy="798604"/>
+            <a:chOff x="6543756" y="3782948"/>
+            <a:chExt cx="798604" cy="798604"/>
+          </a:xfrm>
+        </p:grpSpPr>
+        <p:sp>
+          <p:nvSpPr>
+            <p:cNvPr id="27" name="Rectangle: Rounded Corners 26">
+              <a:extLst>
+                <a:ext uri="{FF2B5EF4-FFF2-40B4-BE49-F238E27FC236}">
+                  <a16:creationId xmlns:a16="http://schemas.microsoft.com/office/drawing/2014/main" id="{3B96B5F5-CE10-1EE8-395C-CC55577371CF}"/>
+                </a:ext>
+              </a:extLst>
+            </p:cNvPr>
+            <p:cNvSpPr/>
+            <p:nvPr/>
+          </p:nvSpPr>
+          <p:spPr>
+            <a:xfrm>
+              <a:off x="6543756" y="3782948"/>
+              <a:ext cx="798604" cy="798604"/>
+            </a:xfrm>
+            <a:prstGeom prst="roundRect">
+              <a:avLst>
+                <a:gd name="adj" fmla="val 16065"/>
+              </a:avLst>
+            </a:prstGeom>
+            <a:solidFill>
+              <a:srgbClr val="006600"/>
+            </a:solidFill>
+            <a:ln>
+              <a:noFill/>
+            </a:ln>
+          </p:spPr>
+          <p:style>
+            <a:lnRef idx="2">
+              <a:schemeClr val="accent1">
+                <a:shade val="50000"/>
+              </a:schemeClr>
+            </a:lnRef>
+            <a:fillRef idx="1">
+              <a:schemeClr val="accent1"/>
+            </a:fillRef>
+            <a:effectRef idx="0">
+              <a:schemeClr val="accent1"/>
+            </a:effectRef>
+            <a:fontRef idx="minor">
+              <a:schemeClr val="lt1"/>
+            </a:fontRef>
+          </p:style>
+          <p:txBody>
+            <a:bodyPr rtlCol="0" anchor="ctr"/>
+            <a:lstStyle/>
+            <a:p>
+              <a:pPr algn="ctr"/>
+              <a:endParaRPr lang="en-US"/>
+            </a:p>
+          </p:txBody>
+        </p:sp>
+        <p:pic>
+          <p:nvPicPr>
+            <p:cNvPr id="70" name="Graphic 69" descr="Leaf with solid fill">
+              <a:extLst>
+                <a:ext uri="{FF2B5EF4-FFF2-40B4-BE49-F238E27FC236}">
+                  <a16:creationId xmlns:a16="http://schemas.microsoft.com/office/drawing/2014/main" id="{E5A3533F-1AFB-FE59-90DE-66204889FBDE}"/>
+                </a:ext>
+              </a:extLst>
+            </p:cNvPr>
+            <p:cNvPicPr>
+              <a:picLocks noChangeAspect="1"/>
+            </p:cNvPicPr>
+            <p:nvPr/>
+          </p:nvPicPr>
+          <p:blipFill>
+            <a:blip r:embed="rId16">
+              <a:extLst>
+                <a:ext uri="{28A0092B-C50C-407E-A947-70E740481C1C}">
+                  <a14:useLocalDpi xmlns:a14="http://schemas.microsoft.com/office/drawing/2010/main" val="0"/>
+                </a:ext>
+                <a:ext uri="{96DAC541-7B7A-43D3-8B79-37D633B846F1}">
+                  <asvg:svgBlip xmlns:asvg="http://schemas.microsoft.com/office/drawing/2016/SVG/main" r:embed="rId17"/>
+                </a:ext>
+              </a:extLst>
+            </a:blip>
+            <a:stretch>
+              <a:fillRect/>
+            </a:stretch>
+          </p:blipFill>
+          <p:spPr>
+            <a:xfrm>
+              <a:off x="6633385" y="3872577"/>
+              <a:ext cx="619346" cy="619346"/>
+            </a:xfrm>
+            <a:prstGeom prst="rect">
+              <a:avLst/>
+            </a:prstGeom>
+          </p:spPr>
+        </p:pic>
+      </p:grpSp>
+      <p:grpSp>
+        <p:nvGrpSpPr>
+          <p:cNvPr id="77" name="Group 76">
+            <a:extLst>
+              <a:ext uri="{FF2B5EF4-FFF2-40B4-BE49-F238E27FC236}">
+                <a16:creationId xmlns:a16="http://schemas.microsoft.com/office/drawing/2014/main" id="{18A328F8-1F84-48D0-FA4A-4AD949EDF37F}"/>
+              </a:ext>
+            </a:extLst>
+          </p:cNvPr>
+          <p:cNvGrpSpPr/>
+          <p:nvPr/>
+        </p:nvGrpSpPr>
+        <p:grpSpPr>
+          <a:xfrm>
+            <a:off x="6543756" y="2671132"/>
+            <a:ext cx="798604" cy="798604"/>
+            <a:chOff x="6543756" y="2671132"/>
+            <a:chExt cx="798604" cy="798604"/>
+          </a:xfrm>
+        </p:grpSpPr>
+        <p:sp>
+          <p:nvSpPr>
+            <p:cNvPr id="24" name="Rectangle: Rounded Corners 23">
+              <a:extLst>
+                <a:ext uri="{FF2B5EF4-FFF2-40B4-BE49-F238E27FC236}">
+                  <a16:creationId xmlns:a16="http://schemas.microsoft.com/office/drawing/2014/main" id="{FA97169E-4C15-EC7B-0E23-20044282DF6B}"/>
+                </a:ext>
+              </a:extLst>
+            </p:cNvPr>
+            <p:cNvSpPr/>
+            <p:nvPr/>
+          </p:nvSpPr>
+          <p:spPr>
+            <a:xfrm>
+              <a:off x="6543756" y="2671132"/>
+              <a:ext cx="798604" cy="798604"/>
+            </a:xfrm>
+            <a:prstGeom prst="roundRect">
+              <a:avLst>
+                <a:gd name="adj" fmla="val 16065"/>
+              </a:avLst>
+            </a:prstGeom>
+            <a:solidFill>
+              <a:srgbClr val="FF7209"/>
+            </a:solidFill>
+            <a:ln>
+              <a:noFill/>
+            </a:ln>
+          </p:spPr>
+          <p:style>
+            <a:lnRef idx="2">
+              <a:schemeClr val="accent1">
+                <a:shade val="50000"/>
+              </a:schemeClr>
+            </a:lnRef>
+            <a:fillRef idx="1">
+              <a:schemeClr val="accent1"/>
+            </a:fillRef>
+            <a:effectRef idx="0">
+              <a:schemeClr val="accent1"/>
+            </a:effectRef>
+            <a:fontRef idx="minor">
+              <a:schemeClr val="lt1"/>
+            </a:fontRef>
+          </p:style>
+          <p:txBody>
+            <a:bodyPr rtlCol="0" anchor="ctr"/>
+            <a:lstStyle/>
+            <a:p>
+              <a:pPr algn="ctr"/>
+              <a:endParaRPr lang="en-US"/>
+            </a:p>
+          </p:txBody>
+        </p:sp>
+        <p:pic>
+          <p:nvPicPr>
+            <p:cNvPr id="72" name="Graphic 71" descr="Calculator with solid fill">
+              <a:extLst>
+                <a:ext uri="{FF2B5EF4-FFF2-40B4-BE49-F238E27FC236}">
+                  <a16:creationId xmlns:a16="http://schemas.microsoft.com/office/drawing/2014/main" id="{BDB94F7B-F26C-BD4F-7AD9-89EB8CFCD25B}"/>
+                </a:ext>
+              </a:extLst>
+            </p:cNvPr>
+            <p:cNvPicPr>
+              <a:picLocks noChangeAspect="1"/>
+            </p:cNvPicPr>
+            <p:nvPr/>
+          </p:nvPicPr>
+          <p:blipFill>
+            <a:blip r:embed="rId18">
+              <a:extLst>
+                <a:ext uri="{28A0092B-C50C-407E-A947-70E740481C1C}">
+                  <a14:useLocalDpi xmlns:a14="http://schemas.microsoft.com/office/drawing/2010/main" val="0"/>
+                </a:ext>
+                <a:ext uri="{96DAC541-7B7A-43D3-8B79-37D633B846F1}">
+                  <asvg:svgBlip xmlns:asvg="http://schemas.microsoft.com/office/drawing/2016/SVG/main" r:embed="rId19"/>
+                </a:ext>
+              </a:extLst>
+            </a:blip>
+            <a:stretch>
+              <a:fillRect/>
+            </a:stretch>
+          </p:blipFill>
+          <p:spPr>
+            <a:xfrm>
+              <a:off x="6607220" y="2746032"/>
+              <a:ext cx="653570" cy="653570"/>
+            </a:xfrm>
+            <a:prstGeom prst="rect">
+              <a:avLst/>
+            </a:prstGeom>
+          </p:spPr>
+        </p:pic>
+      </p:grpSp>
+      <p:grpSp>
+        <p:nvGrpSpPr>
+          <p:cNvPr id="76" name="Group 75">
+            <a:extLst>
+              <a:ext uri="{FF2B5EF4-FFF2-40B4-BE49-F238E27FC236}">
+                <a16:creationId xmlns:a16="http://schemas.microsoft.com/office/drawing/2014/main" id="{983DAC07-42F8-3726-E6BA-B114F25DE232}"/>
+              </a:ext>
+            </a:extLst>
+          </p:cNvPr>
+          <p:cNvGrpSpPr/>
+          <p:nvPr/>
+        </p:nvGrpSpPr>
+        <p:grpSpPr>
+          <a:xfrm>
+            <a:off x="5698925" y="2671132"/>
+            <a:ext cx="798604" cy="798604"/>
+            <a:chOff x="5698925" y="2671132"/>
+            <a:chExt cx="798604" cy="798604"/>
+          </a:xfrm>
+          <a:solidFill>
+            <a:schemeClr val="accent3"/>
+          </a:solidFill>
+        </p:grpSpPr>
+        <p:sp>
+          <p:nvSpPr>
+            <p:cNvPr id="23" name="Rectangle: Rounded Corners 22">
+              <a:extLst>
+                <a:ext uri="{FF2B5EF4-FFF2-40B4-BE49-F238E27FC236}">
+                  <a16:creationId xmlns:a16="http://schemas.microsoft.com/office/drawing/2014/main" id="{03B7D3DD-34DF-A856-5D15-F004CCFB4139}"/>
+                </a:ext>
+              </a:extLst>
+            </p:cNvPr>
+            <p:cNvSpPr/>
+            <p:nvPr/>
+          </p:nvSpPr>
+          <p:spPr>
+            <a:xfrm>
+              <a:off x="5698925" y="2671132"/>
+              <a:ext cx="798604" cy="798604"/>
+            </a:xfrm>
+            <a:prstGeom prst="roundRect">
+              <a:avLst>
+                <a:gd name="adj" fmla="val 16065"/>
+              </a:avLst>
+            </a:prstGeom>
+            <a:grpFill/>
+            <a:ln>
+              <a:noFill/>
+            </a:ln>
+          </p:spPr>
+          <p:style>
+            <a:lnRef idx="2">
+              <a:schemeClr val="accent1">
+                <a:shade val="50000"/>
+              </a:schemeClr>
+            </a:lnRef>
+            <a:fillRef idx="1">
+              <a:schemeClr val="accent1"/>
+            </a:fillRef>
+            <a:effectRef idx="0">
+              <a:schemeClr val="accent1"/>
+            </a:effectRef>
+            <a:fontRef idx="minor">
+              <a:schemeClr val="lt1"/>
+            </a:fontRef>
+          </p:style>
+          <p:txBody>
+            <a:bodyPr rtlCol="0" anchor="ctr"/>
+            <a:lstStyle/>
+            <a:p>
+              <a:pPr algn="ctr"/>
+              <a:endParaRPr lang="en-US">
+                <a:solidFill>
+                  <a:srgbClr val="A5A5A5"/>
+                </a:solidFill>
+              </a:endParaRPr>
+            </a:p>
+          </p:txBody>
+        </p:sp>
+        <p:pic>
+          <p:nvPicPr>
+            <p:cNvPr id="74" name="Graphic 73">
+              <a:extLst>
+                <a:ext uri="{FF2B5EF4-FFF2-40B4-BE49-F238E27FC236}">
+                  <a16:creationId xmlns:a16="http://schemas.microsoft.com/office/drawing/2014/main" id="{D720AFD1-A3D5-3F50-BD00-88CCAD0B57F6}"/>
+                </a:ext>
+              </a:extLst>
+            </p:cNvPr>
+            <p:cNvPicPr>
+              <a:picLocks noChangeAspect="1"/>
+            </p:cNvPicPr>
+            <p:nvPr/>
+          </p:nvPicPr>
+          <p:blipFill>
+            <a:blip r:embed="rId20">
+              <a:extLst>
+                <a:ext uri="{28A0092B-C50C-407E-A947-70E740481C1C}">
+                  <a14:useLocalDpi xmlns:a14="http://schemas.microsoft.com/office/drawing/2010/main" val="0"/>
+                </a:ext>
+              </a:extLst>
+            </a:blip>
+            <a:srcRect/>
+            <a:stretch/>
+          </p:blipFill>
+          <p:spPr>
+            <a:xfrm>
+              <a:off x="5765247" y="2731924"/>
+              <a:ext cx="667391" cy="667391"/>
+            </a:xfrm>
+            <a:prstGeom prst="rect">
+              <a:avLst/>
+            </a:prstGeom>
+            <a:grpFill/>
+          </p:spPr>
+        </p:pic>
+      </p:grpSp>
+    </p:spTree>
+    <p:extLst>
+      <p:ext uri="{BB962C8B-B14F-4D97-AF65-F5344CB8AC3E}">
+        <p14:creationId xmlns:p14="http://schemas.microsoft.com/office/powerpoint/2010/main" val="3364970970"/>
+      </p:ext>
+    </p:extLst>
+  </p:cSld>
+  <p:clrMapOvr>
+    <a:masterClrMapping/>
+  </p:clrMapOvr>
+  <mc:AlternateContent xmlns:mc="http://schemas.openxmlformats.org/markup-compatibility/2006" xmlns:p159="http://schemas.microsoft.com/office/powerpoint/2015/09/main">
+    <mc:Choice Requires="p159">
+      <p:transition spd="slow">
+        <p159:morph option="byObject"/>
+      </p:transition>
+    </mc:Choice>
+    <mc:Fallback xmlns="">
+      <p:transition spd="slow">
+        <p:fade/>
+      </p:transition>
+    </mc:Fallback>
+  </mc:AlternateContent>
+</p:sld>
+</file>
+
+<file path=ppt/slides/slide20.xml><?xml version="1.0" encoding="utf-8"?>
 <p:sld xmlns:a="http://schemas.openxmlformats.org/drawingml/2006/main" xmlns:r="http://schemas.openxmlformats.org/officeDocument/2006/relationships" xmlns:p="http://schemas.openxmlformats.org/presentationml/2006/main">
   <p:cSld>
     <p:bg>
@@ -20475,7 +24298,7 @@
 </p:sld>
 </file>
 
-<file path=ppt/slides/slide2.xml><?xml version="1.0" encoding="utf-8"?>
+<file path=ppt/slides/slide3.xml><?xml version="1.0" encoding="utf-8"?>
 <p:sld xmlns:a="http://schemas.openxmlformats.org/drawingml/2006/main" xmlns:r="http://schemas.openxmlformats.org/officeDocument/2006/relationships" xmlns:p="http://schemas.openxmlformats.org/presentationml/2006/main">
   <p:cSld>
     <p:bg>
@@ -20502,10 +24325,10 @@
       </p:grpSpPr>
       <p:sp>
         <p:nvSpPr>
-          <p:cNvPr id="86" name="Oval 85">
+          <p:cNvPr id="2" name="Oval 1">
             <a:extLst>
               <a:ext uri="{FF2B5EF4-FFF2-40B4-BE49-F238E27FC236}">
-                <a16:creationId xmlns:a16="http://schemas.microsoft.com/office/drawing/2014/main" id="{78D83E90-C81B-3639-E855-6BA237B1E72F}"/>
+                <a16:creationId xmlns:a16="http://schemas.microsoft.com/office/drawing/2014/main" id="{DDBF4695-B604-8AB7-E564-7D6F2E88DA77}"/>
               </a:ext>
             </a:extLst>
           </p:cNvPr>
@@ -20514,14 +24337,14 @@
         </p:nvSpPr>
         <p:spPr>
           <a:xfrm>
-            <a:off x="5633915" y="2601155"/>
-            <a:ext cx="924172" cy="924172"/>
+            <a:off x="-2244435" y="-4911431"/>
+            <a:ext cx="16680872" cy="16680864"/>
           </a:xfrm>
           <a:prstGeom prst="ellipse">
             <a:avLst/>
           </a:prstGeom>
           <a:solidFill>
-            <a:srgbClr val="51DEF1"/>
+            <a:schemeClr val="accent3"/>
           </a:solidFill>
           <a:ln>
             <a:noFill/>
@@ -20548,7 +24371,7 @@
           <a:lstStyle/>
           <a:p>
             <a:pPr algn="ctr"/>
-            <a:endParaRPr lang="en-US"/>
+            <a:endParaRPr lang="en-US" dirty="0"/>
           </a:p>
         </p:txBody>
       </p:sp>
@@ -21587,1998 +25410,6 @@
                 </a:solidFill>
                 <a:latin typeface="Helvetica" panose="020B0500000000000000" pitchFamily="34" charset="0"/>
               </a:rPr>
-              <a:t>Corvina</a:t>
-            </a:r>
-          </a:p>
-        </p:txBody>
-      </p:sp>
-      <p:sp>
-        <p:nvSpPr>
-          <p:cNvPr id="57" name="TextBox 56">
-            <a:extLst>
-              <a:ext uri="{FF2B5EF4-FFF2-40B4-BE49-F238E27FC236}">
-                <a16:creationId xmlns:a16="http://schemas.microsoft.com/office/drawing/2014/main" id="{1663827B-CF9E-13A4-1884-B41D61333FEF}"/>
-              </a:ext>
-            </a:extLst>
-          </p:cNvPr>
-          <p:cNvSpPr txBox="1"/>
-          <p:nvPr/>
-        </p:nvSpPr>
-        <p:spPr>
-          <a:xfrm>
-            <a:off x="6538507" y="3466462"/>
-            <a:ext cx="794153" cy="261610"/>
-          </a:xfrm>
-          <a:prstGeom prst="rect">
-            <a:avLst/>
-          </a:prstGeom>
-          <a:noFill/>
-        </p:spPr>
-        <p:txBody>
-          <a:bodyPr wrap="square" rtlCol="0">
-            <a:spAutoFit/>
-          </a:bodyPr>
-          <a:lstStyle/>
-          <a:p>
-            <a:pPr algn="ctr"/>
-            <a:r>
-              <a:rPr lang="en-US" sz="1050" dirty="0">
-                <a:solidFill>
-                  <a:schemeClr val="bg1"/>
-                </a:solidFill>
-                <a:latin typeface="Helvetica" panose="020B0500000000000000" pitchFamily="34" charset="0"/>
-              </a:rPr>
-              <a:t>Math</a:t>
-            </a:r>
-          </a:p>
-        </p:txBody>
-      </p:sp>
-      <p:sp>
-        <p:nvSpPr>
-          <p:cNvPr id="58" name="TextBox 57">
-            <a:extLst>
-              <a:ext uri="{FF2B5EF4-FFF2-40B4-BE49-F238E27FC236}">
-                <a16:creationId xmlns:a16="http://schemas.microsoft.com/office/drawing/2014/main" id="{7DC94E70-531A-0649-E15C-16FF4CAA1BEE}"/>
-              </a:ext>
-            </a:extLst>
-          </p:cNvPr>
-          <p:cNvSpPr txBox="1"/>
-          <p:nvPr/>
-        </p:nvSpPr>
-        <p:spPr>
-          <a:xfrm>
-            <a:off x="4803413" y="4591429"/>
-            <a:ext cx="895512" cy="253916"/>
-          </a:xfrm>
-          <a:prstGeom prst="rect">
-            <a:avLst/>
-          </a:prstGeom>
-          <a:noFill/>
-        </p:spPr>
-        <p:txBody>
-          <a:bodyPr wrap="square" rtlCol="0">
-            <a:spAutoFit/>
-          </a:bodyPr>
-          <a:lstStyle/>
-          <a:p>
-            <a:pPr algn="ctr"/>
-            <a:r>
-              <a:rPr lang="en-US" sz="1050" dirty="0">
-                <a:solidFill>
-                  <a:schemeClr val="bg1"/>
-                </a:solidFill>
-                <a:latin typeface="Helvetica" panose="020B0500000000000000" pitchFamily="34" charset="0"/>
-              </a:rPr>
-              <a:t>Geography</a:t>
-            </a:r>
-          </a:p>
-        </p:txBody>
-      </p:sp>
-      <p:sp>
-        <p:nvSpPr>
-          <p:cNvPr id="59" name="TextBox 58">
-            <a:extLst>
-              <a:ext uri="{FF2B5EF4-FFF2-40B4-BE49-F238E27FC236}">
-                <a16:creationId xmlns:a16="http://schemas.microsoft.com/office/drawing/2014/main" id="{0E98CD14-B1B0-62F2-0FCA-4E05FC477F74}"/>
-              </a:ext>
-            </a:extLst>
-          </p:cNvPr>
-          <p:cNvSpPr txBox="1"/>
-          <p:nvPr/>
-        </p:nvSpPr>
-        <p:spPr>
-          <a:xfrm>
-            <a:off x="5686851" y="4591429"/>
-            <a:ext cx="794153" cy="261610"/>
-          </a:xfrm>
-          <a:prstGeom prst="rect">
-            <a:avLst/>
-          </a:prstGeom>
-          <a:noFill/>
-        </p:spPr>
-        <p:txBody>
-          <a:bodyPr wrap="square" rtlCol="0">
-            <a:spAutoFit/>
-          </a:bodyPr>
-          <a:lstStyle/>
-          <a:p>
-            <a:pPr algn="ctr"/>
-            <a:r>
-              <a:rPr lang="en-US" sz="1050" dirty="0">
-                <a:solidFill>
-                  <a:schemeClr val="bg1"/>
-                </a:solidFill>
-                <a:latin typeface="Helvetica" panose="020B0500000000000000" pitchFamily="34" charset="0"/>
-              </a:rPr>
-              <a:t>Art</a:t>
-            </a:r>
-          </a:p>
-        </p:txBody>
-      </p:sp>
-      <p:sp>
-        <p:nvSpPr>
-          <p:cNvPr id="60" name="TextBox 59">
-            <a:extLst>
-              <a:ext uri="{FF2B5EF4-FFF2-40B4-BE49-F238E27FC236}">
-                <a16:creationId xmlns:a16="http://schemas.microsoft.com/office/drawing/2014/main" id="{D9363880-6C95-2B64-4E52-E236A7819F31}"/>
-              </a:ext>
-            </a:extLst>
-          </p:cNvPr>
-          <p:cNvSpPr txBox="1"/>
-          <p:nvPr/>
-        </p:nvSpPr>
-        <p:spPr>
-          <a:xfrm>
-            <a:off x="6538507" y="4591429"/>
-            <a:ext cx="794153" cy="261610"/>
-          </a:xfrm>
-          <a:prstGeom prst="rect">
-            <a:avLst/>
-          </a:prstGeom>
-          <a:noFill/>
-        </p:spPr>
-        <p:txBody>
-          <a:bodyPr wrap="square" rtlCol="0">
-            <a:spAutoFit/>
-          </a:bodyPr>
-          <a:lstStyle/>
-          <a:p>
-            <a:pPr algn="ctr"/>
-            <a:r>
-              <a:rPr lang="en-US" sz="1050" dirty="0">
-                <a:solidFill>
-                  <a:schemeClr val="bg1"/>
-                </a:solidFill>
-                <a:latin typeface="Helvetica" panose="020B0500000000000000" pitchFamily="34" charset="0"/>
-              </a:rPr>
-              <a:t>Biology</a:t>
-            </a:r>
-          </a:p>
-        </p:txBody>
-      </p:sp>
-      <p:grpSp>
-        <p:nvGrpSpPr>
-          <p:cNvPr id="75" name="Group 74">
-            <a:extLst>
-              <a:ext uri="{FF2B5EF4-FFF2-40B4-BE49-F238E27FC236}">
-                <a16:creationId xmlns:a16="http://schemas.microsoft.com/office/drawing/2014/main" id="{98090921-0FFE-EF74-0A2D-D0C7F88ED8C9}"/>
-              </a:ext>
-            </a:extLst>
-          </p:cNvPr>
-          <p:cNvGrpSpPr/>
-          <p:nvPr/>
-        </p:nvGrpSpPr>
-        <p:grpSpPr>
-          <a:xfrm>
-            <a:off x="4854092" y="2671132"/>
-            <a:ext cx="798604" cy="798604"/>
-            <a:chOff x="4854092" y="2671132"/>
-            <a:chExt cx="798604" cy="798604"/>
-          </a:xfrm>
-        </p:grpSpPr>
-        <p:sp>
-          <p:nvSpPr>
-            <p:cNvPr id="8" name="Rectangle: Rounded Corners 7">
-              <a:extLst>
-                <a:ext uri="{FF2B5EF4-FFF2-40B4-BE49-F238E27FC236}">
-                  <a16:creationId xmlns:a16="http://schemas.microsoft.com/office/drawing/2014/main" id="{ABD023CB-3ABD-9F5A-3BFF-1F942B1FE38C}"/>
-                </a:ext>
-              </a:extLst>
-            </p:cNvPr>
-            <p:cNvSpPr/>
-            <p:nvPr/>
-          </p:nvSpPr>
-          <p:spPr>
-            <a:xfrm>
-              <a:off x="4854092" y="2671132"/>
-              <a:ext cx="798604" cy="798604"/>
-            </a:xfrm>
-            <a:prstGeom prst="roundRect">
-              <a:avLst>
-                <a:gd name="adj" fmla="val 16065"/>
-              </a:avLst>
-            </a:prstGeom>
-            <a:solidFill>
-              <a:schemeClr val="bg1"/>
-            </a:solidFill>
-            <a:ln>
-              <a:noFill/>
-            </a:ln>
-          </p:spPr>
-          <p:style>
-            <a:lnRef idx="2">
-              <a:schemeClr val="accent1">
-                <a:shade val="50000"/>
-              </a:schemeClr>
-            </a:lnRef>
-            <a:fillRef idx="1">
-              <a:schemeClr val="accent1"/>
-            </a:fillRef>
-            <a:effectRef idx="0">
-              <a:schemeClr val="accent1"/>
-            </a:effectRef>
-            <a:fontRef idx="minor">
-              <a:schemeClr val="lt1"/>
-            </a:fontRef>
-          </p:style>
-          <p:txBody>
-            <a:bodyPr rtlCol="0" anchor="ctr"/>
-            <a:lstStyle/>
-            <a:p>
-              <a:pPr algn="ctr"/>
-              <a:endParaRPr lang="en-US"/>
-            </a:p>
-          </p:txBody>
-        </p:sp>
-        <p:pic>
-          <p:nvPicPr>
-            <p:cNvPr id="62" name="Graphic 61" descr="Books with solid fill">
-              <a:extLst>
-                <a:ext uri="{FF2B5EF4-FFF2-40B4-BE49-F238E27FC236}">
-                  <a16:creationId xmlns:a16="http://schemas.microsoft.com/office/drawing/2014/main" id="{F8DDF376-C8AC-A296-51DF-0C06CD79777E}"/>
-                </a:ext>
-              </a:extLst>
-            </p:cNvPr>
-            <p:cNvPicPr>
-              <a:picLocks noChangeAspect="1"/>
-            </p:cNvPicPr>
-            <p:nvPr/>
-          </p:nvPicPr>
-          <p:blipFill>
-            <a:blip r:embed="rId10">
-              <a:extLst>
-                <a:ext uri="{28A0092B-C50C-407E-A947-70E740481C1C}">
-                  <a14:useLocalDpi xmlns:a14="http://schemas.microsoft.com/office/drawing/2010/main" val="0"/>
-                </a:ext>
-                <a:ext uri="{96DAC541-7B7A-43D3-8B79-37D633B846F1}">
-                  <asvg:svgBlip xmlns:asvg="http://schemas.microsoft.com/office/drawing/2016/SVG/main" r:embed="rId11"/>
-                </a:ext>
-              </a:extLst>
-            </a:blip>
-            <a:stretch>
-              <a:fillRect/>
-            </a:stretch>
-          </p:blipFill>
-          <p:spPr>
-            <a:xfrm>
-              <a:off x="4945518" y="2785952"/>
-              <a:ext cx="594600" cy="594600"/>
-            </a:xfrm>
-            <a:prstGeom prst="rect">
-              <a:avLst/>
-            </a:prstGeom>
-          </p:spPr>
-        </p:pic>
-      </p:grpSp>
-      <p:grpSp>
-        <p:nvGrpSpPr>
-          <p:cNvPr id="78" name="Group 77">
-            <a:extLst>
-              <a:ext uri="{FF2B5EF4-FFF2-40B4-BE49-F238E27FC236}">
-                <a16:creationId xmlns:a16="http://schemas.microsoft.com/office/drawing/2014/main" id="{D27C37C0-1D54-68C2-F811-C8DBBD083A91}"/>
-              </a:ext>
-            </a:extLst>
-          </p:cNvPr>
-          <p:cNvGrpSpPr/>
-          <p:nvPr/>
-        </p:nvGrpSpPr>
-        <p:grpSpPr>
-          <a:xfrm>
-            <a:off x="4854092" y="3782948"/>
-            <a:ext cx="798604" cy="798604"/>
-            <a:chOff x="4854092" y="3782948"/>
-            <a:chExt cx="798604" cy="798604"/>
-          </a:xfrm>
-        </p:grpSpPr>
-        <p:sp>
-          <p:nvSpPr>
-            <p:cNvPr id="25" name="Rectangle: Rounded Corners 24">
-              <a:extLst>
-                <a:ext uri="{FF2B5EF4-FFF2-40B4-BE49-F238E27FC236}">
-                  <a16:creationId xmlns:a16="http://schemas.microsoft.com/office/drawing/2014/main" id="{577CBE80-9798-2B9C-1DAB-A9944108DD6D}"/>
-                </a:ext>
-              </a:extLst>
-            </p:cNvPr>
-            <p:cNvSpPr/>
-            <p:nvPr/>
-          </p:nvSpPr>
-          <p:spPr>
-            <a:xfrm>
-              <a:off x="4854092" y="3782948"/>
-              <a:ext cx="798604" cy="798604"/>
-            </a:xfrm>
-            <a:prstGeom prst="roundRect">
-              <a:avLst>
-                <a:gd name="adj" fmla="val 16065"/>
-              </a:avLst>
-            </a:prstGeom>
-            <a:solidFill>
-              <a:srgbClr val="C4A16E"/>
-            </a:solidFill>
-            <a:ln>
-              <a:noFill/>
-            </a:ln>
-          </p:spPr>
-          <p:style>
-            <a:lnRef idx="2">
-              <a:schemeClr val="accent1">
-                <a:shade val="50000"/>
-              </a:schemeClr>
-            </a:lnRef>
-            <a:fillRef idx="1">
-              <a:schemeClr val="accent1"/>
-            </a:fillRef>
-            <a:effectRef idx="0">
-              <a:schemeClr val="accent1"/>
-            </a:effectRef>
-            <a:fontRef idx="minor">
-              <a:schemeClr val="lt1"/>
-            </a:fontRef>
-          </p:style>
-          <p:txBody>
-            <a:bodyPr rtlCol="0" anchor="ctr"/>
-            <a:lstStyle/>
-            <a:p>
-              <a:pPr algn="ctr"/>
-              <a:endParaRPr lang="en-US"/>
-            </a:p>
-          </p:txBody>
-        </p:sp>
-        <p:pic>
-          <p:nvPicPr>
-            <p:cNvPr id="66" name="Graphic 65" descr="Earth globe: Americas with solid fill">
-              <a:extLst>
-                <a:ext uri="{FF2B5EF4-FFF2-40B4-BE49-F238E27FC236}">
-                  <a16:creationId xmlns:a16="http://schemas.microsoft.com/office/drawing/2014/main" id="{4CABE86A-E38E-4093-7F12-F9FBD39B7ADF}"/>
-                </a:ext>
-              </a:extLst>
-            </p:cNvPr>
-            <p:cNvPicPr>
-              <a:picLocks noChangeAspect="1"/>
-            </p:cNvPicPr>
-            <p:nvPr/>
-          </p:nvPicPr>
-          <p:blipFill>
-            <a:blip r:embed="rId12">
-              <a:extLst>
-                <a:ext uri="{28A0092B-C50C-407E-A947-70E740481C1C}">
-                  <a14:useLocalDpi xmlns:a14="http://schemas.microsoft.com/office/drawing/2010/main" val="0"/>
-                </a:ext>
-                <a:ext uri="{96DAC541-7B7A-43D3-8B79-37D633B846F1}">
-                  <asvg:svgBlip xmlns:asvg="http://schemas.microsoft.com/office/drawing/2016/SVG/main" r:embed="rId13"/>
-                </a:ext>
-              </a:extLst>
-            </a:blip>
-            <a:stretch>
-              <a:fillRect/>
-            </a:stretch>
-          </p:blipFill>
-          <p:spPr>
-            <a:xfrm>
-              <a:off x="4903445" y="3837079"/>
-              <a:ext cx="686336" cy="686336"/>
-            </a:xfrm>
-            <a:prstGeom prst="rect">
-              <a:avLst/>
-            </a:prstGeom>
-          </p:spPr>
-        </p:pic>
-      </p:grpSp>
-      <p:grpSp>
-        <p:nvGrpSpPr>
-          <p:cNvPr id="79" name="Group 78">
-            <a:extLst>
-              <a:ext uri="{FF2B5EF4-FFF2-40B4-BE49-F238E27FC236}">
-                <a16:creationId xmlns:a16="http://schemas.microsoft.com/office/drawing/2014/main" id="{7DC47007-562B-D6B1-DC73-E04CB38BB6E5}"/>
-              </a:ext>
-            </a:extLst>
-          </p:cNvPr>
-          <p:cNvGrpSpPr/>
-          <p:nvPr/>
-        </p:nvGrpSpPr>
-        <p:grpSpPr>
-          <a:xfrm>
-            <a:off x="5698925" y="3782948"/>
-            <a:ext cx="798604" cy="798604"/>
-            <a:chOff x="5698925" y="3782948"/>
-            <a:chExt cx="798604" cy="798604"/>
-          </a:xfrm>
-        </p:grpSpPr>
-        <p:sp>
-          <p:nvSpPr>
-            <p:cNvPr id="26" name="Rectangle: Rounded Corners 25">
-              <a:extLst>
-                <a:ext uri="{FF2B5EF4-FFF2-40B4-BE49-F238E27FC236}">
-                  <a16:creationId xmlns:a16="http://schemas.microsoft.com/office/drawing/2014/main" id="{6E51DAD2-5E88-AFC2-162A-CE6C14128BB4}"/>
-                </a:ext>
-              </a:extLst>
-            </p:cNvPr>
-            <p:cNvSpPr/>
-            <p:nvPr/>
-          </p:nvSpPr>
-          <p:spPr>
-            <a:xfrm>
-              <a:off x="5698925" y="3782948"/>
-              <a:ext cx="798604" cy="798604"/>
-            </a:xfrm>
-            <a:prstGeom prst="roundRect">
-              <a:avLst>
-                <a:gd name="adj" fmla="val 16065"/>
-              </a:avLst>
-            </a:prstGeom>
-            <a:solidFill>
-              <a:srgbClr val="F60064"/>
-            </a:solidFill>
-            <a:ln>
-              <a:noFill/>
-            </a:ln>
-          </p:spPr>
-          <p:style>
-            <a:lnRef idx="2">
-              <a:schemeClr val="accent1">
-                <a:shade val="50000"/>
-              </a:schemeClr>
-            </a:lnRef>
-            <a:fillRef idx="1">
-              <a:schemeClr val="accent1"/>
-            </a:fillRef>
-            <a:effectRef idx="0">
-              <a:schemeClr val="accent1"/>
-            </a:effectRef>
-            <a:fontRef idx="minor">
-              <a:schemeClr val="lt1"/>
-            </a:fontRef>
-          </p:style>
-          <p:txBody>
-            <a:bodyPr rtlCol="0" anchor="ctr"/>
-            <a:lstStyle/>
-            <a:p>
-              <a:pPr algn="ctr"/>
-              <a:endParaRPr lang="en-US" dirty="0"/>
-            </a:p>
-          </p:txBody>
-        </p:sp>
-        <p:pic>
-          <p:nvPicPr>
-            <p:cNvPr id="68" name="Graphic 67" descr="Palette with solid fill">
-              <a:extLst>
-                <a:ext uri="{FF2B5EF4-FFF2-40B4-BE49-F238E27FC236}">
-                  <a16:creationId xmlns:a16="http://schemas.microsoft.com/office/drawing/2014/main" id="{AA88D389-99DA-A46D-09F4-EAFAEE6DCFB4}"/>
-                </a:ext>
-              </a:extLst>
-            </p:cNvPr>
-            <p:cNvPicPr>
-              <a:picLocks noChangeAspect="1"/>
-            </p:cNvPicPr>
-            <p:nvPr/>
-          </p:nvPicPr>
-          <p:blipFill>
-            <a:blip r:embed="rId14">
-              <a:extLst>
-                <a:ext uri="{28A0092B-C50C-407E-A947-70E740481C1C}">
-                  <a14:useLocalDpi xmlns:a14="http://schemas.microsoft.com/office/drawing/2010/main" val="0"/>
-                </a:ext>
-                <a:ext uri="{96DAC541-7B7A-43D3-8B79-37D633B846F1}">
-                  <asvg:svgBlip xmlns:asvg="http://schemas.microsoft.com/office/drawing/2016/SVG/main" r:embed="rId15"/>
-                </a:ext>
-              </a:extLst>
-            </a:blip>
-            <a:stretch>
-              <a:fillRect/>
-            </a:stretch>
-          </p:blipFill>
-          <p:spPr>
-            <a:xfrm>
-              <a:off x="5712592" y="3815187"/>
-              <a:ext cx="740837" cy="740837"/>
-            </a:xfrm>
-            <a:prstGeom prst="rect">
-              <a:avLst/>
-            </a:prstGeom>
-          </p:spPr>
-        </p:pic>
-      </p:grpSp>
-      <p:grpSp>
-        <p:nvGrpSpPr>
-          <p:cNvPr id="80" name="Group 79">
-            <a:extLst>
-              <a:ext uri="{FF2B5EF4-FFF2-40B4-BE49-F238E27FC236}">
-                <a16:creationId xmlns:a16="http://schemas.microsoft.com/office/drawing/2014/main" id="{93B2798C-CFB0-0876-5B70-58FB9091A610}"/>
-              </a:ext>
-            </a:extLst>
-          </p:cNvPr>
-          <p:cNvGrpSpPr/>
-          <p:nvPr/>
-        </p:nvGrpSpPr>
-        <p:grpSpPr>
-          <a:xfrm>
-            <a:off x="6543756" y="3782948"/>
-            <a:ext cx="798604" cy="798604"/>
-            <a:chOff x="6543756" y="3782948"/>
-            <a:chExt cx="798604" cy="798604"/>
-          </a:xfrm>
-        </p:grpSpPr>
-        <p:sp>
-          <p:nvSpPr>
-            <p:cNvPr id="27" name="Rectangle: Rounded Corners 26">
-              <a:extLst>
-                <a:ext uri="{FF2B5EF4-FFF2-40B4-BE49-F238E27FC236}">
-                  <a16:creationId xmlns:a16="http://schemas.microsoft.com/office/drawing/2014/main" id="{3B96B5F5-CE10-1EE8-395C-CC55577371CF}"/>
-                </a:ext>
-              </a:extLst>
-            </p:cNvPr>
-            <p:cNvSpPr/>
-            <p:nvPr/>
-          </p:nvSpPr>
-          <p:spPr>
-            <a:xfrm>
-              <a:off x="6543756" y="3782948"/>
-              <a:ext cx="798604" cy="798604"/>
-            </a:xfrm>
-            <a:prstGeom prst="roundRect">
-              <a:avLst>
-                <a:gd name="adj" fmla="val 16065"/>
-              </a:avLst>
-            </a:prstGeom>
-            <a:solidFill>
-              <a:srgbClr val="006600"/>
-            </a:solidFill>
-            <a:ln>
-              <a:noFill/>
-            </a:ln>
-          </p:spPr>
-          <p:style>
-            <a:lnRef idx="2">
-              <a:schemeClr val="accent1">
-                <a:shade val="50000"/>
-              </a:schemeClr>
-            </a:lnRef>
-            <a:fillRef idx="1">
-              <a:schemeClr val="accent1"/>
-            </a:fillRef>
-            <a:effectRef idx="0">
-              <a:schemeClr val="accent1"/>
-            </a:effectRef>
-            <a:fontRef idx="minor">
-              <a:schemeClr val="lt1"/>
-            </a:fontRef>
-          </p:style>
-          <p:txBody>
-            <a:bodyPr rtlCol="0" anchor="ctr"/>
-            <a:lstStyle/>
-            <a:p>
-              <a:pPr algn="ctr"/>
-              <a:endParaRPr lang="en-US"/>
-            </a:p>
-          </p:txBody>
-        </p:sp>
-        <p:pic>
-          <p:nvPicPr>
-            <p:cNvPr id="70" name="Graphic 69" descr="Leaf with solid fill">
-              <a:extLst>
-                <a:ext uri="{FF2B5EF4-FFF2-40B4-BE49-F238E27FC236}">
-                  <a16:creationId xmlns:a16="http://schemas.microsoft.com/office/drawing/2014/main" id="{E5A3533F-1AFB-FE59-90DE-66204889FBDE}"/>
-                </a:ext>
-              </a:extLst>
-            </p:cNvPr>
-            <p:cNvPicPr>
-              <a:picLocks noChangeAspect="1"/>
-            </p:cNvPicPr>
-            <p:nvPr/>
-          </p:nvPicPr>
-          <p:blipFill>
-            <a:blip r:embed="rId16">
-              <a:extLst>
-                <a:ext uri="{28A0092B-C50C-407E-A947-70E740481C1C}">
-                  <a14:useLocalDpi xmlns:a14="http://schemas.microsoft.com/office/drawing/2010/main" val="0"/>
-                </a:ext>
-                <a:ext uri="{96DAC541-7B7A-43D3-8B79-37D633B846F1}">
-                  <asvg:svgBlip xmlns:asvg="http://schemas.microsoft.com/office/drawing/2016/SVG/main" r:embed="rId17"/>
-                </a:ext>
-              </a:extLst>
-            </a:blip>
-            <a:stretch>
-              <a:fillRect/>
-            </a:stretch>
-          </p:blipFill>
-          <p:spPr>
-            <a:xfrm>
-              <a:off x="6633385" y="3872577"/>
-              <a:ext cx="619346" cy="619346"/>
-            </a:xfrm>
-            <a:prstGeom prst="rect">
-              <a:avLst/>
-            </a:prstGeom>
-          </p:spPr>
-        </p:pic>
-      </p:grpSp>
-      <p:grpSp>
-        <p:nvGrpSpPr>
-          <p:cNvPr id="77" name="Group 76">
-            <a:extLst>
-              <a:ext uri="{FF2B5EF4-FFF2-40B4-BE49-F238E27FC236}">
-                <a16:creationId xmlns:a16="http://schemas.microsoft.com/office/drawing/2014/main" id="{18A328F8-1F84-48D0-FA4A-4AD949EDF37F}"/>
-              </a:ext>
-            </a:extLst>
-          </p:cNvPr>
-          <p:cNvGrpSpPr/>
-          <p:nvPr/>
-        </p:nvGrpSpPr>
-        <p:grpSpPr>
-          <a:xfrm>
-            <a:off x="6543756" y="2671132"/>
-            <a:ext cx="798604" cy="798604"/>
-            <a:chOff x="6543756" y="2671132"/>
-            <a:chExt cx="798604" cy="798604"/>
-          </a:xfrm>
-        </p:grpSpPr>
-        <p:sp>
-          <p:nvSpPr>
-            <p:cNvPr id="24" name="Rectangle: Rounded Corners 23">
-              <a:extLst>
-                <a:ext uri="{FF2B5EF4-FFF2-40B4-BE49-F238E27FC236}">
-                  <a16:creationId xmlns:a16="http://schemas.microsoft.com/office/drawing/2014/main" id="{FA97169E-4C15-EC7B-0E23-20044282DF6B}"/>
-                </a:ext>
-              </a:extLst>
-            </p:cNvPr>
-            <p:cNvSpPr/>
-            <p:nvPr/>
-          </p:nvSpPr>
-          <p:spPr>
-            <a:xfrm>
-              <a:off x="6543756" y="2671132"/>
-              <a:ext cx="798604" cy="798604"/>
-            </a:xfrm>
-            <a:prstGeom prst="roundRect">
-              <a:avLst>
-                <a:gd name="adj" fmla="val 16065"/>
-              </a:avLst>
-            </a:prstGeom>
-            <a:solidFill>
-              <a:srgbClr val="FF7209"/>
-            </a:solidFill>
-            <a:ln>
-              <a:noFill/>
-            </a:ln>
-          </p:spPr>
-          <p:style>
-            <a:lnRef idx="2">
-              <a:schemeClr val="accent1">
-                <a:shade val="50000"/>
-              </a:schemeClr>
-            </a:lnRef>
-            <a:fillRef idx="1">
-              <a:schemeClr val="accent1"/>
-            </a:fillRef>
-            <a:effectRef idx="0">
-              <a:schemeClr val="accent1"/>
-            </a:effectRef>
-            <a:fontRef idx="minor">
-              <a:schemeClr val="lt1"/>
-            </a:fontRef>
-          </p:style>
-          <p:txBody>
-            <a:bodyPr rtlCol="0" anchor="ctr"/>
-            <a:lstStyle/>
-            <a:p>
-              <a:pPr algn="ctr"/>
-              <a:endParaRPr lang="en-US"/>
-            </a:p>
-          </p:txBody>
-        </p:sp>
-        <p:pic>
-          <p:nvPicPr>
-            <p:cNvPr id="72" name="Graphic 71" descr="Calculator with solid fill">
-              <a:extLst>
-                <a:ext uri="{FF2B5EF4-FFF2-40B4-BE49-F238E27FC236}">
-                  <a16:creationId xmlns:a16="http://schemas.microsoft.com/office/drawing/2014/main" id="{BDB94F7B-F26C-BD4F-7AD9-89EB8CFCD25B}"/>
-                </a:ext>
-              </a:extLst>
-            </p:cNvPr>
-            <p:cNvPicPr>
-              <a:picLocks noChangeAspect="1"/>
-            </p:cNvPicPr>
-            <p:nvPr/>
-          </p:nvPicPr>
-          <p:blipFill>
-            <a:blip r:embed="rId18">
-              <a:extLst>
-                <a:ext uri="{28A0092B-C50C-407E-A947-70E740481C1C}">
-                  <a14:useLocalDpi xmlns:a14="http://schemas.microsoft.com/office/drawing/2010/main" val="0"/>
-                </a:ext>
-                <a:ext uri="{96DAC541-7B7A-43D3-8B79-37D633B846F1}">
-                  <asvg:svgBlip xmlns:asvg="http://schemas.microsoft.com/office/drawing/2016/SVG/main" r:embed="rId19"/>
-                </a:ext>
-              </a:extLst>
-            </a:blip>
-            <a:stretch>
-              <a:fillRect/>
-            </a:stretch>
-          </p:blipFill>
-          <p:spPr>
-            <a:xfrm>
-              <a:off x="6607220" y="2746032"/>
-              <a:ext cx="653570" cy="653570"/>
-            </a:xfrm>
-            <a:prstGeom prst="rect">
-              <a:avLst/>
-            </a:prstGeom>
-          </p:spPr>
-        </p:pic>
-      </p:grpSp>
-      <p:grpSp>
-        <p:nvGrpSpPr>
-          <p:cNvPr id="76" name="Group 75">
-            <a:extLst>
-              <a:ext uri="{FF2B5EF4-FFF2-40B4-BE49-F238E27FC236}">
-                <a16:creationId xmlns:a16="http://schemas.microsoft.com/office/drawing/2014/main" id="{983DAC07-42F8-3726-E6BA-B114F25DE232}"/>
-              </a:ext>
-            </a:extLst>
-          </p:cNvPr>
-          <p:cNvGrpSpPr/>
-          <p:nvPr/>
-        </p:nvGrpSpPr>
-        <p:grpSpPr>
-          <a:xfrm>
-            <a:off x="5698925" y="2671132"/>
-            <a:ext cx="798604" cy="798604"/>
-            <a:chOff x="5698925" y="2671132"/>
-            <a:chExt cx="798604" cy="798604"/>
-          </a:xfrm>
-          <a:solidFill>
-            <a:schemeClr val="accent3"/>
-          </a:solidFill>
-        </p:grpSpPr>
-        <p:sp>
-          <p:nvSpPr>
-            <p:cNvPr id="23" name="Rectangle: Rounded Corners 22">
-              <a:extLst>
-                <a:ext uri="{FF2B5EF4-FFF2-40B4-BE49-F238E27FC236}">
-                  <a16:creationId xmlns:a16="http://schemas.microsoft.com/office/drawing/2014/main" id="{03B7D3DD-34DF-A856-5D15-F004CCFB4139}"/>
-                </a:ext>
-              </a:extLst>
-            </p:cNvPr>
-            <p:cNvSpPr/>
-            <p:nvPr/>
-          </p:nvSpPr>
-          <p:spPr>
-            <a:xfrm>
-              <a:off x="5698925" y="2671132"/>
-              <a:ext cx="798604" cy="798604"/>
-            </a:xfrm>
-            <a:prstGeom prst="roundRect">
-              <a:avLst>
-                <a:gd name="adj" fmla="val 16065"/>
-              </a:avLst>
-            </a:prstGeom>
-            <a:grpFill/>
-            <a:ln>
-              <a:noFill/>
-            </a:ln>
-          </p:spPr>
-          <p:style>
-            <a:lnRef idx="2">
-              <a:schemeClr val="accent1">
-                <a:shade val="50000"/>
-              </a:schemeClr>
-            </a:lnRef>
-            <a:fillRef idx="1">
-              <a:schemeClr val="accent1"/>
-            </a:fillRef>
-            <a:effectRef idx="0">
-              <a:schemeClr val="accent1"/>
-            </a:effectRef>
-            <a:fontRef idx="minor">
-              <a:schemeClr val="lt1"/>
-            </a:fontRef>
-          </p:style>
-          <p:txBody>
-            <a:bodyPr rtlCol="0" anchor="ctr"/>
-            <a:lstStyle/>
-            <a:p>
-              <a:pPr algn="ctr"/>
-              <a:endParaRPr lang="en-US">
-                <a:solidFill>
-                  <a:srgbClr val="A5A5A5"/>
-                </a:solidFill>
-              </a:endParaRPr>
-            </a:p>
-          </p:txBody>
-        </p:sp>
-        <p:pic>
-          <p:nvPicPr>
-            <p:cNvPr id="74" name="Graphic 73">
-              <a:extLst>
-                <a:ext uri="{FF2B5EF4-FFF2-40B4-BE49-F238E27FC236}">
-                  <a16:creationId xmlns:a16="http://schemas.microsoft.com/office/drawing/2014/main" id="{D720AFD1-A3D5-3F50-BD00-88CCAD0B57F6}"/>
-                </a:ext>
-              </a:extLst>
-            </p:cNvPr>
-            <p:cNvPicPr>
-              <a:picLocks noChangeAspect="1"/>
-            </p:cNvPicPr>
-            <p:nvPr/>
-          </p:nvPicPr>
-          <p:blipFill>
-            <a:blip r:embed="rId20">
-              <a:extLst>
-                <a:ext uri="{28A0092B-C50C-407E-A947-70E740481C1C}">
-                  <a14:useLocalDpi xmlns:a14="http://schemas.microsoft.com/office/drawing/2010/main" val="0"/>
-                </a:ext>
-              </a:extLst>
-            </a:blip>
-            <a:srcRect/>
-            <a:stretch/>
-          </p:blipFill>
-          <p:spPr>
-            <a:xfrm>
-              <a:off x="5765247" y="2731924"/>
-              <a:ext cx="667391" cy="667391"/>
-            </a:xfrm>
-            <a:prstGeom prst="rect">
-              <a:avLst/>
-            </a:prstGeom>
-            <a:grpFill/>
-          </p:spPr>
-        </p:pic>
-      </p:grpSp>
-    </p:spTree>
-    <p:extLst>
-      <p:ext uri="{BB962C8B-B14F-4D97-AF65-F5344CB8AC3E}">
-        <p14:creationId xmlns:p14="http://schemas.microsoft.com/office/powerpoint/2010/main" val="3364970970"/>
-      </p:ext>
-    </p:extLst>
-  </p:cSld>
-  <p:clrMapOvr>
-    <a:masterClrMapping/>
-  </p:clrMapOvr>
-  <mc:AlternateContent xmlns:mc="http://schemas.openxmlformats.org/markup-compatibility/2006" xmlns:p159="http://schemas.microsoft.com/office/powerpoint/2015/09/main">
-    <mc:Choice Requires="p159">
-      <p:transition spd="slow">
-        <p159:morph option="byObject"/>
-      </p:transition>
-    </mc:Choice>
-    <mc:Fallback xmlns="">
-      <p:transition spd="slow">
-        <p:fade/>
-      </p:transition>
-    </mc:Fallback>
-  </mc:AlternateContent>
-</p:sld>
-</file>
-
-<file path=ppt/slides/slide3.xml><?xml version="1.0" encoding="utf-8"?>
-<p:sld xmlns:a="http://schemas.openxmlformats.org/drawingml/2006/main" xmlns:r="http://schemas.openxmlformats.org/officeDocument/2006/relationships" xmlns:p="http://schemas.openxmlformats.org/presentationml/2006/main">
-  <p:cSld>
-    <p:bg>
-      <p:bgPr>
-        <a:solidFill>
-          <a:schemeClr val="tx1"/>
-        </a:solidFill>
-        <a:effectLst/>
-      </p:bgPr>
-    </p:bg>
-    <p:spTree>
-      <p:nvGrpSpPr>
-        <p:cNvPr id="1" name=""/>
-        <p:cNvGrpSpPr/>
-        <p:nvPr/>
-      </p:nvGrpSpPr>
-      <p:grpSpPr>
-        <a:xfrm>
-          <a:off x="0" y="0"/>
-          <a:ext cx="0" cy="0"/>
-          <a:chOff x="0" y="0"/>
-          <a:chExt cx="0" cy="0"/>
-        </a:xfrm>
-      </p:grpSpPr>
-      <p:sp>
-        <p:nvSpPr>
-          <p:cNvPr id="2" name="Oval 1">
-            <a:extLst>
-              <a:ext uri="{FF2B5EF4-FFF2-40B4-BE49-F238E27FC236}">
-                <a16:creationId xmlns:a16="http://schemas.microsoft.com/office/drawing/2014/main" id="{DDBF4695-B604-8AB7-E564-7D6F2E88DA77}"/>
-              </a:ext>
-            </a:extLst>
-          </p:cNvPr>
-          <p:cNvSpPr/>
-          <p:nvPr/>
-        </p:nvSpPr>
-        <p:spPr>
-          <a:xfrm>
-            <a:off x="-2244435" y="-4911431"/>
-            <a:ext cx="16680872" cy="16680864"/>
-          </a:xfrm>
-          <a:prstGeom prst="ellipse">
-            <a:avLst/>
-          </a:prstGeom>
-          <a:solidFill>
-            <a:schemeClr val="accent3"/>
-          </a:solidFill>
-          <a:ln>
-            <a:noFill/>
-          </a:ln>
-        </p:spPr>
-        <p:style>
-          <a:lnRef idx="2">
-            <a:schemeClr val="accent1">
-              <a:shade val="50000"/>
-            </a:schemeClr>
-          </a:lnRef>
-          <a:fillRef idx="1">
-            <a:schemeClr val="accent1"/>
-          </a:fillRef>
-          <a:effectRef idx="0">
-            <a:schemeClr val="accent1"/>
-          </a:effectRef>
-          <a:fontRef idx="minor">
-            <a:schemeClr val="lt1"/>
-          </a:fontRef>
-        </p:style>
-        <p:txBody>
-          <a:bodyPr rtlCol="0" anchor="ctr"/>
-          <a:lstStyle/>
-          <a:p>
-            <a:pPr algn="ctr"/>
-            <a:endParaRPr lang="en-US" dirty="0"/>
-          </a:p>
-        </p:txBody>
-      </p:sp>
-      <p:grpSp>
-        <p:nvGrpSpPr>
-          <p:cNvPr id="34" name="Group 33">
-            <a:extLst>
-              <a:ext uri="{FF2B5EF4-FFF2-40B4-BE49-F238E27FC236}">
-                <a16:creationId xmlns:a16="http://schemas.microsoft.com/office/drawing/2014/main" id="{E4AECE5B-C198-1D2E-0B59-F71C3CC7DD63}"/>
-              </a:ext>
-            </a:extLst>
-          </p:cNvPr>
-          <p:cNvGrpSpPr/>
-          <p:nvPr/>
-        </p:nvGrpSpPr>
-        <p:grpSpPr>
-          <a:xfrm>
-            <a:off x="4543331" y="418722"/>
-            <a:ext cx="3105339" cy="6020555"/>
-            <a:chOff x="4543331" y="418722"/>
-            <a:chExt cx="3105339" cy="6020555"/>
-          </a:xfrm>
-        </p:grpSpPr>
-        <p:sp>
-          <p:nvSpPr>
-            <p:cNvPr id="4" name="Rectangle: Rounded Corners 3">
-              <a:extLst>
-                <a:ext uri="{FF2B5EF4-FFF2-40B4-BE49-F238E27FC236}">
-                  <a16:creationId xmlns:a16="http://schemas.microsoft.com/office/drawing/2014/main" id="{6DF4D93C-C068-A151-6051-BB6949C92392}"/>
-                </a:ext>
-              </a:extLst>
-            </p:cNvPr>
-            <p:cNvSpPr/>
-            <p:nvPr/>
-          </p:nvSpPr>
-          <p:spPr>
-            <a:xfrm>
-              <a:off x="4543331" y="418723"/>
-              <a:ext cx="3105339" cy="6020554"/>
-            </a:xfrm>
-            <a:prstGeom prst="roundRect">
-              <a:avLst>
-                <a:gd name="adj" fmla="val 15514"/>
-              </a:avLst>
-            </a:prstGeom>
-            <a:solidFill>
-              <a:schemeClr val="bg1"/>
-            </a:solidFill>
-            <a:ln>
-              <a:noFill/>
-            </a:ln>
-          </p:spPr>
-          <p:style>
-            <a:lnRef idx="2">
-              <a:schemeClr val="accent1">
-                <a:shade val="50000"/>
-              </a:schemeClr>
-            </a:lnRef>
-            <a:fillRef idx="1">
-              <a:schemeClr val="accent1"/>
-            </a:fillRef>
-            <a:effectRef idx="0">
-              <a:schemeClr val="accent1"/>
-            </a:effectRef>
-            <a:fontRef idx="minor">
-              <a:schemeClr val="lt1"/>
-            </a:fontRef>
-          </p:style>
-          <p:txBody>
-            <a:bodyPr rtlCol="0" anchor="ctr"/>
-            <a:lstStyle/>
-            <a:p>
-              <a:pPr algn="ctr"/>
-              <a:endParaRPr lang="en-US"/>
-            </a:p>
-          </p:txBody>
-        </p:sp>
-        <p:sp>
-          <p:nvSpPr>
-            <p:cNvPr id="21" name="Rectangle: Rounded Corners 20">
-              <a:extLst>
-                <a:ext uri="{FF2B5EF4-FFF2-40B4-BE49-F238E27FC236}">
-                  <a16:creationId xmlns:a16="http://schemas.microsoft.com/office/drawing/2014/main" id="{4998D1AF-F49C-07BA-BFD6-0114085DBD32}"/>
-                </a:ext>
-              </a:extLst>
-            </p:cNvPr>
-            <p:cNvSpPr/>
-            <p:nvPr/>
-          </p:nvSpPr>
-          <p:spPr>
-            <a:xfrm>
-              <a:off x="4618628" y="505838"/>
-              <a:ext cx="2954744" cy="5858748"/>
-            </a:xfrm>
-            <a:prstGeom prst="roundRect">
-              <a:avLst>
-                <a:gd name="adj" fmla="val 15247"/>
-              </a:avLst>
-            </a:prstGeom>
-            <a:solidFill>
-              <a:schemeClr val="tx1"/>
-            </a:solidFill>
-            <a:ln>
-              <a:noFill/>
-            </a:ln>
-          </p:spPr>
-          <p:style>
-            <a:lnRef idx="2">
-              <a:schemeClr val="accent1">
-                <a:shade val="50000"/>
-              </a:schemeClr>
-            </a:lnRef>
-            <a:fillRef idx="1">
-              <a:schemeClr val="accent1"/>
-            </a:fillRef>
-            <a:effectRef idx="0">
-              <a:schemeClr val="accent1"/>
-            </a:effectRef>
-            <a:fontRef idx="minor">
-              <a:schemeClr val="lt1"/>
-            </a:fontRef>
-          </p:style>
-          <p:txBody>
-            <a:bodyPr rtlCol="0" anchor="ctr"/>
-            <a:lstStyle/>
-            <a:p>
-              <a:pPr algn="ctr"/>
-              <a:endParaRPr lang="en-US"/>
-            </a:p>
-          </p:txBody>
-        </p:sp>
-        <p:sp>
-          <p:nvSpPr>
-            <p:cNvPr id="22" name="Rectangle: Top Corners Rounded 21">
-              <a:extLst>
-                <a:ext uri="{FF2B5EF4-FFF2-40B4-BE49-F238E27FC236}">
-                  <a16:creationId xmlns:a16="http://schemas.microsoft.com/office/drawing/2014/main" id="{D613D425-45ED-F03D-2CCE-493C45ED700C}"/>
-                </a:ext>
-              </a:extLst>
-            </p:cNvPr>
-            <p:cNvSpPr/>
-            <p:nvPr/>
-          </p:nvSpPr>
-          <p:spPr>
-            <a:xfrm rot="10800000">
-              <a:off x="5226996" y="418722"/>
-              <a:ext cx="1738008" cy="291069"/>
-            </a:xfrm>
-            <a:prstGeom prst="round2SameRect">
-              <a:avLst>
-                <a:gd name="adj1" fmla="val 50000"/>
-                <a:gd name="adj2" fmla="val 0"/>
-              </a:avLst>
-            </a:prstGeom>
-            <a:solidFill>
-              <a:schemeClr val="bg1"/>
-            </a:solidFill>
-            <a:ln>
-              <a:noFill/>
-            </a:ln>
-          </p:spPr>
-          <p:style>
-            <a:lnRef idx="2">
-              <a:schemeClr val="accent1">
-                <a:shade val="50000"/>
-              </a:schemeClr>
-            </a:lnRef>
-            <a:fillRef idx="1">
-              <a:schemeClr val="accent1"/>
-            </a:fillRef>
-            <a:effectRef idx="0">
-              <a:schemeClr val="accent1"/>
-            </a:effectRef>
-            <a:fontRef idx="minor">
-              <a:schemeClr val="lt1"/>
-            </a:fontRef>
-          </p:style>
-          <p:txBody>
-            <a:bodyPr rtlCol="0" anchor="ctr"/>
-            <a:lstStyle/>
-            <a:p>
-              <a:pPr algn="ctr"/>
-              <a:endParaRPr lang="en-US"/>
-            </a:p>
-          </p:txBody>
-        </p:sp>
-      </p:grpSp>
-      <p:sp>
-        <p:nvSpPr>
-          <p:cNvPr id="33" name="Rectangle: Rounded Corners 32">
-            <a:extLst>
-              <a:ext uri="{FF2B5EF4-FFF2-40B4-BE49-F238E27FC236}">
-                <a16:creationId xmlns:a16="http://schemas.microsoft.com/office/drawing/2014/main" id="{D1A91F40-21E2-13C8-6FAB-2DF742D0F679}"/>
-              </a:ext>
-            </a:extLst>
-          </p:cNvPr>
-          <p:cNvSpPr/>
-          <p:nvPr/>
-        </p:nvSpPr>
-        <p:spPr>
-          <a:xfrm>
-            <a:off x="4689695" y="5033727"/>
-            <a:ext cx="2788467" cy="1077362"/>
-          </a:xfrm>
-          <a:prstGeom prst="roundRect">
-            <a:avLst>
-              <a:gd name="adj" fmla="val 31793"/>
-            </a:avLst>
-          </a:prstGeom>
-          <a:solidFill>
-            <a:schemeClr val="tx1">
-              <a:lumMod val="75000"/>
-              <a:lumOff val="25000"/>
-            </a:schemeClr>
-          </a:solidFill>
-          <a:ln>
-            <a:noFill/>
-          </a:ln>
-        </p:spPr>
-        <p:style>
-          <a:lnRef idx="2">
-            <a:schemeClr val="accent1">
-              <a:shade val="50000"/>
-            </a:schemeClr>
-          </a:lnRef>
-          <a:fillRef idx="1">
-            <a:schemeClr val="accent1"/>
-          </a:fillRef>
-          <a:effectRef idx="0">
-            <a:schemeClr val="accent1"/>
-          </a:effectRef>
-          <a:fontRef idx="minor">
-            <a:schemeClr val="lt1"/>
-          </a:fontRef>
-        </p:style>
-        <p:txBody>
-          <a:bodyPr rtlCol="0" anchor="ctr"/>
-          <a:lstStyle/>
-          <a:p>
-            <a:pPr algn="ctr"/>
-            <a:endParaRPr lang="en-US"/>
-          </a:p>
-        </p:txBody>
-      </p:sp>
-      <p:grpSp>
-        <p:nvGrpSpPr>
-          <p:cNvPr id="82" name="Group 81">
-            <a:extLst>
-              <a:ext uri="{FF2B5EF4-FFF2-40B4-BE49-F238E27FC236}">
-                <a16:creationId xmlns:a16="http://schemas.microsoft.com/office/drawing/2014/main" id="{CCBDE861-F9B8-B213-CDCA-79BD4153E4F1}"/>
-              </a:ext>
-            </a:extLst>
-          </p:cNvPr>
-          <p:cNvGrpSpPr/>
-          <p:nvPr/>
-        </p:nvGrpSpPr>
-        <p:grpSpPr>
-          <a:xfrm>
-            <a:off x="5698925" y="5178054"/>
-            <a:ext cx="798604" cy="798604"/>
-            <a:chOff x="5698925" y="5178054"/>
-            <a:chExt cx="798604" cy="798604"/>
-          </a:xfrm>
-        </p:grpSpPr>
-        <p:sp>
-          <p:nvSpPr>
-            <p:cNvPr id="29" name="Rectangle: Rounded Corners 28">
-              <a:extLst>
-                <a:ext uri="{FF2B5EF4-FFF2-40B4-BE49-F238E27FC236}">
-                  <a16:creationId xmlns:a16="http://schemas.microsoft.com/office/drawing/2014/main" id="{2286A69F-164A-F6F9-F2C1-0B692D910ABB}"/>
-                </a:ext>
-              </a:extLst>
-            </p:cNvPr>
-            <p:cNvSpPr/>
-            <p:nvPr/>
-          </p:nvSpPr>
-          <p:spPr>
-            <a:xfrm>
-              <a:off x="5698925" y="5178054"/>
-              <a:ext cx="798604" cy="798604"/>
-            </a:xfrm>
-            <a:prstGeom prst="roundRect">
-              <a:avLst>
-                <a:gd name="adj" fmla="val 16065"/>
-              </a:avLst>
-            </a:prstGeom>
-            <a:solidFill>
-              <a:srgbClr val="1399C3"/>
-            </a:solidFill>
-            <a:ln>
-              <a:noFill/>
-            </a:ln>
-          </p:spPr>
-          <p:style>
-            <a:lnRef idx="2">
-              <a:schemeClr val="accent1">
-                <a:shade val="50000"/>
-              </a:schemeClr>
-            </a:lnRef>
-            <a:fillRef idx="1">
-              <a:schemeClr val="accent1"/>
-            </a:fillRef>
-            <a:effectRef idx="0">
-              <a:schemeClr val="accent1"/>
-            </a:effectRef>
-            <a:fontRef idx="minor">
-              <a:schemeClr val="lt1"/>
-            </a:fontRef>
-          </p:style>
-          <p:txBody>
-            <a:bodyPr rtlCol="0" anchor="ctr"/>
-            <a:lstStyle/>
-            <a:p>
-              <a:pPr algn="ctr"/>
-              <a:endParaRPr lang="en-US"/>
-            </a:p>
-          </p:txBody>
-        </p:sp>
-        <p:pic>
-          <p:nvPicPr>
-            <p:cNvPr id="37" name="Graphic 36" descr="Envelope with solid fill">
-              <a:extLst>
-                <a:ext uri="{FF2B5EF4-FFF2-40B4-BE49-F238E27FC236}">
-                  <a16:creationId xmlns:a16="http://schemas.microsoft.com/office/drawing/2014/main" id="{20296A5A-AE20-E766-8205-C2D666171558}"/>
-                </a:ext>
-              </a:extLst>
-            </p:cNvPr>
-            <p:cNvPicPr>
-              <a:picLocks noChangeAspect="1"/>
-            </p:cNvPicPr>
-            <p:nvPr/>
-          </p:nvPicPr>
-          <p:blipFill>
-            <a:blip r:embed="rId2">
-              <a:extLst>
-                <a:ext uri="{28A0092B-C50C-407E-A947-70E740481C1C}">
-                  <a14:useLocalDpi xmlns:a14="http://schemas.microsoft.com/office/drawing/2010/main" val="0"/>
-                </a:ext>
-                <a:ext uri="{96DAC541-7B7A-43D3-8B79-37D633B846F1}">
-                  <asvg:svgBlip xmlns:asvg="http://schemas.microsoft.com/office/drawing/2016/SVG/main" r:embed="rId3"/>
-                </a:ext>
-              </a:extLst>
-            </a:blip>
-            <a:stretch>
-              <a:fillRect/>
-            </a:stretch>
-          </p:blipFill>
-          <p:spPr>
-            <a:xfrm>
-              <a:off x="5793883" y="5277820"/>
-              <a:ext cx="605018" cy="605018"/>
-            </a:xfrm>
-            <a:prstGeom prst="rect">
-              <a:avLst/>
-            </a:prstGeom>
-          </p:spPr>
-        </p:pic>
-      </p:grpSp>
-      <p:grpSp>
-        <p:nvGrpSpPr>
-          <p:cNvPr id="81" name="Group 80">
-            <a:extLst>
-              <a:ext uri="{FF2B5EF4-FFF2-40B4-BE49-F238E27FC236}">
-                <a16:creationId xmlns:a16="http://schemas.microsoft.com/office/drawing/2014/main" id="{4161F7C0-AC0E-968A-E258-5A1C11DA2ADE}"/>
-              </a:ext>
-            </a:extLst>
-          </p:cNvPr>
-          <p:cNvGrpSpPr/>
-          <p:nvPr/>
-        </p:nvGrpSpPr>
-        <p:grpSpPr>
-          <a:xfrm>
-            <a:off x="4854092" y="5178054"/>
-            <a:ext cx="798604" cy="798604"/>
-            <a:chOff x="4854092" y="5178054"/>
-            <a:chExt cx="798604" cy="798604"/>
-          </a:xfrm>
-        </p:grpSpPr>
-        <p:sp>
-          <p:nvSpPr>
-            <p:cNvPr id="28" name="Rectangle: Rounded Corners 27">
-              <a:extLst>
-                <a:ext uri="{FF2B5EF4-FFF2-40B4-BE49-F238E27FC236}">
-                  <a16:creationId xmlns:a16="http://schemas.microsoft.com/office/drawing/2014/main" id="{073E6358-FE21-EB27-6D6D-E6F23AE7B8EB}"/>
-                </a:ext>
-              </a:extLst>
-            </p:cNvPr>
-            <p:cNvSpPr/>
-            <p:nvPr/>
-          </p:nvSpPr>
-          <p:spPr>
-            <a:xfrm>
-              <a:off x="4854092" y="5178054"/>
-              <a:ext cx="798604" cy="798604"/>
-            </a:xfrm>
-            <a:prstGeom prst="roundRect">
-              <a:avLst>
-                <a:gd name="adj" fmla="val 16065"/>
-              </a:avLst>
-            </a:prstGeom>
-            <a:solidFill>
-              <a:srgbClr val="6FE34F"/>
-            </a:solidFill>
-            <a:ln>
-              <a:noFill/>
-            </a:ln>
-          </p:spPr>
-          <p:style>
-            <a:lnRef idx="2">
-              <a:schemeClr val="accent1">
-                <a:shade val="50000"/>
-              </a:schemeClr>
-            </a:lnRef>
-            <a:fillRef idx="1">
-              <a:schemeClr val="accent1"/>
-            </a:fillRef>
-            <a:effectRef idx="0">
-              <a:schemeClr val="accent1"/>
-            </a:effectRef>
-            <a:fontRef idx="minor">
-              <a:schemeClr val="lt1"/>
-            </a:fontRef>
-          </p:style>
-          <p:txBody>
-            <a:bodyPr rtlCol="0" anchor="ctr"/>
-            <a:lstStyle/>
-            <a:p>
-              <a:pPr algn="ctr"/>
-              <a:endParaRPr lang="en-US"/>
-            </a:p>
-          </p:txBody>
-        </p:sp>
-        <p:pic>
-          <p:nvPicPr>
-            <p:cNvPr id="39" name="Graphic 38" descr="Chat with solid fill">
-              <a:extLst>
-                <a:ext uri="{FF2B5EF4-FFF2-40B4-BE49-F238E27FC236}">
-                  <a16:creationId xmlns:a16="http://schemas.microsoft.com/office/drawing/2014/main" id="{94E4ADF9-48D7-1962-D90C-8373DF47E67B}"/>
-                </a:ext>
-              </a:extLst>
-            </p:cNvPr>
-            <p:cNvPicPr>
-              <a:picLocks noChangeAspect="1"/>
-            </p:cNvPicPr>
-            <p:nvPr/>
-          </p:nvPicPr>
-          <p:blipFill>
-            <a:blip r:embed="rId4">
-              <a:extLst>
-                <a:ext uri="{28A0092B-C50C-407E-A947-70E740481C1C}">
-                  <a14:useLocalDpi xmlns:a14="http://schemas.microsoft.com/office/drawing/2010/main" val="0"/>
-                </a:ext>
-                <a:ext uri="{96DAC541-7B7A-43D3-8B79-37D633B846F1}">
-                  <asvg:svgBlip xmlns:asvg="http://schemas.microsoft.com/office/drawing/2016/SVG/main" r:embed="rId5"/>
-                </a:ext>
-              </a:extLst>
-            </a:blip>
-            <a:stretch>
-              <a:fillRect/>
-            </a:stretch>
-          </p:blipFill>
-          <p:spPr>
-            <a:xfrm>
-              <a:off x="4885339" y="5252648"/>
-              <a:ext cx="714958" cy="714958"/>
-            </a:xfrm>
-            <a:prstGeom prst="rect">
-              <a:avLst/>
-            </a:prstGeom>
-          </p:spPr>
-        </p:pic>
-      </p:grpSp>
-      <p:grpSp>
-        <p:nvGrpSpPr>
-          <p:cNvPr id="83" name="Group 82">
-            <a:extLst>
-              <a:ext uri="{FF2B5EF4-FFF2-40B4-BE49-F238E27FC236}">
-                <a16:creationId xmlns:a16="http://schemas.microsoft.com/office/drawing/2014/main" id="{D578A30C-F8D5-52D5-FB6C-370BA44520F0}"/>
-              </a:ext>
-            </a:extLst>
-          </p:cNvPr>
-          <p:cNvGrpSpPr/>
-          <p:nvPr/>
-        </p:nvGrpSpPr>
-        <p:grpSpPr>
-          <a:xfrm>
-            <a:off x="6543756" y="5178054"/>
-            <a:ext cx="798604" cy="798604"/>
-            <a:chOff x="6543756" y="5178054"/>
-            <a:chExt cx="798604" cy="798604"/>
-          </a:xfrm>
-        </p:grpSpPr>
-        <p:sp>
-          <p:nvSpPr>
-            <p:cNvPr id="30" name="Rectangle: Rounded Corners 29">
-              <a:extLst>
-                <a:ext uri="{FF2B5EF4-FFF2-40B4-BE49-F238E27FC236}">
-                  <a16:creationId xmlns:a16="http://schemas.microsoft.com/office/drawing/2014/main" id="{2E3F108C-4EC2-88DB-FAF3-7F55B204AC9E}"/>
-                </a:ext>
-              </a:extLst>
-            </p:cNvPr>
-            <p:cNvSpPr/>
-            <p:nvPr/>
-          </p:nvSpPr>
-          <p:spPr>
-            <a:xfrm>
-              <a:off x="6543756" y="5178054"/>
-              <a:ext cx="798604" cy="798604"/>
-            </a:xfrm>
-            <a:prstGeom prst="roundRect">
-              <a:avLst>
-                <a:gd name="adj" fmla="val 16065"/>
-              </a:avLst>
-            </a:prstGeom>
-            <a:solidFill>
-              <a:schemeClr val="bg1"/>
-            </a:solidFill>
-            <a:ln>
-              <a:noFill/>
-            </a:ln>
-          </p:spPr>
-          <p:style>
-            <a:lnRef idx="2">
-              <a:schemeClr val="accent1">
-                <a:shade val="50000"/>
-              </a:schemeClr>
-            </a:lnRef>
-            <a:fillRef idx="1">
-              <a:schemeClr val="accent1"/>
-            </a:fillRef>
-            <a:effectRef idx="0">
-              <a:schemeClr val="accent1"/>
-            </a:effectRef>
-            <a:fontRef idx="minor">
-              <a:schemeClr val="lt1"/>
-            </a:fontRef>
-          </p:style>
-          <p:txBody>
-            <a:bodyPr rtlCol="0" anchor="ctr"/>
-            <a:lstStyle/>
-            <a:p>
-              <a:pPr algn="ctr"/>
-              <a:endParaRPr lang="en-US"/>
-            </a:p>
-          </p:txBody>
-        </p:sp>
-        <p:pic>
-          <p:nvPicPr>
-            <p:cNvPr id="41" name="Graphic 40" descr="Camera with solid fill">
-              <a:extLst>
-                <a:ext uri="{FF2B5EF4-FFF2-40B4-BE49-F238E27FC236}">
-                  <a16:creationId xmlns:a16="http://schemas.microsoft.com/office/drawing/2014/main" id="{805996E9-DA3C-7A21-05F6-B563AE24C79F}"/>
-                </a:ext>
-              </a:extLst>
-            </p:cNvPr>
-            <p:cNvPicPr>
-              <a:picLocks noChangeAspect="1"/>
-            </p:cNvPicPr>
-            <p:nvPr/>
-          </p:nvPicPr>
-          <p:blipFill>
-            <a:blip r:embed="rId6">
-              <a:extLst>
-                <a:ext uri="{28A0092B-C50C-407E-A947-70E740481C1C}">
-                  <a14:useLocalDpi xmlns:a14="http://schemas.microsoft.com/office/drawing/2010/main" val="0"/>
-                </a:ext>
-                <a:ext uri="{96DAC541-7B7A-43D3-8B79-37D633B846F1}">
-                  <asvg:svgBlip xmlns:asvg="http://schemas.microsoft.com/office/drawing/2016/SVG/main" r:embed="rId7"/>
-                </a:ext>
-              </a:extLst>
-            </a:blip>
-            <a:stretch>
-              <a:fillRect/>
-            </a:stretch>
-          </p:blipFill>
-          <p:spPr>
-            <a:xfrm>
-              <a:off x="6614186" y="5258148"/>
-              <a:ext cx="642796" cy="642796"/>
-            </a:xfrm>
-            <a:prstGeom prst="rect">
-              <a:avLst/>
-            </a:prstGeom>
-          </p:spPr>
-        </p:pic>
-      </p:grpSp>
-      <p:grpSp>
-        <p:nvGrpSpPr>
-          <p:cNvPr id="84" name="Group 83">
-            <a:extLst>
-              <a:ext uri="{FF2B5EF4-FFF2-40B4-BE49-F238E27FC236}">
-                <a16:creationId xmlns:a16="http://schemas.microsoft.com/office/drawing/2014/main" id="{CE2405C5-509F-1218-A157-655AA807A352}"/>
-              </a:ext>
-            </a:extLst>
-          </p:cNvPr>
-          <p:cNvGrpSpPr/>
-          <p:nvPr/>
-        </p:nvGrpSpPr>
-        <p:grpSpPr>
-          <a:xfrm>
-            <a:off x="4854092" y="863236"/>
-            <a:ext cx="2488268" cy="1621984"/>
-            <a:chOff x="4854092" y="863236"/>
-            <a:chExt cx="2488268" cy="1621984"/>
-          </a:xfrm>
-        </p:grpSpPr>
-        <p:sp>
-          <p:nvSpPr>
-            <p:cNvPr id="35" name="Rectangle: Rounded Corners 34">
-              <a:extLst>
-                <a:ext uri="{FF2B5EF4-FFF2-40B4-BE49-F238E27FC236}">
-                  <a16:creationId xmlns:a16="http://schemas.microsoft.com/office/drawing/2014/main" id="{7E9B6C1F-84DD-35DF-BAAF-5DBB309C82CA}"/>
-                </a:ext>
-              </a:extLst>
-            </p:cNvPr>
-            <p:cNvSpPr/>
-            <p:nvPr/>
-          </p:nvSpPr>
-          <p:spPr>
-            <a:xfrm>
-              <a:off x="4854092" y="881342"/>
-              <a:ext cx="2488268" cy="1603878"/>
-            </a:xfrm>
-            <a:prstGeom prst="roundRect">
-              <a:avLst>
-                <a:gd name="adj" fmla="val 11783"/>
-              </a:avLst>
-            </a:prstGeom>
-            <a:solidFill>
-              <a:schemeClr val="tx1">
-                <a:lumMod val="75000"/>
-                <a:lumOff val="25000"/>
-              </a:schemeClr>
-            </a:solidFill>
-            <a:ln>
-              <a:noFill/>
-            </a:ln>
-          </p:spPr>
-          <p:style>
-            <a:lnRef idx="2">
-              <a:schemeClr val="accent1">
-                <a:shade val="50000"/>
-              </a:schemeClr>
-            </a:lnRef>
-            <a:fillRef idx="1">
-              <a:schemeClr val="accent1"/>
-            </a:fillRef>
-            <a:effectRef idx="0">
-              <a:schemeClr val="accent1"/>
-            </a:effectRef>
-            <a:fontRef idx="minor">
-              <a:schemeClr val="lt1"/>
-            </a:fontRef>
-          </p:style>
-          <p:txBody>
-            <a:bodyPr rtlCol="0" anchor="ctr"/>
-            <a:lstStyle/>
-            <a:p>
-              <a:pPr algn="ctr"/>
-              <a:endParaRPr lang="en-US"/>
-            </a:p>
-          </p:txBody>
-        </p:sp>
-        <p:sp>
-          <p:nvSpPr>
-            <p:cNvPr id="42" name="TextBox 41">
-              <a:extLst>
-                <a:ext uri="{FF2B5EF4-FFF2-40B4-BE49-F238E27FC236}">
-                  <a16:creationId xmlns:a16="http://schemas.microsoft.com/office/drawing/2014/main" id="{259044E2-FB19-AF8A-095D-1D2B77D93B22}"/>
-                </a:ext>
-              </a:extLst>
-            </p:cNvPr>
-            <p:cNvSpPr txBox="1"/>
-            <p:nvPr/>
-          </p:nvSpPr>
-          <p:spPr>
-            <a:xfrm>
-              <a:off x="4885339" y="913540"/>
-              <a:ext cx="1269899" cy="707886"/>
-            </a:xfrm>
-            <a:prstGeom prst="rect">
-              <a:avLst/>
-            </a:prstGeom>
-            <a:noFill/>
-          </p:spPr>
-          <p:txBody>
-            <a:bodyPr wrap="none" rtlCol="0">
-              <a:spAutoFit/>
-            </a:bodyPr>
-            <a:lstStyle/>
-            <a:p>
-              <a:r>
-                <a:rPr lang="en-US" sz="4000" dirty="0">
-                  <a:solidFill>
-                    <a:schemeClr val="bg1"/>
-                  </a:solidFill>
-                  <a:latin typeface="Helvetica" panose="020B0500000000000000" pitchFamily="34" charset="0"/>
-                </a:rPr>
-                <a:t>AUG</a:t>
-              </a:r>
-            </a:p>
-          </p:txBody>
-        </p:sp>
-        <p:sp>
-          <p:nvSpPr>
-            <p:cNvPr id="43" name="TextBox 42">
-              <a:extLst>
-                <a:ext uri="{FF2B5EF4-FFF2-40B4-BE49-F238E27FC236}">
-                  <a16:creationId xmlns:a16="http://schemas.microsoft.com/office/drawing/2014/main" id="{3A8004F6-2D6C-E03F-F9C8-1EC45372BE3F}"/>
-                </a:ext>
-              </a:extLst>
-            </p:cNvPr>
-            <p:cNvSpPr txBox="1"/>
-            <p:nvPr/>
-          </p:nvSpPr>
-          <p:spPr>
-            <a:xfrm>
-              <a:off x="5285288" y="1467067"/>
-              <a:ext cx="470000" cy="707886"/>
-            </a:xfrm>
-            <a:prstGeom prst="rect">
-              <a:avLst/>
-            </a:prstGeom>
-            <a:noFill/>
-          </p:spPr>
-          <p:txBody>
-            <a:bodyPr wrap="none" rtlCol="0">
-              <a:spAutoFit/>
-            </a:bodyPr>
-            <a:lstStyle/>
-            <a:p>
-              <a:r>
-                <a:rPr lang="en-US" sz="4000" dirty="0">
-                  <a:solidFill>
-                    <a:schemeClr val="bg1"/>
-                  </a:solidFill>
-                  <a:latin typeface="Helvetica" panose="020B0500000000000000" pitchFamily="34" charset="0"/>
-                </a:rPr>
-                <a:t>1</a:t>
-              </a:r>
-            </a:p>
-          </p:txBody>
-        </p:sp>
-        <p:sp>
-          <p:nvSpPr>
-            <p:cNvPr id="44" name="TextBox 43">
-              <a:extLst>
-                <a:ext uri="{FF2B5EF4-FFF2-40B4-BE49-F238E27FC236}">
-                  <a16:creationId xmlns:a16="http://schemas.microsoft.com/office/drawing/2014/main" id="{ABB3D2E9-E8B5-BA64-A0CE-840284E9AC60}"/>
-                </a:ext>
-              </a:extLst>
-            </p:cNvPr>
-            <p:cNvSpPr txBox="1"/>
-            <p:nvPr/>
-          </p:nvSpPr>
-          <p:spPr>
-            <a:xfrm>
-              <a:off x="5188306" y="2034412"/>
-              <a:ext cx="663964" cy="338554"/>
-            </a:xfrm>
-            <a:prstGeom prst="rect">
-              <a:avLst/>
-            </a:prstGeom>
-            <a:noFill/>
-          </p:spPr>
-          <p:txBody>
-            <a:bodyPr wrap="none" rtlCol="0">
-              <a:spAutoFit/>
-            </a:bodyPr>
-            <a:lstStyle/>
-            <a:p>
-              <a:r>
-                <a:rPr lang="en-US" sz="1600" dirty="0">
-                  <a:solidFill>
-                    <a:schemeClr val="bg1"/>
-                  </a:solidFill>
-                  <a:latin typeface="Helvetica" panose="020B0500000000000000" pitchFamily="34" charset="0"/>
-                </a:rPr>
-                <a:t>MON</a:t>
-              </a:r>
-            </a:p>
-          </p:txBody>
-        </p:sp>
-        <p:pic>
-          <p:nvPicPr>
-            <p:cNvPr id="47" name="Graphic 46" descr="Dim (Smaller Sun) with solid fill">
-              <a:extLst>
-                <a:ext uri="{FF2B5EF4-FFF2-40B4-BE49-F238E27FC236}">
-                  <a16:creationId xmlns:a16="http://schemas.microsoft.com/office/drawing/2014/main" id="{D83637D1-A462-B075-E4C7-13742103C717}"/>
-                </a:ext>
-              </a:extLst>
-            </p:cNvPr>
-            <p:cNvPicPr>
-              <a:picLocks noChangeAspect="1"/>
-            </p:cNvPicPr>
-            <p:nvPr/>
-          </p:nvPicPr>
-          <p:blipFill>
-            <a:blip r:embed="rId8">
-              <a:extLst>
-                <a:ext uri="{28A0092B-C50C-407E-A947-70E740481C1C}">
-                  <a14:useLocalDpi xmlns:a14="http://schemas.microsoft.com/office/drawing/2010/main" val="0"/>
-                </a:ext>
-                <a:ext uri="{96DAC541-7B7A-43D3-8B79-37D633B846F1}">
-                  <asvg:svgBlip xmlns:asvg="http://schemas.microsoft.com/office/drawing/2016/SVG/main" r:embed="rId9"/>
-                </a:ext>
-              </a:extLst>
-            </a:blip>
-            <a:stretch>
-              <a:fillRect/>
-            </a:stretch>
-          </p:blipFill>
-          <p:spPr>
-            <a:xfrm>
-              <a:off x="6315590" y="863236"/>
-              <a:ext cx="963322" cy="963322"/>
-            </a:xfrm>
-            <a:prstGeom prst="rect">
-              <a:avLst/>
-            </a:prstGeom>
-          </p:spPr>
-        </p:pic>
-        <p:sp>
-          <p:nvSpPr>
-            <p:cNvPr id="48" name="TextBox 47">
-              <a:extLst>
-                <a:ext uri="{FF2B5EF4-FFF2-40B4-BE49-F238E27FC236}">
-                  <a16:creationId xmlns:a16="http://schemas.microsoft.com/office/drawing/2014/main" id="{19309BF0-4E71-4222-0044-C327830BADAE}"/>
-                </a:ext>
-              </a:extLst>
-            </p:cNvPr>
-            <p:cNvSpPr txBox="1"/>
-            <p:nvPr/>
-          </p:nvSpPr>
-          <p:spPr>
-            <a:xfrm>
-              <a:off x="6379637" y="1696400"/>
-              <a:ext cx="835229" cy="369332"/>
-            </a:xfrm>
-            <a:prstGeom prst="rect">
-              <a:avLst/>
-            </a:prstGeom>
-            <a:noFill/>
-          </p:spPr>
-          <p:txBody>
-            <a:bodyPr wrap="none" rtlCol="0">
-              <a:spAutoFit/>
-            </a:bodyPr>
-            <a:lstStyle/>
-            <a:p>
-              <a:r>
-                <a:rPr lang="en-US" dirty="0">
-                  <a:solidFill>
-                    <a:schemeClr val="bg1"/>
-                  </a:solidFill>
-                  <a:latin typeface="Helvetica" panose="020B0500000000000000" pitchFamily="34" charset="0"/>
-                </a:rPr>
-                <a:t>Sunny</a:t>
-              </a:r>
-            </a:p>
-          </p:txBody>
-        </p:sp>
-        <p:sp>
-          <p:nvSpPr>
-            <p:cNvPr id="49" name="TextBox 48">
-              <a:extLst>
-                <a:ext uri="{FF2B5EF4-FFF2-40B4-BE49-F238E27FC236}">
-                  <a16:creationId xmlns:a16="http://schemas.microsoft.com/office/drawing/2014/main" id="{30171AC7-4876-5CB1-6B89-BF07FE8B3AA0}"/>
-                </a:ext>
-              </a:extLst>
-            </p:cNvPr>
-            <p:cNvSpPr txBox="1"/>
-            <p:nvPr/>
-          </p:nvSpPr>
-          <p:spPr>
-            <a:xfrm>
-              <a:off x="6379637" y="1984732"/>
-              <a:ext cx="546945" cy="369332"/>
-            </a:xfrm>
-            <a:prstGeom prst="rect">
-              <a:avLst/>
-            </a:prstGeom>
-            <a:noFill/>
-          </p:spPr>
-          <p:txBody>
-            <a:bodyPr wrap="none" rtlCol="0">
-              <a:spAutoFit/>
-            </a:bodyPr>
-            <a:lstStyle/>
-            <a:p>
-              <a:r>
-                <a:rPr lang="en-US" dirty="0">
-                  <a:solidFill>
-                    <a:schemeClr val="bg1"/>
-                  </a:solidFill>
-                  <a:latin typeface="Helvetica" panose="020B0500000000000000" pitchFamily="34" charset="0"/>
-                </a:rPr>
-                <a:t>18</a:t>
-              </a:r>
-              <a:r>
-                <a:rPr lang="en-US" sz="1600" baseline="30000" dirty="0">
-                  <a:solidFill>
-                    <a:schemeClr val="bg1"/>
-                  </a:solidFill>
-                  <a:latin typeface="Helvetica" panose="020B0500000000000000" pitchFamily="34" charset="0"/>
-                </a:rPr>
-                <a:t>O</a:t>
-              </a:r>
-              <a:endParaRPr lang="en-US" baseline="30000" dirty="0">
-                <a:solidFill>
-                  <a:schemeClr val="bg1"/>
-                </a:solidFill>
-                <a:latin typeface="Helvetica" panose="020B0500000000000000" pitchFamily="34" charset="0"/>
-              </a:endParaRPr>
-            </a:p>
-          </p:txBody>
-        </p:sp>
-        <p:cxnSp>
-          <p:nvCxnSpPr>
-            <p:cNvPr id="53" name="Straight Connector 52">
-              <a:extLst>
-                <a:ext uri="{FF2B5EF4-FFF2-40B4-BE49-F238E27FC236}">
-                  <a16:creationId xmlns:a16="http://schemas.microsoft.com/office/drawing/2014/main" id="{62D5053E-86CC-E042-9407-1DB6EB8D0ECF}"/>
-                </a:ext>
-              </a:extLst>
-            </p:cNvPr>
-            <p:cNvCxnSpPr>
-              <a:cxnSpLocks/>
-            </p:cNvCxnSpPr>
-            <p:nvPr/>
-          </p:nvCxnSpPr>
-          <p:spPr>
-            <a:xfrm>
-              <a:off x="6191451" y="1104522"/>
-              <a:ext cx="0" cy="1176950"/>
-            </a:xfrm>
-            <a:prstGeom prst="line">
-              <a:avLst/>
-            </a:prstGeom>
-            <a:ln>
-              <a:solidFill>
-                <a:schemeClr val="bg1"/>
-              </a:solidFill>
-            </a:ln>
-          </p:spPr>
-          <p:style>
-            <a:lnRef idx="1">
-              <a:schemeClr val="accent1"/>
-            </a:lnRef>
-            <a:fillRef idx="0">
-              <a:schemeClr val="accent1"/>
-            </a:fillRef>
-            <a:effectRef idx="0">
-              <a:schemeClr val="accent1"/>
-            </a:effectRef>
-            <a:fontRef idx="minor">
-              <a:schemeClr val="tx1"/>
-            </a:fontRef>
-          </p:style>
-        </p:cxnSp>
-      </p:grpSp>
-      <p:sp>
-        <p:nvSpPr>
-          <p:cNvPr id="55" name="TextBox 54">
-            <a:extLst>
-              <a:ext uri="{FF2B5EF4-FFF2-40B4-BE49-F238E27FC236}">
-                <a16:creationId xmlns:a16="http://schemas.microsoft.com/office/drawing/2014/main" id="{9F57A2C4-5F60-34E6-C358-D18D0BFF6B4B}"/>
-              </a:ext>
-            </a:extLst>
-          </p:cNvPr>
-          <p:cNvSpPr txBox="1"/>
-          <p:nvPr/>
-        </p:nvSpPr>
-        <p:spPr>
-          <a:xfrm>
-            <a:off x="4854092" y="3466462"/>
-            <a:ext cx="794153" cy="261610"/>
-          </a:xfrm>
-          <a:prstGeom prst="rect">
-            <a:avLst/>
-          </a:prstGeom>
-          <a:noFill/>
-        </p:spPr>
-        <p:txBody>
-          <a:bodyPr wrap="square" rtlCol="0">
-            <a:spAutoFit/>
-          </a:bodyPr>
-          <a:lstStyle/>
-          <a:p>
-            <a:pPr algn="ctr"/>
-            <a:r>
-              <a:rPr lang="en-US" sz="1050" dirty="0">
-                <a:solidFill>
-                  <a:schemeClr val="bg1"/>
-                </a:solidFill>
-                <a:latin typeface="Helvetica" panose="020B0500000000000000" pitchFamily="34" charset="0"/>
-              </a:rPr>
-              <a:t>History</a:t>
-            </a:r>
-          </a:p>
-        </p:txBody>
-      </p:sp>
-      <p:sp>
-        <p:nvSpPr>
-          <p:cNvPr id="56" name="TextBox 55">
-            <a:extLst>
-              <a:ext uri="{FF2B5EF4-FFF2-40B4-BE49-F238E27FC236}">
-                <a16:creationId xmlns:a16="http://schemas.microsoft.com/office/drawing/2014/main" id="{D47B7A7E-E65D-6038-99B3-E7E8B7AE941D}"/>
-              </a:ext>
-            </a:extLst>
-          </p:cNvPr>
-          <p:cNvSpPr txBox="1"/>
-          <p:nvPr/>
-        </p:nvSpPr>
-        <p:spPr>
-          <a:xfrm>
-            <a:off x="5686851" y="3466462"/>
-            <a:ext cx="794153" cy="261610"/>
-          </a:xfrm>
-          <a:prstGeom prst="rect">
-            <a:avLst/>
-          </a:prstGeom>
-          <a:noFill/>
-        </p:spPr>
-        <p:txBody>
-          <a:bodyPr wrap="square" rtlCol="0">
-            <a:spAutoFit/>
-          </a:bodyPr>
-          <a:lstStyle/>
-          <a:p>
-            <a:pPr algn="ctr"/>
-            <a:r>
-              <a:rPr lang="en-US" sz="1050" dirty="0">
-                <a:solidFill>
-                  <a:schemeClr val="bg1"/>
-                </a:solidFill>
-                <a:latin typeface="Helvetica" panose="020B0500000000000000" pitchFamily="34" charset="0"/>
-              </a:rPr>
               <a:t>Science</a:t>
             </a:r>
           </a:p>
@@ -27437,7 +29268,7 @@
         </p:nvSpPr>
         <p:spPr>
           <a:xfrm>
-            <a:off x="2213366" y="804832"/>
+            <a:off x="2213366" y="568497"/>
             <a:ext cx="7765267" cy="830997"/>
           </a:xfrm>
           <a:prstGeom prst="rect">
@@ -27477,7 +29308,7 @@
         </p:nvSpPr>
         <p:spPr>
           <a:xfrm>
-            <a:off x="825958" y="2123774"/>
+            <a:off x="10043947" y="336847"/>
             <a:ext cx="4044621" cy="1169551"/>
           </a:xfrm>
           <a:prstGeom prst="rect">
@@ -27494,7 +29325,7 @@
             <a:r>
               <a:rPr lang="it-IT" sz="1400" u="sng" dirty="0">
                 <a:solidFill>
-                  <a:srgbClr val="A5A5A5"/>
+                  <a:srgbClr val="FF0000"/>
                 </a:solidFill>
                 <a:latin typeface="The Sans Light-" panose="02000503050000020004" pitchFamily="2" charset="0"/>
               </a:rPr>
@@ -27509,7 +29340,7 @@
             <a:r>
               <a:rPr lang="it-IT" sz="1400" u="sng" dirty="0">
                 <a:solidFill>
-                  <a:srgbClr val="A5A5A5"/>
+                  <a:srgbClr val="FF0000"/>
                 </a:solidFill>
                 <a:latin typeface="The Sans Light-" panose="02000503050000020004" pitchFamily="2" charset="0"/>
               </a:rPr>
@@ -27524,7 +29355,7 @@
             <a:r>
               <a:rPr lang="it-IT" sz="1400" u="sng" dirty="0">
                 <a:solidFill>
-                  <a:srgbClr val="A5A5A5"/>
+                  <a:srgbClr val="FF0000"/>
                 </a:solidFill>
                 <a:latin typeface="The Sans Light-" panose="02000503050000020004" pitchFamily="2" charset="0"/>
               </a:rPr>
@@ -27532,7 +29363,7 @@
             </a:r>
             <a:endParaRPr lang="en-US" sz="1400" u="sng" dirty="0">
               <a:solidFill>
-                <a:srgbClr val="A5A5A5"/>
+                <a:srgbClr val="FF0000"/>
               </a:solidFill>
               <a:latin typeface="The Sans Light-" panose="02000503050000020004" pitchFamily="2" charset="0"/>
             </a:endParaRPr>
@@ -27545,7 +29376,7 @@
             <a:r>
               <a:rPr lang="en-US" sz="1400" u="sng" dirty="0" err="1">
                 <a:solidFill>
-                  <a:srgbClr val="A5A5A5"/>
+                  <a:srgbClr val="FF0000"/>
                 </a:solidFill>
                 <a:latin typeface="The Sans Light-" panose="02000503050000020004" pitchFamily="2" charset="0"/>
               </a:rPr>
@@ -27554,7 +29385,7 @@
             <a:r>
               <a:rPr lang="en-US" sz="1400" u="sng" dirty="0">
                 <a:solidFill>
-                  <a:srgbClr val="A5A5A5"/>
+                  <a:srgbClr val="FF0000"/>
                 </a:solidFill>
                 <a:latin typeface="The Sans Light-" panose="02000503050000020004" pitchFamily="2" charset="0"/>
               </a:rPr>
@@ -27569,7 +29400,7 @@
             <a:r>
               <a:rPr lang="en-US" sz="1400" u="sng" dirty="0" err="1">
                 <a:solidFill>
-                  <a:srgbClr val="A5A5A5"/>
+                  <a:srgbClr val="FF0000"/>
                 </a:solidFill>
                 <a:latin typeface="The Sans Light-" panose="02000503050000020004" pitchFamily="2" charset="0"/>
               </a:rPr>
@@ -27578,7 +29409,7 @@
             <a:r>
               <a:rPr lang="en-US" sz="1400" u="sng" dirty="0">
                 <a:solidFill>
-                  <a:srgbClr val="A5A5A5"/>
+                  <a:srgbClr val="FF0000"/>
                 </a:solidFill>
                 <a:latin typeface="The Sans Light-" panose="02000503050000020004" pitchFamily="2" charset="0"/>
               </a:rPr>
@@ -27587,7 +29418,7 @@
             <a:r>
               <a:rPr lang="en-US" sz="1400" u="sng" dirty="0" err="1">
                 <a:solidFill>
-                  <a:srgbClr val="A5A5A5"/>
+                  <a:srgbClr val="FF0000"/>
                 </a:solidFill>
                 <a:latin typeface="The Sans Light-" panose="02000503050000020004" pitchFamily="2" charset="0"/>
               </a:rPr>
@@ -27596,7 +29427,7 @@
             <a:r>
               <a:rPr lang="en-US" sz="1400" u="sng" dirty="0">
                 <a:solidFill>
-                  <a:srgbClr val="A5A5A5"/>
+                  <a:srgbClr val="FF0000"/>
                 </a:solidFill>
                 <a:latin typeface="The Sans Light-" panose="02000503050000020004" pitchFamily="2" charset="0"/>
               </a:rPr>
@@ -27605,7 +29436,7 @@
             <a:r>
               <a:rPr lang="en-US" sz="1400" u="sng" dirty="0" err="1">
                 <a:solidFill>
-                  <a:srgbClr val="A5A5A5"/>
+                  <a:srgbClr val="FF0000"/>
                 </a:solidFill>
                 <a:latin typeface="The Sans Light-" panose="02000503050000020004" pitchFamily="2" charset="0"/>
               </a:rPr>
@@ -27613,7 +29444,7 @@
             </a:r>
             <a:endParaRPr lang="it-IT" sz="1400" u="sng" dirty="0">
               <a:solidFill>
-                <a:srgbClr val="A5A5A5"/>
+                <a:srgbClr val="FF0000"/>
               </a:solidFill>
               <a:latin typeface="The Sans Light-" panose="02000503050000020004" pitchFamily="2" charset="0"/>
             </a:endParaRPr>
@@ -27731,6 +29562,222 @@
           </p:spPr>
         </p:pic>
       </p:grpSp>
+      <p:sp>
+        <p:nvSpPr>
+          <p:cNvPr id="2" name="TextBox 24">
+            <a:extLst>
+              <a:ext uri="{FF2B5EF4-FFF2-40B4-BE49-F238E27FC236}">
+                <a16:creationId xmlns:a16="http://schemas.microsoft.com/office/drawing/2014/main" id="{86D21F57-E045-DFAE-D163-8B07F0C9F0B5}"/>
+              </a:ext>
+            </a:extLst>
+          </p:cNvPr>
+          <p:cNvSpPr txBox="1"/>
+          <p:nvPr/>
+        </p:nvSpPr>
+        <p:spPr>
+          <a:xfrm>
+            <a:off x="874754" y="1565354"/>
+            <a:ext cx="5833956" cy="4524315"/>
+          </a:xfrm>
+          <a:prstGeom prst="rect">
+            <a:avLst/>
+          </a:prstGeom>
+          <a:noFill/>
+        </p:spPr>
+        <p:txBody>
+          <a:bodyPr wrap="square" rtlCol="0">
+            <a:spAutoFit/>
+          </a:bodyPr>
+          <a:lstStyle/>
+          <a:p>
+            <a:pPr lvl="0" algn="just">
+              <a:defRPr/>
+            </a:pPr>
+            <a:r>
+              <a:rPr lang="it-IT" dirty="0">
+                <a:solidFill>
+                  <a:schemeClr val="bg1"/>
+                </a:solidFill>
+                <a:latin typeface="Poppins Light" panose="00000400000000000000" pitchFamily="2" charset="0"/>
+                <a:cs typeface="Poppins Light" panose="00000400000000000000" pitchFamily="2" charset="0"/>
+              </a:rPr>
+              <a:t>Il principio che ha fatto nascere il progetto è il partire da un apparato prettamente fisico che richiede la presenza fisica di un addetto per poter interagire con la macchina, all’ottenere un sistema di interfacciamento tra dispositivi a distanza.</a:t>
+            </a:r>
+          </a:p>
+          <a:p>
+            <a:pPr lvl="0" algn="just">
+              <a:defRPr/>
+            </a:pPr>
+            <a:r>
+              <a:rPr kumimoji="0" lang="it-IT" u="none" strike="noStrike" kern="1200" cap="none" spc="0" normalizeH="0" dirty="0">
+                <a:ln>
+                  <a:noFill/>
+                </a:ln>
+                <a:solidFill>
+                  <a:schemeClr val="bg1"/>
+                </a:solidFill>
+                <a:effectLst/>
+                <a:uLnTx/>
+                <a:uFillTx/>
+                <a:latin typeface="Poppins Light" panose="00000400000000000000" pitchFamily="2" charset="0"/>
+                <a:cs typeface="Poppins Light" panose="00000400000000000000" pitchFamily="2" charset="0"/>
+              </a:rPr>
+              <a:t>Possiamo</a:t>
+            </a:r>
+            <a:r>
+              <a:rPr kumimoji="0" lang="it-IT" i="1" u="none" strike="noStrike" kern="1200" cap="none" spc="0" normalizeH="0" dirty="0">
+                <a:ln>
+                  <a:noFill/>
+                </a:ln>
+                <a:solidFill>
+                  <a:schemeClr val="bg1"/>
+                </a:solidFill>
+                <a:effectLst/>
+                <a:uLnTx/>
+                <a:uFillTx/>
+                <a:latin typeface="Poppins Light" panose="00000400000000000000" pitchFamily="2" charset="0"/>
+                <a:cs typeface="Poppins Light" panose="00000400000000000000" pitchFamily="2" charset="0"/>
+              </a:rPr>
+              <a:t> </a:t>
+            </a:r>
+            <a:r>
+              <a:rPr kumimoji="0" lang="it-IT" i="0" u="none" strike="noStrike" kern="1200" cap="none" spc="0" normalizeH="0" dirty="0">
+                <a:ln>
+                  <a:noFill/>
+                </a:ln>
+                <a:solidFill>
+                  <a:schemeClr val="bg1"/>
+                </a:solidFill>
+                <a:effectLst/>
+                <a:uLnTx/>
+                <a:uFillTx/>
+                <a:latin typeface="Poppins Light" panose="00000400000000000000" pitchFamily="2" charset="0"/>
+                <a:cs typeface="Poppins Light" panose="00000400000000000000" pitchFamily="2" charset="0"/>
+              </a:rPr>
+              <a:t>quindi parlare di </a:t>
+            </a:r>
+            <a:r>
+              <a:rPr kumimoji="0" lang="it-IT" b="1" i="0" u="none" strike="noStrike" kern="1200" cap="none" spc="0" normalizeH="0" dirty="0">
+                <a:ln>
+                  <a:noFill/>
+                </a:ln>
+                <a:solidFill>
+                  <a:schemeClr val="bg1"/>
+                </a:solidFill>
+                <a:effectLst/>
+                <a:uLnTx/>
+                <a:uFillTx/>
+                <a:latin typeface="Poppins Light" panose="00000400000000000000" pitchFamily="2" charset="0"/>
+                <a:cs typeface="Poppins Light" panose="00000400000000000000" pitchFamily="2" charset="0"/>
+              </a:rPr>
+              <a:t>industria 4.0</a:t>
+            </a:r>
+            <a:r>
+              <a:rPr kumimoji="0" lang="it-IT" i="0" u="none" strike="noStrike" kern="1200" cap="none" spc="0" normalizeH="0" dirty="0">
+                <a:ln>
+                  <a:noFill/>
+                </a:ln>
+                <a:solidFill>
+                  <a:schemeClr val="bg1"/>
+                </a:solidFill>
+                <a:effectLst/>
+                <a:uLnTx/>
+                <a:uFillTx/>
+                <a:latin typeface="Poppins Light" panose="00000400000000000000" pitchFamily="2" charset="0"/>
+                <a:cs typeface="Poppins Light" panose="00000400000000000000" pitchFamily="2" charset="0"/>
+              </a:rPr>
+              <a:t>, cioè la nuova industria che integra macchinari meccanici con il web </a:t>
+            </a:r>
+            <a:r>
+              <a:rPr lang="it-IT" dirty="0">
+                <a:solidFill>
+                  <a:schemeClr val="bg1"/>
+                </a:solidFill>
+                <a:latin typeface="Poppins Light" panose="00000400000000000000" pitchFamily="2" charset="0"/>
+                <a:cs typeface="Poppins Light" panose="00000400000000000000" pitchFamily="2" charset="0"/>
+              </a:rPr>
+              <a:t>rendendoli intelligenti, consentendo loro di interagire con l'ambiente circostante e di connettersi ad altri dispositivi e sistemi remoti.</a:t>
+            </a:r>
+            <a:endParaRPr kumimoji="0" lang="it-IT" i="0" u="none" strike="noStrike" kern="1200" cap="none" spc="0" normalizeH="0" dirty="0">
+              <a:ln>
+                <a:noFill/>
+              </a:ln>
+              <a:solidFill>
+                <a:schemeClr val="bg1"/>
+              </a:solidFill>
+              <a:effectLst/>
+              <a:uLnTx/>
+              <a:uFillTx/>
+              <a:latin typeface="Poppins Light" panose="00000400000000000000" pitchFamily="2" charset="0"/>
+              <a:cs typeface="Poppins Light" panose="00000400000000000000" pitchFamily="2" charset="0"/>
+            </a:endParaRPr>
+          </a:p>
+          <a:p>
+            <a:pPr lvl="0" algn="just">
+              <a:defRPr/>
+            </a:pPr>
+            <a:r>
+              <a:rPr lang="it-IT" dirty="0">
+                <a:solidFill>
+                  <a:schemeClr val="bg1"/>
+                </a:solidFill>
+                <a:latin typeface="Poppins Light" panose="00000400000000000000" pitchFamily="2" charset="0"/>
+                <a:cs typeface="Poppins Light" panose="00000400000000000000" pitchFamily="2" charset="0"/>
+              </a:rPr>
+              <a:t>L’interfacciamento avviene tramite un gateway che è stato posizionato presso la macchina. Esso è il dispositivo che si connette alla rete, premettendo il passaggio di dati. </a:t>
+            </a:r>
+            <a:endParaRPr kumimoji="0" lang="it-IT" i="0" u="none" strike="noStrike" kern="1200" cap="none" spc="0" normalizeH="0" dirty="0">
+              <a:ln>
+                <a:noFill/>
+              </a:ln>
+              <a:solidFill>
+                <a:schemeClr val="bg1"/>
+              </a:solidFill>
+              <a:effectLst/>
+              <a:uLnTx/>
+              <a:uFillTx/>
+              <a:latin typeface="Poppins Light" panose="00000400000000000000" pitchFamily="2" charset="0"/>
+              <a:cs typeface="Poppins Light" panose="00000400000000000000" pitchFamily="2" charset="0"/>
+            </a:endParaRPr>
+          </a:p>
+        </p:txBody>
+      </p:sp>
+      <p:pic>
+        <p:nvPicPr>
+          <p:cNvPr id="6" name="Immagine 5" descr="Immagine che contiene testo, schermata, aqua, grafica&#10;&#10;Descrizione generata automaticamente">
+            <a:extLst>
+              <a:ext uri="{FF2B5EF4-FFF2-40B4-BE49-F238E27FC236}">
+                <a16:creationId xmlns:a16="http://schemas.microsoft.com/office/drawing/2014/main" id="{96DA87D0-49E7-A044-9774-BD0AE01CD3BF}"/>
+              </a:ext>
+            </a:extLst>
+          </p:cNvPr>
+          <p:cNvPicPr>
+            <a:picLocks noChangeAspect="1"/>
+          </p:cNvPicPr>
+          <p:nvPr/>
+        </p:nvPicPr>
+        <p:blipFill>
+          <a:blip r:embed="rId3">
+            <a:extLst>
+              <a:ext uri="{28A0092B-C50C-407E-A947-70E740481C1C}">
+                <a14:useLocalDpi xmlns:a14="http://schemas.microsoft.com/office/drawing/2010/main" val="0"/>
+              </a:ext>
+            </a:extLst>
+          </a:blip>
+          <a:stretch>
+            <a:fillRect/>
+          </a:stretch>
+        </p:blipFill>
+        <p:spPr>
+          <a:xfrm>
+            <a:off x="7327711" y="1635829"/>
+            <a:ext cx="4129494" cy="4129494"/>
+          </a:xfrm>
+          <a:prstGeom prst="rect">
+            <a:avLst/>
+          </a:prstGeom>
+        </p:spPr>
+      </p:pic>
     </p:spTree>
     <p:extLst>
       <p:ext uri="{BB962C8B-B14F-4D97-AF65-F5344CB8AC3E}">
@@ -27741,18 +29788,130 @@
   <p:clrMapOvr>
     <a:masterClrMapping/>
   </p:clrMapOvr>
-  <mc:AlternateContent xmlns:mc="http://schemas.openxmlformats.org/markup-compatibility/2006">
-    <mc:Choice xmlns:p159="http://schemas.microsoft.com/office/powerpoint/2015/09/main" Requires="p159">
+  <mc:AlternateContent xmlns:mc="http://schemas.openxmlformats.org/markup-compatibility/2006" xmlns:p159="http://schemas.microsoft.com/office/powerpoint/2015/09/main">
+    <mc:Choice Requires="p159">
       <p:transition xmlns:p14="http://schemas.microsoft.com/office/powerpoint/2010/main" spd="slow" p14:dur="1750">
         <p159:morph option="byObject"/>
       </p:transition>
     </mc:Choice>
-    <mc:Fallback>
+    <mc:Fallback xmlns="">
       <p:transition spd="slow">
         <p:fade/>
       </p:transition>
     </mc:Fallback>
   </mc:AlternateContent>
+  <p:timing>
+    <p:tnLst>
+      <p:par>
+        <p:cTn id="1" dur="indefinite" restart="never" nodeType="tmRoot">
+          <p:childTnLst>
+            <p:seq concurrent="1" nextAc="seek">
+              <p:cTn id="2" dur="indefinite" nodeType="mainSeq">
+                <p:childTnLst>
+                  <p:par>
+                    <p:cTn id="3" fill="hold">
+                      <p:stCondLst>
+                        <p:cond delay="indefinite"/>
+                        <p:cond evt="onBegin" delay="0">
+                          <p:tn val="2"/>
+                        </p:cond>
+                      </p:stCondLst>
+                      <p:childTnLst>
+                        <p:par>
+                          <p:cTn id="4" fill="hold">
+                            <p:stCondLst>
+                              <p:cond delay="0"/>
+                            </p:stCondLst>
+                            <p:childTnLst>
+                              <p:par>
+                                <p:cTn id="5" presetID="10" presetClass="entr" presetSubtype="0" fill="hold" grpId="0" nodeType="withEffect">
+                                  <p:stCondLst>
+                                    <p:cond delay="500"/>
+                                  </p:stCondLst>
+                                  <p:childTnLst>
+                                    <p:set>
+                                      <p:cBhvr>
+                                        <p:cTn id="6" dur="1" fill="hold">
+                                          <p:stCondLst>
+                                            <p:cond delay="0"/>
+                                          </p:stCondLst>
+                                        </p:cTn>
+                                        <p:tgtEl>
+                                          <p:spTgt spid="2"/>
+                                        </p:tgtEl>
+                                        <p:attrNameLst>
+                                          <p:attrName>style.visibility</p:attrName>
+                                        </p:attrNameLst>
+                                      </p:cBhvr>
+                                      <p:to>
+                                        <p:strVal val="visible"/>
+                                      </p:to>
+                                    </p:set>
+                                    <p:animEffect transition="in" filter="fade">
+                                      <p:cBhvr>
+                                        <p:cTn id="7" dur="500"/>
+                                        <p:tgtEl>
+                                          <p:spTgt spid="2"/>
+                                        </p:tgtEl>
+                                      </p:cBhvr>
+                                    </p:animEffect>
+                                  </p:childTnLst>
+                                </p:cTn>
+                              </p:par>
+                              <p:par>
+                                <p:cTn id="8" presetID="42" presetClass="path" presetSubtype="0" decel="100000" fill="hold" grpId="1" nodeType="withEffect">
+                                  <p:stCondLst>
+                                    <p:cond delay="500"/>
+                                  </p:stCondLst>
+                                  <p:childTnLst>
+                                    <p:animMotion origin="layout" path="M -2.08333E-6 1.48148E-6 L -2.08333E-6 0.03796 " pathEditMode="relative" rAng="0" ptsTypes="AA">
+                                      <p:cBhvr>
+                                        <p:cTn id="9" dur="750" spd="-100000" fill="hold"/>
+                                        <p:tgtEl>
+                                          <p:spTgt spid="2"/>
+                                        </p:tgtEl>
+                                        <p:attrNameLst>
+                                          <p:attrName>ppt_x</p:attrName>
+                                          <p:attrName>ppt_y</p:attrName>
+                                        </p:attrNameLst>
+                                      </p:cBhvr>
+                                      <p:rCtr x="0" y="1898"/>
+                                    </p:animMotion>
+                                  </p:childTnLst>
+                                </p:cTn>
+                              </p:par>
+                            </p:childTnLst>
+                          </p:cTn>
+                        </p:par>
+                      </p:childTnLst>
+                    </p:cTn>
+                  </p:par>
+                </p:childTnLst>
+              </p:cTn>
+              <p:prevCondLst>
+                <p:cond evt="onPrev" delay="0">
+                  <p:tgtEl>
+                    <p:sldTgt/>
+                  </p:tgtEl>
+                </p:cond>
+              </p:prevCondLst>
+              <p:nextCondLst>
+                <p:cond evt="onNext" delay="0">
+                  <p:tgtEl>
+                    <p:sldTgt/>
+                  </p:tgtEl>
+                </p:cond>
+              </p:nextCondLst>
+            </p:seq>
+          </p:childTnLst>
+        </p:cTn>
+      </p:par>
+    </p:tnLst>
+    <p:bldLst>
+      <p:bldP spid="2" grpId="0"/>
+      <p:bldP spid="2" grpId="1"/>
+    </p:bldLst>
+  </p:timing>
 </p:sld>
 </file>
 
@@ -27868,8 +30027,8 @@
         </p:nvSpPr>
         <p:spPr>
           <a:xfrm>
-            <a:off x="825958" y="2123774"/>
-            <a:ext cx="8402018" cy="954107"/>
+            <a:off x="10011746" y="1399494"/>
+            <a:ext cx="4716426" cy="1169551"/>
           </a:xfrm>
           <a:prstGeom prst="rect">
             <a:avLst/>
@@ -27885,7 +30044,7 @@
             <a:r>
               <a:rPr lang="it-IT" sz="1400" u="sng" dirty="0">
                 <a:solidFill>
-                  <a:srgbClr val="A5A5A5"/>
+                  <a:srgbClr val="FF0000"/>
                 </a:solidFill>
                 <a:latin typeface="The Sans Light-" panose="02000503050000020004" pitchFamily="2" charset="0"/>
               </a:rPr>
@@ -27900,7 +30059,7 @@
             <a:r>
               <a:rPr lang="it-IT" sz="1400" u="sng" dirty="0">
                 <a:solidFill>
-                  <a:srgbClr val="A5A5A5"/>
+                  <a:srgbClr val="FF0000"/>
                 </a:solidFill>
                 <a:latin typeface="The Sans Light-" panose="02000503050000020004" pitchFamily="2" charset="0"/>
               </a:rPr>
@@ -27915,7 +30074,7 @@
             <a:r>
               <a:rPr lang="it-IT" sz="1400" u="sng" dirty="0">
                 <a:solidFill>
-                  <a:srgbClr val="A5A5A5"/>
+                  <a:srgbClr val="FF0000"/>
                 </a:solidFill>
                 <a:latin typeface="The Sans Light-" panose="02000503050000020004" pitchFamily="2" charset="0"/>
               </a:rPr>
@@ -27929,7 +30088,7 @@
             </a:pPr>
             <a:endParaRPr lang="it-IT" sz="1400" u="sng" dirty="0">
               <a:solidFill>
-                <a:srgbClr val="A5A5A5"/>
+                <a:srgbClr val="FF0000"/>
               </a:solidFill>
               <a:latin typeface="The Sans Light-" panose="02000503050000020004" pitchFamily="2" charset="0"/>
             </a:endParaRPr>
@@ -28047,6 +30206,71 @@
           </p:spPr>
         </p:pic>
       </p:grpSp>
+      <p:sp>
+        <p:nvSpPr>
+          <p:cNvPr id="2" name="TextBox 24">
+            <a:extLst>
+              <a:ext uri="{FF2B5EF4-FFF2-40B4-BE49-F238E27FC236}">
+                <a16:creationId xmlns:a16="http://schemas.microsoft.com/office/drawing/2014/main" id="{EFC87BC8-067C-DF14-15A3-BF21C25C3B9F}"/>
+              </a:ext>
+            </a:extLst>
+          </p:cNvPr>
+          <p:cNvSpPr txBox="1"/>
+          <p:nvPr/>
+        </p:nvSpPr>
+        <p:spPr>
+          <a:xfrm>
+            <a:off x="874753" y="1635829"/>
+            <a:ext cx="9136993" cy="1200329"/>
+          </a:xfrm>
+          <a:prstGeom prst="rect">
+            <a:avLst/>
+          </a:prstGeom>
+          <a:noFill/>
+        </p:spPr>
+        <p:txBody>
+          <a:bodyPr wrap="square" rtlCol="0">
+            <a:spAutoFit/>
+          </a:bodyPr>
+          <a:lstStyle/>
+          <a:p>
+            <a:pPr lvl="0" algn="just">
+              <a:defRPr/>
+            </a:pPr>
+            <a:r>
+              <a:rPr lang="it-IT" dirty="0">
+                <a:solidFill>
+                  <a:schemeClr val="bg1"/>
+                </a:solidFill>
+                <a:latin typeface="Poppins Light" panose="00000400000000000000" pitchFamily="2" charset="0"/>
+                <a:cs typeface="Poppins Light" panose="00000400000000000000" pitchFamily="2" charset="0"/>
+              </a:rPr>
+              <a:t>Il nostro progetto in dettaglio prevede lo sviluppo di una applicazione che si interfacci con una stampante flessografica situata presso il laboratorio territoriale per l’occupabilità di Lecco. </a:t>
+            </a:r>
+          </a:p>
+          <a:p>
+            <a:pPr lvl="0" algn="just">
+              <a:defRPr/>
+            </a:pPr>
+            <a:r>
+              <a:rPr kumimoji="0" lang="it-IT" i="0" u="none" strike="noStrike" kern="1200" cap="none" spc="0" normalizeH="0" dirty="0">
+                <a:ln>
+                  <a:noFill/>
+                </a:ln>
+                <a:solidFill>
+                  <a:schemeClr val="bg1"/>
+                </a:solidFill>
+                <a:effectLst/>
+                <a:uLnTx/>
+                <a:uFillTx/>
+                <a:latin typeface="Poppins Light" panose="00000400000000000000" pitchFamily="2" charset="0"/>
+                <a:cs typeface="Poppins Light" panose="00000400000000000000" pitchFamily="2" charset="0"/>
+              </a:rPr>
+              <a:t>Abbiamo quindi avuto la possibilità di usare (pur se a distanza) un qualcosa  </a:t>
+            </a:r>
+          </a:p>
+        </p:txBody>
+      </p:sp>
     </p:spTree>
     <p:extLst>
       <p:ext uri="{BB962C8B-B14F-4D97-AF65-F5344CB8AC3E}">
@@ -28057,18 +30281,130 @@
   <p:clrMapOvr>
     <a:masterClrMapping/>
   </p:clrMapOvr>
-  <mc:AlternateContent xmlns:mc="http://schemas.openxmlformats.org/markup-compatibility/2006">
-    <mc:Choice xmlns:p159="http://schemas.microsoft.com/office/powerpoint/2015/09/main" Requires="p159">
+  <mc:AlternateContent xmlns:mc="http://schemas.openxmlformats.org/markup-compatibility/2006" xmlns:p159="http://schemas.microsoft.com/office/powerpoint/2015/09/main">
+    <mc:Choice Requires="p159">
       <p:transition xmlns:p14="http://schemas.microsoft.com/office/powerpoint/2010/main" spd="slow" p14:dur="1750">
         <p159:morph option="byObject"/>
       </p:transition>
     </mc:Choice>
-    <mc:Fallback>
+    <mc:Fallback xmlns="">
       <p:transition spd="slow">
         <p:fade/>
       </p:transition>
     </mc:Fallback>
   </mc:AlternateContent>
+  <p:timing>
+    <p:tnLst>
+      <p:par>
+        <p:cTn id="1" dur="indefinite" restart="never" nodeType="tmRoot">
+          <p:childTnLst>
+            <p:seq concurrent="1" nextAc="seek">
+              <p:cTn id="2" dur="indefinite" nodeType="mainSeq">
+                <p:childTnLst>
+                  <p:par>
+                    <p:cTn id="3" fill="hold">
+                      <p:stCondLst>
+                        <p:cond delay="indefinite"/>
+                        <p:cond evt="onBegin" delay="0">
+                          <p:tn val="2"/>
+                        </p:cond>
+                      </p:stCondLst>
+                      <p:childTnLst>
+                        <p:par>
+                          <p:cTn id="4" fill="hold">
+                            <p:stCondLst>
+                              <p:cond delay="0"/>
+                            </p:stCondLst>
+                            <p:childTnLst>
+                              <p:par>
+                                <p:cTn id="5" presetID="10" presetClass="entr" presetSubtype="0" fill="hold" grpId="0" nodeType="withEffect">
+                                  <p:stCondLst>
+                                    <p:cond delay="500"/>
+                                  </p:stCondLst>
+                                  <p:childTnLst>
+                                    <p:set>
+                                      <p:cBhvr>
+                                        <p:cTn id="6" dur="1" fill="hold">
+                                          <p:stCondLst>
+                                            <p:cond delay="0"/>
+                                          </p:stCondLst>
+                                        </p:cTn>
+                                        <p:tgtEl>
+                                          <p:spTgt spid="2"/>
+                                        </p:tgtEl>
+                                        <p:attrNameLst>
+                                          <p:attrName>style.visibility</p:attrName>
+                                        </p:attrNameLst>
+                                      </p:cBhvr>
+                                      <p:to>
+                                        <p:strVal val="visible"/>
+                                      </p:to>
+                                    </p:set>
+                                    <p:animEffect transition="in" filter="fade">
+                                      <p:cBhvr>
+                                        <p:cTn id="7" dur="500"/>
+                                        <p:tgtEl>
+                                          <p:spTgt spid="2"/>
+                                        </p:tgtEl>
+                                      </p:cBhvr>
+                                    </p:animEffect>
+                                  </p:childTnLst>
+                                </p:cTn>
+                              </p:par>
+                              <p:par>
+                                <p:cTn id="8" presetID="42" presetClass="path" presetSubtype="0" decel="100000" fill="hold" grpId="1" nodeType="withEffect">
+                                  <p:stCondLst>
+                                    <p:cond delay="500"/>
+                                  </p:stCondLst>
+                                  <p:childTnLst>
+                                    <p:animMotion origin="layout" path="M -2.08333E-6 1.48148E-6 L -2.08333E-6 0.03796 " pathEditMode="relative" rAng="0" ptsTypes="AA">
+                                      <p:cBhvr>
+                                        <p:cTn id="9" dur="750" spd="-100000" fill="hold"/>
+                                        <p:tgtEl>
+                                          <p:spTgt spid="2"/>
+                                        </p:tgtEl>
+                                        <p:attrNameLst>
+                                          <p:attrName>ppt_x</p:attrName>
+                                          <p:attrName>ppt_y</p:attrName>
+                                        </p:attrNameLst>
+                                      </p:cBhvr>
+                                      <p:rCtr x="0" y="1898"/>
+                                    </p:animMotion>
+                                  </p:childTnLst>
+                                </p:cTn>
+                              </p:par>
+                            </p:childTnLst>
+                          </p:cTn>
+                        </p:par>
+                      </p:childTnLst>
+                    </p:cTn>
+                  </p:par>
+                </p:childTnLst>
+              </p:cTn>
+              <p:prevCondLst>
+                <p:cond evt="onPrev" delay="0">
+                  <p:tgtEl>
+                    <p:sldTgt/>
+                  </p:tgtEl>
+                </p:cond>
+              </p:prevCondLst>
+              <p:nextCondLst>
+                <p:cond evt="onNext" delay="0">
+                  <p:tgtEl>
+                    <p:sldTgt/>
+                  </p:tgtEl>
+                </p:cond>
+              </p:nextCondLst>
+            </p:seq>
+          </p:childTnLst>
+        </p:cTn>
+      </p:par>
+    </p:tnLst>
+    <p:bldLst>
+      <p:bldP spid="2" grpId="0"/>
+      <p:bldP spid="2" grpId="1"/>
+    </p:bldLst>
+  </p:timing>
 </p:sld>
 </file>
 
@@ -28397,13 +30733,13 @@
   <p:clrMapOvr>
     <a:masterClrMapping/>
   </p:clrMapOvr>
-  <mc:AlternateContent xmlns:mc="http://schemas.openxmlformats.org/markup-compatibility/2006">
-    <mc:Choice xmlns:p159="http://schemas.microsoft.com/office/powerpoint/2015/09/main" Requires="p159">
+  <mc:AlternateContent xmlns:mc="http://schemas.openxmlformats.org/markup-compatibility/2006" xmlns:p159="http://schemas.microsoft.com/office/powerpoint/2015/09/main">
+    <mc:Choice Requires="p159">
       <p:transition xmlns:p14="http://schemas.microsoft.com/office/powerpoint/2010/main" spd="slow" p14:dur="1750">
         <p159:morph option="byObject"/>
       </p:transition>
     </mc:Choice>
-    <mc:Fallback>
+    <mc:Fallback xmlns="">
       <p:transition spd="slow">
         <p:fade/>
       </p:transition>
@@ -28731,13 +31067,13 @@
   <p:clrMapOvr>
     <a:masterClrMapping/>
   </p:clrMapOvr>
-  <mc:AlternateContent xmlns:mc="http://schemas.openxmlformats.org/markup-compatibility/2006">
-    <mc:Choice xmlns:p159="http://schemas.microsoft.com/office/powerpoint/2015/09/main" Requires="p159">
+  <mc:AlternateContent xmlns:mc="http://schemas.openxmlformats.org/markup-compatibility/2006" xmlns:p159="http://schemas.microsoft.com/office/powerpoint/2015/09/main">
+    <mc:Choice Requires="p159">
       <p:transition xmlns:p14="http://schemas.microsoft.com/office/powerpoint/2010/main" spd="slow" p14:dur="1750">
         <p159:morph option="byObject"/>
       </p:transition>
     </mc:Choice>
-    <mc:Fallback>
+    <mc:Fallback xmlns="">
       <p:transition spd="slow">
         <p:fade/>
       </p:transition>

--- a/presentazione.pptx
+++ b/presentazione.pptx
@@ -49,7 +49,7 @@
       <p:boldItalic r:id="rId31"/>
     </p:embeddedFont>
     <p:embeddedFont>
-      <p:font typeface="Poppins Light" panose="00000400000000000000" pitchFamily="2" charset="0"/>
+      <p:font typeface="Poppins Light" panose="020B0604020202020204" charset="0"/>
       <p:regular r:id="rId32"/>
       <p:italic r:id="rId33"/>
     </p:embeddedFont>
@@ -315,7 +315,7 @@
           <a:p>
             <a:fld id="{24DBD90D-EB47-4C94-A79E-12372819FD94}" type="datetimeFigureOut">
               <a:rPr lang="en-US" smtClean="0"/>
-              <a:t>5/30/2023</a:t>
+              <a:t>5/31/2023</a:t>
             </a:fld>
             <a:endParaRPr lang="en-US"/>
           </a:p>
@@ -513,7 +513,7 @@
           <a:p>
             <a:fld id="{24DBD90D-EB47-4C94-A79E-12372819FD94}" type="datetimeFigureOut">
               <a:rPr lang="en-US" smtClean="0"/>
-              <a:t>5/30/2023</a:t>
+              <a:t>5/31/2023</a:t>
             </a:fld>
             <a:endParaRPr lang="en-US"/>
           </a:p>
@@ -721,7 +721,7 @@
           <a:p>
             <a:fld id="{24DBD90D-EB47-4C94-A79E-12372819FD94}" type="datetimeFigureOut">
               <a:rPr lang="en-US" smtClean="0"/>
-              <a:t>5/30/2023</a:t>
+              <a:t>5/31/2023</a:t>
             </a:fld>
             <a:endParaRPr lang="en-US"/>
           </a:p>
@@ -919,7 +919,7 @@
           <a:p>
             <a:fld id="{24DBD90D-EB47-4C94-A79E-12372819FD94}" type="datetimeFigureOut">
               <a:rPr lang="en-US" smtClean="0"/>
-              <a:t>5/30/2023</a:t>
+              <a:t>5/31/2023</a:t>
             </a:fld>
             <a:endParaRPr lang="en-US"/>
           </a:p>
@@ -1194,7 +1194,7 @@
           <a:p>
             <a:fld id="{24DBD90D-EB47-4C94-A79E-12372819FD94}" type="datetimeFigureOut">
               <a:rPr lang="en-US" smtClean="0"/>
-              <a:t>5/30/2023</a:t>
+              <a:t>5/31/2023</a:t>
             </a:fld>
             <a:endParaRPr lang="en-US"/>
           </a:p>
@@ -1459,7 +1459,7 @@
           <a:p>
             <a:fld id="{24DBD90D-EB47-4C94-A79E-12372819FD94}" type="datetimeFigureOut">
               <a:rPr lang="en-US" smtClean="0"/>
-              <a:t>5/30/2023</a:t>
+              <a:t>5/31/2023</a:t>
             </a:fld>
             <a:endParaRPr lang="en-US"/>
           </a:p>
@@ -1871,7 +1871,7 @@
           <a:p>
             <a:fld id="{24DBD90D-EB47-4C94-A79E-12372819FD94}" type="datetimeFigureOut">
               <a:rPr lang="en-US" smtClean="0"/>
-              <a:t>5/30/2023</a:t>
+              <a:t>5/31/2023</a:t>
             </a:fld>
             <a:endParaRPr lang="en-US"/>
           </a:p>
@@ -2012,7 +2012,7 @@
           <a:p>
             <a:fld id="{24DBD90D-EB47-4C94-A79E-12372819FD94}" type="datetimeFigureOut">
               <a:rPr lang="en-US" smtClean="0"/>
-              <a:t>5/30/2023</a:t>
+              <a:t>5/31/2023</a:t>
             </a:fld>
             <a:endParaRPr lang="en-US"/>
           </a:p>
@@ -2125,7 +2125,7 @@
           <a:p>
             <a:fld id="{24DBD90D-EB47-4C94-A79E-12372819FD94}" type="datetimeFigureOut">
               <a:rPr lang="en-US" smtClean="0"/>
-              <a:t>5/30/2023</a:t>
+              <a:t>5/31/2023</a:t>
             </a:fld>
             <a:endParaRPr lang="en-US"/>
           </a:p>
@@ -2436,7 +2436,7 @@
           <a:p>
             <a:fld id="{24DBD90D-EB47-4C94-A79E-12372819FD94}" type="datetimeFigureOut">
               <a:rPr lang="en-US" smtClean="0"/>
-              <a:t>5/30/2023</a:t>
+              <a:t>5/31/2023</a:t>
             </a:fld>
             <a:endParaRPr lang="en-US"/>
           </a:p>
@@ -2724,7 +2724,7 @@
           <a:p>
             <a:fld id="{24DBD90D-EB47-4C94-A79E-12372819FD94}" type="datetimeFigureOut">
               <a:rPr lang="en-US" smtClean="0"/>
-              <a:t>5/30/2023</a:t>
+              <a:t>5/31/2023</a:t>
             </a:fld>
             <a:endParaRPr lang="en-US"/>
           </a:p>
@@ -2965,7 +2965,7 @@
           <a:p>
             <a:fld id="{24DBD90D-EB47-4C94-A79E-12372819FD94}" type="datetimeFigureOut">
               <a:rPr lang="en-US" smtClean="0"/>
-              <a:t>5/30/2023</a:t>
+              <a:t>5/31/2023</a:t>
             </a:fld>
             <a:endParaRPr lang="en-US"/>
           </a:p>
@@ -10402,6 +10402,924 @@
       </p:grpSpPr>
       <p:grpSp>
         <p:nvGrpSpPr>
+          <p:cNvPr id="51" name="Gruppo 50">
+            <a:extLst>
+              <a:ext uri="{FF2B5EF4-FFF2-40B4-BE49-F238E27FC236}">
+                <a16:creationId xmlns:a16="http://schemas.microsoft.com/office/drawing/2014/main" id="{B2977BFE-355B-4FAB-BBDD-28E3EC5A458B}"/>
+              </a:ext>
+            </a:extLst>
+          </p:cNvPr>
+          <p:cNvGrpSpPr/>
+          <p:nvPr/>
+        </p:nvGrpSpPr>
+        <p:grpSpPr>
+          <a:xfrm>
+            <a:off x="1193322" y="1504433"/>
+            <a:ext cx="2519968" cy="4503312"/>
+            <a:chOff x="8482988" y="1504433"/>
+            <a:chExt cx="2519968" cy="4503312"/>
+          </a:xfrm>
+        </p:grpSpPr>
+        <p:grpSp>
+          <p:nvGrpSpPr>
+            <p:cNvPr id="52" name="Group 33">
+              <a:extLst>
+                <a:ext uri="{FF2B5EF4-FFF2-40B4-BE49-F238E27FC236}">
+                  <a16:creationId xmlns:a16="http://schemas.microsoft.com/office/drawing/2014/main" id="{AA13659D-CF9B-4D01-98D7-076F85F487B3}"/>
+                </a:ext>
+              </a:extLst>
+            </p:cNvPr>
+            <p:cNvGrpSpPr/>
+            <p:nvPr/>
+          </p:nvGrpSpPr>
+          <p:grpSpPr>
+            <a:xfrm>
+              <a:off x="8482988" y="1504433"/>
+              <a:ext cx="2519968" cy="4503312"/>
+              <a:chOff x="4543331" y="418722"/>
+              <a:chExt cx="3105339" cy="6020555"/>
+            </a:xfrm>
+          </p:grpSpPr>
+          <p:sp>
+            <p:nvSpPr>
+              <p:cNvPr id="54" name="Rectangle: Rounded Corners 3">
+                <a:extLst>
+                  <a:ext uri="{FF2B5EF4-FFF2-40B4-BE49-F238E27FC236}">
+                    <a16:creationId xmlns:a16="http://schemas.microsoft.com/office/drawing/2014/main" id="{C02AF67F-FBF3-4C46-A7B0-EC854C2EF930}"/>
+                  </a:ext>
+                </a:extLst>
+              </p:cNvPr>
+              <p:cNvSpPr/>
+              <p:nvPr/>
+            </p:nvSpPr>
+            <p:spPr>
+              <a:xfrm>
+                <a:off x="4543331" y="418723"/>
+                <a:ext cx="3105339" cy="6020554"/>
+              </a:xfrm>
+              <a:prstGeom prst="roundRect">
+                <a:avLst>
+                  <a:gd name="adj" fmla="val 15514"/>
+                </a:avLst>
+              </a:prstGeom>
+              <a:solidFill>
+                <a:schemeClr val="bg1"/>
+              </a:solidFill>
+              <a:ln>
+                <a:noFill/>
+              </a:ln>
+            </p:spPr>
+            <p:style>
+              <a:lnRef idx="2">
+                <a:schemeClr val="accent1">
+                  <a:shade val="50000"/>
+                </a:schemeClr>
+              </a:lnRef>
+              <a:fillRef idx="1">
+                <a:schemeClr val="accent1"/>
+              </a:fillRef>
+              <a:effectRef idx="0">
+                <a:schemeClr val="accent1"/>
+              </a:effectRef>
+              <a:fontRef idx="minor">
+                <a:schemeClr val="lt1"/>
+              </a:fontRef>
+            </p:style>
+            <p:txBody>
+              <a:bodyPr rtlCol="0" anchor="ctr"/>
+              <a:lstStyle/>
+              <a:p>
+                <a:pPr algn="ctr"/>
+                <a:endParaRPr lang="en-US"/>
+              </a:p>
+            </p:txBody>
+          </p:sp>
+          <p:sp>
+            <p:nvSpPr>
+              <p:cNvPr id="55" name="Rectangle: Rounded Corners 20">
+                <a:extLst>
+                  <a:ext uri="{FF2B5EF4-FFF2-40B4-BE49-F238E27FC236}">
+                    <a16:creationId xmlns:a16="http://schemas.microsoft.com/office/drawing/2014/main" id="{FA04106F-4E94-40DC-9679-DFB83A22FB0A}"/>
+                  </a:ext>
+                </a:extLst>
+              </p:cNvPr>
+              <p:cNvSpPr/>
+              <p:nvPr/>
+            </p:nvSpPr>
+            <p:spPr>
+              <a:xfrm>
+                <a:off x="4618628" y="505838"/>
+                <a:ext cx="2954744" cy="5858748"/>
+              </a:xfrm>
+              <a:prstGeom prst="roundRect">
+                <a:avLst>
+                  <a:gd name="adj" fmla="val 15247"/>
+                </a:avLst>
+              </a:prstGeom>
+              <a:solidFill>
+                <a:schemeClr val="tx1"/>
+              </a:solidFill>
+              <a:ln>
+                <a:noFill/>
+              </a:ln>
+            </p:spPr>
+            <p:style>
+              <a:lnRef idx="2">
+                <a:schemeClr val="accent1">
+                  <a:shade val="50000"/>
+                </a:schemeClr>
+              </a:lnRef>
+              <a:fillRef idx="1">
+                <a:schemeClr val="accent1"/>
+              </a:fillRef>
+              <a:effectRef idx="0">
+                <a:schemeClr val="accent1"/>
+              </a:effectRef>
+              <a:fontRef idx="minor">
+                <a:schemeClr val="lt1"/>
+              </a:fontRef>
+            </p:style>
+            <p:txBody>
+              <a:bodyPr rtlCol="0" anchor="ctr"/>
+              <a:lstStyle/>
+              <a:p>
+                <a:pPr algn="ctr"/>
+                <a:endParaRPr lang="en-US"/>
+              </a:p>
+            </p:txBody>
+          </p:sp>
+          <p:sp>
+            <p:nvSpPr>
+              <p:cNvPr id="56" name="Rectangle: Top Corners Rounded 21">
+                <a:extLst>
+                  <a:ext uri="{FF2B5EF4-FFF2-40B4-BE49-F238E27FC236}">
+                    <a16:creationId xmlns:a16="http://schemas.microsoft.com/office/drawing/2014/main" id="{AADC8E33-F7EB-42E7-91D6-66E36FD84952}"/>
+                  </a:ext>
+                </a:extLst>
+              </p:cNvPr>
+              <p:cNvSpPr/>
+              <p:nvPr/>
+            </p:nvSpPr>
+            <p:spPr>
+              <a:xfrm rot="10800000">
+                <a:off x="5226996" y="418722"/>
+                <a:ext cx="1738008" cy="291069"/>
+              </a:xfrm>
+              <a:prstGeom prst="round2SameRect">
+                <a:avLst>
+                  <a:gd name="adj1" fmla="val 50000"/>
+                  <a:gd name="adj2" fmla="val 0"/>
+                </a:avLst>
+              </a:prstGeom>
+              <a:solidFill>
+                <a:schemeClr val="bg1"/>
+              </a:solidFill>
+              <a:ln>
+                <a:noFill/>
+              </a:ln>
+            </p:spPr>
+            <p:style>
+              <a:lnRef idx="2">
+                <a:schemeClr val="accent1">
+                  <a:shade val="50000"/>
+                </a:schemeClr>
+              </a:lnRef>
+              <a:fillRef idx="1">
+                <a:schemeClr val="accent1"/>
+              </a:fillRef>
+              <a:effectRef idx="0">
+                <a:schemeClr val="accent1"/>
+              </a:effectRef>
+              <a:fontRef idx="minor">
+                <a:schemeClr val="lt1"/>
+              </a:fontRef>
+            </p:style>
+            <p:txBody>
+              <a:bodyPr rtlCol="0" anchor="ctr"/>
+              <a:lstStyle/>
+              <a:p>
+                <a:pPr algn="ctr"/>
+                <a:endParaRPr lang="en-US"/>
+              </a:p>
+            </p:txBody>
+          </p:sp>
+        </p:grpSp>
+        <p:pic>
+          <p:nvPicPr>
+            <p:cNvPr id="53" name="Immagine 52">
+              <a:extLst>
+                <a:ext uri="{FF2B5EF4-FFF2-40B4-BE49-F238E27FC236}">
+                  <a16:creationId xmlns:a16="http://schemas.microsoft.com/office/drawing/2014/main" id="{A87B3B4A-2246-4AC8-B9DA-A3B741DCA583}"/>
+                </a:ext>
+              </a:extLst>
+            </p:cNvPr>
+            <p:cNvPicPr preferRelativeResize="0">
+              <a:picLocks/>
+            </p:cNvPicPr>
+            <p:nvPr/>
+          </p:nvPicPr>
+          <p:blipFill rotWithShape="1">
+            <a:blip r:embed="rId2">
+              <a:extLst>
+                <a:ext uri="{28A0092B-C50C-407E-A947-70E740481C1C}">
+                  <a14:useLocalDpi xmlns:a14="http://schemas.microsoft.com/office/drawing/2010/main" val="0"/>
+                </a:ext>
+              </a:extLst>
+            </a:blip>
+            <a:srcRect t="5093"/>
+            <a:stretch/>
+          </p:blipFill>
+          <p:spPr>
+            <a:xfrm>
+              <a:off x="8703998" y="1632089"/>
+              <a:ext cx="2077200" cy="4248000"/>
+            </a:xfrm>
+            <a:prstGeom prst="rect">
+              <a:avLst/>
+            </a:prstGeom>
+          </p:spPr>
+        </p:pic>
+      </p:grpSp>
+      <p:grpSp>
+        <p:nvGrpSpPr>
+          <p:cNvPr id="46" name="Group 33">
+            <a:extLst>
+              <a:ext uri="{FF2B5EF4-FFF2-40B4-BE49-F238E27FC236}">
+                <a16:creationId xmlns:a16="http://schemas.microsoft.com/office/drawing/2014/main" id="{3453D2EC-D37F-4AC8-9097-04BF85759ACB}"/>
+              </a:ext>
+            </a:extLst>
+          </p:cNvPr>
+          <p:cNvGrpSpPr/>
+          <p:nvPr/>
+        </p:nvGrpSpPr>
+        <p:grpSpPr>
+          <a:xfrm>
+            <a:off x="1176210" y="1504433"/>
+            <a:ext cx="2519968" cy="4503312"/>
+            <a:chOff x="4543331" y="418722"/>
+            <a:chExt cx="3105339" cy="6020555"/>
+          </a:xfrm>
+        </p:grpSpPr>
+        <p:sp>
+          <p:nvSpPr>
+            <p:cNvPr id="47" name="Rectangle: Rounded Corners 3">
+              <a:extLst>
+                <a:ext uri="{FF2B5EF4-FFF2-40B4-BE49-F238E27FC236}">
+                  <a16:creationId xmlns:a16="http://schemas.microsoft.com/office/drawing/2014/main" id="{141BB762-DC71-4458-93AC-2609A19AD6C0}"/>
+                </a:ext>
+              </a:extLst>
+            </p:cNvPr>
+            <p:cNvSpPr/>
+            <p:nvPr/>
+          </p:nvSpPr>
+          <p:spPr>
+            <a:xfrm>
+              <a:off x="4543331" y="418723"/>
+              <a:ext cx="3105339" cy="6020554"/>
+            </a:xfrm>
+            <a:prstGeom prst="roundRect">
+              <a:avLst>
+                <a:gd name="adj" fmla="val 15514"/>
+              </a:avLst>
+            </a:prstGeom>
+            <a:solidFill>
+              <a:schemeClr val="bg1"/>
+            </a:solidFill>
+            <a:ln>
+              <a:noFill/>
+            </a:ln>
+          </p:spPr>
+          <p:style>
+            <a:lnRef idx="2">
+              <a:schemeClr val="accent1">
+                <a:shade val="50000"/>
+              </a:schemeClr>
+            </a:lnRef>
+            <a:fillRef idx="1">
+              <a:schemeClr val="accent1"/>
+            </a:fillRef>
+            <a:effectRef idx="0">
+              <a:schemeClr val="accent1"/>
+            </a:effectRef>
+            <a:fontRef idx="minor">
+              <a:schemeClr val="lt1"/>
+            </a:fontRef>
+          </p:style>
+          <p:txBody>
+            <a:bodyPr rtlCol="0" anchor="ctr"/>
+            <a:lstStyle/>
+            <a:p>
+              <a:pPr algn="ctr"/>
+              <a:endParaRPr lang="en-US"/>
+            </a:p>
+          </p:txBody>
+        </p:sp>
+        <p:sp>
+          <p:nvSpPr>
+            <p:cNvPr id="48" name="Rectangle: Rounded Corners 20">
+              <a:extLst>
+                <a:ext uri="{FF2B5EF4-FFF2-40B4-BE49-F238E27FC236}">
+                  <a16:creationId xmlns:a16="http://schemas.microsoft.com/office/drawing/2014/main" id="{D4CDC8A2-F884-44A5-8594-F62604195BEF}"/>
+                </a:ext>
+              </a:extLst>
+            </p:cNvPr>
+            <p:cNvSpPr/>
+            <p:nvPr/>
+          </p:nvSpPr>
+          <p:spPr>
+            <a:xfrm>
+              <a:off x="4618628" y="505838"/>
+              <a:ext cx="2954744" cy="5858748"/>
+            </a:xfrm>
+            <a:prstGeom prst="roundRect">
+              <a:avLst>
+                <a:gd name="adj" fmla="val 15247"/>
+              </a:avLst>
+            </a:prstGeom>
+            <a:solidFill>
+              <a:schemeClr val="tx1"/>
+            </a:solidFill>
+            <a:ln>
+              <a:noFill/>
+            </a:ln>
+          </p:spPr>
+          <p:style>
+            <a:lnRef idx="2">
+              <a:schemeClr val="accent1">
+                <a:shade val="50000"/>
+              </a:schemeClr>
+            </a:lnRef>
+            <a:fillRef idx="1">
+              <a:schemeClr val="accent1"/>
+            </a:fillRef>
+            <a:effectRef idx="0">
+              <a:schemeClr val="accent1"/>
+            </a:effectRef>
+            <a:fontRef idx="minor">
+              <a:schemeClr val="lt1"/>
+            </a:fontRef>
+          </p:style>
+          <p:txBody>
+            <a:bodyPr rtlCol="0" anchor="ctr"/>
+            <a:lstStyle/>
+            <a:p>
+              <a:pPr algn="ctr"/>
+              <a:endParaRPr lang="en-US"/>
+            </a:p>
+          </p:txBody>
+        </p:sp>
+        <p:sp>
+          <p:nvSpPr>
+            <p:cNvPr id="49" name="Rectangle: Top Corners Rounded 21">
+              <a:extLst>
+                <a:ext uri="{FF2B5EF4-FFF2-40B4-BE49-F238E27FC236}">
+                  <a16:creationId xmlns:a16="http://schemas.microsoft.com/office/drawing/2014/main" id="{66C856C8-1ED2-4247-BEA6-CF977B2E450F}"/>
+                </a:ext>
+              </a:extLst>
+            </p:cNvPr>
+            <p:cNvSpPr/>
+            <p:nvPr/>
+          </p:nvSpPr>
+          <p:spPr>
+            <a:xfrm rot="10800000">
+              <a:off x="5226996" y="418722"/>
+              <a:ext cx="1738008" cy="291069"/>
+            </a:xfrm>
+            <a:prstGeom prst="round2SameRect">
+              <a:avLst>
+                <a:gd name="adj1" fmla="val 50000"/>
+                <a:gd name="adj2" fmla="val 0"/>
+              </a:avLst>
+            </a:prstGeom>
+            <a:solidFill>
+              <a:schemeClr val="bg1"/>
+            </a:solidFill>
+            <a:ln>
+              <a:noFill/>
+            </a:ln>
+          </p:spPr>
+          <p:style>
+            <a:lnRef idx="2">
+              <a:schemeClr val="accent1">
+                <a:shade val="50000"/>
+              </a:schemeClr>
+            </a:lnRef>
+            <a:fillRef idx="1">
+              <a:schemeClr val="accent1"/>
+            </a:fillRef>
+            <a:effectRef idx="0">
+              <a:schemeClr val="accent1"/>
+            </a:effectRef>
+            <a:fontRef idx="minor">
+              <a:schemeClr val="lt1"/>
+            </a:fontRef>
+          </p:style>
+          <p:txBody>
+            <a:bodyPr rtlCol="0" anchor="ctr"/>
+            <a:lstStyle/>
+            <a:p>
+              <a:pPr algn="ctr"/>
+              <a:endParaRPr lang="en-US"/>
+            </a:p>
+          </p:txBody>
+        </p:sp>
+      </p:grpSp>
+      <p:pic>
+        <p:nvPicPr>
+          <p:cNvPr id="50" name="Immagine 49">
+            <a:extLst>
+              <a:ext uri="{FF2B5EF4-FFF2-40B4-BE49-F238E27FC236}">
+                <a16:creationId xmlns:a16="http://schemas.microsoft.com/office/drawing/2014/main" id="{CFE7735F-7E52-4C45-8DC8-C6ECD4AEE4F0}"/>
+              </a:ext>
+            </a:extLst>
+          </p:cNvPr>
+          <p:cNvPicPr preferRelativeResize="0">
+            <a:picLocks/>
+          </p:cNvPicPr>
+          <p:nvPr/>
+        </p:nvPicPr>
+        <p:blipFill rotWithShape="1">
+          <a:blip r:embed="rId2">
+            <a:extLst>
+              <a:ext uri="{28A0092B-C50C-407E-A947-70E740481C1C}">
+                <a14:useLocalDpi xmlns:a14="http://schemas.microsoft.com/office/drawing/2010/main" val="0"/>
+              </a:ext>
+            </a:extLst>
+          </a:blip>
+          <a:srcRect t="5093"/>
+          <a:stretch/>
+        </p:blipFill>
+        <p:spPr>
+          <a:xfrm>
+            <a:off x="1397220" y="1632089"/>
+            <a:ext cx="2077200" cy="4248000"/>
+          </a:xfrm>
+          <a:prstGeom prst="rect">
+            <a:avLst/>
+          </a:prstGeom>
+        </p:spPr>
+      </p:pic>
+      <p:grpSp>
+        <p:nvGrpSpPr>
+          <p:cNvPr id="41" name="Group 33">
+            <a:extLst>
+              <a:ext uri="{FF2B5EF4-FFF2-40B4-BE49-F238E27FC236}">
+                <a16:creationId xmlns:a16="http://schemas.microsoft.com/office/drawing/2014/main" id="{37EF2258-A59D-43C4-8AC3-1283DE671520}"/>
+              </a:ext>
+            </a:extLst>
+          </p:cNvPr>
+          <p:cNvGrpSpPr/>
+          <p:nvPr/>
+        </p:nvGrpSpPr>
+        <p:grpSpPr>
+          <a:xfrm>
+            <a:off x="1197600" y="1504433"/>
+            <a:ext cx="2519968" cy="4503312"/>
+            <a:chOff x="4543331" y="418722"/>
+            <a:chExt cx="3105339" cy="6020555"/>
+          </a:xfrm>
+        </p:grpSpPr>
+        <p:sp>
+          <p:nvSpPr>
+            <p:cNvPr id="42" name="Rectangle: Rounded Corners 3">
+              <a:extLst>
+                <a:ext uri="{FF2B5EF4-FFF2-40B4-BE49-F238E27FC236}">
+                  <a16:creationId xmlns:a16="http://schemas.microsoft.com/office/drawing/2014/main" id="{790CD219-7CEF-4B7E-82BA-C3BB821D662E}"/>
+                </a:ext>
+              </a:extLst>
+            </p:cNvPr>
+            <p:cNvSpPr/>
+            <p:nvPr/>
+          </p:nvSpPr>
+          <p:spPr>
+            <a:xfrm>
+              <a:off x="4543331" y="418723"/>
+              <a:ext cx="3105339" cy="6020554"/>
+            </a:xfrm>
+            <a:prstGeom prst="roundRect">
+              <a:avLst>
+                <a:gd name="adj" fmla="val 15514"/>
+              </a:avLst>
+            </a:prstGeom>
+            <a:solidFill>
+              <a:schemeClr val="bg1"/>
+            </a:solidFill>
+            <a:ln>
+              <a:noFill/>
+            </a:ln>
+          </p:spPr>
+          <p:style>
+            <a:lnRef idx="2">
+              <a:schemeClr val="accent1">
+                <a:shade val="50000"/>
+              </a:schemeClr>
+            </a:lnRef>
+            <a:fillRef idx="1">
+              <a:schemeClr val="accent1"/>
+            </a:fillRef>
+            <a:effectRef idx="0">
+              <a:schemeClr val="accent1"/>
+            </a:effectRef>
+            <a:fontRef idx="minor">
+              <a:schemeClr val="lt1"/>
+            </a:fontRef>
+          </p:style>
+          <p:txBody>
+            <a:bodyPr rtlCol="0" anchor="ctr"/>
+            <a:lstStyle/>
+            <a:p>
+              <a:pPr algn="ctr"/>
+              <a:endParaRPr lang="en-US"/>
+            </a:p>
+          </p:txBody>
+        </p:sp>
+        <p:sp>
+          <p:nvSpPr>
+            <p:cNvPr id="43" name="Rectangle: Rounded Corners 20">
+              <a:extLst>
+                <a:ext uri="{FF2B5EF4-FFF2-40B4-BE49-F238E27FC236}">
+                  <a16:creationId xmlns:a16="http://schemas.microsoft.com/office/drawing/2014/main" id="{7BE00B09-3D47-41BD-97CE-1EF3B1859D3B}"/>
+                </a:ext>
+              </a:extLst>
+            </p:cNvPr>
+            <p:cNvSpPr/>
+            <p:nvPr/>
+          </p:nvSpPr>
+          <p:spPr>
+            <a:xfrm>
+              <a:off x="4618628" y="505838"/>
+              <a:ext cx="2954744" cy="5858748"/>
+            </a:xfrm>
+            <a:prstGeom prst="roundRect">
+              <a:avLst>
+                <a:gd name="adj" fmla="val 15247"/>
+              </a:avLst>
+            </a:prstGeom>
+            <a:solidFill>
+              <a:schemeClr val="tx1"/>
+            </a:solidFill>
+            <a:ln>
+              <a:noFill/>
+            </a:ln>
+          </p:spPr>
+          <p:style>
+            <a:lnRef idx="2">
+              <a:schemeClr val="accent1">
+                <a:shade val="50000"/>
+              </a:schemeClr>
+            </a:lnRef>
+            <a:fillRef idx="1">
+              <a:schemeClr val="accent1"/>
+            </a:fillRef>
+            <a:effectRef idx="0">
+              <a:schemeClr val="accent1"/>
+            </a:effectRef>
+            <a:fontRef idx="minor">
+              <a:schemeClr val="lt1"/>
+            </a:fontRef>
+          </p:style>
+          <p:txBody>
+            <a:bodyPr rtlCol="0" anchor="ctr"/>
+            <a:lstStyle/>
+            <a:p>
+              <a:pPr algn="ctr"/>
+              <a:endParaRPr lang="en-US"/>
+            </a:p>
+          </p:txBody>
+        </p:sp>
+        <p:sp>
+          <p:nvSpPr>
+            <p:cNvPr id="44" name="Rectangle: Top Corners Rounded 21">
+              <a:extLst>
+                <a:ext uri="{FF2B5EF4-FFF2-40B4-BE49-F238E27FC236}">
+                  <a16:creationId xmlns:a16="http://schemas.microsoft.com/office/drawing/2014/main" id="{BBE34E89-12EE-45C5-8BFB-E13BFB8EA2EE}"/>
+                </a:ext>
+              </a:extLst>
+            </p:cNvPr>
+            <p:cNvSpPr/>
+            <p:nvPr/>
+          </p:nvSpPr>
+          <p:spPr>
+            <a:xfrm rot="10800000">
+              <a:off x="5226996" y="418722"/>
+              <a:ext cx="1738008" cy="291069"/>
+            </a:xfrm>
+            <a:prstGeom prst="round2SameRect">
+              <a:avLst>
+                <a:gd name="adj1" fmla="val 50000"/>
+                <a:gd name="adj2" fmla="val 0"/>
+              </a:avLst>
+            </a:prstGeom>
+            <a:solidFill>
+              <a:schemeClr val="bg1"/>
+            </a:solidFill>
+            <a:ln>
+              <a:noFill/>
+            </a:ln>
+          </p:spPr>
+          <p:style>
+            <a:lnRef idx="2">
+              <a:schemeClr val="accent1">
+                <a:shade val="50000"/>
+              </a:schemeClr>
+            </a:lnRef>
+            <a:fillRef idx="1">
+              <a:schemeClr val="accent1"/>
+            </a:fillRef>
+            <a:effectRef idx="0">
+              <a:schemeClr val="accent1"/>
+            </a:effectRef>
+            <a:fontRef idx="minor">
+              <a:schemeClr val="lt1"/>
+            </a:fontRef>
+          </p:style>
+          <p:txBody>
+            <a:bodyPr rtlCol="0" anchor="ctr"/>
+            <a:lstStyle/>
+            <a:p>
+              <a:pPr algn="ctr"/>
+              <a:endParaRPr lang="en-US"/>
+            </a:p>
+          </p:txBody>
+        </p:sp>
+      </p:grpSp>
+      <p:pic>
+        <p:nvPicPr>
+          <p:cNvPr id="45" name="Immagine 44">
+            <a:extLst>
+              <a:ext uri="{FF2B5EF4-FFF2-40B4-BE49-F238E27FC236}">
+                <a16:creationId xmlns:a16="http://schemas.microsoft.com/office/drawing/2014/main" id="{9BE44C0A-23A0-4036-8338-94C8E2E92125}"/>
+              </a:ext>
+            </a:extLst>
+          </p:cNvPr>
+          <p:cNvPicPr preferRelativeResize="0">
+            <a:picLocks/>
+          </p:cNvPicPr>
+          <p:nvPr/>
+        </p:nvPicPr>
+        <p:blipFill rotWithShape="1">
+          <a:blip r:embed="rId3">
+            <a:extLst>
+              <a:ext uri="{28A0092B-C50C-407E-A947-70E740481C1C}">
+                <a14:useLocalDpi xmlns:a14="http://schemas.microsoft.com/office/drawing/2010/main" val="0"/>
+              </a:ext>
+            </a:extLst>
+          </a:blip>
+          <a:srcRect t="5566"/>
+          <a:stretch/>
+        </p:blipFill>
+        <p:spPr>
+          <a:xfrm>
+            <a:off x="1418984" y="1632089"/>
+            <a:ext cx="2077200" cy="4248000"/>
+          </a:xfrm>
+          <a:prstGeom prst="rect">
+            <a:avLst/>
+          </a:prstGeom>
+        </p:spPr>
+      </p:pic>
+      <p:grpSp>
+        <p:nvGrpSpPr>
+          <p:cNvPr id="28" name="Gruppo 27">
+            <a:extLst>
+              <a:ext uri="{FF2B5EF4-FFF2-40B4-BE49-F238E27FC236}">
+                <a16:creationId xmlns:a16="http://schemas.microsoft.com/office/drawing/2014/main" id="{45657E33-BD69-406A-BDA7-682B289EC720}"/>
+              </a:ext>
+            </a:extLst>
+          </p:cNvPr>
+          <p:cNvGrpSpPr/>
+          <p:nvPr/>
+        </p:nvGrpSpPr>
+        <p:grpSpPr>
+          <a:xfrm>
+            <a:off x="1180488" y="1504433"/>
+            <a:ext cx="2519968" cy="4503312"/>
+            <a:chOff x="1189044" y="1504433"/>
+            <a:chExt cx="2519968" cy="4503312"/>
+          </a:xfrm>
+        </p:grpSpPr>
+        <p:grpSp>
+          <p:nvGrpSpPr>
+            <p:cNvPr id="29" name="Group 33">
+              <a:extLst>
+                <a:ext uri="{FF2B5EF4-FFF2-40B4-BE49-F238E27FC236}">
+                  <a16:creationId xmlns:a16="http://schemas.microsoft.com/office/drawing/2014/main" id="{243FEAAD-7A1D-4F5E-A131-794495D90153}"/>
+                </a:ext>
+              </a:extLst>
+            </p:cNvPr>
+            <p:cNvGrpSpPr/>
+            <p:nvPr/>
+          </p:nvGrpSpPr>
+          <p:grpSpPr>
+            <a:xfrm>
+              <a:off x="1189044" y="1504433"/>
+              <a:ext cx="2519968" cy="4503312"/>
+              <a:chOff x="4543331" y="418722"/>
+              <a:chExt cx="3105339" cy="6020555"/>
+            </a:xfrm>
+          </p:grpSpPr>
+          <p:sp>
+            <p:nvSpPr>
+              <p:cNvPr id="31" name="Rectangle: Rounded Corners 3">
+                <a:extLst>
+                  <a:ext uri="{FF2B5EF4-FFF2-40B4-BE49-F238E27FC236}">
+                    <a16:creationId xmlns:a16="http://schemas.microsoft.com/office/drawing/2014/main" id="{0EB78B38-F8FB-4947-B1D5-C2814530747C}"/>
+                  </a:ext>
+                </a:extLst>
+              </p:cNvPr>
+              <p:cNvSpPr/>
+              <p:nvPr/>
+            </p:nvSpPr>
+            <p:spPr>
+              <a:xfrm>
+                <a:off x="4543331" y="418723"/>
+                <a:ext cx="3105339" cy="6020554"/>
+              </a:xfrm>
+              <a:prstGeom prst="roundRect">
+                <a:avLst>
+                  <a:gd name="adj" fmla="val 15514"/>
+                </a:avLst>
+              </a:prstGeom>
+              <a:solidFill>
+                <a:schemeClr val="bg1"/>
+              </a:solidFill>
+              <a:ln>
+                <a:noFill/>
+              </a:ln>
+            </p:spPr>
+            <p:style>
+              <a:lnRef idx="2">
+                <a:schemeClr val="accent1">
+                  <a:shade val="50000"/>
+                </a:schemeClr>
+              </a:lnRef>
+              <a:fillRef idx="1">
+                <a:schemeClr val="accent1"/>
+              </a:fillRef>
+              <a:effectRef idx="0">
+                <a:schemeClr val="accent1"/>
+              </a:effectRef>
+              <a:fontRef idx="minor">
+                <a:schemeClr val="lt1"/>
+              </a:fontRef>
+            </p:style>
+            <p:txBody>
+              <a:bodyPr rtlCol="0" anchor="ctr"/>
+              <a:lstStyle/>
+              <a:p>
+                <a:pPr algn="ctr"/>
+                <a:endParaRPr lang="en-US"/>
+              </a:p>
+            </p:txBody>
+          </p:sp>
+          <p:sp>
+            <p:nvSpPr>
+              <p:cNvPr id="32" name="Rectangle: Rounded Corners 20">
+                <a:extLst>
+                  <a:ext uri="{FF2B5EF4-FFF2-40B4-BE49-F238E27FC236}">
+                    <a16:creationId xmlns:a16="http://schemas.microsoft.com/office/drawing/2014/main" id="{79DEE915-2C4C-4496-B66C-B6B41FBD85C6}"/>
+                  </a:ext>
+                </a:extLst>
+              </p:cNvPr>
+              <p:cNvSpPr/>
+              <p:nvPr/>
+            </p:nvSpPr>
+            <p:spPr>
+              <a:xfrm>
+                <a:off x="4618628" y="505838"/>
+                <a:ext cx="2954744" cy="5858748"/>
+              </a:xfrm>
+              <a:prstGeom prst="roundRect">
+                <a:avLst>
+                  <a:gd name="adj" fmla="val 15247"/>
+                </a:avLst>
+              </a:prstGeom>
+              <a:solidFill>
+                <a:schemeClr val="tx1"/>
+              </a:solidFill>
+              <a:ln>
+                <a:noFill/>
+              </a:ln>
+            </p:spPr>
+            <p:style>
+              <a:lnRef idx="2">
+                <a:schemeClr val="accent1">
+                  <a:shade val="50000"/>
+                </a:schemeClr>
+              </a:lnRef>
+              <a:fillRef idx="1">
+                <a:schemeClr val="accent1"/>
+              </a:fillRef>
+              <a:effectRef idx="0">
+                <a:schemeClr val="accent1"/>
+              </a:effectRef>
+              <a:fontRef idx="minor">
+                <a:schemeClr val="lt1"/>
+              </a:fontRef>
+            </p:style>
+            <p:txBody>
+              <a:bodyPr rtlCol="0" anchor="ctr"/>
+              <a:lstStyle/>
+              <a:p>
+                <a:pPr algn="ctr"/>
+                <a:endParaRPr lang="en-US"/>
+              </a:p>
+            </p:txBody>
+          </p:sp>
+          <p:sp>
+            <p:nvSpPr>
+              <p:cNvPr id="40" name="Rectangle: Top Corners Rounded 21">
+                <a:extLst>
+                  <a:ext uri="{FF2B5EF4-FFF2-40B4-BE49-F238E27FC236}">
+                    <a16:creationId xmlns:a16="http://schemas.microsoft.com/office/drawing/2014/main" id="{B776F327-24C2-4E90-975D-0839385889ED}"/>
+                  </a:ext>
+                </a:extLst>
+              </p:cNvPr>
+              <p:cNvSpPr/>
+              <p:nvPr/>
+            </p:nvSpPr>
+            <p:spPr>
+              <a:xfrm rot="10800000">
+                <a:off x="5226996" y="418722"/>
+                <a:ext cx="1738008" cy="291069"/>
+              </a:xfrm>
+              <a:prstGeom prst="round2SameRect">
+                <a:avLst>
+                  <a:gd name="adj1" fmla="val 50000"/>
+                  <a:gd name="adj2" fmla="val 0"/>
+                </a:avLst>
+              </a:prstGeom>
+              <a:solidFill>
+                <a:schemeClr val="bg1"/>
+              </a:solidFill>
+              <a:ln>
+                <a:noFill/>
+              </a:ln>
+            </p:spPr>
+            <p:style>
+              <a:lnRef idx="2">
+                <a:schemeClr val="accent1">
+                  <a:shade val="50000"/>
+                </a:schemeClr>
+              </a:lnRef>
+              <a:fillRef idx="1">
+                <a:schemeClr val="accent1"/>
+              </a:fillRef>
+              <a:effectRef idx="0">
+                <a:schemeClr val="accent1"/>
+              </a:effectRef>
+              <a:fontRef idx="minor">
+                <a:schemeClr val="lt1"/>
+              </a:fontRef>
+            </p:style>
+            <p:txBody>
+              <a:bodyPr rtlCol="0" anchor="ctr"/>
+              <a:lstStyle/>
+              <a:p>
+                <a:pPr algn="ctr"/>
+                <a:endParaRPr lang="en-US"/>
+              </a:p>
+            </p:txBody>
+          </p:sp>
+        </p:grpSp>
+        <p:pic>
+          <p:nvPicPr>
+            <p:cNvPr id="30" name="Immagine 29">
+              <a:extLst>
+                <a:ext uri="{FF2B5EF4-FFF2-40B4-BE49-F238E27FC236}">
+                  <a16:creationId xmlns:a16="http://schemas.microsoft.com/office/drawing/2014/main" id="{7B62F52A-8758-464F-98EE-BCC4ADE94AC9}"/>
+                </a:ext>
+              </a:extLst>
+            </p:cNvPr>
+            <p:cNvPicPr preferRelativeResize="0">
+              <a:picLocks/>
+            </p:cNvPicPr>
+            <p:nvPr/>
+          </p:nvPicPr>
+          <p:blipFill rotWithShape="1">
+            <a:blip r:embed="rId4">
+              <a:extLst>
+                <a:ext uri="{28A0092B-C50C-407E-A947-70E740481C1C}">
+                  <a14:useLocalDpi xmlns:a14="http://schemas.microsoft.com/office/drawing/2010/main" val="0"/>
+                </a:ext>
+              </a:extLst>
+            </a:blip>
+            <a:srcRect t="4583"/>
+            <a:stretch/>
+          </p:blipFill>
+          <p:spPr>
+            <a:xfrm>
+              <a:off x="1410802" y="1632089"/>
+              <a:ext cx="2077200" cy="4248000"/>
+            </a:xfrm>
+            <a:prstGeom prst="rect">
+              <a:avLst/>
+            </a:prstGeom>
+          </p:spPr>
+        </p:pic>
+      </p:grpSp>
+      <p:grpSp>
+        <p:nvGrpSpPr>
           <p:cNvPr id="33" name="Gruppo 32">
             <a:extLst>
               <a:ext uri="{FF2B5EF4-FFF2-40B4-BE49-F238E27FC236}">
@@ -10619,7 +11537,7 @@
             <p:nvPr/>
           </p:nvPicPr>
           <p:blipFill rotWithShape="1">
-            <a:blip r:embed="rId2">
+            <a:blip r:embed="rId4">
               <a:extLst>
                 <a:ext uri="{28A0092B-C50C-407E-A947-70E740481C1C}">
                   <a14:useLocalDpi xmlns:a14="http://schemas.microsoft.com/office/drawing/2010/main" val="0"/>
@@ -10859,7 +11777,7 @@
             <p:nvPr/>
           </p:nvPicPr>
           <p:blipFill rotWithShape="1">
-            <a:blip r:embed="rId2">
+            <a:blip r:embed="rId4">
               <a:extLst>
                 <a:ext uri="{28A0092B-C50C-407E-A947-70E740481C1C}">
                   <a14:useLocalDpi xmlns:a14="http://schemas.microsoft.com/office/drawing/2010/main" val="0"/>
@@ -10966,7 +11884,7 @@
           <p:nvPr/>
         </p:nvPicPr>
         <p:blipFill>
-          <a:blip r:embed="rId3"/>
+          <a:blip r:embed="rId5"/>
           <a:stretch>
             <a:fillRect/>
           </a:stretch>
@@ -11151,7 +12069,7 @@
             <p:nvPr/>
           </p:nvPicPr>
           <p:blipFill>
-            <a:blip r:embed="rId4">
+            <a:blip r:embed="rId6">
               <a:extLst>
                 <a:ext uri="{28A0092B-C50C-407E-A947-70E740481C1C}">
                   <a14:useLocalDpi xmlns:a14="http://schemas.microsoft.com/office/drawing/2010/main" val="0"/>
@@ -11722,11 +12640,11 @@
           <p:nvPr/>
         </p:nvPicPr>
         <p:blipFill rotWithShape="1">
-          <a:blip r:embed="rId5">
+          <a:blip r:embed="rId7">
             <a:extLst>
               <a:ext uri="{BEBA8EAE-BF5A-486C-A8C5-ECC9F3942E4B}">
                 <a14:imgProps xmlns:a14="http://schemas.microsoft.com/office/drawing/2010/main">
-                  <a14:imgLayer r:embed="rId6">
+                  <a14:imgLayer r:embed="rId8">
                     <a14:imgEffect>
                       <a14:sharpenSoften amount="-50000"/>
                     </a14:imgEffect>
@@ -11763,7 +12681,7 @@
           <p:nvPr/>
         </p:nvPicPr>
         <p:blipFill rotWithShape="1">
-          <a:blip r:embed="rId7"/>
+          <a:blip r:embed="rId9"/>
           <a:srcRect l="5184" t="9896" r="4525" b="59885"/>
           <a:stretch/>
         </p:blipFill>
@@ -11805,7 +12723,7 @@
           <p:nvPr/>
         </p:nvPicPr>
         <p:blipFill rotWithShape="1">
-          <a:blip r:embed="rId7"/>
+          <a:blip r:embed="rId9"/>
           <a:srcRect l="10275" t="17481" r="9937" b="72453"/>
           <a:stretch/>
         </p:blipFill>
@@ -12441,10 +13359,10 @@
       </p:grpSp>
       <p:grpSp>
         <p:nvGrpSpPr>
-          <p:cNvPr id="30" name="Gruppo 29">
+          <p:cNvPr id="31" name="Group 33">
             <a:extLst>
               <a:ext uri="{FF2B5EF4-FFF2-40B4-BE49-F238E27FC236}">
-                <a16:creationId xmlns:a16="http://schemas.microsoft.com/office/drawing/2014/main" id="{4E1854E4-36A4-42F4-9ED1-C62AEBF97102}"/>
+                <a16:creationId xmlns:a16="http://schemas.microsoft.com/office/drawing/2014/main" id="{1D1D901D-2248-4CFF-9256-80001A8C6ACE}"/>
               </a:ext>
             </a:extLst>
           </p:cNvPr>
@@ -12455,236 +13373,180 @@
           <a:xfrm>
             <a:off x="4836016" y="1504433"/>
             <a:ext cx="2519968" cy="4503312"/>
-            <a:chOff x="1189044" y="1504433"/>
-            <a:chExt cx="2519968" cy="4503312"/>
+            <a:chOff x="4543331" y="418722"/>
+            <a:chExt cx="3105339" cy="6020555"/>
           </a:xfrm>
         </p:grpSpPr>
-        <p:grpSp>
-          <p:nvGrpSpPr>
-            <p:cNvPr id="31" name="Group 33">
+        <p:sp>
+          <p:nvSpPr>
+            <p:cNvPr id="33" name="Rectangle: Rounded Corners 3">
               <a:extLst>
                 <a:ext uri="{FF2B5EF4-FFF2-40B4-BE49-F238E27FC236}">
-                  <a16:creationId xmlns:a16="http://schemas.microsoft.com/office/drawing/2014/main" id="{1D1D901D-2248-4CFF-9256-80001A8C6ACE}"/>
+                  <a16:creationId xmlns:a16="http://schemas.microsoft.com/office/drawing/2014/main" id="{1FDC27C4-F3AC-4ECE-A70B-112FC8398DF5}"/>
                 </a:ext>
               </a:extLst>
             </p:cNvPr>
-            <p:cNvGrpSpPr/>
+            <p:cNvSpPr/>
             <p:nvPr/>
-          </p:nvGrpSpPr>
-          <p:grpSpPr>
+          </p:nvSpPr>
+          <p:spPr>
             <a:xfrm>
-              <a:off x="1189044" y="1504433"/>
-              <a:ext cx="2519968" cy="4503312"/>
-              <a:chOff x="4543331" y="418722"/>
-              <a:chExt cx="3105339" cy="6020555"/>
+              <a:off x="4543331" y="418723"/>
+              <a:ext cx="3105339" cy="6020554"/>
             </a:xfrm>
-          </p:grpSpPr>
-          <p:sp>
-            <p:nvSpPr>
-              <p:cNvPr id="33" name="Rectangle: Rounded Corners 3">
-                <a:extLst>
-                  <a:ext uri="{FF2B5EF4-FFF2-40B4-BE49-F238E27FC236}">
-                    <a16:creationId xmlns:a16="http://schemas.microsoft.com/office/drawing/2014/main" id="{1FDC27C4-F3AC-4ECE-A70B-112FC8398DF5}"/>
-                  </a:ext>
-                </a:extLst>
-              </p:cNvPr>
-              <p:cNvSpPr/>
-              <p:nvPr/>
-            </p:nvSpPr>
-            <p:spPr>
-              <a:xfrm>
-                <a:off x="4543331" y="418723"/>
-                <a:ext cx="3105339" cy="6020554"/>
-              </a:xfrm>
-              <a:prstGeom prst="roundRect">
-                <a:avLst>
-                  <a:gd name="adj" fmla="val 15514"/>
-                </a:avLst>
-              </a:prstGeom>
-              <a:solidFill>
-                <a:schemeClr val="bg1"/>
-              </a:solidFill>
-              <a:ln>
-                <a:noFill/>
-              </a:ln>
-            </p:spPr>
-            <p:style>
-              <a:lnRef idx="2">
-                <a:schemeClr val="accent1">
-                  <a:shade val="50000"/>
-                </a:schemeClr>
-              </a:lnRef>
-              <a:fillRef idx="1">
-                <a:schemeClr val="accent1"/>
-              </a:fillRef>
-              <a:effectRef idx="0">
-                <a:schemeClr val="accent1"/>
-              </a:effectRef>
-              <a:fontRef idx="minor">
-                <a:schemeClr val="lt1"/>
-              </a:fontRef>
-            </p:style>
-            <p:txBody>
-              <a:bodyPr rtlCol="0" anchor="ctr"/>
-              <a:lstStyle/>
-              <a:p>
-                <a:pPr algn="ctr"/>
-                <a:endParaRPr lang="en-US"/>
-              </a:p>
-            </p:txBody>
-          </p:sp>
-          <p:sp>
-            <p:nvSpPr>
-              <p:cNvPr id="35" name="Rectangle: Rounded Corners 20">
-                <a:extLst>
-                  <a:ext uri="{FF2B5EF4-FFF2-40B4-BE49-F238E27FC236}">
-                    <a16:creationId xmlns:a16="http://schemas.microsoft.com/office/drawing/2014/main" id="{9039CAA7-19B8-4188-AF3F-A3E92D3A8F87}"/>
-                  </a:ext>
-                </a:extLst>
-              </p:cNvPr>
-              <p:cNvSpPr/>
-              <p:nvPr/>
-            </p:nvSpPr>
-            <p:spPr>
-              <a:xfrm>
-                <a:off x="4618628" y="505838"/>
-                <a:ext cx="2954744" cy="5858748"/>
-              </a:xfrm>
-              <a:prstGeom prst="roundRect">
-                <a:avLst>
-                  <a:gd name="adj" fmla="val 15247"/>
-                </a:avLst>
-              </a:prstGeom>
-              <a:solidFill>
-                <a:schemeClr val="tx1"/>
-              </a:solidFill>
-              <a:ln>
-                <a:noFill/>
-              </a:ln>
-            </p:spPr>
-            <p:style>
-              <a:lnRef idx="2">
-                <a:schemeClr val="accent1">
-                  <a:shade val="50000"/>
-                </a:schemeClr>
-              </a:lnRef>
-              <a:fillRef idx="1">
-                <a:schemeClr val="accent1"/>
-              </a:fillRef>
-              <a:effectRef idx="0">
-                <a:schemeClr val="accent1"/>
-              </a:effectRef>
-              <a:fontRef idx="minor">
-                <a:schemeClr val="lt1"/>
-              </a:fontRef>
-            </p:style>
-            <p:txBody>
-              <a:bodyPr rtlCol="0" anchor="ctr"/>
-              <a:lstStyle/>
-              <a:p>
-                <a:pPr algn="ctr"/>
-                <a:endParaRPr lang="en-US"/>
-              </a:p>
-            </p:txBody>
-          </p:sp>
-          <p:sp>
-            <p:nvSpPr>
-              <p:cNvPr id="36" name="Rectangle: Top Corners Rounded 21">
-                <a:extLst>
-                  <a:ext uri="{FF2B5EF4-FFF2-40B4-BE49-F238E27FC236}">
-                    <a16:creationId xmlns:a16="http://schemas.microsoft.com/office/drawing/2014/main" id="{FBF4D932-3913-46BD-A277-C772BCCBFF68}"/>
-                  </a:ext>
-                </a:extLst>
-              </p:cNvPr>
-              <p:cNvSpPr/>
-              <p:nvPr/>
-            </p:nvSpPr>
-            <p:spPr>
-              <a:xfrm rot="10800000">
-                <a:off x="5226996" y="418722"/>
-                <a:ext cx="1738008" cy="291069"/>
-              </a:xfrm>
-              <a:prstGeom prst="round2SameRect">
-                <a:avLst>
-                  <a:gd name="adj1" fmla="val 50000"/>
-                  <a:gd name="adj2" fmla="val 0"/>
-                </a:avLst>
-              </a:prstGeom>
-              <a:solidFill>
-                <a:schemeClr val="bg1"/>
-              </a:solidFill>
-              <a:ln>
-                <a:noFill/>
-              </a:ln>
-            </p:spPr>
-            <p:style>
-              <a:lnRef idx="2">
-                <a:schemeClr val="accent1">
-                  <a:shade val="50000"/>
-                </a:schemeClr>
-              </a:lnRef>
-              <a:fillRef idx="1">
-                <a:schemeClr val="accent1"/>
-              </a:fillRef>
-              <a:effectRef idx="0">
-                <a:schemeClr val="accent1"/>
-              </a:effectRef>
-              <a:fontRef idx="minor">
-                <a:schemeClr val="lt1"/>
-              </a:fontRef>
-            </p:style>
-            <p:txBody>
-              <a:bodyPr rtlCol="0" anchor="ctr"/>
-              <a:lstStyle/>
-              <a:p>
-                <a:pPr algn="ctr"/>
-                <a:endParaRPr lang="en-US"/>
-              </a:p>
-            </p:txBody>
-          </p:sp>
-        </p:grpSp>
-        <p:pic>
-          <p:nvPicPr>
-            <p:cNvPr id="32" name="Immagine 31">
+            <a:prstGeom prst="roundRect">
+              <a:avLst>
+                <a:gd name="adj" fmla="val 15514"/>
+              </a:avLst>
+            </a:prstGeom>
+            <a:solidFill>
+              <a:schemeClr val="bg1"/>
+            </a:solidFill>
+            <a:ln>
+              <a:noFill/>
+            </a:ln>
+          </p:spPr>
+          <p:style>
+            <a:lnRef idx="2">
+              <a:schemeClr val="accent1">
+                <a:shade val="50000"/>
+              </a:schemeClr>
+            </a:lnRef>
+            <a:fillRef idx="1">
+              <a:schemeClr val="accent1"/>
+            </a:fillRef>
+            <a:effectRef idx="0">
+              <a:schemeClr val="accent1"/>
+            </a:effectRef>
+            <a:fontRef idx="minor">
+              <a:schemeClr val="lt1"/>
+            </a:fontRef>
+          </p:style>
+          <p:txBody>
+            <a:bodyPr rtlCol="0" anchor="ctr"/>
+            <a:lstStyle/>
+            <a:p>
+              <a:pPr algn="ctr"/>
+              <a:endParaRPr lang="en-US"/>
+            </a:p>
+          </p:txBody>
+        </p:sp>
+        <p:sp>
+          <p:nvSpPr>
+            <p:cNvPr id="35" name="Rectangle: Rounded Corners 20">
               <a:extLst>
                 <a:ext uri="{FF2B5EF4-FFF2-40B4-BE49-F238E27FC236}">
-                  <a16:creationId xmlns:a16="http://schemas.microsoft.com/office/drawing/2014/main" id="{2FE1CE36-B58B-410A-A3D6-7710BA1C5D9A}"/>
+                  <a16:creationId xmlns:a16="http://schemas.microsoft.com/office/drawing/2014/main" id="{9039CAA7-19B8-4188-AF3F-A3E92D3A8F87}"/>
                 </a:ext>
               </a:extLst>
             </p:cNvPr>
-            <p:cNvPicPr preferRelativeResize="0">
-              <a:picLocks/>
-            </p:cNvPicPr>
+            <p:cNvSpPr/>
             <p:nvPr/>
-          </p:nvPicPr>
-          <p:blipFill rotWithShape="1">
-            <a:blip r:embed="rId5">
+          </p:nvSpPr>
+          <p:spPr>
+            <a:xfrm>
+              <a:off x="4618628" y="505838"/>
+              <a:ext cx="2954744" cy="5858748"/>
+            </a:xfrm>
+            <a:prstGeom prst="roundRect">
+              <a:avLst>
+                <a:gd name="adj" fmla="val 15247"/>
+              </a:avLst>
+            </a:prstGeom>
+            <a:solidFill>
+              <a:schemeClr val="tx1"/>
+            </a:solidFill>
+            <a:ln>
+              <a:noFill/>
+            </a:ln>
+          </p:spPr>
+          <p:style>
+            <a:lnRef idx="2">
+              <a:schemeClr val="accent1">
+                <a:shade val="50000"/>
+              </a:schemeClr>
+            </a:lnRef>
+            <a:fillRef idx="1">
+              <a:schemeClr val="accent1"/>
+            </a:fillRef>
+            <a:effectRef idx="0">
+              <a:schemeClr val="accent1"/>
+            </a:effectRef>
+            <a:fontRef idx="minor">
+              <a:schemeClr val="lt1"/>
+            </a:fontRef>
+          </p:style>
+          <p:txBody>
+            <a:bodyPr rtlCol="0" anchor="ctr"/>
+            <a:lstStyle/>
+            <a:p>
+              <a:pPr algn="ctr"/>
+              <a:endParaRPr lang="en-US"/>
+            </a:p>
+          </p:txBody>
+        </p:sp>
+        <p:sp>
+          <p:nvSpPr>
+            <p:cNvPr id="36" name="Rectangle: Top Corners Rounded 21">
               <a:extLst>
-                <a:ext uri="{28A0092B-C50C-407E-A947-70E740481C1C}">
-                  <a14:useLocalDpi xmlns:a14="http://schemas.microsoft.com/office/drawing/2010/main" val="0"/>
+                <a:ext uri="{FF2B5EF4-FFF2-40B4-BE49-F238E27FC236}">
+                  <a16:creationId xmlns:a16="http://schemas.microsoft.com/office/drawing/2014/main" id="{FBF4D932-3913-46BD-A277-C772BCCBFF68}"/>
                 </a:ext>
               </a:extLst>
-            </a:blip>
-            <a:srcRect t="4583"/>
-            <a:stretch/>
-          </p:blipFill>
+            </p:cNvPr>
+            <p:cNvSpPr/>
+            <p:nvPr/>
+          </p:nvSpPr>
           <p:spPr>
-            <a:xfrm>
-              <a:off x="1410802" y="1632089"/>
-              <a:ext cx="2077200" cy="4248000"/>
+            <a:xfrm rot="10800000">
+              <a:off x="5226996" y="418722"/>
+              <a:ext cx="1738008" cy="291069"/>
             </a:xfrm>
-            <a:prstGeom prst="rect">
-              <a:avLst/>
+            <a:prstGeom prst="round2SameRect">
+              <a:avLst>
+                <a:gd name="adj1" fmla="val 50000"/>
+                <a:gd name="adj2" fmla="val 0"/>
+              </a:avLst>
             </a:prstGeom>
+            <a:solidFill>
+              <a:schemeClr val="bg1"/>
+            </a:solidFill>
+            <a:ln>
+              <a:noFill/>
+            </a:ln>
           </p:spPr>
-        </p:pic>
+          <p:style>
+            <a:lnRef idx="2">
+              <a:schemeClr val="accent1">
+                <a:shade val="50000"/>
+              </a:schemeClr>
+            </a:lnRef>
+            <a:fillRef idx="1">
+              <a:schemeClr val="accent1"/>
+            </a:fillRef>
+            <a:effectRef idx="0">
+              <a:schemeClr val="accent1"/>
+            </a:effectRef>
+            <a:fontRef idx="minor">
+              <a:schemeClr val="lt1"/>
+            </a:fontRef>
+          </p:style>
+          <p:txBody>
+            <a:bodyPr rtlCol="0" anchor="ctr"/>
+            <a:lstStyle/>
+            <a:p>
+              <a:pPr algn="ctr"/>
+              <a:endParaRPr lang="en-US"/>
+            </a:p>
+          </p:txBody>
+        </p:sp>
       </p:grpSp>
       <p:grpSp>
         <p:nvGrpSpPr>
-          <p:cNvPr id="37" name="Gruppo 36">
+          <p:cNvPr id="15" name="Gruppo 14">
             <a:extLst>
               <a:ext uri="{FF2B5EF4-FFF2-40B4-BE49-F238E27FC236}">
-                <a16:creationId xmlns:a16="http://schemas.microsoft.com/office/drawing/2014/main" id="{BC404BF0-0E3B-4481-9A57-FD27B47B6EFD}"/>
+                <a16:creationId xmlns:a16="http://schemas.microsoft.com/office/drawing/2014/main" id="{B978A313-E1A6-43A0-9598-EABE61B0BADC}"/>
               </a:ext>
             </a:extLst>
           </p:cNvPr>
@@ -12695,7 +13557,7 @@
           <a:xfrm>
             <a:off x="8482988" y="1504433"/>
             <a:ext cx="2519968" cy="4503312"/>
-            <a:chOff x="1189044" y="1504433"/>
+            <a:chOff x="8482988" y="1504433"/>
             <a:chExt cx="2519968" cy="4503312"/>
           </a:xfrm>
         </p:grpSpPr>
@@ -12713,7 +13575,7 @@
           </p:nvGrpSpPr>
           <p:grpSpPr>
             <a:xfrm>
-              <a:off x="1189044" y="1504433"/>
+              <a:off x="8482988" y="1504433"/>
               <a:ext cx="2519968" cy="4503312"/>
               <a:chOff x="4543331" y="418722"/>
               <a:chExt cx="3105339" cy="6020555"/>
@@ -12885,10 +13747,10 @@
         </p:grpSp>
         <p:pic>
           <p:nvPicPr>
-            <p:cNvPr id="39" name="Immagine 38">
+            <p:cNvPr id="10" name="Immagine 9">
               <a:extLst>
                 <a:ext uri="{FF2B5EF4-FFF2-40B4-BE49-F238E27FC236}">
-                  <a16:creationId xmlns:a16="http://schemas.microsoft.com/office/drawing/2014/main" id="{014F18AC-F523-4A15-ACBA-09F40D74AF5C}"/>
+                  <a16:creationId xmlns:a16="http://schemas.microsoft.com/office/drawing/2014/main" id="{606BE9D0-DF1D-4E6E-A1E1-526B8EA68ED8}"/>
                 </a:ext>
               </a:extLst>
             </p:cNvPr>
@@ -12898,19 +13760,19 @@
             <p:nvPr/>
           </p:nvPicPr>
           <p:blipFill rotWithShape="1">
-            <a:blip r:embed="rId5">
+            <a:blip r:embed="rId6">
               <a:extLst>
                 <a:ext uri="{28A0092B-C50C-407E-A947-70E740481C1C}">
                   <a14:useLocalDpi xmlns:a14="http://schemas.microsoft.com/office/drawing/2010/main" val="0"/>
                 </a:ext>
               </a:extLst>
             </a:blip>
-            <a:srcRect t="4583"/>
+            <a:srcRect t="5093"/>
             <a:stretch/>
           </p:blipFill>
           <p:spPr>
             <a:xfrm>
-              <a:off x="1410802" y="1632089"/>
+              <a:off x="8703998" y="1632089"/>
               <a:ext cx="2077200" cy="4248000"/>
             </a:xfrm>
             <a:prstGeom prst="rect">
@@ -12919,6 +13781,41 @@
           </p:spPr>
         </p:pic>
       </p:grpSp>
+      <p:pic>
+        <p:nvPicPr>
+          <p:cNvPr id="14" name="Immagine 13">
+            <a:extLst>
+              <a:ext uri="{FF2B5EF4-FFF2-40B4-BE49-F238E27FC236}">
+                <a16:creationId xmlns:a16="http://schemas.microsoft.com/office/drawing/2014/main" id="{452B259A-5784-41EE-94F1-B27200D3BDC4}"/>
+              </a:ext>
+            </a:extLst>
+          </p:cNvPr>
+          <p:cNvPicPr preferRelativeResize="0">
+            <a:picLocks/>
+          </p:cNvPicPr>
+          <p:nvPr/>
+        </p:nvPicPr>
+        <p:blipFill rotWithShape="1">
+          <a:blip r:embed="rId7">
+            <a:extLst>
+              <a:ext uri="{28A0092B-C50C-407E-A947-70E740481C1C}">
+                <a14:useLocalDpi xmlns:a14="http://schemas.microsoft.com/office/drawing/2010/main" val="0"/>
+              </a:ext>
+            </a:extLst>
+          </a:blip>
+          <a:srcRect t="5566"/>
+          <a:stretch/>
+        </p:blipFill>
+        <p:spPr>
+          <a:xfrm>
+            <a:off x="5057400" y="1632089"/>
+            <a:ext cx="2077200" cy="4248000"/>
+          </a:xfrm>
+          <a:prstGeom prst="rect">
+            <a:avLst/>
+          </a:prstGeom>
+        </p:spPr>
+      </p:pic>
     </p:spTree>
     <p:extLst>
       <p:ext uri="{BB962C8B-B14F-4D97-AF65-F5344CB8AC3E}">
